--- a/lectures/infrastructure-week-2.pptx
+++ b/lectures/infrastructure-week-2.pptx
@@ -12,14 +12,26 @@
     <p:sldId id="262" r:id="rId6"/>
     <p:sldId id="263" r:id="rId7"/>
     <p:sldId id="264" r:id="rId8"/>
-    <p:sldId id="266" r:id="rId9"/>
-    <p:sldId id="265" r:id="rId10"/>
-    <p:sldId id="267" r:id="rId11"/>
-    <p:sldId id="268" r:id="rId12"/>
-    <p:sldId id="271" r:id="rId13"/>
-    <p:sldId id="272" r:id="rId14"/>
-    <p:sldId id="273" r:id="rId15"/>
-    <p:sldId id="270" r:id="rId16"/>
+    <p:sldId id="274" r:id="rId9"/>
+    <p:sldId id="275" r:id="rId10"/>
+    <p:sldId id="276" r:id="rId11"/>
+    <p:sldId id="277" r:id="rId12"/>
+    <p:sldId id="278" r:id="rId13"/>
+    <p:sldId id="279" r:id="rId14"/>
+    <p:sldId id="280" r:id="rId15"/>
+    <p:sldId id="281" r:id="rId16"/>
+    <p:sldId id="283" r:id="rId17"/>
+    <p:sldId id="282" r:id="rId18"/>
+    <p:sldId id="284" r:id="rId19"/>
+    <p:sldId id="285" r:id="rId20"/>
+    <p:sldId id="266" r:id="rId21"/>
+    <p:sldId id="265" r:id="rId22"/>
+    <p:sldId id="267" r:id="rId23"/>
+    <p:sldId id="268" r:id="rId24"/>
+    <p:sldId id="271" r:id="rId25"/>
+    <p:sldId id="272" r:id="rId26"/>
+    <p:sldId id="273" r:id="rId27"/>
+    <p:sldId id="270" r:id="rId28"/>
   </p:sldIdLst>
   <p:sldSz cx="9144000" cy="6858000" type="screen4x3"/>
   <p:notesSz cx="6858000" cy="9144000"/>
@@ -118,6 +130,22 @@
       </a:defRPr>
     </a:lvl9pPr>
   </p:defaultTextStyle>
+  <p:extLst>
+    <p:ext uri="{EFAFB233-063F-42B5-8137-9DF3F51BA10A}">
+      <p15:sldGuideLst xmlns:p15="http://schemas.microsoft.com/office/powerpoint/2012/main">
+        <p15:guide id="1" orient="horz" pos="2160">
+          <p15:clr>
+            <a:srgbClr val="A4A3A4"/>
+          </p15:clr>
+        </p15:guide>
+        <p15:guide id="2" pos="2880">
+          <p15:clr>
+            <a:srgbClr val="A4A3A4"/>
+          </p15:clr>
+        </p15:guide>
+      </p15:sldGuideLst>
+    </p:ext>
+  </p:extLst>
 </p:presentation>
 </file>
 
@@ -302,7 +330,7 @@
           <a:p>
             <a:fld id="{5B60E164-4364-3441-BA83-2CF3942ACF8D}" type="datetimeFigureOut">
               <a:rPr lang="en-US" smtClean="0"/>
-              <a:t>8/13/16</a:t>
+              <a:t>9/3/16</a:t>
             </a:fld>
             <a:endParaRPr lang="en-US"/>
           </a:p>
@@ -472,7 +500,7 @@
           <a:p>
             <a:fld id="{5B60E164-4364-3441-BA83-2CF3942ACF8D}" type="datetimeFigureOut">
               <a:rPr lang="en-US" smtClean="0"/>
-              <a:t>8/13/16</a:t>
+              <a:t>9/3/16</a:t>
             </a:fld>
             <a:endParaRPr lang="en-US"/>
           </a:p>
@@ -652,7 +680,7 @@
           <a:p>
             <a:fld id="{5B60E164-4364-3441-BA83-2CF3942ACF8D}" type="datetimeFigureOut">
               <a:rPr lang="en-US" smtClean="0"/>
-              <a:t>8/13/16</a:t>
+              <a:t>9/3/16</a:t>
             </a:fld>
             <a:endParaRPr lang="en-US"/>
           </a:p>
@@ -822,7 +850,7 @@
           <a:p>
             <a:fld id="{5B60E164-4364-3441-BA83-2CF3942ACF8D}" type="datetimeFigureOut">
               <a:rPr lang="en-US" smtClean="0"/>
-              <a:t>8/13/16</a:t>
+              <a:t>9/3/16</a:t>
             </a:fld>
             <a:endParaRPr lang="en-US"/>
           </a:p>
@@ -1068,7 +1096,7 @@
           <a:p>
             <a:fld id="{5B60E164-4364-3441-BA83-2CF3942ACF8D}" type="datetimeFigureOut">
               <a:rPr lang="en-US" smtClean="0"/>
-              <a:t>8/13/16</a:t>
+              <a:t>9/3/16</a:t>
             </a:fld>
             <a:endParaRPr lang="en-US"/>
           </a:p>
@@ -1356,7 +1384,7 @@
           <a:p>
             <a:fld id="{5B60E164-4364-3441-BA83-2CF3942ACF8D}" type="datetimeFigureOut">
               <a:rPr lang="en-US" smtClean="0"/>
-              <a:t>8/13/16</a:t>
+              <a:t>9/3/16</a:t>
             </a:fld>
             <a:endParaRPr lang="en-US"/>
           </a:p>
@@ -1778,7 +1806,7 @@
           <a:p>
             <a:fld id="{5B60E164-4364-3441-BA83-2CF3942ACF8D}" type="datetimeFigureOut">
               <a:rPr lang="en-US" smtClean="0"/>
-              <a:t>8/13/16</a:t>
+              <a:t>9/3/16</a:t>
             </a:fld>
             <a:endParaRPr lang="en-US"/>
           </a:p>
@@ -1896,7 +1924,7 @@
           <a:p>
             <a:fld id="{5B60E164-4364-3441-BA83-2CF3942ACF8D}" type="datetimeFigureOut">
               <a:rPr lang="en-US" smtClean="0"/>
-              <a:t>8/13/16</a:t>
+              <a:t>9/3/16</a:t>
             </a:fld>
             <a:endParaRPr lang="en-US"/>
           </a:p>
@@ -1991,7 +2019,7 @@
           <a:p>
             <a:fld id="{5B60E164-4364-3441-BA83-2CF3942ACF8D}" type="datetimeFigureOut">
               <a:rPr lang="en-US" smtClean="0"/>
-              <a:t>8/13/16</a:t>
+              <a:t>9/3/16</a:t>
             </a:fld>
             <a:endParaRPr lang="en-US"/>
           </a:p>
@@ -2268,7 +2296,7 @@
           <a:p>
             <a:fld id="{5B60E164-4364-3441-BA83-2CF3942ACF8D}" type="datetimeFigureOut">
               <a:rPr lang="en-US" smtClean="0"/>
-              <a:t>8/13/16</a:t>
+              <a:t>9/3/16</a:t>
             </a:fld>
             <a:endParaRPr lang="en-US"/>
           </a:p>
@@ -2521,7 +2549,7 @@
           <a:p>
             <a:fld id="{5B60E164-4364-3441-BA83-2CF3942ACF8D}" type="datetimeFigureOut">
               <a:rPr lang="en-US" smtClean="0"/>
-              <a:t>8/13/16</a:t>
+              <a:t>9/3/16</a:t>
             </a:fld>
             <a:endParaRPr lang="en-US"/>
           </a:p>
@@ -2734,7 +2762,7 @@
           <a:p>
             <a:fld id="{5B60E164-4364-3441-BA83-2CF3942ACF8D}" type="datetimeFigureOut">
               <a:rPr lang="en-US" smtClean="0"/>
-              <a:t>8/13/16</a:t>
+              <a:t>9/3/16</a:t>
             </a:fld>
             <a:endParaRPr lang="en-US"/>
           </a:p>
@@ -3294,6 +3322,3180 @@
           <a:p>
             <a:r>
               <a:rPr lang="en-US" dirty="0" smtClean="0"/>
+              <a:t>Shell Scripting</a:t>
+            </a:r>
+            <a:endParaRPr lang="en-US" dirty="0"/>
+          </a:p>
+        </p:txBody>
+      </p:sp>
+      <p:sp>
+        <p:nvSpPr>
+          <p:cNvPr id="3" name="Content Placeholder 2"/>
+          <p:cNvSpPr>
+            <a:spLocks noGrp="1"/>
+          </p:cNvSpPr>
+          <p:nvPr>
+            <p:ph idx="1"/>
+          </p:nvPr>
+        </p:nvSpPr>
+        <p:spPr>
+          <a:xfrm>
+            <a:off x="457200" y="1600200"/>
+            <a:ext cx="8229600" cy="4905103"/>
+          </a:xfrm>
+        </p:spPr>
+        <p:txBody>
+          <a:bodyPr>
+            <a:normAutofit fontScale="62500" lnSpcReduction="20000"/>
+          </a:bodyPr>
+          <a:lstStyle/>
+          <a:p>
+            <a:r>
+              <a:rPr lang="en-US" dirty="0" smtClean="0"/>
+              <a:t>Example script:</a:t>
+            </a:r>
+          </a:p>
+          <a:p>
+            <a:endParaRPr lang="en-US" dirty="0" smtClean="0"/>
+          </a:p>
+          <a:p>
+            <a:pPr marL="457200" lvl="1" indent="0">
+              <a:buNone/>
+            </a:pPr>
+            <a:r>
+              <a:rPr lang="en-US" dirty="0" smtClean="0">
+                <a:latin typeface="Consolas" charset="0"/>
+                <a:ea typeface="Consolas" charset="0"/>
+                <a:cs typeface="Consolas" charset="0"/>
+              </a:rPr>
+              <a:t>#!/bin/bash</a:t>
+            </a:r>
+          </a:p>
+          <a:p>
+            <a:pPr marL="457200" lvl="1" indent="0">
+              <a:buNone/>
+            </a:pPr>
+            <a:r>
+              <a:rPr lang="en-US" dirty="0" smtClean="0">
+                <a:latin typeface="Consolas" charset="0"/>
+                <a:ea typeface="Consolas" charset="0"/>
+                <a:cs typeface="Consolas" charset="0"/>
+              </a:rPr>
+              <a:t>echo “Hello, world!”</a:t>
+            </a:r>
+          </a:p>
+          <a:p>
+            <a:pPr marL="457200" lvl="1" indent="0">
+              <a:buNone/>
+            </a:pPr>
+            <a:r>
+              <a:rPr lang="en-US" dirty="0">
+                <a:latin typeface="Consolas" charset="0"/>
+                <a:ea typeface="Consolas" charset="0"/>
+                <a:cs typeface="Consolas" charset="0"/>
+              </a:rPr>
+              <a:t>e</a:t>
+            </a:r>
+            <a:r>
+              <a:rPr lang="en-US" dirty="0" smtClean="0">
+                <a:latin typeface="Consolas" charset="0"/>
+                <a:ea typeface="Consolas" charset="0"/>
+                <a:cs typeface="Consolas" charset="0"/>
+              </a:rPr>
+              <a:t>cho “These are the current files, $PWD”</a:t>
+            </a:r>
+          </a:p>
+          <a:p>
+            <a:pPr marL="457200" lvl="1" indent="0">
+              <a:buNone/>
+            </a:pPr>
+            <a:r>
+              <a:rPr lang="en-US" dirty="0" smtClean="0">
+                <a:latin typeface="Consolas" charset="0"/>
+                <a:ea typeface="Consolas" charset="0"/>
+                <a:cs typeface="Consolas" charset="0"/>
+              </a:rPr>
+              <a:t>ls</a:t>
+            </a:r>
+          </a:p>
+          <a:p>
+            <a:pPr marL="457200" lvl="1" indent="0">
+              <a:buNone/>
+            </a:pPr>
+            <a:r>
+              <a:rPr lang="en-US" dirty="0">
+                <a:latin typeface="Consolas" charset="0"/>
+                <a:ea typeface="Consolas" charset="0"/>
+                <a:cs typeface="Consolas" charset="0"/>
+              </a:rPr>
+              <a:t>e</a:t>
+            </a:r>
+            <a:r>
+              <a:rPr lang="en-US" dirty="0" smtClean="0">
+                <a:latin typeface="Consolas" charset="0"/>
+                <a:ea typeface="Consolas" charset="0"/>
+                <a:cs typeface="Consolas" charset="0"/>
+              </a:rPr>
+              <a:t>xit 0</a:t>
+            </a:r>
+          </a:p>
+          <a:p>
+            <a:pPr marL="457200" lvl="1" indent="0">
+              <a:buNone/>
+            </a:pPr>
+            <a:endParaRPr lang="en-US" dirty="0" smtClean="0"/>
+          </a:p>
+          <a:p>
+            <a:r>
+              <a:rPr lang="en-US" dirty="0" smtClean="0"/>
+              <a:t>Let’s look at each line:</a:t>
+            </a:r>
+          </a:p>
+          <a:p>
+            <a:endParaRPr lang="en-US" dirty="0" smtClean="0"/>
+          </a:p>
+          <a:p>
+            <a:pPr lvl="1"/>
+            <a:r>
+              <a:rPr lang="en-US" dirty="0" smtClean="0"/>
+              <a:t>#!/bin/bash: aka ”</a:t>
+            </a:r>
+            <a:r>
+              <a:rPr lang="en-US" dirty="0" err="1" smtClean="0"/>
+              <a:t>sha</a:t>
+            </a:r>
+            <a:r>
+              <a:rPr lang="en-US" dirty="0" smtClean="0"/>
+              <a:t>-bang-bin-bash”, specifies the shell processor to execute the commands</a:t>
+            </a:r>
+          </a:p>
+          <a:p>
+            <a:pPr lvl="1"/>
+            <a:r>
+              <a:rPr lang="en-US" dirty="0" smtClean="0"/>
+              <a:t>echo: prints text to the display terminal (aka standard output)</a:t>
+            </a:r>
+          </a:p>
+          <a:p>
+            <a:pPr lvl="1"/>
+            <a:r>
+              <a:rPr lang="en-US" dirty="0" smtClean="0"/>
+              <a:t>ls: command to list files </a:t>
+            </a:r>
+          </a:p>
+          <a:p>
+            <a:pPr lvl="1"/>
+            <a:r>
+              <a:rPr lang="en-US" dirty="0" smtClean="0"/>
+              <a:t>$PWD: a variable that contains the present working directory </a:t>
+            </a:r>
+          </a:p>
+          <a:p>
+            <a:pPr lvl="1"/>
+            <a:r>
+              <a:rPr lang="en-US" dirty="0" smtClean="0"/>
+              <a:t>exit: terminate the script execution with a specified status code</a:t>
+            </a:r>
+          </a:p>
+        </p:txBody>
+      </p:sp>
+    </p:spTree>
+    <p:extLst>
+      <p:ext uri="{BB962C8B-B14F-4D97-AF65-F5344CB8AC3E}">
+        <p14:creationId xmlns:p14="http://schemas.microsoft.com/office/powerpoint/2010/main" val="480054386"/>
+      </p:ext>
+    </p:extLst>
+  </p:cSld>
+  <p:clrMapOvr>
+    <a:masterClrMapping/>
+  </p:clrMapOvr>
+</p:sld>
+</file>
+
+<file path=ppt/slides/slide11.xml><?xml version="1.0" encoding="utf-8"?>
+<p:sld xmlns:a="http://schemas.openxmlformats.org/drawingml/2006/main" xmlns:r="http://schemas.openxmlformats.org/officeDocument/2006/relationships" xmlns:p="http://schemas.openxmlformats.org/presentationml/2006/main">
+  <p:cSld>
+    <p:spTree>
+      <p:nvGrpSpPr>
+        <p:cNvPr id="1" name=""/>
+        <p:cNvGrpSpPr/>
+        <p:nvPr/>
+      </p:nvGrpSpPr>
+      <p:grpSpPr>
+        <a:xfrm>
+          <a:off x="0" y="0"/>
+          <a:ext cx="0" cy="0"/>
+          <a:chOff x="0" y="0"/>
+          <a:chExt cx="0" cy="0"/>
+        </a:xfrm>
+      </p:grpSpPr>
+      <p:sp>
+        <p:nvSpPr>
+          <p:cNvPr id="2" name="Title 1"/>
+          <p:cNvSpPr>
+            <a:spLocks noGrp="1"/>
+          </p:cNvSpPr>
+          <p:nvPr>
+            <p:ph type="title"/>
+          </p:nvPr>
+        </p:nvSpPr>
+        <p:spPr/>
+        <p:txBody>
+          <a:bodyPr/>
+          <a:lstStyle/>
+          <a:p>
+            <a:r>
+              <a:rPr lang="en-US" dirty="0" smtClean="0"/>
+              <a:t>Shell variables</a:t>
+            </a:r>
+            <a:endParaRPr lang="en-US" dirty="0"/>
+          </a:p>
+        </p:txBody>
+      </p:sp>
+      <p:sp>
+        <p:nvSpPr>
+          <p:cNvPr id="3" name="Content Placeholder 2"/>
+          <p:cNvSpPr>
+            <a:spLocks noGrp="1"/>
+          </p:cNvSpPr>
+          <p:nvPr>
+            <p:ph idx="1"/>
+          </p:nvPr>
+        </p:nvSpPr>
+        <p:spPr/>
+        <p:txBody>
+          <a:bodyPr>
+            <a:normAutofit fontScale="70000" lnSpcReduction="20000"/>
+          </a:bodyPr>
+          <a:lstStyle/>
+          <a:p>
+            <a:r>
+              <a:rPr lang="en-US" dirty="0" smtClean="0"/>
+              <a:t>Shell variables act like those found in typical programming languages.</a:t>
+            </a:r>
+          </a:p>
+          <a:p>
+            <a:pPr lvl="1"/>
+            <a:r>
+              <a:rPr lang="en-US" dirty="0" smtClean="0"/>
+              <a:t>Shells variables are not typed (i.e., no string, </a:t>
+            </a:r>
+            <a:r>
+              <a:rPr lang="en-US" dirty="0" err="1" smtClean="0"/>
+              <a:t>int</a:t>
+            </a:r>
+            <a:r>
+              <a:rPr lang="en-US" dirty="0" smtClean="0"/>
+              <a:t>, char, etc.)</a:t>
+            </a:r>
+          </a:p>
+          <a:p>
+            <a:pPr lvl="1"/>
+            <a:endParaRPr lang="en-US" dirty="0" smtClean="0"/>
+          </a:p>
+          <a:p>
+            <a:r>
+              <a:rPr lang="en-US" dirty="0" smtClean="0"/>
+              <a:t>Define a variable using: </a:t>
+            </a:r>
+            <a:r>
+              <a:rPr lang="en-US" dirty="0" smtClean="0">
+                <a:latin typeface="Consolas" charset="0"/>
+                <a:ea typeface="Consolas" charset="0"/>
+                <a:cs typeface="Consolas" charset="0"/>
+              </a:rPr>
+              <a:t>X=“value”</a:t>
+            </a:r>
+          </a:p>
+          <a:p>
+            <a:pPr lvl="1"/>
+            <a:r>
+              <a:rPr lang="en-US" dirty="0" smtClean="0"/>
+              <a:t>Note: Do not put spaces in assignment statement!</a:t>
+            </a:r>
+          </a:p>
+          <a:p>
+            <a:pPr lvl="1"/>
+            <a:r>
+              <a:rPr lang="en-US" dirty="0" smtClean="0"/>
+              <a:t>Common practice to capitalize variable names.</a:t>
+            </a:r>
+          </a:p>
+          <a:p>
+            <a:pPr lvl="1"/>
+            <a:endParaRPr lang="en-US" dirty="0" smtClean="0"/>
+          </a:p>
+          <a:p>
+            <a:r>
+              <a:rPr lang="en-US" dirty="0" smtClean="0"/>
+              <a:t>Refer to the variable in a script using: </a:t>
+            </a:r>
+            <a:r>
+              <a:rPr lang="en-US" dirty="0" smtClean="0">
+                <a:latin typeface="Consolas" charset="0"/>
+                <a:ea typeface="Consolas" charset="0"/>
+                <a:cs typeface="Consolas" charset="0"/>
+              </a:rPr>
+              <a:t>$X</a:t>
+            </a:r>
+          </a:p>
+          <a:p>
+            <a:endParaRPr lang="en-US" dirty="0" smtClean="0">
+              <a:latin typeface="Consolas" charset="0"/>
+              <a:ea typeface="Consolas" charset="0"/>
+              <a:cs typeface="Consolas" charset="0"/>
+            </a:endParaRPr>
+          </a:p>
+          <a:p>
+            <a:r>
+              <a:rPr lang="en-US" dirty="0" smtClean="0">
+                <a:ea typeface="Consolas" charset="0"/>
+                <a:cs typeface="Consolas" charset="0"/>
+              </a:rPr>
+              <a:t>Single quotes vs. double quotes</a:t>
+            </a:r>
+          </a:p>
+          <a:p>
+            <a:pPr lvl="1"/>
+            <a:r>
+              <a:rPr lang="en-US" dirty="0" smtClean="0">
+                <a:ea typeface="Consolas" charset="0"/>
+                <a:cs typeface="Consolas" charset="0"/>
+              </a:rPr>
+              <a:t>Variables are expanded within double quotes, but not single quotes</a:t>
+            </a:r>
+          </a:p>
+          <a:p>
+            <a:pPr lvl="1"/>
+            <a:r>
+              <a:rPr lang="en-US" dirty="0" smtClean="0">
+                <a:latin typeface="Consolas" charset="0"/>
+                <a:ea typeface="Consolas" charset="0"/>
+                <a:cs typeface="Consolas" charset="0"/>
+              </a:rPr>
+              <a:t>echo ‘$USER’ </a:t>
+            </a:r>
+            <a:r>
+              <a:rPr lang="en-US" dirty="0" smtClean="0">
+                <a:ea typeface="Consolas" charset="0"/>
+                <a:cs typeface="Consolas" charset="0"/>
+              </a:rPr>
+              <a:t>literally prints out the text: $USER</a:t>
+            </a:r>
+          </a:p>
+          <a:p>
+            <a:pPr lvl="1"/>
+            <a:r>
+              <a:rPr lang="en-US" dirty="0" smtClean="0">
+                <a:latin typeface="Consolas" charset="0"/>
+                <a:ea typeface="Consolas" charset="0"/>
+                <a:cs typeface="Consolas" charset="0"/>
+              </a:rPr>
+              <a:t>echo “$USER” </a:t>
+            </a:r>
+            <a:r>
+              <a:rPr lang="en-US" dirty="0" smtClean="0">
+                <a:ea typeface="Consolas" charset="0"/>
+                <a:cs typeface="Consolas" charset="0"/>
+              </a:rPr>
+              <a:t>prints out the value of the variable</a:t>
+            </a:r>
+          </a:p>
+        </p:txBody>
+      </p:sp>
+    </p:spTree>
+    <p:extLst>
+      <p:ext uri="{BB962C8B-B14F-4D97-AF65-F5344CB8AC3E}">
+        <p14:creationId xmlns:p14="http://schemas.microsoft.com/office/powerpoint/2010/main" val="354778684"/>
+      </p:ext>
+    </p:extLst>
+  </p:cSld>
+  <p:clrMapOvr>
+    <a:masterClrMapping/>
+  </p:clrMapOvr>
+</p:sld>
+</file>
+
+<file path=ppt/slides/slide12.xml><?xml version="1.0" encoding="utf-8"?>
+<p:sld xmlns:a="http://schemas.openxmlformats.org/drawingml/2006/main" xmlns:r="http://schemas.openxmlformats.org/officeDocument/2006/relationships" xmlns:p="http://schemas.openxmlformats.org/presentationml/2006/main">
+  <p:cSld>
+    <p:spTree>
+      <p:nvGrpSpPr>
+        <p:cNvPr id="1" name=""/>
+        <p:cNvGrpSpPr/>
+        <p:nvPr/>
+      </p:nvGrpSpPr>
+      <p:grpSpPr>
+        <a:xfrm>
+          <a:off x="0" y="0"/>
+          <a:ext cx="0" cy="0"/>
+          <a:chOff x="0" y="0"/>
+          <a:chExt cx="0" cy="0"/>
+        </a:xfrm>
+      </p:grpSpPr>
+      <p:sp>
+        <p:nvSpPr>
+          <p:cNvPr id="2" name="Title 1"/>
+          <p:cNvSpPr>
+            <a:spLocks noGrp="1"/>
+          </p:cNvSpPr>
+          <p:nvPr>
+            <p:ph type="title"/>
+          </p:nvPr>
+        </p:nvSpPr>
+        <p:spPr/>
+        <p:txBody>
+          <a:bodyPr/>
+          <a:lstStyle/>
+          <a:p>
+            <a:r>
+              <a:rPr lang="en-US" dirty="0" smtClean="0"/>
+              <a:t>Shell variables</a:t>
+            </a:r>
+            <a:endParaRPr lang="en-US" dirty="0"/>
+          </a:p>
+        </p:txBody>
+      </p:sp>
+      <p:sp>
+        <p:nvSpPr>
+          <p:cNvPr id="3" name="Content Placeholder 2"/>
+          <p:cNvSpPr>
+            <a:spLocks noGrp="1"/>
+          </p:cNvSpPr>
+          <p:nvPr>
+            <p:ph idx="1"/>
+          </p:nvPr>
+        </p:nvSpPr>
+        <p:spPr>
+          <a:xfrm>
+            <a:off x="457200" y="1600200"/>
+            <a:ext cx="8229600" cy="5009606"/>
+          </a:xfrm>
+        </p:spPr>
+        <p:txBody>
+          <a:bodyPr>
+            <a:normAutofit fontScale="62500" lnSpcReduction="20000"/>
+          </a:bodyPr>
+          <a:lstStyle/>
+          <a:p>
+            <a:r>
+              <a:rPr lang="en-US" dirty="0" smtClean="0"/>
+              <a:t>The shell replaces every occurrence of a variable with its value in the script.</a:t>
+            </a:r>
+          </a:p>
+          <a:p>
+            <a:endParaRPr lang="en-US" dirty="0" smtClean="0"/>
+          </a:p>
+          <a:p>
+            <a:pPr marL="400050" lvl="1" indent="0">
+              <a:buNone/>
+            </a:pPr>
+            <a:r>
+              <a:rPr lang="en-US" dirty="0" smtClean="0">
+                <a:latin typeface="Consolas" charset="0"/>
+                <a:ea typeface="Consolas" charset="0"/>
+                <a:cs typeface="Consolas" charset="0"/>
+              </a:rPr>
+              <a:t>#!/bin/bash</a:t>
+            </a:r>
+          </a:p>
+          <a:p>
+            <a:pPr marL="400050" lvl="1" indent="0">
+              <a:buNone/>
+            </a:pPr>
+            <a:r>
+              <a:rPr lang="en-US" dirty="0" smtClean="0">
+                <a:latin typeface="Consolas" charset="0"/>
+                <a:ea typeface="Consolas" charset="0"/>
+                <a:cs typeface="Consolas" charset="0"/>
+              </a:rPr>
+              <a:t>LS=“ls”</a:t>
+            </a:r>
+          </a:p>
+          <a:p>
+            <a:pPr marL="400050" lvl="1" indent="0">
+              <a:buNone/>
+            </a:pPr>
+            <a:r>
+              <a:rPr lang="en-US" dirty="0" smtClean="0">
+                <a:latin typeface="Consolas" charset="0"/>
+                <a:ea typeface="Consolas" charset="0"/>
+                <a:cs typeface="Consolas" charset="0"/>
+              </a:rPr>
+              <a:t>LS_FLAGS=“-al”</a:t>
+            </a:r>
+          </a:p>
+          <a:p>
+            <a:pPr marL="400050" lvl="1" indent="0">
+              <a:buNone/>
+            </a:pPr>
+            <a:r>
+              <a:rPr lang="en-US" dirty="0" smtClean="0">
+                <a:latin typeface="Consolas" charset="0"/>
+                <a:ea typeface="Consolas" charset="0"/>
+                <a:cs typeface="Consolas" charset="0"/>
+              </a:rPr>
+              <a:t>$LS $LS_FLAGS</a:t>
+            </a:r>
+          </a:p>
+          <a:p>
+            <a:pPr marL="400050" lvl="1" indent="0">
+              <a:buNone/>
+            </a:pPr>
+            <a:endParaRPr lang="en-US" dirty="0" smtClean="0">
+              <a:latin typeface="Consolas" charset="0"/>
+              <a:ea typeface="Consolas" charset="0"/>
+              <a:cs typeface="Consolas" charset="0"/>
+            </a:endParaRPr>
+          </a:p>
+          <a:p>
+            <a:r>
+              <a:rPr lang="en-US" dirty="0" smtClean="0"/>
+              <a:t>The shell replaces the last line with the value of the variables and executes it!</a:t>
+            </a:r>
+          </a:p>
+          <a:p>
+            <a:endParaRPr lang="en-US" dirty="0" smtClean="0"/>
+          </a:p>
+          <a:p>
+            <a:r>
+              <a:rPr lang="en-US" dirty="0" smtClean="0"/>
+              <a:t>What if you need to display a variable followed by other characters?</a:t>
+            </a:r>
+          </a:p>
+          <a:p>
+            <a:pPr marL="0" indent="0">
+              <a:buNone/>
+            </a:pPr>
+            <a:r>
+              <a:rPr lang="en-US" dirty="0" smtClean="0"/>
+              <a:t>	</a:t>
+            </a:r>
+            <a:r>
+              <a:rPr lang="en-US" dirty="0" smtClean="0">
+                <a:latin typeface="Consolas" charset="0"/>
+                <a:ea typeface="Consolas" charset="0"/>
+                <a:cs typeface="Consolas" charset="0"/>
+              </a:rPr>
+              <a:t>echo “$</a:t>
+            </a:r>
+            <a:r>
+              <a:rPr lang="en-US" dirty="0" err="1" smtClean="0">
+                <a:latin typeface="Consolas" charset="0"/>
+                <a:ea typeface="Consolas" charset="0"/>
+                <a:cs typeface="Consolas" charset="0"/>
+              </a:rPr>
+              <a:t>MYVARxyz</a:t>
+            </a:r>
+            <a:r>
+              <a:rPr lang="en-US" dirty="0" smtClean="0">
+                <a:latin typeface="Consolas" charset="0"/>
+                <a:ea typeface="Consolas" charset="0"/>
+                <a:cs typeface="Consolas" charset="0"/>
+              </a:rPr>
+              <a:t>”</a:t>
+            </a:r>
+          </a:p>
+          <a:p>
+            <a:pPr marL="0" indent="0">
+              <a:buNone/>
+            </a:pPr>
+            <a:endParaRPr lang="en-US" dirty="0" smtClean="0"/>
+          </a:p>
+          <a:p>
+            <a:r>
+              <a:rPr lang="en-US" dirty="0" smtClean="0"/>
+              <a:t>Protect the variable by surrounding it with braces.</a:t>
+            </a:r>
+          </a:p>
+          <a:p>
+            <a:pPr marL="0" indent="0">
+              <a:buNone/>
+            </a:pPr>
+            <a:r>
+              <a:rPr lang="en-US" dirty="0" smtClean="0"/>
+              <a:t>	</a:t>
+            </a:r>
+            <a:r>
+              <a:rPr lang="en-US" dirty="0" smtClean="0">
+                <a:latin typeface="Consolas" charset="0"/>
+                <a:ea typeface="Consolas" charset="0"/>
+                <a:cs typeface="Consolas" charset="0"/>
+              </a:rPr>
+              <a:t>echo “${MYVAR}xyz”</a:t>
+            </a:r>
+            <a:endParaRPr lang="en-US" dirty="0" smtClean="0">
+              <a:ea typeface="Consolas" charset="0"/>
+              <a:cs typeface="Consolas" charset="0"/>
+            </a:endParaRPr>
+          </a:p>
+          <a:p>
+            <a:endParaRPr lang="en-US" dirty="0" smtClean="0"/>
+          </a:p>
+        </p:txBody>
+      </p:sp>
+    </p:spTree>
+    <p:extLst>
+      <p:ext uri="{BB962C8B-B14F-4D97-AF65-F5344CB8AC3E}">
+        <p14:creationId xmlns:p14="http://schemas.microsoft.com/office/powerpoint/2010/main" val="348717902"/>
+      </p:ext>
+    </p:extLst>
+  </p:cSld>
+  <p:clrMapOvr>
+    <a:masterClrMapping/>
+  </p:clrMapOvr>
+</p:sld>
+</file>
+
+<file path=ppt/slides/slide13.xml><?xml version="1.0" encoding="utf-8"?>
+<p:sld xmlns:a="http://schemas.openxmlformats.org/drawingml/2006/main" xmlns:r="http://schemas.openxmlformats.org/officeDocument/2006/relationships" xmlns:p="http://schemas.openxmlformats.org/presentationml/2006/main">
+  <p:cSld>
+    <p:spTree>
+      <p:nvGrpSpPr>
+        <p:cNvPr id="1" name=""/>
+        <p:cNvGrpSpPr/>
+        <p:nvPr/>
+      </p:nvGrpSpPr>
+      <p:grpSpPr>
+        <a:xfrm>
+          <a:off x="0" y="0"/>
+          <a:ext cx="0" cy="0"/>
+          <a:chOff x="0" y="0"/>
+          <a:chExt cx="0" cy="0"/>
+        </a:xfrm>
+      </p:grpSpPr>
+      <p:sp>
+        <p:nvSpPr>
+          <p:cNvPr id="2" name="Title 1"/>
+          <p:cNvSpPr>
+            <a:spLocks noGrp="1"/>
+          </p:cNvSpPr>
+          <p:nvPr>
+            <p:ph type="title"/>
+          </p:nvPr>
+        </p:nvSpPr>
+        <p:spPr/>
+        <p:txBody>
+          <a:bodyPr/>
+          <a:lstStyle/>
+          <a:p>
+            <a:r>
+              <a:rPr lang="en-US" dirty="0" smtClean="0"/>
+              <a:t>Shell variables</a:t>
+            </a:r>
+            <a:endParaRPr lang="en-US" dirty="0"/>
+          </a:p>
+        </p:txBody>
+      </p:sp>
+      <p:sp>
+        <p:nvSpPr>
+          <p:cNvPr id="3" name="Content Placeholder 2"/>
+          <p:cNvSpPr>
+            <a:spLocks noGrp="1"/>
+          </p:cNvSpPr>
+          <p:nvPr>
+            <p:ph idx="1"/>
+          </p:nvPr>
+        </p:nvSpPr>
+        <p:spPr>
+          <a:xfrm>
+            <a:off x="457200" y="1600200"/>
+            <a:ext cx="8229600" cy="4983480"/>
+          </a:xfrm>
+        </p:spPr>
+        <p:txBody>
+          <a:bodyPr>
+            <a:normAutofit fontScale="70000" lnSpcReduction="20000"/>
+          </a:bodyPr>
+          <a:lstStyle/>
+          <a:p>
+            <a:r>
+              <a:rPr lang="en-US" dirty="0" smtClean="0"/>
+              <a:t>Executing a shell script from command-line:</a:t>
+            </a:r>
+          </a:p>
+          <a:p>
+            <a:pPr lvl="1"/>
+            <a:r>
+              <a:rPr lang="en-US" dirty="0" err="1"/>
+              <a:t>s</a:t>
+            </a:r>
+            <a:r>
+              <a:rPr lang="en-US" dirty="0" err="1" smtClean="0"/>
+              <a:t>criptname</a:t>
+            </a:r>
+            <a:r>
+              <a:rPr lang="en-US" dirty="0" smtClean="0"/>
+              <a:t> arg1 arg2 arg3</a:t>
+            </a:r>
+            <a:endParaRPr lang="is-IS" dirty="0" smtClean="0"/>
+          </a:p>
+          <a:p>
+            <a:r>
+              <a:rPr lang="is-IS" dirty="0" smtClean="0"/>
+              <a:t>Shell has some built-in variables associated with this command execution:</a:t>
+            </a:r>
+          </a:p>
+          <a:p>
+            <a:pPr lvl="1"/>
+            <a:r>
+              <a:rPr lang="is-IS" dirty="0" smtClean="0"/>
+              <a:t>$0: scriptname</a:t>
+            </a:r>
+          </a:p>
+          <a:p>
+            <a:pPr lvl="1"/>
+            <a:r>
+              <a:rPr lang="is-IS" dirty="0" smtClean="0"/>
+              <a:t>$1: arg1</a:t>
+            </a:r>
+          </a:p>
+          <a:p>
+            <a:pPr lvl="1"/>
+            <a:r>
+              <a:rPr lang="is-IS" dirty="0" smtClean="0"/>
+              <a:t>$2: arg2</a:t>
+            </a:r>
+          </a:p>
+          <a:p>
+            <a:pPr lvl="1"/>
+            <a:r>
+              <a:rPr lang="is-IS" dirty="0" smtClean="0"/>
+              <a:t>$3: arg3</a:t>
+            </a:r>
+          </a:p>
+          <a:p>
+            <a:pPr lvl="1"/>
+            <a:r>
+              <a:rPr lang="is-IS" dirty="0" smtClean="0"/>
+              <a:t>$#: number of command-line arguments (3)</a:t>
+            </a:r>
+          </a:p>
+          <a:p>
+            <a:pPr lvl="1"/>
+            <a:endParaRPr lang="is-IS" dirty="0" smtClean="0"/>
+          </a:p>
+          <a:p>
+            <a:r>
+              <a:rPr lang="is-IS" dirty="0" smtClean="0"/>
+              <a:t>Other common built-in variables</a:t>
+            </a:r>
+          </a:p>
+          <a:p>
+            <a:pPr lvl="1"/>
+            <a:r>
+              <a:rPr lang="is-IS" dirty="0" smtClean="0"/>
+              <a:t>$HOME: home directory of current user</a:t>
+            </a:r>
+          </a:p>
+          <a:p>
+            <a:pPr lvl="1"/>
+            <a:r>
+              <a:rPr lang="is-IS" dirty="0" smtClean="0"/>
+              <a:t>$HOSTNAME: name assigned to the system</a:t>
+            </a:r>
+          </a:p>
+          <a:p>
+            <a:pPr lvl="1"/>
+            <a:r>
+              <a:rPr lang="is-IS" dirty="0" smtClean="0"/>
+              <a:t>$PATH: file directories where executable applications are located</a:t>
+            </a:r>
+          </a:p>
+          <a:p>
+            <a:pPr lvl="1"/>
+            <a:r>
+              <a:rPr lang="is-IS" dirty="0" smtClean="0"/>
+              <a:t>$PWD: current working directory</a:t>
+            </a:r>
+          </a:p>
+          <a:p>
+            <a:pPr lvl="1"/>
+            <a:r>
+              <a:rPr lang="is-IS" dirty="0" smtClean="0"/>
+              <a:t>$UID: current user ID number</a:t>
+            </a:r>
+          </a:p>
+          <a:p>
+            <a:endParaRPr lang="en-US" dirty="0"/>
+          </a:p>
+        </p:txBody>
+      </p:sp>
+    </p:spTree>
+    <p:extLst>
+      <p:ext uri="{BB962C8B-B14F-4D97-AF65-F5344CB8AC3E}">
+        <p14:creationId xmlns:p14="http://schemas.microsoft.com/office/powerpoint/2010/main" val="354788383"/>
+      </p:ext>
+    </p:extLst>
+  </p:cSld>
+  <p:clrMapOvr>
+    <a:masterClrMapping/>
+  </p:clrMapOvr>
+</p:sld>
+</file>
+
+<file path=ppt/slides/slide14.xml><?xml version="1.0" encoding="utf-8"?>
+<p:sld xmlns:a="http://schemas.openxmlformats.org/drawingml/2006/main" xmlns:r="http://schemas.openxmlformats.org/officeDocument/2006/relationships" xmlns:p="http://schemas.openxmlformats.org/presentationml/2006/main">
+  <p:cSld>
+    <p:spTree>
+      <p:nvGrpSpPr>
+        <p:cNvPr id="1" name=""/>
+        <p:cNvGrpSpPr/>
+        <p:nvPr/>
+      </p:nvGrpSpPr>
+      <p:grpSpPr>
+        <a:xfrm>
+          <a:off x="0" y="0"/>
+          <a:ext cx="0" cy="0"/>
+          <a:chOff x="0" y="0"/>
+          <a:chExt cx="0" cy="0"/>
+        </a:xfrm>
+      </p:grpSpPr>
+      <p:sp>
+        <p:nvSpPr>
+          <p:cNvPr id="2" name="Title 1"/>
+          <p:cNvSpPr>
+            <a:spLocks noGrp="1"/>
+          </p:cNvSpPr>
+          <p:nvPr>
+            <p:ph type="title"/>
+          </p:nvPr>
+        </p:nvSpPr>
+        <p:spPr/>
+        <p:txBody>
+          <a:bodyPr>
+            <a:normAutofit/>
+          </a:bodyPr>
+          <a:lstStyle/>
+          <a:p>
+            <a:r>
+              <a:rPr lang="en-US" dirty="0" smtClean="0"/>
+              <a:t>Shell conditionals</a:t>
+            </a:r>
+            <a:endParaRPr lang="en-US" dirty="0"/>
+          </a:p>
+        </p:txBody>
+      </p:sp>
+      <p:sp>
+        <p:nvSpPr>
+          <p:cNvPr id="3" name="Content Placeholder 2"/>
+          <p:cNvSpPr>
+            <a:spLocks noGrp="1"/>
+          </p:cNvSpPr>
+          <p:nvPr>
+            <p:ph idx="1"/>
+          </p:nvPr>
+        </p:nvSpPr>
+        <p:spPr>
+          <a:xfrm>
+            <a:off x="457200" y="1293223"/>
+            <a:ext cx="8229600" cy="5564777"/>
+          </a:xfrm>
+        </p:spPr>
+        <p:txBody>
+          <a:bodyPr>
+            <a:normAutofit fontScale="55000" lnSpcReduction="20000"/>
+          </a:bodyPr>
+          <a:lstStyle/>
+          <a:p>
+            <a:r>
+              <a:rPr lang="en-US" dirty="0" smtClean="0"/>
+              <a:t>Shell supports conditional checks to branch execution:</a:t>
+            </a:r>
+          </a:p>
+          <a:p>
+            <a:endParaRPr lang="en-US" dirty="0" smtClean="0"/>
+          </a:p>
+          <a:p>
+            <a:pPr marL="0" indent="0">
+              <a:buNone/>
+            </a:pPr>
+            <a:r>
+              <a:rPr lang="en-US" dirty="0">
+                <a:latin typeface="Consolas" charset="0"/>
+                <a:ea typeface="Consolas" charset="0"/>
+                <a:cs typeface="Consolas" charset="0"/>
+              </a:rPr>
+              <a:t>	</a:t>
+            </a:r>
+            <a:r>
+              <a:rPr lang="en-US" dirty="0" smtClean="0">
+                <a:latin typeface="Consolas" charset="0"/>
+                <a:ea typeface="Consolas" charset="0"/>
+                <a:cs typeface="Consolas" charset="0"/>
+              </a:rPr>
+              <a:t>if </a:t>
+            </a:r>
+            <a:r>
+              <a:rPr lang="en-US" i="1" dirty="0" smtClean="0">
+                <a:latin typeface="Consolas" charset="0"/>
+                <a:ea typeface="Consolas" charset="0"/>
+                <a:cs typeface="Consolas" charset="0"/>
+              </a:rPr>
+              <a:t>condition1</a:t>
+            </a:r>
+          </a:p>
+          <a:p>
+            <a:pPr marL="0" indent="0">
+              <a:buNone/>
+            </a:pPr>
+            <a:r>
+              <a:rPr lang="en-US" dirty="0">
+                <a:latin typeface="Consolas" charset="0"/>
+                <a:ea typeface="Consolas" charset="0"/>
+                <a:cs typeface="Consolas" charset="0"/>
+              </a:rPr>
+              <a:t>	</a:t>
+            </a:r>
+            <a:r>
+              <a:rPr lang="en-US" dirty="0" smtClean="0">
+                <a:latin typeface="Consolas" charset="0"/>
+                <a:ea typeface="Consolas" charset="0"/>
+                <a:cs typeface="Consolas" charset="0"/>
+              </a:rPr>
+              <a:t>then</a:t>
+            </a:r>
+          </a:p>
+          <a:p>
+            <a:pPr marL="0" indent="0">
+              <a:buNone/>
+            </a:pPr>
+            <a:r>
+              <a:rPr lang="en-US" dirty="0">
+                <a:latin typeface="Consolas" charset="0"/>
+                <a:ea typeface="Consolas" charset="0"/>
+                <a:cs typeface="Consolas" charset="0"/>
+              </a:rPr>
+              <a:t>	</a:t>
+            </a:r>
+            <a:r>
+              <a:rPr lang="en-US" dirty="0" smtClean="0">
+                <a:latin typeface="Consolas" charset="0"/>
+                <a:ea typeface="Consolas" charset="0"/>
+                <a:cs typeface="Consolas" charset="0"/>
+              </a:rPr>
+              <a:t>	statement1</a:t>
+            </a:r>
+          </a:p>
+          <a:p>
+            <a:pPr marL="0" indent="0">
+              <a:buNone/>
+            </a:pPr>
+            <a:r>
+              <a:rPr lang="en-US" dirty="0">
+                <a:latin typeface="Consolas" charset="0"/>
+                <a:ea typeface="Consolas" charset="0"/>
+                <a:cs typeface="Consolas" charset="0"/>
+              </a:rPr>
+              <a:t>	</a:t>
+            </a:r>
+            <a:r>
+              <a:rPr lang="en-US" dirty="0" smtClean="0">
+                <a:latin typeface="Consolas" charset="0"/>
+                <a:ea typeface="Consolas" charset="0"/>
+                <a:cs typeface="Consolas" charset="0"/>
+              </a:rPr>
+              <a:t>	statement2</a:t>
+            </a:r>
+          </a:p>
+          <a:p>
+            <a:pPr marL="0" indent="0">
+              <a:buNone/>
+            </a:pPr>
+            <a:r>
+              <a:rPr lang="en-US" dirty="0">
+                <a:latin typeface="Consolas" charset="0"/>
+                <a:ea typeface="Consolas" charset="0"/>
+                <a:cs typeface="Consolas" charset="0"/>
+              </a:rPr>
+              <a:t>	</a:t>
+            </a:r>
+            <a:r>
+              <a:rPr lang="en-US" dirty="0" err="1" smtClean="0">
+                <a:latin typeface="Consolas" charset="0"/>
+                <a:ea typeface="Consolas" charset="0"/>
+                <a:cs typeface="Consolas" charset="0"/>
+              </a:rPr>
+              <a:t>elif</a:t>
+            </a:r>
+            <a:r>
+              <a:rPr lang="en-US" dirty="0" smtClean="0">
+                <a:latin typeface="Consolas" charset="0"/>
+                <a:ea typeface="Consolas" charset="0"/>
+                <a:cs typeface="Consolas" charset="0"/>
+              </a:rPr>
+              <a:t> </a:t>
+            </a:r>
+            <a:r>
+              <a:rPr lang="en-US" i="1" dirty="0" smtClean="0">
+                <a:latin typeface="Consolas" charset="0"/>
+                <a:ea typeface="Consolas" charset="0"/>
+                <a:cs typeface="Consolas" charset="0"/>
+              </a:rPr>
+              <a:t>condition2</a:t>
+            </a:r>
+          </a:p>
+          <a:p>
+            <a:pPr marL="0" indent="0">
+              <a:buNone/>
+            </a:pPr>
+            <a:r>
+              <a:rPr lang="en-US" dirty="0">
+                <a:latin typeface="Consolas" charset="0"/>
+                <a:ea typeface="Consolas" charset="0"/>
+                <a:cs typeface="Consolas" charset="0"/>
+              </a:rPr>
+              <a:t>	</a:t>
+            </a:r>
+            <a:r>
+              <a:rPr lang="en-US" dirty="0" smtClean="0">
+                <a:latin typeface="Consolas" charset="0"/>
+                <a:ea typeface="Consolas" charset="0"/>
+                <a:cs typeface="Consolas" charset="0"/>
+              </a:rPr>
+              <a:t>else</a:t>
+            </a:r>
+          </a:p>
+          <a:p>
+            <a:pPr marL="0" indent="0">
+              <a:buNone/>
+            </a:pPr>
+            <a:r>
+              <a:rPr lang="en-US" dirty="0">
+                <a:latin typeface="Consolas" charset="0"/>
+                <a:ea typeface="Consolas" charset="0"/>
+                <a:cs typeface="Consolas" charset="0"/>
+              </a:rPr>
+              <a:t>	</a:t>
+            </a:r>
+            <a:r>
+              <a:rPr lang="en-US" dirty="0" smtClean="0">
+                <a:latin typeface="Consolas" charset="0"/>
+                <a:ea typeface="Consolas" charset="0"/>
+                <a:cs typeface="Consolas" charset="0"/>
+              </a:rPr>
+              <a:t>	statement3</a:t>
+            </a:r>
+          </a:p>
+          <a:p>
+            <a:pPr marL="0" indent="0">
+              <a:buNone/>
+            </a:pPr>
+            <a:r>
+              <a:rPr lang="en-US" dirty="0">
+                <a:latin typeface="Consolas" charset="0"/>
+                <a:ea typeface="Consolas" charset="0"/>
+                <a:cs typeface="Consolas" charset="0"/>
+              </a:rPr>
+              <a:t>	</a:t>
+            </a:r>
+            <a:r>
+              <a:rPr lang="en-US" dirty="0" smtClean="0">
+                <a:latin typeface="Consolas" charset="0"/>
+                <a:ea typeface="Consolas" charset="0"/>
+                <a:cs typeface="Consolas" charset="0"/>
+              </a:rPr>
+              <a:t>fi</a:t>
+            </a:r>
+          </a:p>
+          <a:p>
+            <a:pPr marL="0" indent="0">
+              <a:buNone/>
+            </a:pPr>
+            <a:endParaRPr lang="en-US" dirty="0" smtClean="0">
+              <a:latin typeface="Consolas" charset="0"/>
+              <a:ea typeface="Consolas" charset="0"/>
+              <a:cs typeface="Consolas" charset="0"/>
+            </a:endParaRPr>
+          </a:p>
+          <a:p>
+            <a:r>
+              <a:rPr lang="en-US" dirty="0" smtClean="0"/>
+              <a:t>Statement #1 &amp; #2 are executed if condition1 is true.</a:t>
+            </a:r>
+          </a:p>
+          <a:p>
+            <a:endParaRPr lang="en-US" dirty="0"/>
+          </a:p>
+          <a:p>
+            <a:r>
+              <a:rPr lang="en-US" dirty="0" smtClean="0"/>
+              <a:t>The condition is typically written in the form: [operand1 operator operand2]</a:t>
+            </a:r>
+          </a:p>
+          <a:p>
+            <a:pPr marL="400050" lvl="1" indent="0">
+              <a:buNone/>
+            </a:pPr>
+            <a:r>
+              <a:rPr lang="en-US" dirty="0">
+                <a:latin typeface="Consolas" charset="0"/>
+                <a:ea typeface="Consolas" charset="0"/>
+                <a:cs typeface="Consolas" charset="0"/>
+              </a:rPr>
+              <a:t>i</a:t>
+            </a:r>
+            <a:r>
+              <a:rPr lang="en-US" dirty="0" smtClean="0">
+                <a:latin typeface="Consolas" charset="0"/>
+                <a:ea typeface="Consolas" charset="0"/>
+                <a:cs typeface="Consolas" charset="0"/>
+              </a:rPr>
+              <a:t>f [ $X –</a:t>
+            </a:r>
+            <a:r>
+              <a:rPr lang="en-US" dirty="0" err="1" smtClean="0">
+                <a:latin typeface="Consolas" charset="0"/>
+                <a:ea typeface="Consolas" charset="0"/>
+                <a:cs typeface="Consolas" charset="0"/>
+              </a:rPr>
+              <a:t>lt</a:t>
+            </a:r>
+            <a:r>
+              <a:rPr lang="en-US" dirty="0" smtClean="0">
+                <a:latin typeface="Consolas" charset="0"/>
+                <a:ea typeface="Consolas" charset="0"/>
+                <a:cs typeface="Consolas" charset="0"/>
+              </a:rPr>
+              <a:t> $Y ]</a:t>
+            </a:r>
+            <a:r>
+              <a:rPr lang="en-US" dirty="0" smtClean="0"/>
+              <a:t>		# if $X is less than $Y</a:t>
+            </a:r>
+          </a:p>
+          <a:p>
+            <a:pPr marL="400050" lvl="1" indent="0">
+              <a:buNone/>
+            </a:pPr>
+            <a:r>
+              <a:rPr lang="en-US" dirty="0">
+                <a:latin typeface="Consolas" charset="0"/>
+                <a:ea typeface="Consolas" charset="0"/>
+                <a:cs typeface="Consolas" charset="0"/>
+              </a:rPr>
+              <a:t>i</a:t>
+            </a:r>
+            <a:r>
+              <a:rPr lang="en-US" dirty="0" smtClean="0">
+                <a:latin typeface="Consolas" charset="0"/>
+                <a:ea typeface="Consolas" charset="0"/>
+                <a:cs typeface="Consolas" charset="0"/>
+              </a:rPr>
+              <a:t>f [ -n “$X” ]    </a:t>
+            </a:r>
+            <a:r>
+              <a:rPr lang="en-US" dirty="0" smtClean="0"/>
+              <a:t>	# if $X is not empty</a:t>
+            </a:r>
+          </a:p>
+          <a:p>
+            <a:pPr marL="400050" lvl="1" indent="0">
+              <a:buNone/>
+            </a:pPr>
+            <a:r>
+              <a:rPr lang="en-US" dirty="0">
+                <a:latin typeface="Consolas" charset="0"/>
+                <a:ea typeface="Consolas" charset="0"/>
+                <a:cs typeface="Consolas" charset="0"/>
+              </a:rPr>
+              <a:t>i</a:t>
+            </a:r>
+            <a:r>
+              <a:rPr lang="en-US" dirty="0" smtClean="0">
+                <a:latin typeface="Consolas" charset="0"/>
+                <a:ea typeface="Consolas" charset="0"/>
+                <a:cs typeface="Consolas" charset="0"/>
+              </a:rPr>
+              <a:t>f [ -z “$X” ]</a:t>
+            </a:r>
+            <a:r>
+              <a:rPr lang="en-US" dirty="0" smtClean="0"/>
+              <a:t>		# if $X is empty</a:t>
+            </a:r>
+          </a:p>
+          <a:p>
+            <a:pPr marL="400050" lvl="1" indent="0">
+              <a:buNone/>
+            </a:pPr>
+            <a:r>
+              <a:rPr lang="en-US" dirty="0">
+                <a:latin typeface="Consolas" charset="0"/>
+                <a:ea typeface="Consolas" charset="0"/>
+                <a:cs typeface="Consolas" charset="0"/>
+              </a:rPr>
+              <a:t>i</a:t>
+            </a:r>
+            <a:r>
+              <a:rPr lang="en-US" dirty="0" smtClean="0">
+                <a:latin typeface="Consolas" charset="0"/>
+                <a:ea typeface="Consolas" charset="0"/>
+                <a:cs typeface="Consolas" charset="0"/>
+              </a:rPr>
+              <a:t>f [ $X = $Y ]	</a:t>
+            </a:r>
+            <a:r>
+              <a:rPr lang="en-US" dirty="0" smtClean="0"/>
+              <a:t>	$ if $X equals $Y</a:t>
+            </a:r>
+          </a:p>
+          <a:p>
+            <a:pPr marL="400050" lvl="1" indent="0">
+              <a:buNone/>
+            </a:pPr>
+            <a:endParaRPr lang="en-US" dirty="0" smtClean="0"/>
+          </a:p>
+          <a:p>
+            <a:pPr marL="857250" lvl="1" indent="-457200"/>
+            <a:r>
+              <a:rPr lang="en-US" dirty="0" smtClean="0"/>
+              <a:t>Note: The spaces in the test bracket </a:t>
+            </a:r>
+            <a:r>
+              <a:rPr lang="en-US" u="sng" dirty="0" smtClean="0"/>
+              <a:t>really</a:t>
+            </a:r>
+            <a:r>
+              <a:rPr lang="en-US" dirty="0" smtClean="0"/>
+              <a:t> matter!</a:t>
+            </a:r>
+          </a:p>
+          <a:p>
+            <a:pPr marL="0" indent="0">
+              <a:buNone/>
+            </a:pPr>
+            <a:endParaRPr lang="en-US" dirty="0"/>
+          </a:p>
+        </p:txBody>
+      </p:sp>
+    </p:spTree>
+    <p:extLst>
+      <p:ext uri="{BB962C8B-B14F-4D97-AF65-F5344CB8AC3E}">
+        <p14:creationId xmlns:p14="http://schemas.microsoft.com/office/powerpoint/2010/main" val="1853789404"/>
+      </p:ext>
+    </p:extLst>
+  </p:cSld>
+  <p:clrMapOvr>
+    <a:masterClrMapping/>
+  </p:clrMapOvr>
+</p:sld>
+</file>
+
+<file path=ppt/slides/slide15.xml><?xml version="1.0" encoding="utf-8"?>
+<p:sld xmlns:a="http://schemas.openxmlformats.org/drawingml/2006/main" xmlns:r="http://schemas.openxmlformats.org/officeDocument/2006/relationships" xmlns:p="http://schemas.openxmlformats.org/presentationml/2006/main">
+  <p:cSld>
+    <p:spTree>
+      <p:nvGrpSpPr>
+        <p:cNvPr id="1" name=""/>
+        <p:cNvGrpSpPr/>
+        <p:nvPr/>
+      </p:nvGrpSpPr>
+      <p:grpSpPr>
+        <a:xfrm>
+          <a:off x="0" y="0"/>
+          <a:ext cx="0" cy="0"/>
+          <a:chOff x="0" y="0"/>
+          <a:chExt cx="0" cy="0"/>
+        </a:xfrm>
+      </p:grpSpPr>
+      <p:sp>
+        <p:nvSpPr>
+          <p:cNvPr id="2" name="Title 1"/>
+          <p:cNvSpPr>
+            <a:spLocks noGrp="1"/>
+          </p:cNvSpPr>
+          <p:nvPr>
+            <p:ph type="title"/>
+          </p:nvPr>
+        </p:nvSpPr>
+        <p:spPr/>
+        <p:txBody>
+          <a:bodyPr/>
+          <a:lstStyle/>
+          <a:p>
+            <a:r>
+              <a:rPr lang="en-US" dirty="0" smtClean="0"/>
+              <a:t>Shell loops</a:t>
+            </a:r>
+            <a:endParaRPr lang="en-US" dirty="0"/>
+          </a:p>
+        </p:txBody>
+      </p:sp>
+      <p:sp>
+        <p:nvSpPr>
+          <p:cNvPr id="3" name="Content Placeholder 2"/>
+          <p:cNvSpPr>
+            <a:spLocks noGrp="1"/>
+          </p:cNvSpPr>
+          <p:nvPr>
+            <p:ph idx="1"/>
+          </p:nvPr>
+        </p:nvSpPr>
+        <p:spPr>
+          <a:xfrm>
+            <a:off x="457200" y="1600200"/>
+            <a:ext cx="8229600" cy="4905103"/>
+          </a:xfrm>
+        </p:spPr>
+        <p:txBody>
+          <a:bodyPr>
+            <a:normAutofit fontScale="70000" lnSpcReduction="20000"/>
+          </a:bodyPr>
+          <a:lstStyle/>
+          <a:p>
+            <a:r>
+              <a:rPr lang="en-US" dirty="0" smtClean="0"/>
+              <a:t>Loops allow the script to execute a series of commands multiple times</a:t>
+            </a:r>
+          </a:p>
+          <a:p>
+            <a:r>
+              <a:rPr lang="en-US" dirty="0"/>
+              <a:t>f</a:t>
+            </a:r>
+            <a:r>
+              <a:rPr lang="en-US" dirty="0" smtClean="0"/>
+              <a:t>or loops</a:t>
+            </a:r>
+          </a:p>
+          <a:p>
+            <a:endParaRPr lang="en-US" dirty="0" smtClean="0"/>
+          </a:p>
+          <a:p>
+            <a:pPr marL="400050" lvl="1" indent="0">
+              <a:buNone/>
+            </a:pPr>
+            <a:r>
+              <a:rPr lang="en-US" dirty="0">
+                <a:latin typeface="Consolas" charset="0"/>
+                <a:ea typeface="Consolas" charset="0"/>
+                <a:cs typeface="Consolas" charset="0"/>
+              </a:rPr>
+              <a:t>f</a:t>
+            </a:r>
+            <a:r>
+              <a:rPr lang="en-US" dirty="0" smtClean="0">
+                <a:latin typeface="Consolas" charset="0"/>
+                <a:ea typeface="Consolas" charset="0"/>
+                <a:cs typeface="Consolas" charset="0"/>
+              </a:rPr>
+              <a:t>or </a:t>
+            </a:r>
+            <a:r>
+              <a:rPr lang="en-US" dirty="0" err="1" smtClean="0">
+                <a:latin typeface="Consolas" charset="0"/>
+                <a:ea typeface="Consolas" charset="0"/>
+                <a:cs typeface="Consolas" charset="0"/>
+              </a:rPr>
+              <a:t>arg</a:t>
+            </a:r>
+            <a:r>
+              <a:rPr lang="en-US" dirty="0" smtClean="0">
+                <a:latin typeface="Consolas" charset="0"/>
+                <a:ea typeface="Consolas" charset="0"/>
+                <a:cs typeface="Consolas" charset="0"/>
+              </a:rPr>
+              <a:t> in [list]</a:t>
+            </a:r>
+          </a:p>
+          <a:p>
+            <a:pPr marL="400050" lvl="1" indent="0">
+              <a:buNone/>
+            </a:pPr>
+            <a:r>
+              <a:rPr lang="en-US" dirty="0">
+                <a:latin typeface="Consolas" charset="0"/>
+                <a:ea typeface="Consolas" charset="0"/>
+                <a:cs typeface="Consolas" charset="0"/>
+              </a:rPr>
+              <a:t>d</a:t>
+            </a:r>
+            <a:r>
+              <a:rPr lang="en-US" dirty="0" smtClean="0">
+                <a:latin typeface="Consolas" charset="0"/>
+                <a:ea typeface="Consolas" charset="0"/>
+                <a:cs typeface="Consolas" charset="0"/>
+              </a:rPr>
+              <a:t>o</a:t>
+            </a:r>
+          </a:p>
+          <a:p>
+            <a:pPr marL="857250" lvl="2" indent="0">
+              <a:buNone/>
+            </a:pPr>
+            <a:r>
+              <a:rPr lang="en-US" dirty="0">
+                <a:latin typeface="Consolas" charset="0"/>
+                <a:ea typeface="Consolas" charset="0"/>
+                <a:cs typeface="Consolas" charset="0"/>
+              </a:rPr>
+              <a:t>c</a:t>
+            </a:r>
+            <a:r>
+              <a:rPr lang="en-US" dirty="0" smtClean="0">
+                <a:latin typeface="Consolas" charset="0"/>
+                <a:ea typeface="Consolas" charset="0"/>
+                <a:cs typeface="Consolas" charset="0"/>
+              </a:rPr>
+              <a:t>ommands(s)</a:t>
+            </a:r>
+            <a:r>
+              <a:rPr lang="is-IS" dirty="0" smtClean="0">
+                <a:latin typeface="Consolas" charset="0"/>
+                <a:ea typeface="Consolas" charset="0"/>
+                <a:cs typeface="Consolas" charset="0"/>
+              </a:rPr>
+              <a:t>…</a:t>
+            </a:r>
+          </a:p>
+          <a:p>
+            <a:pPr marL="400050" lvl="1" indent="0">
+              <a:buNone/>
+            </a:pPr>
+            <a:r>
+              <a:rPr lang="en-US" dirty="0">
+                <a:latin typeface="Consolas" charset="0"/>
+                <a:ea typeface="Consolas" charset="0"/>
+                <a:cs typeface="Consolas" charset="0"/>
+              </a:rPr>
+              <a:t>d</a:t>
+            </a:r>
+            <a:r>
+              <a:rPr lang="is-IS" dirty="0" smtClean="0">
+                <a:latin typeface="Consolas" charset="0"/>
+                <a:ea typeface="Consolas" charset="0"/>
+                <a:cs typeface="Consolas" charset="0"/>
+              </a:rPr>
+              <a:t>one</a:t>
+            </a:r>
+          </a:p>
+          <a:p>
+            <a:pPr marL="400050" lvl="1" indent="0">
+              <a:buNone/>
+            </a:pPr>
+            <a:endParaRPr lang="is-IS" dirty="0" smtClean="0"/>
+          </a:p>
+          <a:p>
+            <a:pPr marL="457200" indent="-457200"/>
+            <a:r>
+              <a:rPr lang="is-IS" dirty="0" smtClean="0"/>
+              <a:t>Example:</a:t>
+            </a:r>
+          </a:p>
+          <a:p>
+            <a:pPr marL="457200" indent="-457200"/>
+            <a:endParaRPr lang="is-IS" dirty="0" smtClean="0"/>
+          </a:p>
+          <a:p>
+            <a:pPr marL="400050" lvl="1" indent="0">
+              <a:buNone/>
+            </a:pPr>
+            <a:r>
+              <a:rPr lang="en-US" dirty="0" smtClean="0">
+                <a:latin typeface="Consolas" charset="0"/>
+                <a:ea typeface="Consolas" charset="0"/>
+                <a:cs typeface="Consolas" charset="0"/>
+              </a:rPr>
+              <a:t>for planet in Mercury Venus Earth Mars</a:t>
+            </a:r>
+          </a:p>
+          <a:p>
+            <a:pPr marL="400050" lvl="1" indent="0">
+              <a:buNone/>
+            </a:pPr>
+            <a:r>
+              <a:rPr lang="en-US" dirty="0">
+                <a:latin typeface="Consolas" charset="0"/>
+                <a:ea typeface="Consolas" charset="0"/>
+                <a:cs typeface="Consolas" charset="0"/>
+              </a:rPr>
+              <a:t>d</a:t>
+            </a:r>
+            <a:r>
+              <a:rPr lang="en-US" dirty="0" smtClean="0">
+                <a:latin typeface="Consolas" charset="0"/>
+                <a:ea typeface="Consolas" charset="0"/>
+                <a:cs typeface="Consolas" charset="0"/>
+              </a:rPr>
+              <a:t>o</a:t>
+            </a:r>
+          </a:p>
+          <a:p>
+            <a:pPr marL="800100" lvl="2" indent="0">
+              <a:buNone/>
+            </a:pPr>
+            <a:r>
+              <a:rPr lang="en-US" dirty="0">
+                <a:latin typeface="Consolas" charset="0"/>
+                <a:ea typeface="Consolas" charset="0"/>
+                <a:cs typeface="Consolas" charset="0"/>
+              </a:rPr>
+              <a:t>e</a:t>
+            </a:r>
+            <a:r>
+              <a:rPr lang="en-US" dirty="0" smtClean="0">
+                <a:latin typeface="Consolas" charset="0"/>
+                <a:ea typeface="Consolas" charset="0"/>
+                <a:cs typeface="Consolas" charset="0"/>
+              </a:rPr>
+              <a:t>cho $planet</a:t>
+            </a:r>
+          </a:p>
+          <a:p>
+            <a:pPr marL="400050" lvl="1" indent="0">
+              <a:buNone/>
+            </a:pPr>
+            <a:r>
+              <a:rPr lang="en-US" dirty="0" smtClean="0">
+                <a:latin typeface="Consolas" charset="0"/>
+                <a:ea typeface="Consolas" charset="0"/>
+                <a:cs typeface="Consolas" charset="0"/>
+              </a:rPr>
+              <a:t>done</a:t>
+            </a:r>
+            <a:endParaRPr lang="en-US" dirty="0">
+              <a:latin typeface="Consolas" charset="0"/>
+              <a:ea typeface="Consolas" charset="0"/>
+              <a:cs typeface="Consolas" charset="0"/>
+            </a:endParaRPr>
+          </a:p>
+        </p:txBody>
+      </p:sp>
+    </p:spTree>
+    <p:extLst>
+      <p:ext uri="{BB962C8B-B14F-4D97-AF65-F5344CB8AC3E}">
+        <p14:creationId xmlns:p14="http://schemas.microsoft.com/office/powerpoint/2010/main" val="1986292723"/>
+      </p:ext>
+    </p:extLst>
+  </p:cSld>
+  <p:clrMapOvr>
+    <a:masterClrMapping/>
+  </p:clrMapOvr>
+</p:sld>
+</file>
+
+<file path=ppt/slides/slide16.xml><?xml version="1.0" encoding="utf-8"?>
+<p:sld xmlns:a="http://schemas.openxmlformats.org/drawingml/2006/main" xmlns:r="http://schemas.openxmlformats.org/officeDocument/2006/relationships" xmlns:p="http://schemas.openxmlformats.org/presentationml/2006/main">
+  <p:cSld>
+    <p:spTree>
+      <p:nvGrpSpPr>
+        <p:cNvPr id="1" name=""/>
+        <p:cNvGrpSpPr/>
+        <p:nvPr/>
+      </p:nvGrpSpPr>
+      <p:grpSpPr>
+        <a:xfrm>
+          <a:off x="0" y="0"/>
+          <a:ext cx="0" cy="0"/>
+          <a:chOff x="0" y="0"/>
+          <a:chExt cx="0" cy="0"/>
+        </a:xfrm>
+      </p:grpSpPr>
+      <p:sp>
+        <p:nvSpPr>
+          <p:cNvPr id="2" name="Title 1"/>
+          <p:cNvSpPr>
+            <a:spLocks noGrp="1"/>
+          </p:cNvSpPr>
+          <p:nvPr>
+            <p:ph type="title"/>
+          </p:nvPr>
+        </p:nvSpPr>
+        <p:spPr/>
+        <p:txBody>
+          <a:bodyPr/>
+          <a:lstStyle/>
+          <a:p>
+            <a:r>
+              <a:rPr lang="en-US" dirty="0" smtClean="0"/>
+              <a:t>Shell loops</a:t>
+            </a:r>
+            <a:endParaRPr lang="en-US" dirty="0"/>
+          </a:p>
+        </p:txBody>
+      </p:sp>
+      <p:sp>
+        <p:nvSpPr>
+          <p:cNvPr id="3" name="Content Placeholder 2"/>
+          <p:cNvSpPr>
+            <a:spLocks noGrp="1"/>
+          </p:cNvSpPr>
+          <p:nvPr>
+            <p:ph idx="1"/>
+          </p:nvPr>
+        </p:nvSpPr>
+        <p:spPr>
+          <a:xfrm>
+            <a:off x="457200" y="1600200"/>
+            <a:ext cx="8229600" cy="5101046"/>
+          </a:xfrm>
+        </p:spPr>
+        <p:txBody>
+          <a:bodyPr>
+            <a:normAutofit fontScale="62500" lnSpcReduction="20000"/>
+          </a:bodyPr>
+          <a:lstStyle/>
+          <a:p>
+            <a:r>
+              <a:rPr lang="en-US" dirty="0"/>
+              <a:t>w</a:t>
+            </a:r>
+            <a:r>
+              <a:rPr lang="en-US" dirty="0" smtClean="0"/>
+              <a:t>hile loop</a:t>
+            </a:r>
+          </a:p>
+          <a:p>
+            <a:endParaRPr lang="en-US" dirty="0" smtClean="0"/>
+          </a:p>
+          <a:p>
+            <a:pPr marL="400050" lvl="1" indent="0">
+              <a:buNone/>
+            </a:pPr>
+            <a:r>
+              <a:rPr lang="en-US" dirty="0">
+                <a:latin typeface="Consolas" charset="0"/>
+                <a:ea typeface="Consolas" charset="0"/>
+                <a:cs typeface="Consolas" charset="0"/>
+              </a:rPr>
+              <a:t>w</a:t>
+            </a:r>
+            <a:r>
+              <a:rPr lang="en-US" dirty="0" smtClean="0">
+                <a:latin typeface="Consolas" charset="0"/>
+                <a:ea typeface="Consolas" charset="0"/>
+                <a:cs typeface="Consolas" charset="0"/>
+              </a:rPr>
+              <a:t>hile [ condition ]</a:t>
+            </a:r>
+          </a:p>
+          <a:p>
+            <a:pPr marL="400050" lvl="1" indent="0">
+              <a:buNone/>
+            </a:pPr>
+            <a:r>
+              <a:rPr lang="en-US" dirty="0">
+                <a:latin typeface="Consolas" charset="0"/>
+                <a:ea typeface="Consolas" charset="0"/>
+                <a:cs typeface="Consolas" charset="0"/>
+              </a:rPr>
+              <a:t>d</a:t>
+            </a:r>
+            <a:r>
+              <a:rPr lang="en-US" dirty="0" smtClean="0">
+                <a:latin typeface="Consolas" charset="0"/>
+                <a:ea typeface="Consolas" charset="0"/>
+                <a:cs typeface="Consolas" charset="0"/>
+              </a:rPr>
+              <a:t>o</a:t>
+            </a:r>
+          </a:p>
+          <a:p>
+            <a:pPr marL="857250" lvl="2" indent="0">
+              <a:buNone/>
+            </a:pPr>
+            <a:r>
+              <a:rPr lang="en-US" dirty="0">
+                <a:latin typeface="Consolas" charset="0"/>
+                <a:ea typeface="Consolas" charset="0"/>
+                <a:cs typeface="Consolas" charset="0"/>
+              </a:rPr>
+              <a:t>c</a:t>
+            </a:r>
+            <a:r>
+              <a:rPr lang="en-US" dirty="0" smtClean="0">
+                <a:latin typeface="Consolas" charset="0"/>
+                <a:ea typeface="Consolas" charset="0"/>
+                <a:cs typeface="Consolas" charset="0"/>
+              </a:rPr>
+              <a:t>ommand(s)</a:t>
+            </a:r>
+            <a:r>
+              <a:rPr lang="is-IS" dirty="0" smtClean="0">
+                <a:latin typeface="Consolas" charset="0"/>
+                <a:ea typeface="Consolas" charset="0"/>
+                <a:cs typeface="Consolas" charset="0"/>
+              </a:rPr>
+              <a:t>…</a:t>
+            </a:r>
+          </a:p>
+          <a:p>
+            <a:pPr marL="400050" lvl="1" indent="0">
+              <a:buNone/>
+            </a:pPr>
+            <a:r>
+              <a:rPr lang="en-US" dirty="0">
+                <a:latin typeface="Consolas" charset="0"/>
+                <a:ea typeface="Consolas" charset="0"/>
+                <a:cs typeface="Consolas" charset="0"/>
+              </a:rPr>
+              <a:t>d</a:t>
+            </a:r>
+            <a:r>
+              <a:rPr lang="is-IS" dirty="0" smtClean="0">
+                <a:latin typeface="Consolas" charset="0"/>
+                <a:ea typeface="Consolas" charset="0"/>
+                <a:cs typeface="Consolas" charset="0"/>
+              </a:rPr>
+              <a:t>one</a:t>
+            </a:r>
+          </a:p>
+          <a:p>
+            <a:pPr marL="400050" lvl="1" indent="0">
+              <a:buNone/>
+            </a:pPr>
+            <a:endParaRPr lang="is-IS" dirty="0" smtClean="0"/>
+          </a:p>
+          <a:p>
+            <a:r>
+              <a:rPr lang="en-US" dirty="0" smtClean="0"/>
+              <a:t>Example:</a:t>
+            </a:r>
+          </a:p>
+          <a:p>
+            <a:endParaRPr lang="en-US" dirty="0" smtClean="0"/>
+          </a:p>
+          <a:p>
+            <a:pPr marL="400050" lvl="1" indent="0">
+              <a:buNone/>
+            </a:pPr>
+            <a:r>
+              <a:rPr lang="en-US" dirty="0" smtClean="0">
+                <a:latin typeface="Consolas" charset="0"/>
+                <a:ea typeface="Consolas" charset="0"/>
+                <a:cs typeface="Consolas" charset="0"/>
+              </a:rPr>
+              <a:t>#!/bin/bash</a:t>
+            </a:r>
+          </a:p>
+          <a:p>
+            <a:pPr marL="400050" lvl="1" indent="0">
+              <a:buNone/>
+            </a:pPr>
+            <a:r>
+              <a:rPr lang="en-US" dirty="0" smtClean="0">
+                <a:latin typeface="Consolas" charset="0"/>
+                <a:ea typeface="Consolas" charset="0"/>
+                <a:cs typeface="Consolas" charset="0"/>
+              </a:rPr>
+              <a:t>X=0</a:t>
+            </a:r>
+          </a:p>
+          <a:p>
+            <a:pPr marL="400050" lvl="1" indent="0">
+              <a:buNone/>
+            </a:pPr>
+            <a:r>
+              <a:rPr lang="en-US" dirty="0" smtClean="0">
+                <a:latin typeface="Consolas" charset="0"/>
+                <a:ea typeface="Consolas" charset="0"/>
+                <a:cs typeface="Consolas" charset="0"/>
+              </a:rPr>
+              <a:t>Y=5</a:t>
+            </a:r>
+          </a:p>
+          <a:p>
+            <a:pPr marL="400050" lvl="1" indent="0">
+              <a:buNone/>
+            </a:pPr>
+            <a:r>
+              <a:rPr lang="en-US" dirty="0">
+                <a:latin typeface="Consolas" charset="0"/>
+                <a:ea typeface="Consolas" charset="0"/>
+                <a:cs typeface="Consolas" charset="0"/>
+              </a:rPr>
+              <a:t>w</a:t>
+            </a:r>
+            <a:r>
+              <a:rPr lang="en-US" dirty="0" smtClean="0">
+                <a:latin typeface="Consolas" charset="0"/>
+                <a:ea typeface="Consolas" charset="0"/>
+                <a:cs typeface="Consolas" charset="0"/>
+              </a:rPr>
+              <a:t>hile [ ”$X” –</a:t>
+            </a:r>
+            <a:r>
+              <a:rPr lang="en-US" dirty="0" err="1" smtClean="0">
+                <a:latin typeface="Consolas" charset="0"/>
+                <a:ea typeface="Consolas" charset="0"/>
+                <a:cs typeface="Consolas" charset="0"/>
+              </a:rPr>
+              <a:t>lt</a:t>
+            </a:r>
+            <a:r>
+              <a:rPr lang="en-US" dirty="0" smtClean="0">
+                <a:latin typeface="Consolas" charset="0"/>
+                <a:ea typeface="Consolas" charset="0"/>
+                <a:cs typeface="Consolas" charset="0"/>
+              </a:rPr>
+              <a:t> “$Y” ]</a:t>
+            </a:r>
+          </a:p>
+          <a:p>
+            <a:pPr marL="400050" lvl="1" indent="0">
+              <a:buNone/>
+            </a:pPr>
+            <a:r>
+              <a:rPr lang="en-US" dirty="0">
+                <a:latin typeface="Consolas" charset="0"/>
+                <a:ea typeface="Consolas" charset="0"/>
+                <a:cs typeface="Consolas" charset="0"/>
+              </a:rPr>
+              <a:t>d</a:t>
+            </a:r>
+            <a:r>
+              <a:rPr lang="en-US" dirty="0" smtClean="0">
+                <a:latin typeface="Consolas" charset="0"/>
+                <a:ea typeface="Consolas" charset="0"/>
+                <a:cs typeface="Consolas" charset="0"/>
+              </a:rPr>
+              <a:t>o</a:t>
+            </a:r>
+          </a:p>
+          <a:p>
+            <a:pPr marL="400050" lvl="1" indent="0">
+              <a:buNone/>
+            </a:pPr>
+            <a:r>
+              <a:rPr lang="en-US" dirty="0">
+                <a:latin typeface="Consolas" charset="0"/>
+                <a:ea typeface="Consolas" charset="0"/>
+                <a:cs typeface="Consolas" charset="0"/>
+              </a:rPr>
+              <a:t>	</a:t>
+            </a:r>
+            <a:r>
+              <a:rPr lang="en-US" dirty="0" smtClean="0">
+                <a:latin typeface="Consolas" charset="0"/>
+                <a:ea typeface="Consolas" charset="0"/>
+                <a:cs typeface="Consolas" charset="0"/>
+              </a:rPr>
+              <a:t>echo “$X”</a:t>
+            </a:r>
+          </a:p>
+          <a:p>
+            <a:pPr marL="400050" lvl="1" indent="0">
+              <a:buNone/>
+            </a:pPr>
+            <a:r>
+              <a:rPr lang="en-US" dirty="0">
+                <a:latin typeface="Consolas" charset="0"/>
+                <a:ea typeface="Consolas" charset="0"/>
+                <a:cs typeface="Consolas" charset="0"/>
+              </a:rPr>
+              <a:t>	</a:t>
+            </a:r>
+            <a:r>
+              <a:rPr lang="en-US" dirty="0" smtClean="0">
+                <a:latin typeface="Consolas" charset="0"/>
+                <a:ea typeface="Consolas" charset="0"/>
+                <a:cs typeface="Consolas" charset="0"/>
+              </a:rPr>
+              <a:t>let X=X+1</a:t>
+            </a:r>
+          </a:p>
+          <a:p>
+            <a:pPr marL="400050" lvl="1" indent="0">
+              <a:buNone/>
+            </a:pPr>
+            <a:r>
+              <a:rPr lang="en-US" dirty="0">
+                <a:latin typeface="Consolas" charset="0"/>
+                <a:ea typeface="Consolas" charset="0"/>
+                <a:cs typeface="Consolas" charset="0"/>
+              </a:rPr>
+              <a:t>d</a:t>
+            </a:r>
+            <a:r>
+              <a:rPr lang="en-US" dirty="0" smtClean="0">
+                <a:latin typeface="Consolas" charset="0"/>
+                <a:ea typeface="Consolas" charset="0"/>
+                <a:cs typeface="Consolas" charset="0"/>
+              </a:rPr>
+              <a:t>one</a:t>
+            </a:r>
+          </a:p>
+          <a:p>
+            <a:pPr marL="400050" lvl="1" indent="0">
+              <a:buNone/>
+            </a:pPr>
+            <a:r>
+              <a:rPr lang="en-US" dirty="0">
+                <a:latin typeface="Consolas" charset="0"/>
+                <a:ea typeface="Consolas" charset="0"/>
+                <a:cs typeface="Consolas" charset="0"/>
+              </a:rPr>
+              <a:t>e</a:t>
+            </a:r>
+            <a:r>
+              <a:rPr lang="en-US" dirty="0" smtClean="0">
+                <a:latin typeface="Consolas" charset="0"/>
+                <a:ea typeface="Consolas" charset="0"/>
+                <a:cs typeface="Consolas" charset="0"/>
+              </a:rPr>
+              <a:t>xit 0</a:t>
+            </a:r>
+          </a:p>
+        </p:txBody>
+      </p:sp>
+    </p:spTree>
+    <p:extLst>
+      <p:ext uri="{BB962C8B-B14F-4D97-AF65-F5344CB8AC3E}">
+        <p14:creationId xmlns:p14="http://schemas.microsoft.com/office/powerpoint/2010/main" val="1164263910"/>
+      </p:ext>
+    </p:extLst>
+  </p:cSld>
+  <p:clrMapOvr>
+    <a:masterClrMapping/>
+  </p:clrMapOvr>
+</p:sld>
+</file>
+
+<file path=ppt/slides/slide17.xml><?xml version="1.0" encoding="utf-8"?>
+<p:sld xmlns:a="http://schemas.openxmlformats.org/drawingml/2006/main" xmlns:r="http://schemas.openxmlformats.org/officeDocument/2006/relationships" xmlns:p="http://schemas.openxmlformats.org/presentationml/2006/main">
+  <p:cSld>
+    <p:spTree>
+      <p:nvGrpSpPr>
+        <p:cNvPr id="1" name=""/>
+        <p:cNvGrpSpPr/>
+        <p:nvPr/>
+      </p:nvGrpSpPr>
+      <p:grpSpPr>
+        <a:xfrm>
+          <a:off x="0" y="0"/>
+          <a:ext cx="0" cy="0"/>
+          <a:chOff x="0" y="0"/>
+          <a:chExt cx="0" cy="0"/>
+        </a:xfrm>
+      </p:grpSpPr>
+      <p:sp>
+        <p:nvSpPr>
+          <p:cNvPr id="2" name="Title 1"/>
+          <p:cNvSpPr>
+            <a:spLocks noGrp="1"/>
+          </p:cNvSpPr>
+          <p:nvPr>
+            <p:ph type="title"/>
+          </p:nvPr>
+        </p:nvSpPr>
+        <p:spPr/>
+        <p:txBody>
+          <a:bodyPr/>
+          <a:lstStyle/>
+          <a:p>
+            <a:r>
+              <a:rPr lang="en-US" dirty="0" smtClean="0"/>
+              <a:t>Shell loop </a:t>
+            </a:r>
+            <a:r>
+              <a:rPr lang="en-US" dirty="0" err="1" smtClean="0"/>
+              <a:t>globbing</a:t>
+            </a:r>
+            <a:endParaRPr lang="en-US" dirty="0"/>
+          </a:p>
+        </p:txBody>
+      </p:sp>
+      <p:sp>
+        <p:nvSpPr>
+          <p:cNvPr id="3" name="Content Placeholder 2"/>
+          <p:cNvSpPr>
+            <a:spLocks noGrp="1"/>
+          </p:cNvSpPr>
+          <p:nvPr>
+            <p:ph idx="1"/>
+          </p:nvPr>
+        </p:nvSpPr>
+        <p:spPr>
+          <a:xfrm>
+            <a:off x="457200" y="1600200"/>
+            <a:ext cx="8229600" cy="4944291"/>
+          </a:xfrm>
+        </p:spPr>
+        <p:txBody>
+          <a:bodyPr>
+            <a:normAutofit fontScale="85000" lnSpcReduction="10000"/>
+          </a:bodyPr>
+          <a:lstStyle/>
+          <a:p>
+            <a:r>
+              <a:rPr lang="en-US" dirty="0" smtClean="0"/>
+              <a:t>Anytime the shell sees a string containing an asterisk (*) it is replaced with a list of matching file names.</a:t>
+            </a:r>
+          </a:p>
+          <a:p>
+            <a:endParaRPr lang="en-US" dirty="0" smtClean="0"/>
+          </a:p>
+          <a:p>
+            <a:pPr marL="0" indent="0">
+              <a:buNone/>
+            </a:pPr>
+            <a:r>
+              <a:rPr lang="en-US" dirty="0" smtClean="0"/>
+              <a:t>	</a:t>
+            </a:r>
+            <a:r>
+              <a:rPr lang="en-US" dirty="0" smtClean="0">
+                <a:latin typeface="Consolas" charset="0"/>
+                <a:ea typeface="Consolas" charset="0"/>
+                <a:cs typeface="Consolas" charset="0"/>
+              </a:rPr>
+              <a:t>echo *.jpg	</a:t>
+            </a:r>
+            <a:r>
+              <a:rPr lang="en-US" dirty="0" smtClean="0"/>
+              <a:t>	# list all jpeg files</a:t>
+            </a:r>
+          </a:p>
+          <a:p>
+            <a:endParaRPr lang="en-US" dirty="0" smtClean="0"/>
+          </a:p>
+          <a:p>
+            <a:r>
+              <a:rPr lang="en-US" dirty="0" smtClean="0"/>
+              <a:t>We can use this </a:t>
+            </a:r>
+            <a:r>
+              <a:rPr lang="en-US" dirty="0" err="1" smtClean="0"/>
+              <a:t>globbing</a:t>
+            </a:r>
+            <a:r>
+              <a:rPr lang="en-US" dirty="0" smtClean="0"/>
+              <a:t> action to our advantage:</a:t>
+            </a:r>
+          </a:p>
+          <a:p>
+            <a:pPr marL="0" indent="0">
+              <a:buNone/>
+            </a:pPr>
+            <a:r>
+              <a:rPr lang="en-US" dirty="0" smtClean="0">
+                <a:latin typeface="Consolas" charset="0"/>
+                <a:ea typeface="Consolas" charset="0"/>
+                <a:cs typeface="Consolas" charset="0"/>
+              </a:rPr>
+              <a:t>	#!/bin/bash</a:t>
+            </a:r>
+          </a:p>
+          <a:p>
+            <a:pPr marL="400050" lvl="1" indent="0">
+              <a:buNone/>
+            </a:pPr>
+            <a:r>
+              <a:rPr lang="en-US" dirty="0" smtClean="0">
+                <a:latin typeface="Consolas" charset="0"/>
+                <a:ea typeface="Consolas" charset="0"/>
+                <a:cs typeface="Consolas" charset="0"/>
+              </a:rPr>
+              <a:t>for X in *.jpg</a:t>
+            </a:r>
+          </a:p>
+          <a:p>
+            <a:pPr marL="400050" lvl="1" indent="0">
+              <a:buNone/>
+            </a:pPr>
+            <a:r>
+              <a:rPr lang="en-US" dirty="0">
+                <a:latin typeface="Consolas" charset="0"/>
+                <a:ea typeface="Consolas" charset="0"/>
+                <a:cs typeface="Consolas" charset="0"/>
+              </a:rPr>
+              <a:t>d</a:t>
+            </a:r>
+            <a:r>
+              <a:rPr lang="en-US" dirty="0" smtClean="0">
+                <a:latin typeface="Consolas" charset="0"/>
+                <a:ea typeface="Consolas" charset="0"/>
+                <a:cs typeface="Consolas" charset="0"/>
+              </a:rPr>
+              <a:t>o</a:t>
+            </a:r>
+          </a:p>
+          <a:p>
+            <a:pPr marL="857250" lvl="2" indent="0">
+              <a:buNone/>
+            </a:pPr>
+            <a:r>
+              <a:rPr lang="en-US" dirty="0" err="1">
+                <a:latin typeface="Consolas" charset="0"/>
+                <a:ea typeface="Consolas" charset="0"/>
+                <a:cs typeface="Consolas" charset="0"/>
+              </a:rPr>
+              <a:t>c</a:t>
+            </a:r>
+            <a:r>
+              <a:rPr lang="en-US" dirty="0" err="1" smtClean="0">
+                <a:latin typeface="Consolas" charset="0"/>
+                <a:ea typeface="Consolas" charset="0"/>
+                <a:cs typeface="Consolas" charset="0"/>
+              </a:rPr>
+              <a:t>p</a:t>
+            </a:r>
+            <a:r>
+              <a:rPr lang="en-US" dirty="0" smtClean="0">
+                <a:latin typeface="Consolas" charset="0"/>
+                <a:ea typeface="Consolas" charset="0"/>
+                <a:cs typeface="Consolas" charset="0"/>
+              </a:rPr>
+              <a:t> $X $</a:t>
+            </a:r>
+            <a:r>
+              <a:rPr lang="en-US" dirty="0" err="1" smtClean="0">
+                <a:latin typeface="Consolas" charset="0"/>
+                <a:ea typeface="Consolas" charset="0"/>
+                <a:cs typeface="Consolas" charset="0"/>
+              </a:rPr>
+              <a:t>X.bak</a:t>
+            </a:r>
+            <a:r>
+              <a:rPr lang="en-US" dirty="0" smtClean="0">
+                <a:latin typeface="Consolas" charset="0"/>
+                <a:ea typeface="Consolas" charset="0"/>
+                <a:cs typeface="Consolas" charset="0"/>
+              </a:rPr>
+              <a:t>  </a:t>
+            </a:r>
+            <a:r>
+              <a:rPr lang="en-US" dirty="0">
+                <a:latin typeface="Consolas" charset="0"/>
+                <a:ea typeface="Consolas" charset="0"/>
+                <a:cs typeface="Consolas" charset="0"/>
+              </a:rPr>
+              <a:t>	# Backup all the jpeg </a:t>
+            </a:r>
+            <a:r>
+              <a:rPr lang="en-US" dirty="0" smtClean="0">
+                <a:latin typeface="Consolas" charset="0"/>
+                <a:ea typeface="Consolas" charset="0"/>
+                <a:cs typeface="Consolas" charset="0"/>
+              </a:rPr>
+              <a:t>files</a:t>
+            </a:r>
+          </a:p>
+          <a:p>
+            <a:pPr marL="400050" lvl="1" indent="0">
+              <a:buNone/>
+            </a:pPr>
+            <a:r>
+              <a:rPr lang="en-US" dirty="0" smtClean="0">
+                <a:latin typeface="Consolas" charset="0"/>
+                <a:ea typeface="Consolas" charset="0"/>
+                <a:cs typeface="Consolas" charset="0"/>
+              </a:rPr>
+              <a:t>done</a:t>
+            </a:r>
+            <a:endParaRPr lang="en-US" dirty="0">
+              <a:latin typeface="Consolas" charset="0"/>
+              <a:ea typeface="Consolas" charset="0"/>
+              <a:cs typeface="Consolas" charset="0"/>
+            </a:endParaRPr>
+          </a:p>
+        </p:txBody>
+      </p:sp>
+    </p:spTree>
+    <p:extLst>
+      <p:ext uri="{BB962C8B-B14F-4D97-AF65-F5344CB8AC3E}">
+        <p14:creationId xmlns:p14="http://schemas.microsoft.com/office/powerpoint/2010/main" val="1948275575"/>
+      </p:ext>
+    </p:extLst>
+  </p:cSld>
+  <p:clrMapOvr>
+    <a:masterClrMapping/>
+  </p:clrMapOvr>
+</p:sld>
+</file>
+
+<file path=ppt/slides/slide18.xml><?xml version="1.0" encoding="utf-8"?>
+<p:sld xmlns:a="http://schemas.openxmlformats.org/drawingml/2006/main" xmlns:r="http://schemas.openxmlformats.org/officeDocument/2006/relationships" xmlns:p="http://schemas.openxmlformats.org/presentationml/2006/main">
+  <p:cSld>
+    <p:spTree>
+      <p:nvGrpSpPr>
+        <p:cNvPr id="1" name=""/>
+        <p:cNvGrpSpPr/>
+        <p:nvPr/>
+      </p:nvGrpSpPr>
+      <p:grpSpPr>
+        <a:xfrm>
+          <a:off x="0" y="0"/>
+          <a:ext cx="0" cy="0"/>
+          <a:chOff x="0" y="0"/>
+          <a:chExt cx="0" cy="0"/>
+        </a:xfrm>
+      </p:grpSpPr>
+      <p:sp>
+        <p:nvSpPr>
+          <p:cNvPr id="2" name="Title 1"/>
+          <p:cNvSpPr>
+            <a:spLocks noGrp="1"/>
+          </p:cNvSpPr>
+          <p:nvPr>
+            <p:ph type="title"/>
+          </p:nvPr>
+        </p:nvSpPr>
+        <p:spPr/>
+        <p:txBody>
+          <a:bodyPr/>
+          <a:lstStyle/>
+          <a:p>
+            <a:r>
+              <a:rPr lang="en-US" dirty="0" smtClean="0"/>
+              <a:t>Shell command substitution</a:t>
+            </a:r>
+            <a:endParaRPr lang="en-US" dirty="0"/>
+          </a:p>
+        </p:txBody>
+      </p:sp>
+      <p:sp>
+        <p:nvSpPr>
+          <p:cNvPr id="3" name="Content Placeholder 2"/>
+          <p:cNvSpPr>
+            <a:spLocks noGrp="1"/>
+          </p:cNvSpPr>
+          <p:nvPr>
+            <p:ph idx="1"/>
+          </p:nvPr>
+        </p:nvSpPr>
+        <p:spPr>
+          <a:xfrm>
+            <a:off x="457200" y="1600200"/>
+            <a:ext cx="8229600" cy="5153297"/>
+          </a:xfrm>
+        </p:spPr>
+        <p:txBody>
+          <a:bodyPr>
+            <a:normAutofit fontScale="62500" lnSpcReduction="20000"/>
+          </a:bodyPr>
+          <a:lstStyle/>
+          <a:p>
+            <a:r>
+              <a:rPr lang="en-US" dirty="0" smtClean="0"/>
+              <a:t>Command substitution takes the output of a command and uses it as if it is a statement.</a:t>
+            </a:r>
+          </a:p>
+          <a:p>
+            <a:pPr lvl="1"/>
+            <a:r>
+              <a:rPr lang="en-US" dirty="0" smtClean="0"/>
+              <a:t>Two methods: parenthesis or </a:t>
+            </a:r>
+            <a:r>
+              <a:rPr lang="en-US" dirty="0" err="1" smtClean="0"/>
+              <a:t>backtick</a:t>
+            </a:r>
+            <a:endParaRPr lang="en-US" dirty="0" smtClean="0"/>
+          </a:p>
+          <a:p>
+            <a:pPr lvl="1"/>
+            <a:endParaRPr lang="en-US" dirty="0" smtClean="0"/>
+          </a:p>
+          <a:p>
+            <a:pPr marL="457200" lvl="1" indent="0">
+              <a:buNone/>
+            </a:pPr>
+            <a:r>
+              <a:rPr lang="en-US" dirty="0" smtClean="0">
+                <a:latin typeface="Consolas" charset="0"/>
+                <a:ea typeface="Consolas" charset="0"/>
+                <a:cs typeface="Consolas" charset="0"/>
+              </a:rPr>
+              <a:t>#!/bin/bash</a:t>
+            </a:r>
+          </a:p>
+          <a:p>
+            <a:pPr marL="457200" lvl="1" indent="0">
+              <a:buNone/>
+            </a:pPr>
+            <a:r>
+              <a:rPr lang="en-US" dirty="0" smtClean="0">
+                <a:latin typeface="Consolas" charset="0"/>
+                <a:ea typeface="Consolas" charset="0"/>
+                <a:cs typeface="Consolas" charset="0"/>
+              </a:rPr>
+              <a:t>FILES=“$(ls)”</a:t>
+            </a:r>
+          </a:p>
+          <a:p>
+            <a:pPr marL="457200" lvl="1" indent="0">
+              <a:buNone/>
+            </a:pPr>
+            <a:r>
+              <a:rPr lang="en-US" dirty="0" smtClean="0">
+                <a:latin typeface="Consolas" charset="0"/>
+                <a:ea typeface="Consolas" charset="0"/>
+                <a:cs typeface="Consolas" charset="0"/>
+              </a:rPr>
+              <a:t>WEB_FILES=`ls /</a:t>
+            </a:r>
+            <a:r>
+              <a:rPr lang="en-US" dirty="0" err="1" smtClean="0">
+                <a:latin typeface="Consolas" charset="0"/>
+                <a:ea typeface="Consolas" charset="0"/>
+                <a:cs typeface="Consolas" charset="0"/>
+              </a:rPr>
+              <a:t>var</a:t>
+            </a:r>
+            <a:r>
+              <a:rPr lang="en-US" dirty="0" smtClean="0">
+                <a:latin typeface="Consolas" charset="0"/>
+                <a:ea typeface="Consolas" charset="0"/>
+                <a:cs typeface="Consolas" charset="0"/>
+              </a:rPr>
+              <a:t>/www/html`</a:t>
+            </a:r>
+          </a:p>
+          <a:p>
+            <a:pPr marL="457200" lvl="1" indent="0">
+              <a:buNone/>
+            </a:pPr>
+            <a:r>
+              <a:rPr lang="en-US" dirty="0">
+                <a:latin typeface="Consolas" charset="0"/>
+                <a:ea typeface="Consolas" charset="0"/>
+                <a:cs typeface="Consolas" charset="0"/>
+              </a:rPr>
+              <a:t>e</a:t>
+            </a:r>
+            <a:r>
+              <a:rPr lang="en-US" dirty="0" smtClean="0">
+                <a:latin typeface="Consolas" charset="0"/>
+                <a:ea typeface="Consolas" charset="0"/>
+                <a:cs typeface="Consolas" charset="0"/>
+              </a:rPr>
+              <a:t>cho $FILES</a:t>
+            </a:r>
+          </a:p>
+          <a:p>
+            <a:pPr marL="457200" lvl="1" indent="0">
+              <a:buNone/>
+            </a:pPr>
+            <a:r>
+              <a:rPr lang="en-US" dirty="0">
+                <a:latin typeface="Consolas" charset="0"/>
+                <a:ea typeface="Consolas" charset="0"/>
+                <a:cs typeface="Consolas" charset="0"/>
+              </a:rPr>
+              <a:t>e</a:t>
+            </a:r>
+            <a:r>
+              <a:rPr lang="en-US" dirty="0" smtClean="0">
+                <a:latin typeface="Consolas" charset="0"/>
+                <a:ea typeface="Consolas" charset="0"/>
+                <a:cs typeface="Consolas" charset="0"/>
+              </a:rPr>
+              <a:t>cho $WEB_FILES</a:t>
+            </a:r>
+          </a:p>
+          <a:p>
+            <a:pPr marL="457200" lvl="1" indent="0">
+              <a:buNone/>
+            </a:pPr>
+            <a:endParaRPr lang="en-US" dirty="0" smtClean="0">
+              <a:latin typeface="Consolas" charset="0"/>
+              <a:ea typeface="Consolas" charset="0"/>
+              <a:cs typeface="Consolas" charset="0"/>
+            </a:endParaRPr>
+          </a:p>
+          <a:p>
+            <a:r>
+              <a:rPr lang="en-US" dirty="0" smtClean="0">
+                <a:latin typeface="Consolas" charset="0"/>
+                <a:ea typeface="Consolas" charset="0"/>
+                <a:cs typeface="Consolas" charset="0"/>
+              </a:rPr>
+              <a:t>Setting a variable to the output from a loop:</a:t>
+            </a:r>
+          </a:p>
+          <a:p>
+            <a:endParaRPr lang="en-US" dirty="0" smtClean="0">
+              <a:latin typeface="Consolas" charset="0"/>
+              <a:ea typeface="Consolas" charset="0"/>
+              <a:cs typeface="Consolas" charset="0"/>
+            </a:endParaRPr>
+          </a:p>
+          <a:p>
+            <a:pPr marL="400050" lvl="1" indent="0">
+              <a:buNone/>
+            </a:pPr>
+            <a:r>
+              <a:rPr lang="en-US" dirty="0" smtClean="0">
+                <a:latin typeface="Consolas" charset="0"/>
+                <a:ea typeface="Consolas" charset="0"/>
+                <a:cs typeface="Consolas" charset="0"/>
+              </a:rPr>
+              <a:t>#!/bin/bash</a:t>
+            </a:r>
+          </a:p>
+          <a:p>
+            <a:pPr marL="400050" lvl="1" indent="0">
+              <a:buNone/>
+            </a:pPr>
+            <a:r>
+              <a:rPr lang="en-US" dirty="0" smtClean="0">
+                <a:latin typeface="Consolas" charset="0"/>
+                <a:ea typeface="Consolas" charset="0"/>
+                <a:cs typeface="Consolas" charset="0"/>
+              </a:rPr>
+              <a:t># var1 = 1234</a:t>
+            </a:r>
+          </a:p>
+          <a:p>
+            <a:pPr marL="400050" lvl="1" indent="0">
+              <a:buNone/>
+            </a:pPr>
+            <a:r>
+              <a:rPr lang="en-US" dirty="0">
+                <a:latin typeface="Consolas" charset="0"/>
+                <a:ea typeface="Consolas" charset="0"/>
+                <a:cs typeface="Consolas" charset="0"/>
+              </a:rPr>
+              <a:t>v</a:t>
+            </a:r>
+            <a:r>
+              <a:rPr lang="en-US" dirty="0" smtClean="0">
+                <a:latin typeface="Consolas" charset="0"/>
+                <a:ea typeface="Consolas" charset="0"/>
+                <a:cs typeface="Consolas" charset="0"/>
+              </a:rPr>
+              <a:t>ar1=`for x in 1 2 3 4</a:t>
+            </a:r>
+          </a:p>
+          <a:p>
+            <a:pPr marL="400050" lvl="1" indent="0">
+              <a:buNone/>
+            </a:pPr>
+            <a:r>
+              <a:rPr lang="en-US" dirty="0">
+                <a:latin typeface="Consolas" charset="0"/>
+                <a:ea typeface="Consolas" charset="0"/>
+                <a:cs typeface="Consolas" charset="0"/>
+              </a:rPr>
+              <a:t>d</a:t>
+            </a:r>
+            <a:r>
+              <a:rPr lang="en-US" dirty="0" smtClean="0">
+                <a:latin typeface="Consolas" charset="0"/>
+                <a:ea typeface="Consolas" charset="0"/>
+                <a:cs typeface="Consolas" charset="0"/>
+              </a:rPr>
+              <a:t>o</a:t>
+            </a:r>
+          </a:p>
+          <a:p>
+            <a:pPr marL="857250" lvl="2" indent="0">
+              <a:buNone/>
+            </a:pPr>
+            <a:r>
+              <a:rPr lang="en-US" dirty="0">
+                <a:latin typeface="Consolas" charset="0"/>
+                <a:ea typeface="Consolas" charset="0"/>
+                <a:cs typeface="Consolas" charset="0"/>
+              </a:rPr>
+              <a:t>e</a:t>
+            </a:r>
+            <a:r>
+              <a:rPr lang="en-US" dirty="0" smtClean="0">
+                <a:latin typeface="Consolas" charset="0"/>
+                <a:ea typeface="Consolas" charset="0"/>
+                <a:cs typeface="Consolas" charset="0"/>
+              </a:rPr>
+              <a:t>cho –n “$x”</a:t>
+            </a:r>
+          </a:p>
+          <a:p>
+            <a:pPr marL="400050" lvl="1" indent="0">
+              <a:buNone/>
+            </a:pPr>
+            <a:r>
+              <a:rPr lang="en-US" dirty="0">
+                <a:latin typeface="Consolas" charset="0"/>
+                <a:ea typeface="Consolas" charset="0"/>
+                <a:cs typeface="Consolas" charset="0"/>
+              </a:rPr>
+              <a:t>d</a:t>
+            </a:r>
+            <a:r>
+              <a:rPr lang="en-US" dirty="0" smtClean="0">
+                <a:latin typeface="Consolas" charset="0"/>
+                <a:ea typeface="Consolas" charset="0"/>
+                <a:cs typeface="Consolas" charset="0"/>
+              </a:rPr>
+              <a:t>one`</a:t>
+            </a:r>
+            <a:endParaRPr lang="en-US" dirty="0">
+              <a:latin typeface="Consolas" charset="0"/>
+              <a:ea typeface="Consolas" charset="0"/>
+              <a:cs typeface="Consolas" charset="0"/>
+            </a:endParaRPr>
+          </a:p>
+        </p:txBody>
+      </p:sp>
+    </p:spTree>
+    <p:extLst>
+      <p:ext uri="{BB962C8B-B14F-4D97-AF65-F5344CB8AC3E}">
+        <p14:creationId xmlns:p14="http://schemas.microsoft.com/office/powerpoint/2010/main" val="1359289208"/>
+      </p:ext>
+    </p:extLst>
+  </p:cSld>
+  <p:clrMapOvr>
+    <a:masterClrMapping/>
+  </p:clrMapOvr>
+</p:sld>
+</file>
+
+<file path=ppt/slides/slide19.xml><?xml version="1.0" encoding="utf-8"?>
+<p:sld xmlns:a="http://schemas.openxmlformats.org/drawingml/2006/main" xmlns:r="http://schemas.openxmlformats.org/officeDocument/2006/relationships" xmlns:p="http://schemas.openxmlformats.org/presentationml/2006/main">
+  <p:cSld>
+    <p:spTree>
+      <p:nvGrpSpPr>
+        <p:cNvPr id="1" name=""/>
+        <p:cNvGrpSpPr/>
+        <p:nvPr/>
+      </p:nvGrpSpPr>
+      <p:grpSpPr>
+        <a:xfrm>
+          <a:off x="0" y="0"/>
+          <a:ext cx="0" cy="0"/>
+          <a:chOff x="0" y="0"/>
+          <a:chExt cx="0" cy="0"/>
+        </a:xfrm>
+      </p:grpSpPr>
+      <p:sp>
+        <p:nvSpPr>
+          <p:cNvPr id="2" name="Title 1"/>
+          <p:cNvSpPr>
+            <a:spLocks noGrp="1"/>
+          </p:cNvSpPr>
+          <p:nvPr>
+            <p:ph type="title"/>
+          </p:nvPr>
+        </p:nvSpPr>
+        <p:spPr/>
+        <p:txBody>
+          <a:bodyPr/>
+          <a:lstStyle/>
+          <a:p>
+            <a:r>
+              <a:rPr lang="en-US" dirty="0" smtClean="0"/>
+              <a:t>Shell parameter substitution</a:t>
+            </a:r>
+            <a:endParaRPr lang="en-US" dirty="0"/>
+          </a:p>
+        </p:txBody>
+      </p:sp>
+      <p:sp>
+        <p:nvSpPr>
+          <p:cNvPr id="3" name="Content Placeholder 2"/>
+          <p:cNvSpPr>
+            <a:spLocks noGrp="1"/>
+          </p:cNvSpPr>
+          <p:nvPr>
+            <p:ph idx="1"/>
+          </p:nvPr>
+        </p:nvSpPr>
+        <p:spPr/>
+        <p:txBody>
+          <a:bodyPr>
+            <a:normAutofit fontScale="70000" lnSpcReduction="20000"/>
+          </a:bodyPr>
+          <a:lstStyle/>
+          <a:p>
+            <a:r>
+              <a:rPr lang="en-US" dirty="0" smtClean="0"/>
+              <a:t>Parameter substitution is used to manipulate variable values</a:t>
+            </a:r>
+          </a:p>
+          <a:p>
+            <a:pPr lvl="1"/>
+            <a:r>
+              <a:rPr lang="en-US" dirty="0" smtClean="0"/>
+              <a:t>Uses braces {} to enclose variable construct</a:t>
+            </a:r>
+          </a:p>
+          <a:p>
+            <a:pPr lvl="1"/>
+            <a:endParaRPr lang="en-US" dirty="0" smtClean="0">
+              <a:latin typeface="Consolas" charset="0"/>
+              <a:ea typeface="Consolas" charset="0"/>
+              <a:cs typeface="Consolas" charset="0"/>
+            </a:endParaRPr>
+          </a:p>
+          <a:p>
+            <a:pPr marL="400050" lvl="1" indent="0">
+              <a:buNone/>
+            </a:pPr>
+            <a:r>
+              <a:rPr lang="en-US" dirty="0" smtClean="0">
+                <a:latin typeface="Consolas" charset="0"/>
+                <a:ea typeface="Consolas" charset="0"/>
+                <a:cs typeface="Consolas" charset="0"/>
+              </a:rPr>
+              <a:t>#!/bin/bash</a:t>
+            </a:r>
+          </a:p>
+          <a:p>
+            <a:pPr marL="400050" lvl="1" indent="0">
+              <a:buNone/>
+            </a:pPr>
+            <a:r>
+              <a:rPr lang="en-US" dirty="0">
+                <a:latin typeface="Consolas" charset="0"/>
+                <a:ea typeface="Consolas" charset="0"/>
+                <a:cs typeface="Consolas" charset="0"/>
+              </a:rPr>
+              <a:t>v</a:t>
+            </a:r>
+            <a:r>
+              <a:rPr lang="en-US" dirty="0" smtClean="0">
+                <a:latin typeface="Consolas" charset="0"/>
+                <a:ea typeface="Consolas" charset="0"/>
+                <a:cs typeface="Consolas" charset="0"/>
+              </a:rPr>
+              <a:t>ar1=1</a:t>
+            </a:r>
+          </a:p>
+          <a:p>
+            <a:pPr marL="400050" lvl="1" indent="0">
+              <a:buNone/>
+            </a:pPr>
+            <a:r>
+              <a:rPr lang="en-US" dirty="0">
+                <a:latin typeface="Consolas" charset="0"/>
+                <a:ea typeface="Consolas" charset="0"/>
+                <a:cs typeface="Consolas" charset="0"/>
+              </a:rPr>
+              <a:t>v</a:t>
+            </a:r>
+            <a:r>
+              <a:rPr lang="en-US" dirty="0" smtClean="0">
+                <a:latin typeface="Consolas" charset="0"/>
+                <a:ea typeface="Consolas" charset="0"/>
+                <a:cs typeface="Consolas" charset="0"/>
+              </a:rPr>
+              <a:t>ar2=2</a:t>
+            </a:r>
+          </a:p>
+          <a:p>
+            <a:pPr marL="400050" lvl="1" indent="0">
+              <a:buNone/>
+            </a:pPr>
+            <a:r>
+              <a:rPr lang="en-US" dirty="0">
+                <a:latin typeface="Consolas" charset="0"/>
+                <a:ea typeface="Consolas" charset="0"/>
+                <a:cs typeface="Consolas" charset="0"/>
+              </a:rPr>
+              <a:t>e</a:t>
+            </a:r>
+            <a:r>
+              <a:rPr lang="en-US" dirty="0" smtClean="0">
+                <a:latin typeface="Consolas" charset="0"/>
+                <a:ea typeface="Consolas" charset="0"/>
+                <a:cs typeface="Consolas" charset="0"/>
+              </a:rPr>
+              <a:t>cho $(var1-$var2}		# output is 1</a:t>
+            </a:r>
+          </a:p>
+          <a:p>
+            <a:pPr marL="0" indent="0">
+              <a:buNone/>
+            </a:pPr>
+            <a:endParaRPr lang="en-US" dirty="0" smtClean="0"/>
+          </a:p>
+          <a:p>
+            <a:r>
+              <a:rPr lang="en-US" dirty="0" smtClean="0"/>
+              <a:t>Useful for assigning a default value to a variable using the :- characters</a:t>
+            </a:r>
+          </a:p>
+          <a:p>
+            <a:endParaRPr lang="en-US" dirty="0" smtClean="0"/>
+          </a:p>
+          <a:p>
+            <a:pPr marL="400050" lvl="1" indent="0">
+              <a:buNone/>
+            </a:pPr>
+            <a:r>
+              <a:rPr lang="en-US" dirty="0" smtClean="0">
+                <a:latin typeface="Consolas" charset="0"/>
+                <a:ea typeface="Consolas" charset="0"/>
+                <a:cs typeface="Consolas" charset="0"/>
+              </a:rPr>
+              <a:t>#!/bin/bash</a:t>
+            </a:r>
+          </a:p>
+          <a:p>
+            <a:pPr marL="400050" lvl="1" indent="0">
+              <a:buNone/>
+            </a:pPr>
+            <a:r>
+              <a:rPr lang="en-US" dirty="0" smtClean="0">
+                <a:latin typeface="Consolas" charset="0"/>
+                <a:ea typeface="Consolas" charset="0"/>
+                <a:cs typeface="Consolas" charset="0"/>
+              </a:rPr>
+              <a:t>echo “Name is ${name:-Sam}”	# name defaults to Sam</a:t>
+            </a:r>
+          </a:p>
+          <a:p>
+            <a:pPr marL="400050" lvl="1" indent="0">
+              <a:buNone/>
+            </a:pPr>
+            <a:r>
+              <a:rPr lang="en-US" dirty="0" smtClean="0">
+                <a:latin typeface="Consolas" charset="0"/>
+                <a:ea typeface="Consolas" charset="0"/>
+                <a:cs typeface="Consolas" charset="0"/>
+              </a:rPr>
+              <a:t>exit 0</a:t>
+            </a:r>
+          </a:p>
+        </p:txBody>
+      </p:sp>
+    </p:spTree>
+    <p:extLst>
+      <p:ext uri="{BB962C8B-B14F-4D97-AF65-F5344CB8AC3E}">
+        <p14:creationId xmlns:p14="http://schemas.microsoft.com/office/powerpoint/2010/main" val="1829340094"/>
+      </p:ext>
+    </p:extLst>
+  </p:cSld>
+  <p:clrMapOvr>
+    <a:masterClrMapping/>
+  </p:clrMapOvr>
+</p:sld>
+</file>
+
+<file path=ppt/slides/slide2.xml><?xml version="1.0" encoding="utf-8"?>
+<p:sld xmlns:a="http://schemas.openxmlformats.org/drawingml/2006/main" xmlns:r="http://schemas.openxmlformats.org/officeDocument/2006/relationships" xmlns:p="http://schemas.openxmlformats.org/presentationml/2006/main">
+  <p:cSld>
+    <p:spTree>
+      <p:nvGrpSpPr>
+        <p:cNvPr id="1" name=""/>
+        <p:cNvGrpSpPr/>
+        <p:nvPr/>
+      </p:nvGrpSpPr>
+      <p:grpSpPr>
+        <a:xfrm>
+          <a:off x="0" y="0"/>
+          <a:ext cx="0" cy="0"/>
+          <a:chOff x="0" y="0"/>
+          <a:chExt cx="0" cy="0"/>
+        </a:xfrm>
+      </p:grpSpPr>
+      <p:sp>
+        <p:nvSpPr>
+          <p:cNvPr id="2" name="Title 1"/>
+          <p:cNvSpPr>
+            <a:spLocks noGrp="1"/>
+          </p:cNvSpPr>
+          <p:nvPr>
+            <p:ph type="title"/>
+          </p:nvPr>
+        </p:nvSpPr>
+        <p:spPr/>
+        <p:txBody>
+          <a:bodyPr/>
+          <a:lstStyle/>
+          <a:p>
+            <a:r>
+              <a:rPr lang="en-US" smtClean="0"/>
+              <a:t>Agenda</a:t>
+            </a:r>
+            <a:endParaRPr lang="en-US" dirty="0"/>
+          </a:p>
+        </p:txBody>
+      </p:sp>
+      <p:sp>
+        <p:nvSpPr>
+          <p:cNvPr id="3" name="Content Placeholder 2"/>
+          <p:cNvSpPr>
+            <a:spLocks noGrp="1"/>
+          </p:cNvSpPr>
+          <p:nvPr>
+            <p:ph idx="1"/>
+          </p:nvPr>
+        </p:nvSpPr>
+        <p:spPr/>
+        <p:txBody>
+          <a:bodyPr/>
+          <a:lstStyle/>
+          <a:p>
+            <a:r>
+              <a:rPr lang="en-US" dirty="0" smtClean="0"/>
+              <a:t>Review readings</a:t>
+            </a:r>
+          </a:p>
+          <a:p>
+            <a:r>
+              <a:rPr lang="en-US" dirty="0" smtClean="0"/>
+              <a:t>Linux fundamentals</a:t>
+            </a:r>
+            <a:endParaRPr lang="en-US" dirty="0"/>
+          </a:p>
+          <a:p>
+            <a:r>
+              <a:rPr lang="en-US" dirty="0" smtClean="0"/>
+              <a:t>Package management</a:t>
+            </a:r>
+          </a:p>
+          <a:p>
+            <a:r>
+              <a:rPr lang="en-US" dirty="0" smtClean="0"/>
+              <a:t>Shell scripting</a:t>
+            </a:r>
+          </a:p>
+          <a:p>
+            <a:endParaRPr lang="en-US" dirty="0" smtClean="0"/>
+          </a:p>
+        </p:txBody>
+      </p:sp>
+      <p:pic>
+        <p:nvPicPr>
+          <p:cNvPr id="4" name="Picture 3"/>
+          <p:cNvPicPr>
+            <a:picLocks noChangeAspect="1"/>
+          </p:cNvPicPr>
+          <p:nvPr/>
+        </p:nvPicPr>
+        <p:blipFill>
+          <a:blip r:embed="rId2"/>
+          <a:stretch>
+            <a:fillRect/>
+          </a:stretch>
+        </p:blipFill>
+        <p:spPr>
+          <a:xfrm>
+            <a:off x="5791282" y="1600200"/>
+            <a:ext cx="2641600" cy="3073400"/>
+          </a:xfrm>
+          <a:prstGeom prst="rect">
+            <a:avLst/>
+          </a:prstGeom>
+        </p:spPr>
+      </p:pic>
+    </p:spTree>
+    <p:extLst>
+      <p:ext uri="{BB962C8B-B14F-4D97-AF65-F5344CB8AC3E}">
+        <p14:creationId xmlns:p14="http://schemas.microsoft.com/office/powerpoint/2010/main" val="3024628326"/>
+      </p:ext>
+    </p:extLst>
+  </p:cSld>
+  <p:clrMapOvr>
+    <a:masterClrMapping/>
+  </p:clrMapOvr>
+</p:sld>
+</file>
+
+<file path=ppt/slides/slide20.xml><?xml version="1.0" encoding="utf-8"?>
+<p:sld xmlns:a="http://schemas.openxmlformats.org/drawingml/2006/main" xmlns:r="http://schemas.openxmlformats.org/officeDocument/2006/relationships" xmlns:p="http://schemas.openxmlformats.org/presentationml/2006/main">
+  <p:cSld>
+    <p:spTree>
+      <p:nvGrpSpPr>
+        <p:cNvPr id="1" name=""/>
+        <p:cNvGrpSpPr/>
+        <p:nvPr/>
+      </p:nvGrpSpPr>
+      <p:grpSpPr>
+        <a:xfrm>
+          <a:off x="0" y="0"/>
+          <a:ext cx="0" cy="0"/>
+          <a:chOff x="0" y="0"/>
+          <a:chExt cx="0" cy="0"/>
+        </a:xfrm>
+      </p:grpSpPr>
+      <p:sp>
+        <p:nvSpPr>
+          <p:cNvPr id="2" name="Title 1"/>
+          <p:cNvSpPr>
+            <a:spLocks noGrp="1"/>
+          </p:cNvSpPr>
+          <p:nvPr>
+            <p:ph type="title"/>
+          </p:nvPr>
+        </p:nvSpPr>
+        <p:spPr/>
+        <p:txBody>
+          <a:bodyPr>
+            <a:normAutofit/>
+          </a:bodyPr>
+          <a:lstStyle/>
+          <a:p>
+            <a:r>
+              <a:rPr lang="en-US" dirty="0" smtClean="0"/>
+              <a:t>Linux</a:t>
+            </a:r>
+            <a:endParaRPr lang="en-US" dirty="0"/>
+          </a:p>
+        </p:txBody>
+      </p:sp>
+      <p:sp>
+        <p:nvSpPr>
+          <p:cNvPr id="3" name="Content Placeholder 2"/>
+          <p:cNvSpPr>
+            <a:spLocks noGrp="1"/>
+          </p:cNvSpPr>
+          <p:nvPr>
+            <p:ph idx="1"/>
+          </p:nvPr>
+        </p:nvSpPr>
+        <p:spPr>
+          <a:xfrm>
+            <a:off x="457200" y="1600200"/>
+            <a:ext cx="8229600" cy="4895374"/>
+          </a:xfrm>
+        </p:spPr>
+        <p:txBody>
+          <a:bodyPr>
+            <a:normAutofit fontScale="92500" lnSpcReduction="10000"/>
+          </a:bodyPr>
+          <a:lstStyle/>
+          <a:p>
+            <a:r>
+              <a:rPr lang="en-US" dirty="0" smtClean="0"/>
+              <a:t>History</a:t>
+            </a:r>
+          </a:p>
+          <a:p>
+            <a:pPr lvl="1"/>
+            <a:r>
+              <a:rPr lang="en-US" dirty="0" smtClean="0"/>
+              <a:t>Started by Linus Torvalds in 1991</a:t>
+            </a:r>
+          </a:p>
+          <a:p>
+            <a:pPr lvl="1"/>
+            <a:r>
+              <a:rPr lang="en-US" dirty="0" smtClean="0"/>
+              <a:t>Inspired by Unix, developed at AT&amp;T in 1970s</a:t>
+            </a:r>
+          </a:p>
+          <a:p>
+            <a:pPr lvl="1"/>
+            <a:r>
+              <a:rPr lang="en-US" dirty="0" smtClean="0"/>
+              <a:t>Linux is not Unix, but uses same concepts</a:t>
+            </a:r>
+          </a:p>
+          <a:p>
+            <a:pPr lvl="1"/>
+            <a:r>
+              <a:rPr lang="en-US" dirty="0" smtClean="0"/>
+              <a:t>Open Source Software (General Public License)</a:t>
+            </a:r>
+          </a:p>
+          <a:p>
+            <a:pPr lvl="1"/>
+            <a:endParaRPr lang="en-US" dirty="0" smtClean="0"/>
+          </a:p>
+          <a:p>
+            <a:r>
+              <a:rPr lang="en-US" dirty="0" smtClean="0"/>
+              <a:t>Runs on cells phones to largest supercomputers</a:t>
+            </a:r>
+          </a:p>
+          <a:p>
+            <a:endParaRPr lang="en-US" dirty="0" smtClean="0"/>
+          </a:p>
+          <a:p>
+            <a:r>
+              <a:rPr lang="en-US" dirty="0" smtClean="0"/>
+              <a:t>Perfect for supporting service-based application architecture in the cloud</a:t>
+            </a:r>
+            <a:endParaRPr lang="en-US" dirty="0"/>
+          </a:p>
+        </p:txBody>
+      </p:sp>
+      <p:pic>
+        <p:nvPicPr>
+          <p:cNvPr id="4" name="Picture 3"/>
+          <p:cNvPicPr>
+            <a:picLocks noChangeAspect="1"/>
+          </p:cNvPicPr>
+          <p:nvPr/>
+        </p:nvPicPr>
+        <p:blipFill>
+          <a:blip r:embed="rId2"/>
+          <a:stretch>
+            <a:fillRect/>
+          </a:stretch>
+        </p:blipFill>
+        <p:spPr>
+          <a:xfrm>
+            <a:off x="6930759" y="432268"/>
+            <a:ext cx="1449139" cy="1686017"/>
+          </a:xfrm>
+          <a:prstGeom prst="rect">
+            <a:avLst/>
+          </a:prstGeom>
+        </p:spPr>
+      </p:pic>
+    </p:spTree>
+    <p:extLst>
+      <p:ext uri="{BB962C8B-B14F-4D97-AF65-F5344CB8AC3E}">
+        <p14:creationId xmlns:p14="http://schemas.microsoft.com/office/powerpoint/2010/main" val="3312454313"/>
+      </p:ext>
+    </p:extLst>
+  </p:cSld>
+  <p:clrMapOvr>
+    <a:masterClrMapping/>
+  </p:clrMapOvr>
+</p:sld>
+</file>
+
+<file path=ppt/slides/slide21.xml><?xml version="1.0" encoding="utf-8"?>
+<p:sld xmlns:a="http://schemas.openxmlformats.org/drawingml/2006/main" xmlns:r="http://schemas.openxmlformats.org/officeDocument/2006/relationships" xmlns:p="http://schemas.openxmlformats.org/presentationml/2006/main">
+  <p:cSld>
+    <p:spTree>
+      <p:nvGrpSpPr>
+        <p:cNvPr id="1" name=""/>
+        <p:cNvGrpSpPr/>
+        <p:nvPr/>
+      </p:nvGrpSpPr>
+      <p:grpSpPr>
+        <a:xfrm>
+          <a:off x="0" y="0"/>
+          <a:ext cx="0" cy="0"/>
+          <a:chOff x="0" y="0"/>
+          <a:chExt cx="0" cy="0"/>
+        </a:xfrm>
+      </p:grpSpPr>
+      <p:sp>
+        <p:nvSpPr>
+          <p:cNvPr id="2" name="Title 1"/>
+          <p:cNvSpPr>
+            <a:spLocks noGrp="1"/>
+          </p:cNvSpPr>
+          <p:nvPr>
+            <p:ph type="title"/>
+          </p:nvPr>
+        </p:nvSpPr>
+        <p:spPr/>
+        <p:txBody>
+          <a:bodyPr/>
+          <a:lstStyle/>
+          <a:p>
+            <a:r>
+              <a:rPr lang="en-US" dirty="0" smtClean="0"/>
+              <a:t>Linux</a:t>
+            </a:r>
+            <a:endParaRPr lang="en-US" dirty="0"/>
+          </a:p>
+        </p:txBody>
+      </p:sp>
+      <p:sp>
+        <p:nvSpPr>
+          <p:cNvPr id="3" name="Content Placeholder 2"/>
+          <p:cNvSpPr>
+            <a:spLocks noGrp="1"/>
+          </p:cNvSpPr>
+          <p:nvPr>
+            <p:ph idx="1"/>
+          </p:nvPr>
+        </p:nvSpPr>
+        <p:spPr/>
+        <p:txBody>
+          <a:bodyPr>
+            <a:normAutofit fontScale="92500"/>
+          </a:bodyPr>
+          <a:lstStyle/>
+          <a:p>
+            <a:r>
+              <a:rPr lang="en-US" dirty="0" smtClean="0"/>
+              <a:t>Why Linux? </a:t>
+            </a:r>
+          </a:p>
+          <a:p>
+            <a:pPr lvl="1"/>
+            <a:r>
+              <a:rPr lang="en-US" dirty="0"/>
+              <a:t>C</a:t>
+            </a:r>
+            <a:r>
+              <a:rPr lang="en-US" dirty="0" smtClean="0"/>
+              <a:t>ommon platform for modern distributed applications</a:t>
+            </a:r>
+          </a:p>
+          <a:p>
+            <a:pPr lvl="1"/>
+            <a:r>
+              <a:rPr lang="en-US" dirty="0" smtClean="0"/>
+              <a:t>Automation starts at the command line, not the GUI</a:t>
+            </a:r>
+          </a:p>
+          <a:p>
+            <a:pPr lvl="1"/>
+            <a:endParaRPr lang="en-US" dirty="0" smtClean="0"/>
+          </a:p>
+          <a:p>
+            <a:r>
+              <a:rPr lang="en-US" dirty="0" smtClean="0"/>
+              <a:t>Caveat: It’s not possible to learn Linux in a few hours. </a:t>
+            </a:r>
+          </a:p>
+          <a:p>
+            <a:pPr lvl="1"/>
+            <a:r>
+              <a:rPr lang="en-US" dirty="0" smtClean="0"/>
+              <a:t>Plan to invest meaningful time outside of class if you aren’t already familiar with it. </a:t>
+            </a:r>
+          </a:p>
+          <a:p>
+            <a:endParaRPr lang="en-US" dirty="0" smtClean="0"/>
+          </a:p>
+          <a:p>
+            <a:endParaRPr lang="en-US" dirty="0" smtClean="0"/>
+          </a:p>
+          <a:p>
+            <a:pPr lvl="1"/>
+            <a:endParaRPr lang="en-US" dirty="0" smtClean="0"/>
+          </a:p>
+        </p:txBody>
+      </p:sp>
+    </p:spTree>
+    <p:extLst>
+      <p:ext uri="{BB962C8B-B14F-4D97-AF65-F5344CB8AC3E}">
+        <p14:creationId xmlns:p14="http://schemas.microsoft.com/office/powerpoint/2010/main" val="3727470488"/>
+      </p:ext>
+    </p:extLst>
+  </p:cSld>
+  <p:clrMapOvr>
+    <a:masterClrMapping/>
+  </p:clrMapOvr>
+</p:sld>
+</file>
+
+<file path=ppt/slides/slide22.xml><?xml version="1.0" encoding="utf-8"?>
+<p:sld xmlns:a="http://schemas.openxmlformats.org/drawingml/2006/main" xmlns:r="http://schemas.openxmlformats.org/officeDocument/2006/relationships" xmlns:p="http://schemas.openxmlformats.org/presentationml/2006/main">
+  <p:cSld>
+    <p:spTree>
+      <p:nvGrpSpPr>
+        <p:cNvPr id="1" name=""/>
+        <p:cNvGrpSpPr/>
+        <p:nvPr/>
+      </p:nvGrpSpPr>
+      <p:grpSpPr>
+        <a:xfrm>
+          <a:off x="0" y="0"/>
+          <a:ext cx="0" cy="0"/>
+          <a:chOff x="0" y="0"/>
+          <a:chExt cx="0" cy="0"/>
+        </a:xfrm>
+      </p:grpSpPr>
+      <p:sp>
+        <p:nvSpPr>
+          <p:cNvPr id="2" name="Title 1"/>
+          <p:cNvSpPr>
+            <a:spLocks noGrp="1"/>
+          </p:cNvSpPr>
+          <p:nvPr>
+            <p:ph type="title"/>
+          </p:nvPr>
+        </p:nvSpPr>
+        <p:spPr/>
+        <p:txBody>
+          <a:bodyPr/>
+          <a:lstStyle/>
+          <a:p>
+            <a:r>
+              <a:rPr lang="en-US" dirty="0" smtClean="0"/>
               <a:t>Linux</a:t>
             </a:r>
             <a:endParaRPr lang="en-US" dirty="0"/>
@@ -3406,7 +6608,7 @@
 </p:sld>
 </file>
 
-<file path=ppt/slides/slide11.xml><?xml version="1.0" encoding="utf-8"?>
+<file path=ppt/slides/slide23.xml><?xml version="1.0" encoding="utf-8"?>
 <p:sld xmlns:a="http://schemas.openxmlformats.org/drawingml/2006/main" xmlns:r="http://schemas.openxmlformats.org/officeDocument/2006/relationships" xmlns:p="http://schemas.openxmlformats.org/presentationml/2006/main">
   <p:cSld>
     <p:spTree>
@@ -3599,7 +6801,7 @@
 </p:sld>
 </file>
 
-<file path=ppt/slides/slide12.xml><?xml version="1.0" encoding="utf-8"?>
+<file path=ppt/slides/slide24.xml><?xml version="1.0" encoding="utf-8"?>
 <p:sld xmlns:a="http://schemas.openxmlformats.org/drawingml/2006/main" xmlns:r="http://schemas.openxmlformats.org/officeDocument/2006/relationships" xmlns:p="http://schemas.openxmlformats.org/presentationml/2006/main">
   <p:cSld>
     <p:spTree>
@@ -3718,7 +6920,7 @@
 </p:sld>
 </file>
 
-<file path=ppt/slides/slide13.xml><?xml version="1.0" encoding="utf-8"?>
+<file path=ppt/slides/slide25.xml><?xml version="1.0" encoding="utf-8"?>
 <p:sld xmlns:a="http://schemas.openxmlformats.org/drawingml/2006/main" xmlns:r="http://schemas.openxmlformats.org/officeDocument/2006/relationships" xmlns:p="http://schemas.openxmlformats.org/presentationml/2006/main">
   <p:cSld>
     <p:spTree>
@@ -3805,13 +7007,8 @@
             <a:pPr lvl="1"/>
             <a:r>
               <a:rPr lang="en-US" dirty="0" smtClean="0"/>
-              <a:t>Not promoting this as the only or </a:t>
-            </a:r>
-            <a:r>
-              <a:rPr lang="en-US" dirty="0" smtClean="0"/>
-              <a:t>necessarily best workflow</a:t>
-            </a:r>
-            <a:endParaRPr lang="en-US" dirty="0" smtClean="0"/>
+              <a:t>Not promoting this as the only or necessarily best workflow</a:t>
+            </a:r>
           </a:p>
           <a:p>
             <a:pPr lvl="1"/>
@@ -3882,7 +7079,7 @@
 </p:sld>
 </file>
 
-<file path=ppt/slides/slide14.xml><?xml version="1.0" encoding="utf-8"?>
+<file path=ppt/slides/slide26.xml><?xml version="1.0" encoding="utf-8"?>
 <p:sld xmlns:a="http://schemas.openxmlformats.org/drawingml/2006/main" xmlns:r="http://schemas.openxmlformats.org/officeDocument/2006/relationships" xmlns:p="http://schemas.openxmlformats.org/presentationml/2006/main">
   <p:cSld>
     <p:spTree>
@@ -3981,7 +7178,7 @@
 </p:sld>
 </file>
 
-<file path=ppt/slides/slide15.xml><?xml version="1.0" encoding="utf-8"?>
+<file path=ppt/slides/slide27.xml><?xml version="1.0" encoding="utf-8"?>
 <p:sld xmlns:a="http://schemas.openxmlformats.org/drawingml/2006/main" xmlns:r="http://schemas.openxmlformats.org/officeDocument/2006/relationships" xmlns:p="http://schemas.openxmlformats.org/presentationml/2006/main">
   <p:cSld>
     <p:spTree>
@@ -4077,7 +7274,6 @@
               <a:rPr lang="en-US" dirty="0" smtClean="0"/>
               <a:t>Chapter 1</a:t>
             </a:r>
-            <a:endParaRPr lang="en-US" dirty="0" smtClean="0"/>
           </a:p>
           <a:p>
             <a:r>
@@ -4132,127 +7328,6 @@
     <p:extLst>
       <p:ext uri="{BB962C8B-B14F-4D97-AF65-F5344CB8AC3E}">
         <p14:creationId xmlns:p14="http://schemas.microsoft.com/office/powerpoint/2010/main" val="1032613"/>
-      </p:ext>
-    </p:extLst>
-  </p:cSld>
-  <p:clrMapOvr>
-    <a:masterClrMapping/>
-  </p:clrMapOvr>
-</p:sld>
-</file>
-
-<file path=ppt/slides/slide2.xml><?xml version="1.0" encoding="utf-8"?>
-<p:sld xmlns:a="http://schemas.openxmlformats.org/drawingml/2006/main" xmlns:r="http://schemas.openxmlformats.org/officeDocument/2006/relationships" xmlns:p="http://schemas.openxmlformats.org/presentationml/2006/main">
-  <p:cSld>
-    <p:spTree>
-      <p:nvGrpSpPr>
-        <p:cNvPr id="1" name=""/>
-        <p:cNvGrpSpPr/>
-        <p:nvPr/>
-      </p:nvGrpSpPr>
-      <p:grpSpPr>
-        <a:xfrm>
-          <a:off x="0" y="0"/>
-          <a:ext cx="0" cy="0"/>
-          <a:chOff x="0" y="0"/>
-          <a:chExt cx="0" cy="0"/>
-        </a:xfrm>
-      </p:grpSpPr>
-      <p:sp>
-        <p:nvSpPr>
-          <p:cNvPr id="2" name="Title 1"/>
-          <p:cNvSpPr>
-            <a:spLocks noGrp="1"/>
-          </p:cNvSpPr>
-          <p:nvPr>
-            <p:ph type="title"/>
-          </p:nvPr>
-        </p:nvSpPr>
-        <p:spPr/>
-        <p:txBody>
-          <a:bodyPr/>
-          <a:lstStyle/>
-          <a:p>
-            <a:r>
-              <a:rPr lang="en-US" smtClean="0"/>
-              <a:t>Agenda</a:t>
-            </a:r>
-            <a:endParaRPr lang="en-US" dirty="0"/>
-          </a:p>
-        </p:txBody>
-      </p:sp>
-      <p:sp>
-        <p:nvSpPr>
-          <p:cNvPr id="3" name="Content Placeholder 2"/>
-          <p:cNvSpPr>
-            <a:spLocks noGrp="1"/>
-          </p:cNvSpPr>
-          <p:nvPr>
-            <p:ph idx="1"/>
-          </p:nvPr>
-        </p:nvSpPr>
-        <p:spPr/>
-        <p:txBody>
-          <a:bodyPr/>
-          <a:lstStyle/>
-          <a:p>
-            <a:r>
-              <a:rPr lang="en-US" dirty="0" smtClean="0"/>
-              <a:t>Review readings</a:t>
-            </a:r>
-          </a:p>
-          <a:p>
-            <a:r>
-              <a:rPr lang="en-US" dirty="0" smtClean="0"/>
-              <a:t>Linux fundamentals</a:t>
-            </a:r>
-            <a:endParaRPr lang="en-US" dirty="0"/>
-          </a:p>
-          <a:p>
-            <a:r>
-              <a:rPr lang="en-US" dirty="0" smtClean="0"/>
-              <a:t>Package management</a:t>
-            </a:r>
-          </a:p>
-          <a:p>
-            <a:r>
-              <a:rPr lang="en-US" dirty="0" smtClean="0"/>
-              <a:t>Shell scripting</a:t>
-            </a:r>
-          </a:p>
-          <a:p>
-            <a:endParaRPr lang="en-US" dirty="0" smtClean="0"/>
-          </a:p>
-        </p:txBody>
-      </p:sp>
-      <p:pic>
-        <p:nvPicPr>
-          <p:cNvPr id="4" name="Picture 3"/>
-          <p:cNvPicPr>
-            <a:picLocks noChangeAspect="1"/>
-          </p:cNvPicPr>
-          <p:nvPr/>
-        </p:nvPicPr>
-        <p:blipFill>
-          <a:blip r:embed="rId2"/>
-          <a:stretch>
-            <a:fillRect/>
-          </a:stretch>
-        </p:blipFill>
-        <p:spPr>
-          <a:xfrm>
-            <a:off x="5791282" y="1600200"/>
-            <a:ext cx="2641600" cy="3073400"/>
-          </a:xfrm>
-          <a:prstGeom prst="rect">
-            <a:avLst/>
-          </a:prstGeom>
-        </p:spPr>
-      </p:pic>
-    </p:spTree>
-    <p:extLst>
-      <p:ext uri="{BB962C8B-B14F-4D97-AF65-F5344CB8AC3E}">
-        <p14:creationId xmlns:p14="http://schemas.microsoft.com/office/powerpoint/2010/main" val="3024628326"/>
       </p:ext>
     </p:extLst>
   </p:cSld>
@@ -4513,11 +7588,7 @@
             <a:pPr lvl="2"/>
             <a:r>
               <a:rPr lang="en-US" dirty="0" smtClean="0"/>
-              <a:t>Difficult/frequent = automate (but maybe acquire</a:t>
-            </a:r>
-            <a:r>
-              <a:rPr lang="en-US" dirty="0" smtClean="0"/>
-              <a:t>)</a:t>
+              <a:t>Difficult/frequent = automate (but maybe acquire)</a:t>
             </a:r>
           </a:p>
           <a:p>
@@ -4680,11 +7751,7 @@
             <a:pPr lvl="2"/>
             <a:r>
               <a:rPr lang="en-US" dirty="0" smtClean="0"/>
-              <a:t>Try to strike a balance between automation and future growth in </a:t>
-            </a:r>
-            <a:r>
-              <a:rPr lang="en-US" dirty="0" smtClean="0"/>
-              <a:t>learning</a:t>
+              <a:t>Try to strike a balance between automation and future growth in learning</a:t>
             </a:r>
           </a:p>
           <a:p>
@@ -4998,11 +8065,7 @@
             <a:pPr lvl="1"/>
             <a:r>
               <a:rPr lang="en-US" dirty="0" smtClean="0"/>
-              <a:t>Start small and work incrementally, don’t try to automate everything at </a:t>
-            </a:r>
-            <a:r>
-              <a:rPr lang="en-US" dirty="0" smtClean="0"/>
-              <a:t>once</a:t>
+              <a:t>Start small and work incrementally, don’t try to automate everything at once</a:t>
             </a:r>
           </a:p>
           <a:p>
@@ -5077,14 +8140,12 @@
         </p:nvSpPr>
         <p:spPr/>
         <p:txBody>
-          <a:bodyPr>
-            <a:normAutofit/>
-          </a:bodyPr>
-          <a:lstStyle/>
-          <a:p>
-            <a:r>
-              <a:rPr lang="en-US" dirty="0" smtClean="0"/>
-              <a:t>Linux</a:t>
+          <a:bodyPr/>
+          <a:lstStyle/>
+          <a:p>
+            <a:r>
+              <a:rPr lang="en-US" dirty="0" smtClean="0"/>
+              <a:t>Shell Scripting</a:t>
             </a:r>
             <a:endParaRPr lang="en-US" dirty="0"/>
           </a:p>
@@ -5100,53 +8161,42 @@
             <p:ph idx="1"/>
           </p:nvPr>
         </p:nvSpPr>
-        <p:spPr>
-          <a:xfrm>
-            <a:off x="457200" y="1600200"/>
-            <a:ext cx="8229600" cy="4895374"/>
-          </a:xfrm>
-        </p:spPr>
-        <p:txBody>
-          <a:bodyPr>
-            <a:normAutofit fontScale="92500" lnSpcReduction="10000"/>
-          </a:bodyPr>
-          <a:lstStyle/>
-          <a:p>
-            <a:r>
-              <a:rPr lang="en-US" dirty="0" smtClean="0"/>
-              <a:t>History</a:t>
-            </a:r>
-          </a:p>
-          <a:p>
-            <a:pPr lvl="1"/>
-            <a:r>
-              <a:rPr lang="en-US" dirty="0" smtClean="0"/>
-              <a:t>Started by Linus Torvalds in 1991</a:t>
-            </a:r>
-          </a:p>
-          <a:p>
-            <a:pPr lvl="1"/>
-            <a:r>
-              <a:rPr lang="en-US" dirty="0" smtClean="0"/>
-              <a:t>Inspired by Unix, developed at AT&amp;T in 1970s</a:t>
-            </a:r>
-          </a:p>
-          <a:p>
-            <a:pPr lvl="1"/>
-            <a:r>
-              <a:rPr lang="en-US" dirty="0" smtClean="0"/>
-              <a:t>Linux is not Unix, but uses same concepts</a:t>
-            </a:r>
-          </a:p>
-          <a:p>
-            <a:pPr lvl="1"/>
-            <a:r>
-              <a:rPr lang="en-US" dirty="0" smtClean="0"/>
-              <a:t>Open Source Software (General Public License</a:t>
-            </a:r>
-            <a:r>
-              <a:rPr lang="en-US" dirty="0" smtClean="0"/>
-              <a:t>)</a:t>
+        <p:spPr/>
+        <p:txBody>
+          <a:bodyPr/>
+          <a:lstStyle/>
+          <a:p>
+            <a:r>
+              <a:rPr lang="en-US" dirty="0" smtClean="0"/>
+              <a:t>Shell scripts are traditionally the most common tool used for infrastructure automation.</a:t>
+            </a:r>
+          </a:p>
+          <a:p>
+            <a:pPr lvl="1"/>
+            <a:r>
+              <a:rPr lang="en-US" dirty="0" smtClean="0"/>
+              <a:t>Simple and quick to create</a:t>
+            </a:r>
+          </a:p>
+          <a:p>
+            <a:pPr lvl="1"/>
+            <a:r>
+              <a:rPr lang="en-US" dirty="0" smtClean="0"/>
+              <a:t>Interpreted and executed by systems immediately</a:t>
+            </a:r>
+          </a:p>
+          <a:p>
+            <a:pPr lvl="1"/>
+            <a:r>
+              <a:rPr lang="en-US" dirty="0" smtClean="0"/>
+              <a:t>Batch of commands grouped together in a file and executed from top to bottom</a:t>
+            </a:r>
+          </a:p>
+          <a:p>
+            <a:pPr lvl="1"/>
+            <a:r>
+              <a:rPr lang="en-US" dirty="0" smtClean="0"/>
+              <a:t>Supported by wide variety of operating systems including Unix, Linux, Windows</a:t>
             </a:r>
           </a:p>
           <a:p>
@@ -5154,55 +8204,15 @@
             <a:endParaRPr lang="en-US" dirty="0" smtClean="0"/>
           </a:p>
           <a:p>
-            <a:r>
-              <a:rPr lang="en-US" dirty="0" smtClean="0"/>
-              <a:t>Runs on cells phones to largest </a:t>
-            </a:r>
-            <a:r>
-              <a:rPr lang="en-US" dirty="0" smtClean="0"/>
-              <a:t>supercomputers</a:t>
-            </a:r>
-          </a:p>
-          <a:p>
-            <a:endParaRPr lang="en-US" dirty="0" smtClean="0"/>
-          </a:p>
-          <a:p>
-            <a:r>
-              <a:rPr lang="en-US" dirty="0" smtClean="0"/>
-              <a:t>Perfect for supporting service-based application architecture in the cloud</a:t>
-            </a:r>
+            <a:pPr lvl="1"/>
             <a:endParaRPr lang="en-US" dirty="0"/>
           </a:p>
         </p:txBody>
       </p:sp>
-      <p:pic>
-        <p:nvPicPr>
-          <p:cNvPr id="4" name="Picture 3"/>
-          <p:cNvPicPr>
-            <a:picLocks noChangeAspect="1"/>
-          </p:cNvPicPr>
-          <p:nvPr/>
-        </p:nvPicPr>
-        <p:blipFill>
-          <a:blip r:embed="rId2"/>
-          <a:stretch>
-            <a:fillRect/>
-          </a:stretch>
-        </p:blipFill>
-        <p:spPr>
-          <a:xfrm>
-            <a:off x="6930759" y="432268"/>
-            <a:ext cx="1449139" cy="1686017"/>
-          </a:xfrm>
-          <a:prstGeom prst="rect">
-            <a:avLst/>
-          </a:prstGeom>
-        </p:spPr>
-      </p:pic>
     </p:spTree>
     <p:extLst>
       <p:ext uri="{BB962C8B-B14F-4D97-AF65-F5344CB8AC3E}">
-        <p14:creationId xmlns:p14="http://schemas.microsoft.com/office/powerpoint/2010/main" val="3312454313"/>
+        <p14:creationId xmlns:p14="http://schemas.microsoft.com/office/powerpoint/2010/main" val="542701460"/>
       </p:ext>
     </p:extLst>
   </p:cSld>
@@ -5246,7 +8256,7 @@
           <a:p>
             <a:r>
               <a:rPr lang="en-US" dirty="0" smtClean="0"/>
-              <a:t>Linux</a:t>
+              <a:t>Shell Scripting</a:t>
             </a:r>
             <a:endParaRPr lang="en-US" dirty="0"/>
           </a:p>
@@ -5262,34 +8272,35 @@
             <p:ph idx="1"/>
           </p:nvPr>
         </p:nvSpPr>
-        <p:spPr/>
+        <p:spPr>
+          <a:xfrm>
+            <a:off x="457200" y="1600200"/>
+            <a:ext cx="8229600" cy="4813663"/>
+          </a:xfrm>
+        </p:spPr>
         <p:txBody>
           <a:bodyPr>
-            <a:normAutofit fontScale="92500"/>
+            <a:normAutofit fontScale="92500" lnSpcReduction="10000"/>
           </a:bodyPr>
           <a:lstStyle/>
           <a:p>
             <a:r>
               <a:rPr lang="en-US" dirty="0" smtClean="0"/>
-              <a:t>Why Linux? </a:t>
-            </a:r>
-          </a:p>
-          <a:p>
-            <a:pPr lvl="1"/>
-            <a:r>
-              <a:rPr lang="en-US" dirty="0"/>
-              <a:t>C</a:t>
-            </a:r>
-            <a:r>
-              <a:rPr lang="en-US" dirty="0" smtClean="0"/>
-              <a:t>ommon platform for modern distributed applications</a:t>
-            </a:r>
-          </a:p>
-          <a:p>
-            <a:pPr lvl="1"/>
-            <a:r>
-              <a:rPr lang="en-US" dirty="0" smtClean="0"/>
-              <a:t>Automation starts at the command line, not the GUI</a:t>
+              <a:t>We will focus on Linux shell scripts in this course using the BASH shell.</a:t>
+            </a:r>
+          </a:p>
+          <a:p>
+            <a:pPr lvl="1"/>
+            <a:r>
+              <a:rPr lang="en-US" dirty="0" smtClean="0"/>
+              <a:t>Free replacement for the Bourne shell </a:t>
+            </a:r>
+          </a:p>
+          <a:p>
+            <a:pPr lvl="1"/>
+            <a:r>
+              <a:rPr lang="en-US" dirty="0" smtClean="0"/>
+              <a:t>Released in 1989 and used as default shell for most Linux distributions</a:t>
             </a:r>
           </a:p>
           <a:p>
@@ -5299,32 +8310,30 @@
           <a:p>
             <a:r>
               <a:rPr lang="en-US" dirty="0" smtClean="0"/>
-              <a:t>Caveat: It’s not possible to learn Linux in a few hours. </a:t>
-            </a:r>
-          </a:p>
-          <a:p>
-            <a:pPr lvl="1"/>
-            <a:r>
-              <a:rPr lang="en-US" dirty="0" smtClean="0"/>
-              <a:t>Plan to invest meaningful time outside of class if you aren’t already familiar with it. </a:t>
-            </a:r>
-          </a:p>
-          <a:p>
-            <a:endParaRPr lang="en-US" dirty="0" smtClean="0"/>
-          </a:p>
-          <a:p>
-            <a:endParaRPr lang="en-US" dirty="0" smtClean="0"/>
-          </a:p>
-          <a:p>
-            <a:pPr lvl="1"/>
-            <a:endParaRPr lang="en-US" dirty="0" smtClean="0"/>
+              <a:t>What is a shell?</a:t>
+            </a:r>
+          </a:p>
+          <a:p>
+            <a:pPr lvl="1"/>
+            <a:r>
+              <a:rPr lang="en-US" dirty="0" smtClean="0"/>
+              <a:t>An interactive command line processer that runs in a text window.</a:t>
+            </a:r>
+          </a:p>
+          <a:p>
+            <a:pPr lvl="1"/>
+            <a:r>
+              <a:rPr lang="en-US" dirty="0" smtClean="0"/>
+              <a:t>User can type in commands manually or the shell can read commands from a file (shell script).</a:t>
+            </a:r>
+            <a:endParaRPr lang="en-US" dirty="0"/>
           </a:p>
         </p:txBody>
       </p:sp>
     </p:spTree>
     <p:extLst>
       <p:ext uri="{BB962C8B-B14F-4D97-AF65-F5344CB8AC3E}">
-        <p14:creationId xmlns:p14="http://schemas.microsoft.com/office/powerpoint/2010/main" val="3727470488"/>
+        <p14:creationId xmlns:p14="http://schemas.microsoft.com/office/powerpoint/2010/main" val="1765998018"/>
       </p:ext>
     </p:extLst>
   </p:cSld>

--- a/lectures/infrastructure-week-2.pptx
+++ b/lectures/infrastructure-week-2.pptx
@@ -25,13 +25,40 @@
     <p:sldId id="284" r:id="rId19"/>
     <p:sldId id="285" r:id="rId20"/>
     <p:sldId id="266" r:id="rId21"/>
-    <p:sldId id="265" r:id="rId22"/>
-    <p:sldId id="267" r:id="rId23"/>
-    <p:sldId id="268" r:id="rId24"/>
-    <p:sldId id="271" r:id="rId25"/>
-    <p:sldId id="272" r:id="rId26"/>
-    <p:sldId id="273" r:id="rId27"/>
-    <p:sldId id="270" r:id="rId28"/>
+    <p:sldId id="286" r:id="rId22"/>
+    <p:sldId id="265" r:id="rId23"/>
+    <p:sldId id="267" r:id="rId24"/>
+    <p:sldId id="306" r:id="rId25"/>
+    <p:sldId id="287" r:id="rId26"/>
+    <p:sldId id="288" r:id="rId27"/>
+    <p:sldId id="289" r:id="rId28"/>
+    <p:sldId id="295" r:id="rId29"/>
+    <p:sldId id="290" r:id="rId30"/>
+    <p:sldId id="291" r:id="rId31"/>
+    <p:sldId id="292" r:id="rId32"/>
+    <p:sldId id="293" r:id="rId33"/>
+    <p:sldId id="294" r:id="rId34"/>
+    <p:sldId id="296" r:id="rId35"/>
+    <p:sldId id="297" r:id="rId36"/>
+    <p:sldId id="298" r:id="rId37"/>
+    <p:sldId id="299" r:id="rId38"/>
+    <p:sldId id="302" r:id="rId39"/>
+    <p:sldId id="300" r:id="rId40"/>
+    <p:sldId id="303" r:id="rId41"/>
+    <p:sldId id="304" r:id="rId42"/>
+    <p:sldId id="301" r:id="rId43"/>
+    <p:sldId id="307" r:id="rId44"/>
+    <p:sldId id="308" r:id="rId45"/>
+    <p:sldId id="309" r:id="rId46"/>
+    <p:sldId id="310" r:id="rId47"/>
+    <p:sldId id="311" r:id="rId48"/>
+    <p:sldId id="314" r:id="rId49"/>
+    <p:sldId id="315" r:id="rId50"/>
+    <p:sldId id="316" r:id="rId51"/>
+    <p:sldId id="312" r:id="rId52"/>
+    <p:sldId id="272" r:id="rId53"/>
+    <p:sldId id="273" r:id="rId54"/>
+    <p:sldId id="270" r:id="rId55"/>
   </p:sldIdLst>
   <p:sldSz cx="9144000" cy="6858000" type="screen4x3"/>
   <p:notesSz cx="6858000" cy="9144000"/>
@@ -330,7 +357,7 @@
           <a:p>
             <a:fld id="{5B60E164-4364-3441-BA83-2CF3942ACF8D}" type="datetimeFigureOut">
               <a:rPr lang="en-US" smtClean="0"/>
-              <a:t>9/3/16</a:t>
+              <a:t>9/18/16</a:t>
             </a:fld>
             <a:endParaRPr lang="en-US"/>
           </a:p>
@@ -500,7 +527,7 @@
           <a:p>
             <a:fld id="{5B60E164-4364-3441-BA83-2CF3942ACF8D}" type="datetimeFigureOut">
               <a:rPr lang="en-US" smtClean="0"/>
-              <a:t>9/3/16</a:t>
+              <a:t>9/18/16</a:t>
             </a:fld>
             <a:endParaRPr lang="en-US"/>
           </a:p>
@@ -680,7 +707,7 @@
           <a:p>
             <a:fld id="{5B60E164-4364-3441-BA83-2CF3942ACF8D}" type="datetimeFigureOut">
               <a:rPr lang="en-US" smtClean="0"/>
-              <a:t>9/3/16</a:t>
+              <a:t>9/18/16</a:t>
             </a:fld>
             <a:endParaRPr lang="en-US"/>
           </a:p>
@@ -850,7 +877,7 @@
           <a:p>
             <a:fld id="{5B60E164-4364-3441-BA83-2CF3942ACF8D}" type="datetimeFigureOut">
               <a:rPr lang="en-US" smtClean="0"/>
-              <a:t>9/3/16</a:t>
+              <a:t>9/18/16</a:t>
             </a:fld>
             <a:endParaRPr lang="en-US"/>
           </a:p>
@@ -1096,7 +1123,7 @@
           <a:p>
             <a:fld id="{5B60E164-4364-3441-BA83-2CF3942ACF8D}" type="datetimeFigureOut">
               <a:rPr lang="en-US" smtClean="0"/>
-              <a:t>9/3/16</a:t>
+              <a:t>9/18/16</a:t>
             </a:fld>
             <a:endParaRPr lang="en-US"/>
           </a:p>
@@ -1384,7 +1411,7 @@
           <a:p>
             <a:fld id="{5B60E164-4364-3441-BA83-2CF3942ACF8D}" type="datetimeFigureOut">
               <a:rPr lang="en-US" smtClean="0"/>
-              <a:t>9/3/16</a:t>
+              <a:t>9/18/16</a:t>
             </a:fld>
             <a:endParaRPr lang="en-US"/>
           </a:p>
@@ -1806,7 +1833,7 @@
           <a:p>
             <a:fld id="{5B60E164-4364-3441-BA83-2CF3942ACF8D}" type="datetimeFigureOut">
               <a:rPr lang="en-US" smtClean="0"/>
-              <a:t>9/3/16</a:t>
+              <a:t>9/18/16</a:t>
             </a:fld>
             <a:endParaRPr lang="en-US"/>
           </a:p>
@@ -1924,7 +1951,7 @@
           <a:p>
             <a:fld id="{5B60E164-4364-3441-BA83-2CF3942ACF8D}" type="datetimeFigureOut">
               <a:rPr lang="en-US" smtClean="0"/>
-              <a:t>9/3/16</a:t>
+              <a:t>9/18/16</a:t>
             </a:fld>
             <a:endParaRPr lang="en-US"/>
           </a:p>
@@ -2019,7 +2046,7 @@
           <a:p>
             <a:fld id="{5B60E164-4364-3441-BA83-2CF3942ACF8D}" type="datetimeFigureOut">
               <a:rPr lang="en-US" smtClean="0"/>
-              <a:t>9/3/16</a:t>
+              <a:t>9/18/16</a:t>
             </a:fld>
             <a:endParaRPr lang="en-US"/>
           </a:p>
@@ -2296,7 +2323,7 @@
           <a:p>
             <a:fld id="{5B60E164-4364-3441-BA83-2CF3942ACF8D}" type="datetimeFigureOut">
               <a:rPr lang="en-US" smtClean="0"/>
-              <a:t>9/3/16</a:t>
+              <a:t>9/18/16</a:t>
             </a:fld>
             <a:endParaRPr lang="en-US"/>
           </a:p>
@@ -2549,7 +2576,7 @@
           <a:p>
             <a:fld id="{5B60E164-4364-3441-BA83-2CF3942ACF8D}" type="datetimeFigureOut">
               <a:rPr lang="en-US" smtClean="0"/>
-              <a:t>9/3/16</a:t>
+              <a:t>9/18/16</a:t>
             </a:fld>
             <a:endParaRPr lang="en-US"/>
           </a:p>
@@ -2762,7 +2789,7 @@
           <a:p>
             <a:fld id="{5B60E164-4364-3441-BA83-2CF3942ACF8D}" type="datetimeFigureOut">
               <a:rPr lang="en-US" smtClean="0"/>
-              <a:t>9/3/16</a:t>
+              <a:t>9/18/16</a:t>
             </a:fld>
             <a:endParaRPr lang="en-US"/>
           </a:p>
@@ -6393,58 +6420,102 @@
         <p:spPr/>
         <p:txBody>
           <a:bodyPr>
-            <a:normAutofit fontScale="92500"/>
+            <a:normAutofit fontScale="70000" lnSpcReduction="20000"/>
           </a:bodyPr>
           <a:lstStyle/>
           <a:p>
             <a:r>
               <a:rPr lang="en-US" dirty="0" smtClean="0"/>
-              <a:t>Why Linux? </a:t>
-            </a:r>
-          </a:p>
-          <a:p>
-            <a:pPr lvl="1"/>
-            <a:r>
-              <a:rPr lang="en-US" dirty="0"/>
-              <a:t>C</a:t>
-            </a:r>
-            <a:r>
-              <a:rPr lang="en-US" dirty="0" smtClean="0"/>
-              <a:t>ommon platform for modern distributed applications</a:t>
-            </a:r>
-          </a:p>
-          <a:p>
-            <a:pPr lvl="1"/>
-            <a:r>
-              <a:rPr lang="en-US" dirty="0" smtClean="0"/>
-              <a:t>Automation starts at the command line, not the GUI</a:t>
-            </a:r>
-          </a:p>
-          <a:p>
-            <a:pPr lvl="1"/>
+              <a:t>A Linux </a:t>
+            </a:r>
+            <a:r>
+              <a:rPr lang="en-US" b="1" dirty="0" smtClean="0"/>
+              <a:t>distribution</a:t>
+            </a:r>
+            <a:r>
+              <a:rPr lang="en-US" dirty="0" smtClean="0"/>
+              <a:t> includes a kernel and a collection of applications.</a:t>
+            </a:r>
+          </a:p>
+          <a:p>
+            <a:pPr lvl="1"/>
+            <a:r>
+              <a:rPr lang="en-US" dirty="0" smtClean="0"/>
+              <a:t>Linux kernel</a:t>
+            </a:r>
+          </a:p>
+          <a:p>
+            <a:pPr lvl="1"/>
+            <a:r>
+              <a:rPr lang="en-US" dirty="0" smtClean="0"/>
+              <a:t>Applications (GNU, </a:t>
+            </a:r>
+            <a:r>
+              <a:rPr lang="en-US" dirty="0" err="1" smtClean="0"/>
+              <a:t>etc</a:t>
+            </a:r>
+            <a:r>
+              <a:rPr lang="en-US" dirty="0" smtClean="0"/>
+              <a:t>)</a:t>
+            </a:r>
+          </a:p>
+          <a:p>
+            <a:pPr lvl="1"/>
+            <a:r>
+              <a:rPr lang="en-US" dirty="0" smtClean="0"/>
+              <a:t>Desktop (Gnome, KDE, etc.)</a:t>
+            </a:r>
+          </a:p>
+          <a:p>
+            <a:endParaRPr lang="en-US" dirty="0"/>
+          </a:p>
+          <a:p>
+            <a:r>
+              <a:rPr lang="en-US" dirty="0" smtClean="0"/>
+              <a:t>Dozens of distributions available to suit a large variety of needs.</a:t>
+            </a:r>
+          </a:p>
+          <a:p>
+            <a:pPr lvl="1"/>
+            <a:r>
+              <a:rPr lang="en-US" dirty="0" err="1" smtClean="0"/>
+              <a:t>RedHat</a:t>
+            </a:r>
+            <a:r>
+              <a:rPr lang="en-US" dirty="0" smtClean="0"/>
+              <a:t>, SUSE, Ubuntu, CentOS, </a:t>
+            </a:r>
+            <a:r>
+              <a:rPr lang="en-US" dirty="0" err="1" smtClean="0"/>
+              <a:t>Debian</a:t>
+            </a:r>
             <a:endParaRPr lang="en-US" dirty="0" smtClean="0"/>
           </a:p>
           <a:p>
-            <a:r>
-              <a:rPr lang="en-US" dirty="0" smtClean="0"/>
-              <a:t>Caveat: It’s not possible to learn Linux in a few hours. </a:t>
-            </a:r>
-          </a:p>
-          <a:p>
-            <a:pPr lvl="1"/>
-            <a:r>
-              <a:rPr lang="en-US" dirty="0" smtClean="0"/>
-              <a:t>Plan to invest meaningful time outside of class if you aren’t already familiar with it. </a:t>
-            </a:r>
-          </a:p>
-          <a:p>
+            <a:pPr lvl="1"/>
             <a:endParaRPr lang="en-US" dirty="0" smtClean="0"/>
           </a:p>
           <a:p>
-            <a:endParaRPr lang="en-US" dirty="0" smtClean="0"/>
-          </a:p>
-          <a:p>
-            <a:pPr lvl="1"/>
+            <a:r>
+              <a:rPr lang="en-US" dirty="0" smtClean="0"/>
+              <a:t>GNU software is a mass collaboration project which includes hundreds of software applications.</a:t>
+            </a:r>
+          </a:p>
+          <a:p>
+            <a:pPr lvl="1"/>
+            <a:r>
+              <a:rPr lang="en-US" dirty="0" smtClean="0"/>
+              <a:t>Started in 1983 by Richard Stallman.</a:t>
+            </a:r>
+          </a:p>
+          <a:p>
+            <a:pPr lvl="1"/>
+            <a:r>
+              <a:rPr lang="en-US" dirty="0" smtClean="0"/>
+              <a:t>GNU’s Not Unix</a:t>
+            </a:r>
+          </a:p>
+          <a:p>
             <a:endParaRPr lang="en-US" dirty="0" smtClean="0"/>
           </a:p>
         </p:txBody>
@@ -6452,7 +6523,7 @@
     </p:spTree>
     <p:extLst>
       <p:ext uri="{BB962C8B-B14F-4D97-AF65-F5344CB8AC3E}">
-        <p14:creationId xmlns:p14="http://schemas.microsoft.com/office/powerpoint/2010/main" val="3727470488"/>
+        <p14:creationId xmlns:p14="http://schemas.microsoft.com/office/powerpoint/2010/main" val="372671895"/>
       </p:ext>
     </p:extLst>
   </p:cSld>
@@ -6514,91 +6585,67 @@
         </p:nvSpPr>
         <p:spPr/>
         <p:txBody>
-          <a:bodyPr/>
-          <a:lstStyle/>
-          <a:p>
-            <a:r>
-              <a:rPr lang="en-US" dirty="0" smtClean="0"/>
-              <a:t>We will use Amazon Linux  running on AWS in this course</a:t>
-            </a:r>
-          </a:p>
-          <a:p>
-            <a:pPr lvl="1"/>
-            <a:r>
-              <a:rPr lang="en-US" dirty="0" smtClean="0"/>
-              <a:t>Rolling release maintained in an AWS AMI</a:t>
-            </a:r>
-          </a:p>
-          <a:p>
-            <a:pPr lvl="1"/>
-            <a:r>
-              <a:rPr lang="en-US" dirty="0" smtClean="0"/>
-              <a:t>Designed for the AWS ecosystem</a:t>
-            </a:r>
-          </a:p>
-          <a:p>
-            <a:pPr lvl="1"/>
-            <a:r>
-              <a:rPr lang="en-US" dirty="0" smtClean="0"/>
-              <a:t>Based on Red Hat Enterprise Linux/ </a:t>
-            </a:r>
-            <a:r>
-              <a:rPr lang="en-US" dirty="0" err="1" smtClean="0"/>
-              <a:t>CentOS</a:t>
-            </a:r>
+          <a:bodyPr>
+            <a:normAutofit fontScale="92500"/>
+          </a:bodyPr>
+          <a:lstStyle/>
+          <a:p>
+            <a:r>
+              <a:rPr lang="en-US" dirty="0" smtClean="0"/>
+              <a:t>Why Linux? </a:t>
+            </a:r>
+          </a:p>
+          <a:p>
+            <a:pPr lvl="1"/>
+            <a:r>
+              <a:rPr lang="en-US" dirty="0"/>
+              <a:t>C</a:t>
+            </a:r>
+            <a:r>
+              <a:rPr lang="en-US" dirty="0" smtClean="0"/>
+              <a:t>ommon platform for modern distributed applications</a:t>
+            </a:r>
+          </a:p>
+          <a:p>
+            <a:pPr lvl="1"/>
+            <a:r>
+              <a:rPr lang="en-US" dirty="0" smtClean="0"/>
+              <a:t>Automation starts at the command line, not the GUI</a:t>
+            </a:r>
+          </a:p>
+          <a:p>
+            <a:pPr lvl="1"/>
             <a:endParaRPr lang="en-US" dirty="0" smtClean="0"/>
           </a:p>
           <a:p>
-            <a:pPr lvl="1"/>
-            <a:r>
-              <a:rPr lang="en-US" dirty="0" smtClean="0"/>
-              <a:t>Most basic OS concepts are the same across Linux distributions (i.e., Ubuntu, SUSE, </a:t>
-            </a:r>
-            <a:r>
-              <a:rPr lang="en-US" dirty="0" err="1" smtClean="0"/>
-              <a:t>etc</a:t>
-            </a:r>
-            <a:r>
-              <a:rPr lang="en-US" dirty="0" smtClean="0"/>
-              <a:t>)</a:t>
-            </a:r>
-          </a:p>
-          <a:p>
-            <a:pPr lvl="1"/>
-            <a:r>
-              <a:rPr lang="en-US" dirty="0" smtClean="0"/>
-              <a:t>Key differences in package and service management</a:t>
-            </a:r>
-          </a:p>
-        </p:txBody>
-      </p:sp>
-      <p:pic>
-        <p:nvPicPr>
-          <p:cNvPr id="4" name="Picture 3"/>
-          <p:cNvPicPr>
-            <a:picLocks noChangeAspect="1"/>
-          </p:cNvPicPr>
-          <p:nvPr/>
-        </p:nvPicPr>
-        <p:blipFill rotWithShape="1">
-          <a:blip r:embed="rId2"/>
-          <a:srcRect l="22557" t="28750" r="18881" b="25491"/>
-          <a:stretch/>
-        </p:blipFill>
-        <p:spPr>
-          <a:xfrm>
-            <a:off x="6473952" y="310896"/>
-            <a:ext cx="1673352" cy="1307592"/>
-          </a:xfrm>
-          <a:prstGeom prst="rect">
-            <a:avLst/>
-          </a:prstGeom>
-        </p:spPr>
-      </p:pic>
+            <a:r>
+              <a:rPr lang="en-US" dirty="0" smtClean="0"/>
+              <a:t>Caveat: It’s not possible to learn Linux in a few hours. </a:t>
+            </a:r>
+          </a:p>
+          <a:p>
+            <a:pPr lvl="1"/>
+            <a:r>
+              <a:rPr lang="en-US" dirty="0" smtClean="0"/>
+              <a:t>Plan to invest meaningful time outside of class if you aren’t already familiar with it. </a:t>
+            </a:r>
+          </a:p>
+          <a:p>
+            <a:endParaRPr lang="en-US" dirty="0" smtClean="0"/>
+          </a:p>
+          <a:p>
+            <a:endParaRPr lang="en-US" dirty="0" smtClean="0"/>
+          </a:p>
+          <a:p>
+            <a:pPr lvl="1"/>
+            <a:endParaRPr lang="en-US" dirty="0" smtClean="0"/>
+          </a:p>
+        </p:txBody>
+      </p:sp>
     </p:spTree>
     <p:extLst>
       <p:ext uri="{BB962C8B-B14F-4D97-AF65-F5344CB8AC3E}">
-        <p14:creationId xmlns:p14="http://schemas.microsoft.com/office/powerpoint/2010/main" val="1286949045"/>
+        <p14:creationId xmlns:p14="http://schemas.microsoft.com/office/powerpoint/2010/main" val="3727470488"/>
       </p:ext>
     </p:extLst>
   </p:cSld>
@@ -6642,7 +6689,7 @@
           <a:p>
             <a:r>
               <a:rPr lang="en-US" dirty="0" smtClean="0"/>
-              <a:t>Linux Hands-on</a:t>
+              <a:t>Linux</a:t>
             </a:r>
             <a:endParaRPr lang="en-US" dirty="0"/>
           </a:p>
@@ -6658,56 +6705,77 @@
             <p:ph idx="1"/>
           </p:nvPr>
         </p:nvSpPr>
-        <p:spPr/>
-        <p:txBody>
-          <a:bodyPr/>
-          <a:lstStyle/>
-          <a:p>
-            <a:r>
-              <a:rPr lang="en-US" dirty="0" smtClean="0"/>
-              <a:t>Requirements:</a:t>
-            </a:r>
-          </a:p>
-          <a:p>
-            <a:pPr lvl="1"/>
-            <a:r>
-              <a:rPr lang="en-US" dirty="0" smtClean="0"/>
-              <a:t>Amazon Linux EC2 micro instance running in a public subnet</a:t>
-            </a:r>
-          </a:p>
-          <a:p>
-            <a:pPr lvl="1"/>
-            <a:r>
-              <a:rPr lang="en-US" dirty="0" smtClean="0"/>
-              <a:t>Public/Private access keys for the instance</a:t>
-            </a:r>
-          </a:p>
-          <a:p>
-            <a:pPr lvl="1"/>
-            <a:r>
-              <a:rPr lang="en-US" dirty="0" smtClean="0"/>
-              <a:t>SSH Client</a:t>
-            </a:r>
-          </a:p>
-          <a:p>
-            <a:pPr lvl="2"/>
-            <a:r>
-              <a:rPr lang="en-US" dirty="0" smtClean="0"/>
-              <a:t>Windows -&gt; </a:t>
+        <p:spPr>
+          <a:xfrm>
+            <a:off x="457200" y="1600200"/>
+            <a:ext cx="8229600" cy="4858352"/>
+          </a:xfrm>
+        </p:spPr>
+        <p:txBody>
+          <a:bodyPr>
+            <a:normAutofit fontScale="92500" lnSpcReduction="20000"/>
+          </a:bodyPr>
+          <a:lstStyle/>
+          <a:p>
+            <a:r>
+              <a:rPr lang="en-US" dirty="0" smtClean="0"/>
+              <a:t>We will use Amazon Linux  running on AWS in this course</a:t>
+            </a:r>
+          </a:p>
+          <a:p>
+            <a:pPr lvl="1"/>
+            <a:r>
+              <a:rPr lang="en-US" dirty="0" smtClean="0"/>
+              <a:t>Rolling release maintained in an AWS </a:t>
+            </a:r>
+            <a:r>
+              <a:rPr lang="en-US" dirty="0" smtClean="0"/>
+              <a:t>AMI</a:t>
+            </a:r>
+          </a:p>
+          <a:p>
+            <a:pPr lvl="1"/>
+            <a:endParaRPr lang="en-US" dirty="0" smtClean="0"/>
+          </a:p>
+          <a:p>
+            <a:pPr lvl="1"/>
+            <a:r>
+              <a:rPr lang="en-US" dirty="0" smtClean="0"/>
+              <a:t>Designed for the AWS </a:t>
+            </a:r>
+            <a:r>
+              <a:rPr lang="en-US" dirty="0" smtClean="0"/>
+              <a:t>ecosystem</a:t>
+            </a:r>
+          </a:p>
+          <a:p>
+            <a:pPr lvl="1"/>
+            <a:endParaRPr lang="en-US" dirty="0" smtClean="0"/>
+          </a:p>
+          <a:p>
+            <a:pPr lvl="1"/>
+            <a:r>
+              <a:rPr lang="en-US" dirty="0" smtClean="0"/>
+              <a:t>Based on Red Hat Enterprise Linux/ </a:t>
+            </a:r>
+            <a:r>
+              <a:rPr lang="en-US" dirty="0" smtClean="0"/>
+              <a:t>CentOS</a:t>
+            </a:r>
+          </a:p>
+          <a:p>
+            <a:pPr lvl="1"/>
+            <a:endParaRPr lang="en-US" dirty="0" smtClean="0"/>
+          </a:p>
+          <a:p>
+            <a:pPr lvl="1"/>
+            <a:r>
+              <a:rPr lang="en-US" dirty="0" smtClean="0"/>
+              <a:t>Most basic OS concepts are the same across Linux distributions (i.e., Ubuntu, SUSE, </a:t>
             </a:r>
             <a:r>
               <a:rPr lang="en-US" dirty="0" err="1" smtClean="0"/>
-              <a:t>PuTTY</a:t>
-            </a:r>
-            <a:r>
-              <a:rPr lang="en-US" dirty="0" smtClean="0"/>
-              <a:t> (</a:t>
-            </a:r>
-            <a:r>
-              <a:rPr lang="en-US" dirty="0" smtClean="0">
-                <a:hlinkClick r:id="rId2"/>
-              </a:rPr>
-              <a:t>www.putty.org</a:t>
+              <a:t>etc</a:t>
             </a:r>
             <a:r>
               <a:rPr lang="en-US" dirty="0" smtClean="0"/>
@@ -6715,52 +6783,15 @@
             </a:r>
           </a:p>
           <a:p>
-            <a:pPr lvl="2"/>
-            <a:r>
-              <a:rPr lang="en-US" dirty="0" err="1" smtClean="0"/>
-              <a:t>MacOS</a:t>
-            </a:r>
-            <a:r>
-              <a:rPr lang="en-US" dirty="0" smtClean="0"/>
-              <a:t> -&gt; Terminal (built-in) or iTerm2 (</a:t>
-            </a:r>
-            <a:r>
-              <a:rPr lang="en-US" dirty="0" smtClean="0">
-                <a:hlinkClick r:id="rId3"/>
-              </a:rPr>
-              <a:t>www.iterm2.com</a:t>
-            </a:r>
-            <a:r>
-              <a:rPr lang="en-US" dirty="0" smtClean="0"/>
-              <a:t>)</a:t>
-            </a:r>
-          </a:p>
-          <a:p>
-            <a:pPr lvl="2"/>
-            <a:r>
-              <a:rPr lang="en-US" dirty="0" smtClean="0"/>
-              <a:t>Linux </a:t>
-            </a:r>
-            <a:r>
-              <a:rPr lang="en-US" dirty="0" err="1" smtClean="0"/>
-              <a:t>vm</a:t>
-            </a:r>
-            <a:r>
-              <a:rPr lang="en-US" dirty="0" smtClean="0"/>
-              <a:t> -&gt; </a:t>
-            </a:r>
-            <a:r>
-              <a:rPr lang="en-US" dirty="0" err="1" smtClean="0"/>
-              <a:t>xterm</a:t>
-            </a:r>
-            <a:r>
-              <a:rPr lang="en-US" dirty="0" smtClean="0"/>
-              <a:t> or other terminal</a:t>
-            </a:r>
-          </a:p>
-          <a:p>
-            <a:pPr lvl="2"/>
+            <a:pPr lvl="1"/>
             <a:endParaRPr lang="en-US" dirty="0" smtClean="0"/>
+          </a:p>
+          <a:p>
+            <a:pPr lvl="1"/>
+            <a:r>
+              <a:rPr lang="en-US" dirty="0" smtClean="0"/>
+              <a:t>Key differences in package and service management</a:t>
+            </a:r>
           </a:p>
         </p:txBody>
       </p:sp>
@@ -6772,16 +6803,15 @@
           </p:cNvPicPr>
           <p:nvPr/>
         </p:nvPicPr>
-        <p:blipFill>
-          <a:blip r:embed="rId4"/>
-          <a:stretch>
-            <a:fillRect/>
-          </a:stretch>
+        <p:blipFill rotWithShape="1">
+          <a:blip r:embed="rId2"/>
+          <a:srcRect l="22557" t="28750" r="18881" b="25491"/>
+          <a:stretch/>
         </p:blipFill>
         <p:spPr>
           <a:xfrm>
-            <a:off x="7172910" y="4605631"/>
-            <a:ext cx="1365137" cy="1365137"/>
+            <a:off x="6647207" y="192342"/>
+            <a:ext cx="1673352" cy="1307592"/>
           </a:xfrm>
           <a:prstGeom prst="rect">
             <a:avLst/>
@@ -6791,7 +6821,7 @@
     </p:spTree>
     <p:extLst>
       <p:ext uri="{BB962C8B-B14F-4D97-AF65-F5344CB8AC3E}">
-        <p14:creationId xmlns:p14="http://schemas.microsoft.com/office/powerpoint/2010/main" val="343409956"/>
+        <p14:creationId xmlns:p14="http://schemas.microsoft.com/office/powerpoint/2010/main" val="1286949045"/>
       </p:ext>
     </p:extLst>
   </p:cSld>
@@ -6835,7 +6865,11 @@
           <a:p>
             <a:r>
               <a:rPr lang="en-US" dirty="0" smtClean="0"/>
-              <a:t>Linux Hands-on</a:t>
+              <a:t>Linux </a:t>
+            </a:r>
+            <a:r>
+              <a:rPr lang="en-US" dirty="0" smtClean="0"/>
+              <a:t>Hands-on</a:t>
             </a:r>
             <a:endParaRPr lang="en-US" dirty="0"/>
           </a:p>
@@ -6853,33 +6887,125 @@
         </p:nvSpPr>
         <p:spPr/>
         <p:txBody>
-          <a:bodyPr/>
-          <a:lstStyle/>
-          <a:p>
-            <a:r>
-              <a:rPr lang="en-US" dirty="0" smtClean="0"/>
-              <a:t>Launching a Linux instance on AWS EC2</a:t>
-            </a:r>
-          </a:p>
-          <a:p>
-            <a:r>
-              <a:rPr lang="en-US" dirty="0" smtClean="0"/>
-              <a:t>Connecting to instance via terminal</a:t>
-            </a:r>
-          </a:p>
-          <a:p>
-            <a:pPr lvl="1"/>
-            <a:r>
-              <a:rPr lang="en-US" dirty="0" smtClean="0"/>
-              <a:t>Mac &amp; Windows</a:t>
-            </a:r>
-          </a:p>
-          <a:p>
-            <a:r>
-              <a:rPr lang="en-US" dirty="0" smtClean="0"/>
-              <a:t>Linux Hands-on Guide</a:t>
-            </a:r>
-            <a:endParaRPr lang="en-US" dirty="0"/>
+          <a:bodyPr>
+            <a:normAutofit fontScale="92500" lnSpcReduction="10000"/>
+          </a:bodyPr>
+          <a:lstStyle/>
+          <a:p>
+            <a:r>
+              <a:rPr lang="en-US" dirty="0" smtClean="0"/>
+              <a:t>Requirements:</a:t>
+            </a:r>
+          </a:p>
+          <a:p>
+            <a:pPr lvl="1"/>
+            <a:r>
+              <a:rPr lang="en-US" dirty="0" smtClean="0"/>
+              <a:t>Amazon Linux EC2 micro instance running in a public </a:t>
+            </a:r>
+            <a:r>
+              <a:rPr lang="en-US" dirty="0" smtClean="0"/>
+              <a:t>subnet</a:t>
+            </a:r>
+          </a:p>
+          <a:p>
+            <a:pPr lvl="1"/>
+            <a:endParaRPr lang="en-US" dirty="0" smtClean="0"/>
+          </a:p>
+          <a:p>
+            <a:pPr lvl="1"/>
+            <a:r>
+              <a:rPr lang="en-US" dirty="0" smtClean="0"/>
+              <a:t>Public/Private access keys for the </a:t>
+            </a:r>
+            <a:r>
+              <a:rPr lang="en-US" dirty="0" smtClean="0"/>
+              <a:t>instance</a:t>
+            </a:r>
+          </a:p>
+          <a:p>
+            <a:pPr lvl="1"/>
+            <a:endParaRPr lang="en-US" dirty="0" smtClean="0"/>
+          </a:p>
+          <a:p>
+            <a:pPr lvl="1"/>
+            <a:r>
+              <a:rPr lang="en-US" dirty="0" smtClean="0"/>
+              <a:t>SSH Client</a:t>
+            </a:r>
+          </a:p>
+          <a:p>
+            <a:pPr lvl="2"/>
+            <a:r>
+              <a:rPr lang="en-US" dirty="0" smtClean="0"/>
+              <a:t>Windows -&gt; </a:t>
+            </a:r>
+            <a:r>
+              <a:rPr lang="en-US" dirty="0" err="1" smtClean="0"/>
+              <a:t>PuTTY</a:t>
+            </a:r>
+            <a:r>
+              <a:rPr lang="en-US" dirty="0" smtClean="0"/>
+              <a:t> (</a:t>
+            </a:r>
+            <a:r>
+              <a:rPr lang="en-US" dirty="0" smtClean="0">
+                <a:hlinkClick r:id="rId2"/>
+              </a:rPr>
+              <a:t>www.putty.org</a:t>
+            </a:r>
+            <a:r>
+              <a:rPr lang="en-US" dirty="0" smtClean="0"/>
+              <a:t>)</a:t>
+            </a:r>
+          </a:p>
+          <a:p>
+            <a:pPr lvl="2"/>
+            <a:r>
+              <a:rPr lang="en-US" dirty="0" err="1" smtClean="0"/>
+              <a:t>MacOS</a:t>
+            </a:r>
+            <a:r>
+              <a:rPr lang="en-US" dirty="0" smtClean="0"/>
+              <a:t> -&gt; Terminal (built-in) or iTerm2 (</a:t>
+            </a:r>
+            <a:r>
+              <a:rPr lang="en-US" dirty="0" smtClean="0">
+                <a:hlinkClick r:id="rId3"/>
+              </a:rPr>
+              <a:t>www.iterm2.com</a:t>
+            </a:r>
+            <a:r>
+              <a:rPr lang="en-US" dirty="0" smtClean="0"/>
+              <a:t>)</a:t>
+            </a:r>
+          </a:p>
+          <a:p>
+            <a:pPr lvl="2"/>
+            <a:r>
+              <a:rPr lang="en-US" dirty="0" smtClean="0"/>
+              <a:t>Linux </a:t>
+            </a:r>
+            <a:r>
+              <a:rPr lang="en-US" dirty="0" err="1" smtClean="0"/>
+              <a:t>vm</a:t>
+            </a:r>
+            <a:r>
+              <a:rPr lang="en-US" dirty="0" smtClean="0"/>
+              <a:t> -&gt; </a:t>
+            </a:r>
+            <a:r>
+              <a:rPr lang="en-US" dirty="0" err="1" smtClean="0"/>
+              <a:t>xterm</a:t>
+            </a:r>
+            <a:r>
+              <a:rPr lang="en-US" dirty="0" smtClean="0"/>
+              <a:t> or other terminal</a:t>
+            </a:r>
+          </a:p>
+          <a:p>
+            <a:pPr lvl="2"/>
+            <a:endParaRPr lang="en-US" dirty="0" smtClean="0"/>
           </a:p>
         </p:txBody>
       </p:sp>
@@ -6892,15 +7018,15 @@
           <p:nvPr/>
         </p:nvPicPr>
         <p:blipFill>
-          <a:blip r:embed="rId2"/>
+          <a:blip r:embed="rId4"/>
           <a:stretch>
             <a:fillRect/>
           </a:stretch>
         </p:blipFill>
         <p:spPr>
           <a:xfrm>
-            <a:off x="7268698" y="403586"/>
-            <a:ext cx="1040731" cy="1040731"/>
+            <a:off x="7187198" y="274638"/>
+            <a:ext cx="1365137" cy="1365137"/>
           </a:xfrm>
           <a:prstGeom prst="rect">
             <a:avLst/>
@@ -6910,7 +7036,7 @@
     </p:spTree>
     <p:extLst>
       <p:ext uri="{BB962C8B-B14F-4D97-AF65-F5344CB8AC3E}">
-        <p14:creationId xmlns:p14="http://schemas.microsoft.com/office/powerpoint/2010/main" val="1213115913"/>
+        <p14:creationId xmlns:p14="http://schemas.microsoft.com/office/powerpoint/2010/main" val="1324390866"/>
       </p:ext>
     </p:extLst>
   </p:cSld>
@@ -6953,6 +7079,5129 @@
           <a:lstStyle/>
           <a:p>
             <a:r>
+              <a:rPr lang="en-US" dirty="0" smtClean="0"/>
+              <a:t>Linux File System Hierarchy</a:t>
+            </a:r>
+            <a:endParaRPr lang="en-US" dirty="0"/>
+          </a:p>
+        </p:txBody>
+      </p:sp>
+      <p:pic>
+        <p:nvPicPr>
+          <p:cNvPr id="5" name="Picture 4"/>
+          <p:cNvPicPr>
+            <a:picLocks noChangeAspect="1"/>
+          </p:cNvPicPr>
+          <p:nvPr/>
+        </p:nvPicPr>
+        <p:blipFill>
+          <a:blip r:embed="rId2"/>
+          <a:stretch>
+            <a:fillRect/>
+          </a:stretch>
+        </p:blipFill>
+        <p:spPr>
+          <a:xfrm>
+            <a:off x="944746" y="1959543"/>
+            <a:ext cx="6985000" cy="4267200"/>
+          </a:xfrm>
+          <a:prstGeom prst="rect">
+            <a:avLst/>
+          </a:prstGeom>
+        </p:spPr>
+      </p:pic>
+    </p:spTree>
+    <p:extLst>
+      <p:ext uri="{BB962C8B-B14F-4D97-AF65-F5344CB8AC3E}">
+        <p14:creationId xmlns:p14="http://schemas.microsoft.com/office/powerpoint/2010/main" val="19554006"/>
+      </p:ext>
+    </p:extLst>
+  </p:cSld>
+  <p:clrMapOvr>
+    <a:masterClrMapping/>
+  </p:clrMapOvr>
+</p:sld>
+</file>
+
+<file path=ppt/slides/slide26.xml><?xml version="1.0" encoding="utf-8"?>
+<p:sld xmlns:a="http://schemas.openxmlformats.org/drawingml/2006/main" xmlns:r="http://schemas.openxmlformats.org/officeDocument/2006/relationships" xmlns:p="http://schemas.openxmlformats.org/presentationml/2006/main">
+  <p:cSld>
+    <p:spTree>
+      <p:nvGrpSpPr>
+        <p:cNvPr id="1" name=""/>
+        <p:cNvGrpSpPr/>
+        <p:nvPr/>
+      </p:nvGrpSpPr>
+      <p:grpSpPr>
+        <a:xfrm>
+          <a:off x="0" y="0"/>
+          <a:ext cx="0" cy="0"/>
+          <a:chOff x="0" y="0"/>
+          <a:chExt cx="0" cy="0"/>
+        </a:xfrm>
+      </p:grpSpPr>
+      <p:sp>
+        <p:nvSpPr>
+          <p:cNvPr id="2" name="Title 1"/>
+          <p:cNvSpPr>
+            <a:spLocks noGrp="1"/>
+          </p:cNvSpPr>
+          <p:nvPr>
+            <p:ph type="title"/>
+          </p:nvPr>
+        </p:nvSpPr>
+        <p:spPr/>
+        <p:txBody>
+          <a:bodyPr/>
+          <a:lstStyle/>
+          <a:p>
+            <a:r>
+              <a:rPr lang="en-US" dirty="0" smtClean="0"/>
+              <a:t>Linux File Types</a:t>
+            </a:r>
+            <a:endParaRPr lang="en-US" dirty="0"/>
+          </a:p>
+        </p:txBody>
+      </p:sp>
+      <p:graphicFrame>
+        <p:nvGraphicFramePr>
+          <p:cNvPr id="4" name="Content Placeholder 3"/>
+          <p:cNvGraphicFramePr>
+            <a:graphicFrameLocks noGrp="1"/>
+          </p:cNvGraphicFramePr>
+          <p:nvPr>
+            <p:ph idx="1"/>
+            <p:extLst>
+              <p:ext uri="{D42A27DB-BD31-4B8C-83A1-F6EECF244321}">
+                <p14:modId xmlns:p14="http://schemas.microsoft.com/office/powerpoint/2010/main" val="1109895561"/>
+              </p:ext>
+            </p:extLst>
+          </p:nvPr>
+        </p:nvGraphicFramePr>
+        <p:xfrm>
+          <a:off x="457200" y="1600200"/>
+          <a:ext cx="8229600" cy="2966720"/>
+        </p:xfrm>
+        <a:graphic>
+          <a:graphicData uri="http://schemas.openxmlformats.org/drawingml/2006/table">
+            <a:tbl>
+              <a:tblPr firstRow="1" bandRow="1">
+                <a:tableStyleId>{5C22544A-7EE6-4342-B048-85BDC9FD1C3A}</a:tableStyleId>
+              </a:tblPr>
+              <a:tblGrid>
+                <a:gridCol w="2743200"/>
+                <a:gridCol w="524107"/>
+                <a:gridCol w="4962293"/>
+              </a:tblGrid>
+              <a:tr h="370840">
+                <a:tc>
+                  <a:txBody>
+                    <a:bodyPr/>
+                    <a:lstStyle/>
+                    <a:p>
+                      <a:r>
+                        <a:rPr lang="en-US" dirty="0" smtClean="0"/>
+                        <a:t>Type</a:t>
+                      </a:r>
+                      <a:endParaRPr lang="en-US" dirty="0"/>
+                    </a:p>
+                  </a:txBody>
+                  <a:tcPr/>
+                </a:tc>
+                <a:tc>
+                  <a:txBody>
+                    <a:bodyPr/>
+                    <a:lstStyle/>
+                    <a:p>
+                      <a:endParaRPr lang="en-US" dirty="0"/>
+                    </a:p>
+                  </a:txBody>
+                  <a:tcPr/>
+                </a:tc>
+                <a:tc>
+                  <a:txBody>
+                    <a:bodyPr/>
+                    <a:lstStyle/>
+                    <a:p>
+                      <a:r>
+                        <a:rPr lang="en-US" dirty="0" smtClean="0"/>
+                        <a:t>Description</a:t>
+                      </a:r>
+                      <a:endParaRPr lang="en-US" dirty="0"/>
+                    </a:p>
+                  </a:txBody>
+                  <a:tcPr/>
+                </a:tc>
+              </a:tr>
+              <a:tr h="370840">
+                <a:tc>
+                  <a:txBody>
+                    <a:bodyPr/>
+                    <a:lstStyle/>
+                    <a:p>
+                      <a:r>
+                        <a:rPr lang="en-US" dirty="0" smtClean="0"/>
+                        <a:t>Normal</a:t>
+                      </a:r>
+                      <a:endParaRPr lang="en-US" dirty="0"/>
+                    </a:p>
+                  </a:txBody>
+                  <a:tcPr/>
+                </a:tc>
+                <a:tc>
+                  <a:txBody>
+                    <a:bodyPr/>
+                    <a:lstStyle/>
+                    <a:p>
+                      <a:r>
+                        <a:rPr lang="en-US" dirty="0" smtClean="0"/>
+                        <a:t>-</a:t>
+                      </a:r>
+                      <a:endParaRPr lang="en-US" dirty="0"/>
+                    </a:p>
+                  </a:txBody>
+                  <a:tcPr/>
+                </a:tc>
+                <a:tc>
+                  <a:txBody>
+                    <a:bodyPr/>
+                    <a:lstStyle/>
+                    <a:p>
+                      <a:r>
+                        <a:rPr lang="en-US" dirty="0" smtClean="0"/>
+                        <a:t>Regular</a:t>
+                      </a:r>
+                      <a:r>
+                        <a:rPr lang="en-US" baseline="0" dirty="0" smtClean="0"/>
+                        <a:t> file</a:t>
+                      </a:r>
+                      <a:endParaRPr lang="en-US" dirty="0"/>
+                    </a:p>
+                  </a:txBody>
+                  <a:tcPr/>
+                </a:tc>
+              </a:tr>
+              <a:tr h="370840">
+                <a:tc>
+                  <a:txBody>
+                    <a:bodyPr/>
+                    <a:lstStyle/>
+                    <a:p>
+                      <a:r>
+                        <a:rPr lang="en-US" dirty="0" smtClean="0"/>
+                        <a:t>Directory</a:t>
+                      </a:r>
+                      <a:endParaRPr lang="en-US" dirty="0"/>
+                    </a:p>
+                  </a:txBody>
+                  <a:tcPr/>
+                </a:tc>
+                <a:tc>
+                  <a:txBody>
+                    <a:bodyPr/>
+                    <a:lstStyle/>
+                    <a:p>
+                      <a:r>
+                        <a:rPr lang="en-US" dirty="0" smtClean="0"/>
+                        <a:t>d</a:t>
+                      </a:r>
+                      <a:endParaRPr lang="en-US" dirty="0"/>
+                    </a:p>
+                  </a:txBody>
+                  <a:tcPr/>
+                </a:tc>
+                <a:tc>
+                  <a:txBody>
+                    <a:bodyPr/>
+                    <a:lstStyle/>
+                    <a:p>
+                      <a:r>
+                        <a:rPr lang="en-US" dirty="0" smtClean="0"/>
+                        <a:t>Regular directory</a:t>
+                      </a:r>
+                      <a:endParaRPr lang="en-US" dirty="0"/>
+                    </a:p>
+                  </a:txBody>
+                  <a:tcPr/>
+                </a:tc>
+              </a:tr>
+              <a:tr h="370840">
+                <a:tc>
+                  <a:txBody>
+                    <a:bodyPr/>
+                    <a:lstStyle/>
+                    <a:p>
+                      <a:r>
+                        <a:rPr lang="en-US" dirty="0" smtClean="0"/>
+                        <a:t>Symbolic link</a:t>
+                      </a:r>
+                      <a:endParaRPr lang="en-US" dirty="0"/>
+                    </a:p>
+                  </a:txBody>
+                  <a:tcPr/>
+                </a:tc>
+                <a:tc>
+                  <a:txBody>
+                    <a:bodyPr/>
+                    <a:lstStyle/>
+                    <a:p>
+                      <a:r>
+                        <a:rPr lang="en-US" dirty="0" smtClean="0"/>
+                        <a:t>l</a:t>
+                      </a:r>
+                      <a:endParaRPr lang="en-US" dirty="0"/>
+                    </a:p>
+                  </a:txBody>
+                  <a:tcPr/>
+                </a:tc>
+                <a:tc>
+                  <a:txBody>
+                    <a:bodyPr/>
+                    <a:lstStyle/>
+                    <a:p>
+                      <a:r>
+                        <a:rPr lang="en-US" dirty="0" smtClean="0"/>
+                        <a:t>Shortcut alias to a file or directory</a:t>
+                      </a:r>
+                      <a:endParaRPr lang="en-US" dirty="0"/>
+                    </a:p>
+                  </a:txBody>
+                  <a:tcPr/>
+                </a:tc>
+              </a:tr>
+              <a:tr h="370840">
+                <a:tc>
+                  <a:txBody>
+                    <a:bodyPr/>
+                    <a:lstStyle/>
+                    <a:p>
+                      <a:r>
+                        <a:rPr lang="en-US" dirty="0" smtClean="0"/>
+                        <a:t>Socket</a:t>
+                      </a:r>
+                      <a:endParaRPr lang="en-US" dirty="0"/>
+                    </a:p>
+                  </a:txBody>
+                  <a:tcPr/>
+                </a:tc>
+                <a:tc>
+                  <a:txBody>
+                    <a:bodyPr/>
+                    <a:lstStyle/>
+                    <a:p>
+                      <a:r>
+                        <a:rPr lang="en-US" dirty="0" smtClean="0"/>
+                        <a:t>s</a:t>
+                      </a:r>
+                      <a:endParaRPr lang="en-US" dirty="0"/>
+                    </a:p>
+                  </a:txBody>
+                  <a:tcPr/>
+                </a:tc>
+                <a:tc>
+                  <a:txBody>
+                    <a:bodyPr/>
+                    <a:lstStyle/>
+                    <a:p>
+                      <a:r>
+                        <a:rPr lang="en-US" dirty="0" smtClean="0"/>
+                        <a:t>Inter-process communications</a:t>
+                      </a:r>
+                      <a:endParaRPr lang="en-US" dirty="0"/>
+                    </a:p>
+                  </a:txBody>
+                  <a:tcPr/>
+                </a:tc>
+              </a:tr>
+              <a:tr h="370840">
+                <a:tc>
+                  <a:txBody>
+                    <a:bodyPr/>
+                    <a:lstStyle/>
+                    <a:p>
+                      <a:r>
+                        <a:rPr lang="en-US" dirty="0" smtClean="0"/>
+                        <a:t>Named pipe</a:t>
+                      </a:r>
+                      <a:endParaRPr lang="en-US" dirty="0"/>
+                    </a:p>
+                  </a:txBody>
+                  <a:tcPr/>
+                </a:tc>
+                <a:tc>
+                  <a:txBody>
+                    <a:bodyPr/>
+                    <a:lstStyle/>
+                    <a:p>
+                      <a:r>
+                        <a:rPr lang="en-US" dirty="0" smtClean="0"/>
+                        <a:t>p</a:t>
+                      </a:r>
+                      <a:endParaRPr lang="en-US" dirty="0"/>
+                    </a:p>
+                  </a:txBody>
+                  <a:tcPr/>
+                </a:tc>
+                <a:tc>
+                  <a:txBody>
+                    <a:bodyPr/>
+                    <a:lstStyle/>
+                    <a:p>
+                      <a:r>
+                        <a:rPr lang="en-US" dirty="0" smtClean="0"/>
+                        <a:t>Similar to socket, user cannot access</a:t>
+                      </a:r>
+                      <a:endParaRPr lang="en-US" dirty="0"/>
+                    </a:p>
+                  </a:txBody>
+                  <a:tcPr/>
+                </a:tc>
+              </a:tr>
+              <a:tr h="370840">
+                <a:tc>
+                  <a:txBody>
+                    <a:bodyPr/>
+                    <a:lstStyle/>
+                    <a:p>
+                      <a:r>
+                        <a:rPr lang="en-US" dirty="0" smtClean="0"/>
+                        <a:t>Character device</a:t>
+                      </a:r>
+                      <a:endParaRPr lang="en-US" dirty="0"/>
+                    </a:p>
+                  </a:txBody>
+                  <a:tcPr/>
+                </a:tc>
+                <a:tc>
+                  <a:txBody>
+                    <a:bodyPr/>
+                    <a:lstStyle/>
+                    <a:p>
+                      <a:r>
+                        <a:rPr lang="en-US" dirty="0" smtClean="0"/>
+                        <a:t>c</a:t>
+                      </a:r>
+                      <a:endParaRPr lang="en-US" dirty="0"/>
+                    </a:p>
+                  </a:txBody>
+                  <a:tcPr/>
+                </a:tc>
+                <a:tc>
+                  <a:txBody>
+                    <a:bodyPr/>
+                    <a:lstStyle/>
+                    <a:p>
+                      <a:r>
+                        <a:rPr lang="en-US" dirty="0" smtClean="0"/>
+                        <a:t>Hardware</a:t>
+                      </a:r>
+                      <a:r>
+                        <a:rPr lang="en-US" baseline="0" dirty="0" smtClean="0"/>
+                        <a:t> communications </a:t>
+                      </a:r>
+                      <a:endParaRPr lang="en-US" dirty="0"/>
+                    </a:p>
+                  </a:txBody>
+                  <a:tcPr/>
+                </a:tc>
+              </a:tr>
+              <a:tr h="370840">
+                <a:tc>
+                  <a:txBody>
+                    <a:bodyPr/>
+                    <a:lstStyle/>
+                    <a:p>
+                      <a:r>
+                        <a:rPr lang="en-US" dirty="0" smtClean="0"/>
+                        <a:t>Block device</a:t>
+                      </a:r>
+                      <a:endParaRPr lang="en-US" dirty="0"/>
+                    </a:p>
+                  </a:txBody>
+                  <a:tcPr/>
+                </a:tc>
+                <a:tc>
+                  <a:txBody>
+                    <a:bodyPr/>
+                    <a:lstStyle/>
+                    <a:p>
+                      <a:r>
+                        <a:rPr lang="en-US" dirty="0" smtClean="0"/>
+                        <a:t>b</a:t>
+                      </a:r>
+                      <a:endParaRPr lang="en-US" dirty="0"/>
+                    </a:p>
+                  </a:txBody>
+                  <a:tcPr/>
+                </a:tc>
+                <a:tc>
+                  <a:txBody>
+                    <a:bodyPr/>
+                    <a:lstStyle/>
+                    <a:p>
+                      <a:r>
+                        <a:rPr lang="en-US" dirty="0" smtClean="0"/>
+                        <a:t>Hardware</a:t>
+                      </a:r>
+                      <a:r>
+                        <a:rPr lang="en-US" baseline="0" dirty="0" smtClean="0"/>
+                        <a:t> communications</a:t>
+                      </a:r>
+                      <a:endParaRPr lang="en-US" dirty="0"/>
+                    </a:p>
+                  </a:txBody>
+                  <a:tcPr/>
+                </a:tc>
+              </a:tr>
+            </a:tbl>
+          </a:graphicData>
+        </a:graphic>
+      </p:graphicFrame>
+      <p:sp>
+        <p:nvSpPr>
+          <p:cNvPr id="5" name="TextBox 4"/>
+          <p:cNvSpPr txBox="1"/>
+          <p:nvPr/>
+        </p:nvSpPr>
+        <p:spPr>
+          <a:xfrm>
+            <a:off x="457200" y="4749482"/>
+            <a:ext cx="8229600" cy="1754326"/>
+          </a:xfrm>
+          <a:prstGeom prst="rect">
+            <a:avLst/>
+          </a:prstGeom>
+          <a:noFill/>
+        </p:spPr>
+        <p:txBody>
+          <a:bodyPr wrap="square" rtlCol="0">
+            <a:spAutoFit/>
+          </a:bodyPr>
+          <a:lstStyle/>
+          <a:p>
+            <a:r>
+              <a:rPr lang="en-US" dirty="0" smtClean="0"/>
+              <a:t>$ ls –l</a:t>
+            </a:r>
+          </a:p>
+          <a:p>
+            <a:endParaRPr lang="en-US" dirty="0" smtClean="0"/>
+          </a:p>
+          <a:p>
+            <a:r>
+              <a:rPr lang="en-US" dirty="0" smtClean="0"/>
+              <a:t>-</a:t>
+            </a:r>
+            <a:r>
+              <a:rPr lang="en-US" dirty="0" err="1" smtClean="0"/>
+              <a:t>rw</a:t>
+            </a:r>
+            <a:r>
+              <a:rPr lang="en-US" dirty="0" smtClean="0"/>
+              <a:t>-r--r--			ordinary file</a:t>
+            </a:r>
+          </a:p>
+          <a:p>
+            <a:r>
+              <a:rPr lang="en-US" dirty="0" err="1"/>
+              <a:t>d</a:t>
+            </a:r>
+            <a:r>
+              <a:rPr lang="en-US" dirty="0" err="1" smtClean="0"/>
+              <a:t>rwxr</a:t>
+            </a:r>
+            <a:r>
+              <a:rPr lang="en-US" dirty="0" smtClean="0"/>
+              <a:t>-</a:t>
+            </a:r>
+            <a:r>
+              <a:rPr lang="en-US" dirty="0" err="1" smtClean="0"/>
+              <a:t>xr</a:t>
+            </a:r>
+            <a:r>
+              <a:rPr lang="en-US" dirty="0" smtClean="0"/>
+              <a:t>-x		directory file</a:t>
+            </a:r>
+          </a:p>
+          <a:p>
+            <a:r>
+              <a:rPr lang="en-US" dirty="0" err="1"/>
+              <a:t>b</a:t>
+            </a:r>
+            <a:r>
+              <a:rPr lang="en-US" dirty="0" err="1" smtClean="0"/>
+              <a:t>rw</a:t>
+            </a:r>
+            <a:r>
+              <a:rPr lang="en-US" dirty="0" smtClean="0"/>
+              <a:t>-</a:t>
+            </a:r>
+            <a:r>
+              <a:rPr lang="en-US" dirty="0" err="1" smtClean="0"/>
+              <a:t>rw</a:t>
+            </a:r>
+            <a:r>
+              <a:rPr lang="en-US" dirty="0" smtClean="0"/>
+              <a:t>----		block device file</a:t>
+            </a:r>
+          </a:p>
+          <a:p>
+            <a:r>
+              <a:rPr lang="en-US" dirty="0" err="1"/>
+              <a:t>l</a:t>
+            </a:r>
+            <a:r>
+              <a:rPr lang="en-US" dirty="0" err="1" smtClean="0"/>
+              <a:t>rwxrwxrwx</a:t>
+            </a:r>
+            <a:r>
+              <a:rPr lang="en-US" dirty="0" smtClean="0"/>
+              <a:t>		symbolic file</a:t>
+            </a:r>
+            <a:endParaRPr lang="en-US" dirty="0"/>
+          </a:p>
+        </p:txBody>
+      </p:sp>
+    </p:spTree>
+    <p:extLst>
+      <p:ext uri="{BB962C8B-B14F-4D97-AF65-F5344CB8AC3E}">
+        <p14:creationId xmlns:p14="http://schemas.microsoft.com/office/powerpoint/2010/main" val="1828075249"/>
+      </p:ext>
+    </p:extLst>
+  </p:cSld>
+  <p:clrMapOvr>
+    <a:masterClrMapping/>
+  </p:clrMapOvr>
+</p:sld>
+</file>
+
+<file path=ppt/slides/slide27.xml><?xml version="1.0" encoding="utf-8"?>
+<p:sld xmlns:a="http://schemas.openxmlformats.org/drawingml/2006/main" xmlns:r="http://schemas.openxmlformats.org/officeDocument/2006/relationships" xmlns:p="http://schemas.openxmlformats.org/presentationml/2006/main">
+  <p:cSld>
+    <p:spTree>
+      <p:nvGrpSpPr>
+        <p:cNvPr id="1" name=""/>
+        <p:cNvGrpSpPr/>
+        <p:nvPr/>
+      </p:nvGrpSpPr>
+      <p:grpSpPr>
+        <a:xfrm>
+          <a:off x="0" y="0"/>
+          <a:ext cx="0" cy="0"/>
+          <a:chOff x="0" y="0"/>
+          <a:chExt cx="0" cy="0"/>
+        </a:xfrm>
+      </p:grpSpPr>
+      <p:sp>
+        <p:nvSpPr>
+          <p:cNvPr id="2" name="Title 1"/>
+          <p:cNvSpPr>
+            <a:spLocks noGrp="1"/>
+          </p:cNvSpPr>
+          <p:nvPr>
+            <p:ph type="title"/>
+          </p:nvPr>
+        </p:nvSpPr>
+        <p:spPr/>
+        <p:txBody>
+          <a:bodyPr/>
+          <a:lstStyle/>
+          <a:p>
+            <a:r>
+              <a:rPr lang="en-US" dirty="0" smtClean="0"/>
+              <a:t>Linux File Permissions</a:t>
+            </a:r>
+            <a:endParaRPr lang="en-US" dirty="0"/>
+          </a:p>
+        </p:txBody>
+      </p:sp>
+      <p:sp>
+        <p:nvSpPr>
+          <p:cNvPr id="3" name="Content Placeholder 2"/>
+          <p:cNvSpPr>
+            <a:spLocks noGrp="1"/>
+          </p:cNvSpPr>
+          <p:nvPr>
+            <p:ph idx="1"/>
+          </p:nvPr>
+        </p:nvSpPr>
+        <p:spPr>
+          <a:xfrm>
+            <a:off x="457200" y="1600201"/>
+            <a:ext cx="7683500" cy="711199"/>
+          </a:xfrm>
+        </p:spPr>
+        <p:txBody>
+          <a:bodyPr/>
+          <a:lstStyle/>
+          <a:p>
+            <a:pPr marL="0" marR="0" lvl="0" indent="0" defTabSz="914400" eaLnBrk="1" fontAlgn="auto" latinLnBrk="0" hangingPunct="1">
+              <a:lnSpc>
+                <a:spcPct val="100000"/>
+              </a:lnSpc>
+              <a:spcBef>
+                <a:spcPts val="0"/>
+              </a:spcBef>
+              <a:spcAft>
+                <a:spcPts val="0"/>
+              </a:spcAft>
+              <a:buClrTx/>
+              <a:buSzTx/>
+              <a:buFontTx/>
+              <a:buNone/>
+              <a:tabLst/>
+              <a:defRPr/>
+            </a:pPr>
+            <a:r>
+              <a:rPr lang="en-US" smtClean="0"/>
+              <a:t>$ ls –l</a:t>
+            </a:r>
+            <a:endParaRPr lang="en-US" dirty="0" smtClean="0"/>
+          </a:p>
+        </p:txBody>
+      </p:sp>
+      <p:pic>
+        <p:nvPicPr>
+          <p:cNvPr id="4" name="Picture 3"/>
+          <p:cNvPicPr>
+            <a:picLocks noChangeAspect="1"/>
+          </p:cNvPicPr>
+          <p:nvPr/>
+        </p:nvPicPr>
+        <p:blipFill rotWithShape="1">
+          <a:blip r:embed="rId2"/>
+          <a:srcRect b="28383"/>
+          <a:stretch/>
+        </p:blipFill>
+        <p:spPr>
+          <a:xfrm>
+            <a:off x="304800" y="2311400"/>
+            <a:ext cx="7010400" cy="3383280"/>
+          </a:xfrm>
+          <a:prstGeom prst="rect">
+            <a:avLst/>
+          </a:prstGeom>
+        </p:spPr>
+      </p:pic>
+    </p:spTree>
+    <p:extLst>
+      <p:ext uri="{BB962C8B-B14F-4D97-AF65-F5344CB8AC3E}">
+        <p14:creationId xmlns:p14="http://schemas.microsoft.com/office/powerpoint/2010/main" val="1185466927"/>
+      </p:ext>
+    </p:extLst>
+  </p:cSld>
+  <p:clrMapOvr>
+    <a:masterClrMapping/>
+  </p:clrMapOvr>
+</p:sld>
+</file>
+
+<file path=ppt/slides/slide28.xml><?xml version="1.0" encoding="utf-8"?>
+<p:sld xmlns:a="http://schemas.openxmlformats.org/drawingml/2006/main" xmlns:r="http://schemas.openxmlformats.org/officeDocument/2006/relationships" xmlns:p="http://schemas.openxmlformats.org/presentationml/2006/main">
+  <p:cSld>
+    <p:spTree>
+      <p:nvGrpSpPr>
+        <p:cNvPr id="1" name=""/>
+        <p:cNvGrpSpPr/>
+        <p:nvPr/>
+      </p:nvGrpSpPr>
+      <p:grpSpPr>
+        <a:xfrm>
+          <a:off x="0" y="0"/>
+          <a:ext cx="0" cy="0"/>
+          <a:chOff x="0" y="0"/>
+          <a:chExt cx="0" cy="0"/>
+        </a:xfrm>
+      </p:grpSpPr>
+      <p:sp>
+        <p:nvSpPr>
+          <p:cNvPr id="2" name="Title 1"/>
+          <p:cNvSpPr>
+            <a:spLocks noGrp="1"/>
+          </p:cNvSpPr>
+          <p:nvPr>
+            <p:ph type="title"/>
+          </p:nvPr>
+        </p:nvSpPr>
+        <p:spPr/>
+        <p:txBody>
+          <a:bodyPr/>
+          <a:lstStyle/>
+          <a:p>
+            <a:r>
+              <a:rPr lang="en-US" dirty="0" smtClean="0"/>
+              <a:t>Linux File Names</a:t>
+            </a:r>
+            <a:endParaRPr lang="en-US" dirty="0"/>
+          </a:p>
+        </p:txBody>
+      </p:sp>
+      <p:sp>
+        <p:nvSpPr>
+          <p:cNvPr id="3" name="Content Placeholder 2"/>
+          <p:cNvSpPr>
+            <a:spLocks noGrp="1"/>
+          </p:cNvSpPr>
+          <p:nvPr>
+            <p:ph idx="1"/>
+          </p:nvPr>
+        </p:nvSpPr>
+        <p:spPr>
+          <a:xfrm>
+            <a:off x="457200" y="1600200"/>
+            <a:ext cx="8229600" cy="4786313"/>
+          </a:xfrm>
+        </p:spPr>
+        <p:txBody>
+          <a:bodyPr>
+            <a:normAutofit fontScale="92500" lnSpcReduction="10000"/>
+          </a:bodyPr>
+          <a:lstStyle/>
+          <a:p>
+            <a:r>
+              <a:rPr lang="en-US" dirty="0" smtClean="0"/>
+              <a:t>File names on Linux are case sensitive.</a:t>
+            </a:r>
+          </a:p>
+          <a:p>
+            <a:pPr lvl="1"/>
+            <a:r>
+              <a:rPr lang="en-US" dirty="0" smtClean="0"/>
+              <a:t>So are commands because these are just executable files!</a:t>
+            </a:r>
+          </a:p>
+          <a:p>
+            <a:endParaRPr lang="en-US" dirty="0"/>
+          </a:p>
+          <a:p>
+            <a:r>
+              <a:rPr lang="en-US" dirty="0" smtClean="0"/>
+              <a:t>Linux file names don’t have dot extensions like Windows.</a:t>
+            </a:r>
+          </a:p>
+          <a:p>
+            <a:endParaRPr lang="en-US" dirty="0"/>
+          </a:p>
+          <a:p>
+            <a:r>
+              <a:rPr lang="en-US" dirty="0" smtClean="0"/>
+              <a:t>A file name starting with a period (.) is called a hidden file and isn’t displayed in a standard directory listing.</a:t>
+            </a:r>
+            <a:endParaRPr lang="en-US" dirty="0"/>
+          </a:p>
+        </p:txBody>
+      </p:sp>
+    </p:spTree>
+    <p:extLst>
+      <p:ext uri="{BB962C8B-B14F-4D97-AF65-F5344CB8AC3E}">
+        <p14:creationId xmlns:p14="http://schemas.microsoft.com/office/powerpoint/2010/main" val="56600297"/>
+      </p:ext>
+    </p:extLst>
+  </p:cSld>
+  <p:clrMapOvr>
+    <a:masterClrMapping/>
+  </p:clrMapOvr>
+</p:sld>
+</file>
+
+<file path=ppt/slides/slide29.xml><?xml version="1.0" encoding="utf-8"?>
+<p:sld xmlns:a="http://schemas.openxmlformats.org/drawingml/2006/main" xmlns:r="http://schemas.openxmlformats.org/officeDocument/2006/relationships" xmlns:p="http://schemas.openxmlformats.org/presentationml/2006/main">
+  <p:cSld>
+    <p:spTree>
+      <p:nvGrpSpPr>
+        <p:cNvPr id="1" name=""/>
+        <p:cNvGrpSpPr/>
+        <p:nvPr/>
+      </p:nvGrpSpPr>
+      <p:grpSpPr>
+        <a:xfrm>
+          <a:off x="0" y="0"/>
+          <a:ext cx="0" cy="0"/>
+          <a:chOff x="0" y="0"/>
+          <a:chExt cx="0" cy="0"/>
+        </a:xfrm>
+      </p:grpSpPr>
+      <p:sp>
+        <p:nvSpPr>
+          <p:cNvPr id="2" name="Title 1"/>
+          <p:cNvSpPr>
+            <a:spLocks noGrp="1"/>
+          </p:cNvSpPr>
+          <p:nvPr>
+            <p:ph type="title"/>
+          </p:nvPr>
+        </p:nvSpPr>
+        <p:spPr/>
+        <p:txBody>
+          <a:bodyPr/>
+          <a:lstStyle/>
+          <a:p>
+            <a:r>
+              <a:rPr lang="en-US" dirty="0" smtClean="0"/>
+              <a:t>Linux Shell</a:t>
+            </a:r>
+            <a:endParaRPr lang="en-US" dirty="0"/>
+          </a:p>
+        </p:txBody>
+      </p:sp>
+      <p:sp>
+        <p:nvSpPr>
+          <p:cNvPr id="3" name="Content Placeholder 2"/>
+          <p:cNvSpPr>
+            <a:spLocks noGrp="1"/>
+          </p:cNvSpPr>
+          <p:nvPr>
+            <p:ph idx="1"/>
+          </p:nvPr>
+        </p:nvSpPr>
+        <p:spPr>
+          <a:xfrm>
+            <a:off x="457200" y="1600200"/>
+            <a:ext cx="8229600" cy="4876800"/>
+          </a:xfrm>
+        </p:spPr>
+        <p:txBody>
+          <a:bodyPr>
+            <a:normAutofit fontScale="92500" lnSpcReduction="20000"/>
+          </a:bodyPr>
+          <a:lstStyle/>
+          <a:p>
+            <a:r>
+              <a:rPr lang="en-US" dirty="0" smtClean="0"/>
+              <a:t>The shell provides a way to manage Linux via a command line interface (CLI).</a:t>
+            </a:r>
+          </a:p>
+          <a:p>
+            <a:pPr lvl="1"/>
+            <a:r>
+              <a:rPr lang="en-US" dirty="0" smtClean="0"/>
+              <a:t>Oftentimes there’s no need to run a graphical interface on a Linux server.</a:t>
+            </a:r>
+          </a:p>
+          <a:p>
+            <a:pPr lvl="1"/>
+            <a:endParaRPr lang="en-US" dirty="0" smtClean="0"/>
+          </a:p>
+          <a:p>
+            <a:r>
+              <a:rPr lang="en-US" dirty="0" smtClean="0"/>
+              <a:t>Access the Linux shell remotely using an application called SSH (Secure Shell).</a:t>
+            </a:r>
+          </a:p>
+          <a:p>
+            <a:pPr lvl="1"/>
+            <a:r>
+              <a:rPr lang="en-US" dirty="0" smtClean="0"/>
+              <a:t>Uses public key encryption to authenticate user and securely encrypt data communications.</a:t>
+            </a:r>
+          </a:p>
+          <a:p>
+            <a:endParaRPr lang="en-US" dirty="0"/>
+          </a:p>
+          <a:p>
+            <a:r>
+              <a:rPr lang="en-US" dirty="0" smtClean="0"/>
+              <a:t>A variety of different shell programs are available and we will use Bash throughout the class.</a:t>
+            </a:r>
+            <a:endParaRPr lang="en-US" dirty="0"/>
+          </a:p>
+        </p:txBody>
+      </p:sp>
+    </p:spTree>
+    <p:extLst>
+      <p:ext uri="{BB962C8B-B14F-4D97-AF65-F5344CB8AC3E}">
+        <p14:creationId xmlns:p14="http://schemas.microsoft.com/office/powerpoint/2010/main" val="285929012"/>
+      </p:ext>
+    </p:extLst>
+  </p:cSld>
+  <p:clrMapOvr>
+    <a:masterClrMapping/>
+  </p:clrMapOvr>
+</p:sld>
+</file>
+
+<file path=ppt/slides/slide3.xml><?xml version="1.0" encoding="utf-8"?>
+<p:sld xmlns:a="http://schemas.openxmlformats.org/drawingml/2006/main" xmlns:r="http://schemas.openxmlformats.org/officeDocument/2006/relationships" xmlns:p="http://schemas.openxmlformats.org/presentationml/2006/main">
+  <p:cSld>
+    <p:spTree>
+      <p:nvGrpSpPr>
+        <p:cNvPr id="1" name=""/>
+        <p:cNvGrpSpPr/>
+        <p:nvPr/>
+      </p:nvGrpSpPr>
+      <p:grpSpPr>
+        <a:xfrm>
+          <a:off x="0" y="0"/>
+          <a:ext cx="0" cy="0"/>
+          <a:chOff x="0" y="0"/>
+          <a:chExt cx="0" cy="0"/>
+        </a:xfrm>
+      </p:grpSpPr>
+      <p:sp>
+        <p:nvSpPr>
+          <p:cNvPr id="2" name="Title 1"/>
+          <p:cNvSpPr>
+            <a:spLocks noGrp="1"/>
+          </p:cNvSpPr>
+          <p:nvPr>
+            <p:ph type="title"/>
+          </p:nvPr>
+        </p:nvSpPr>
+        <p:spPr/>
+        <p:txBody>
+          <a:bodyPr/>
+          <a:lstStyle/>
+          <a:p>
+            <a:r>
+              <a:rPr lang="en-US" dirty="0" smtClean="0"/>
+              <a:t>Automation</a:t>
+            </a:r>
+            <a:endParaRPr lang="en-US" dirty="0"/>
+          </a:p>
+        </p:txBody>
+      </p:sp>
+      <p:sp>
+        <p:nvSpPr>
+          <p:cNvPr id="3" name="Content Placeholder 2"/>
+          <p:cNvSpPr>
+            <a:spLocks noGrp="1"/>
+          </p:cNvSpPr>
+          <p:nvPr>
+            <p:ph idx="1"/>
+          </p:nvPr>
+        </p:nvSpPr>
+        <p:spPr>
+          <a:xfrm>
+            <a:off x="457200" y="1600200"/>
+            <a:ext cx="6617048" cy="4525963"/>
+          </a:xfrm>
+        </p:spPr>
+        <p:txBody>
+          <a:bodyPr>
+            <a:normAutofit lnSpcReduction="10000"/>
+          </a:bodyPr>
+          <a:lstStyle/>
+          <a:p>
+            <a:r>
+              <a:rPr lang="en-US" dirty="0" smtClean="0"/>
+              <a:t>CSA Chapter 12: Automation</a:t>
+            </a:r>
+          </a:p>
+          <a:p>
+            <a:pPr lvl="1"/>
+            <a:r>
+              <a:rPr lang="en-US" dirty="0" smtClean="0"/>
+              <a:t>Automation is a critical component of </a:t>
+            </a:r>
+            <a:r>
+              <a:rPr lang="en-US" dirty="0" err="1" smtClean="0"/>
+              <a:t>DevOps</a:t>
+            </a:r>
+            <a:r>
+              <a:rPr lang="en-US" dirty="0" smtClean="0"/>
+              <a:t> and modern IT practices</a:t>
+            </a:r>
+          </a:p>
+          <a:p>
+            <a:pPr lvl="1"/>
+            <a:endParaRPr lang="en-US" dirty="0" smtClean="0"/>
+          </a:p>
+          <a:p>
+            <a:pPr lvl="1"/>
+            <a:r>
+              <a:rPr lang="en-US" dirty="0" smtClean="0"/>
+              <a:t>Example: Software build pipeline</a:t>
+            </a:r>
+          </a:p>
+          <a:p>
+            <a:pPr lvl="2"/>
+            <a:r>
+              <a:rPr lang="en-US" dirty="0" smtClean="0"/>
+              <a:t>Changes are made to files in version control system</a:t>
+            </a:r>
+          </a:p>
+          <a:p>
+            <a:pPr lvl="2"/>
+            <a:r>
+              <a:rPr lang="en-US" dirty="0" smtClean="0"/>
+              <a:t>New files picked up by software delivery platform and tested</a:t>
+            </a:r>
+          </a:p>
+          <a:p>
+            <a:pPr lvl="2"/>
+            <a:r>
+              <a:rPr lang="en-US" dirty="0" smtClean="0"/>
+              <a:t>New files deployed to production systems</a:t>
+            </a:r>
+          </a:p>
+          <a:p>
+            <a:pPr lvl="1"/>
+            <a:endParaRPr lang="en-US" dirty="0"/>
+          </a:p>
+        </p:txBody>
+      </p:sp>
+      <p:pic>
+        <p:nvPicPr>
+          <p:cNvPr id="4" name="Picture 3"/>
+          <p:cNvPicPr>
+            <a:picLocks noChangeAspect="1"/>
+          </p:cNvPicPr>
+          <p:nvPr/>
+        </p:nvPicPr>
+        <p:blipFill>
+          <a:blip r:embed="rId2"/>
+          <a:stretch>
+            <a:fillRect/>
+          </a:stretch>
+        </p:blipFill>
+        <p:spPr>
+          <a:xfrm>
+            <a:off x="6824988" y="274637"/>
+            <a:ext cx="2172126" cy="2844857"/>
+          </a:xfrm>
+          <a:prstGeom prst="rect">
+            <a:avLst/>
+          </a:prstGeom>
+        </p:spPr>
+      </p:pic>
+    </p:spTree>
+    <p:extLst>
+      <p:ext uri="{BB962C8B-B14F-4D97-AF65-F5344CB8AC3E}">
+        <p14:creationId xmlns:p14="http://schemas.microsoft.com/office/powerpoint/2010/main" val="1820236484"/>
+      </p:ext>
+    </p:extLst>
+  </p:cSld>
+  <p:clrMapOvr>
+    <a:masterClrMapping/>
+  </p:clrMapOvr>
+</p:sld>
+</file>
+
+<file path=ppt/slides/slide30.xml><?xml version="1.0" encoding="utf-8"?>
+<p:sld xmlns:a="http://schemas.openxmlformats.org/drawingml/2006/main" xmlns:r="http://schemas.openxmlformats.org/officeDocument/2006/relationships" xmlns:p="http://schemas.openxmlformats.org/presentationml/2006/main">
+  <p:cSld>
+    <p:spTree>
+      <p:nvGrpSpPr>
+        <p:cNvPr id="1" name=""/>
+        <p:cNvGrpSpPr/>
+        <p:nvPr/>
+      </p:nvGrpSpPr>
+      <p:grpSpPr>
+        <a:xfrm>
+          <a:off x="0" y="0"/>
+          <a:ext cx="0" cy="0"/>
+          <a:chOff x="0" y="0"/>
+          <a:chExt cx="0" cy="0"/>
+        </a:xfrm>
+      </p:grpSpPr>
+      <p:sp>
+        <p:nvSpPr>
+          <p:cNvPr id="2" name="Title 1"/>
+          <p:cNvSpPr>
+            <a:spLocks noGrp="1"/>
+          </p:cNvSpPr>
+          <p:nvPr>
+            <p:ph type="title"/>
+          </p:nvPr>
+        </p:nvSpPr>
+        <p:spPr/>
+        <p:txBody>
+          <a:bodyPr/>
+          <a:lstStyle/>
+          <a:p>
+            <a:r>
+              <a:rPr lang="en-US" dirty="0" smtClean="0"/>
+              <a:t>Linux Shell Shortcuts</a:t>
+            </a:r>
+            <a:endParaRPr lang="en-US" dirty="0"/>
+          </a:p>
+        </p:txBody>
+      </p:sp>
+      <p:sp>
+        <p:nvSpPr>
+          <p:cNvPr id="3" name="Content Placeholder 2"/>
+          <p:cNvSpPr>
+            <a:spLocks noGrp="1"/>
+          </p:cNvSpPr>
+          <p:nvPr>
+            <p:ph idx="1"/>
+          </p:nvPr>
+        </p:nvSpPr>
+        <p:spPr/>
+        <p:txBody>
+          <a:bodyPr>
+            <a:normAutofit fontScale="77500" lnSpcReduction="20000"/>
+          </a:bodyPr>
+          <a:lstStyle/>
+          <a:p>
+            <a:r>
+              <a:rPr lang="en-US" dirty="0" smtClean="0"/>
+              <a:t>The shell provides a simple, yet powerful command entry interface. Useful shortcuts include:</a:t>
+            </a:r>
+          </a:p>
+          <a:p>
+            <a:endParaRPr lang="en-US" dirty="0" smtClean="0"/>
+          </a:p>
+          <a:p>
+            <a:pPr lvl="1"/>
+            <a:r>
+              <a:rPr lang="en-US" b="1" dirty="0" err="1" smtClean="0"/>
+              <a:t>Ctrl+A</a:t>
+            </a:r>
+            <a:r>
+              <a:rPr lang="en-US" dirty="0" smtClean="0"/>
+              <a:t>: move the cursor to the beginning of the command line</a:t>
+            </a:r>
+          </a:p>
+          <a:p>
+            <a:pPr lvl="1"/>
+            <a:r>
+              <a:rPr lang="en-US" b="1" dirty="0" err="1" smtClean="0"/>
+              <a:t>Ctrl+C</a:t>
+            </a:r>
+            <a:r>
+              <a:rPr lang="en-US" dirty="0" smtClean="0"/>
+              <a:t>: terminate a running program and return to the shell prompt</a:t>
+            </a:r>
+          </a:p>
+          <a:p>
+            <a:pPr lvl="1"/>
+            <a:r>
+              <a:rPr lang="en-US" b="1" dirty="0" err="1" smtClean="0"/>
+              <a:t>Ctrl+D</a:t>
+            </a:r>
+            <a:r>
+              <a:rPr lang="en-US" dirty="0" smtClean="0"/>
+              <a:t>: log out of the current shell</a:t>
+            </a:r>
+          </a:p>
+          <a:p>
+            <a:pPr lvl="1"/>
+            <a:r>
+              <a:rPr lang="en-US" b="1" dirty="0" err="1" smtClean="0"/>
+              <a:t>Ctrl+E</a:t>
+            </a:r>
+            <a:r>
+              <a:rPr lang="en-US" dirty="0" smtClean="0"/>
+              <a:t>: move cursor to the end of the command line</a:t>
+            </a:r>
+          </a:p>
+          <a:p>
+            <a:pPr lvl="1"/>
+            <a:r>
+              <a:rPr lang="en-US" b="1" dirty="0" err="1" smtClean="0"/>
+              <a:t>Ctrl+L</a:t>
+            </a:r>
+            <a:r>
+              <a:rPr lang="en-US" dirty="0" smtClean="0"/>
+              <a:t>: clear the shell terminal screen</a:t>
+            </a:r>
+          </a:p>
+          <a:p>
+            <a:pPr lvl="1"/>
+            <a:r>
+              <a:rPr lang="en-US" b="1" dirty="0" err="1" smtClean="0"/>
+              <a:t>Ctrl+R</a:t>
+            </a:r>
+            <a:r>
+              <a:rPr lang="en-US" dirty="0" smtClean="0"/>
+              <a:t>: search the command history</a:t>
+            </a:r>
+          </a:p>
+          <a:p>
+            <a:pPr lvl="1"/>
+            <a:r>
+              <a:rPr lang="en-US" b="1" dirty="0" smtClean="0"/>
+              <a:t>&lt;tab&gt;: </a:t>
+            </a:r>
+            <a:r>
+              <a:rPr lang="en-US" dirty="0" smtClean="0"/>
+              <a:t>autocomplete file name</a:t>
+            </a:r>
+          </a:p>
+          <a:p>
+            <a:pPr lvl="1"/>
+            <a:r>
+              <a:rPr lang="en-US" b="1" dirty="0" smtClean="0"/>
+              <a:t>&lt;tab&gt;&lt;tab&gt;: </a:t>
+            </a:r>
+            <a:r>
+              <a:rPr lang="en-US" dirty="0" smtClean="0"/>
+              <a:t>show command completion possibilities</a:t>
+            </a:r>
+          </a:p>
+          <a:p>
+            <a:pPr lvl="1"/>
+            <a:r>
+              <a:rPr lang="en-US" b="1" dirty="0" smtClean="0"/>
+              <a:t>&lt;up arrow&gt;: </a:t>
+            </a:r>
+            <a:r>
+              <a:rPr lang="en-US" dirty="0" smtClean="0"/>
+              <a:t>repeat last command (or scroll through history)</a:t>
+            </a:r>
+          </a:p>
+          <a:p>
+            <a:pPr lvl="1"/>
+            <a:endParaRPr lang="en-US" dirty="0" smtClean="0"/>
+          </a:p>
+          <a:p>
+            <a:pPr lvl="1"/>
+            <a:endParaRPr lang="en-US" dirty="0"/>
+          </a:p>
+        </p:txBody>
+      </p:sp>
+    </p:spTree>
+    <p:extLst>
+      <p:ext uri="{BB962C8B-B14F-4D97-AF65-F5344CB8AC3E}">
+        <p14:creationId xmlns:p14="http://schemas.microsoft.com/office/powerpoint/2010/main" val="545530483"/>
+      </p:ext>
+    </p:extLst>
+  </p:cSld>
+  <p:clrMapOvr>
+    <a:masterClrMapping/>
+  </p:clrMapOvr>
+</p:sld>
+</file>
+
+<file path=ppt/slides/slide31.xml><?xml version="1.0" encoding="utf-8"?>
+<p:sld xmlns:a="http://schemas.openxmlformats.org/drawingml/2006/main" xmlns:r="http://schemas.openxmlformats.org/officeDocument/2006/relationships" xmlns:p="http://schemas.openxmlformats.org/presentationml/2006/main">
+  <p:cSld>
+    <p:spTree>
+      <p:nvGrpSpPr>
+        <p:cNvPr id="1" name=""/>
+        <p:cNvGrpSpPr/>
+        <p:nvPr/>
+      </p:nvGrpSpPr>
+      <p:grpSpPr>
+        <a:xfrm>
+          <a:off x="0" y="0"/>
+          <a:ext cx="0" cy="0"/>
+          <a:chOff x="0" y="0"/>
+          <a:chExt cx="0" cy="0"/>
+        </a:xfrm>
+      </p:grpSpPr>
+      <p:sp>
+        <p:nvSpPr>
+          <p:cNvPr id="2" name="Title 1"/>
+          <p:cNvSpPr>
+            <a:spLocks noGrp="1"/>
+          </p:cNvSpPr>
+          <p:nvPr>
+            <p:ph type="title"/>
+          </p:nvPr>
+        </p:nvSpPr>
+        <p:spPr/>
+        <p:txBody>
+          <a:bodyPr/>
+          <a:lstStyle/>
+          <a:p>
+            <a:r>
+              <a:rPr lang="en-US" dirty="0" smtClean="0"/>
+              <a:t>Linux Command Help</a:t>
+            </a:r>
+            <a:endParaRPr lang="en-US" dirty="0"/>
+          </a:p>
+        </p:txBody>
+      </p:sp>
+      <p:sp>
+        <p:nvSpPr>
+          <p:cNvPr id="3" name="Content Placeholder 2"/>
+          <p:cNvSpPr>
+            <a:spLocks noGrp="1"/>
+          </p:cNvSpPr>
+          <p:nvPr>
+            <p:ph idx="1"/>
+          </p:nvPr>
+        </p:nvSpPr>
+        <p:spPr/>
+        <p:txBody>
+          <a:bodyPr>
+            <a:normAutofit lnSpcReduction="10000"/>
+          </a:bodyPr>
+          <a:lstStyle/>
+          <a:p>
+            <a:r>
+              <a:rPr lang="en-US" dirty="0" smtClean="0"/>
+              <a:t>Linux provides a couple different methods to get helpful information about a command:</a:t>
+            </a:r>
+          </a:p>
+          <a:p>
+            <a:endParaRPr lang="en-US" dirty="0"/>
+          </a:p>
+          <a:p>
+            <a:pPr marL="0" indent="0">
+              <a:buNone/>
+            </a:pPr>
+            <a:r>
+              <a:rPr lang="en-US" sz="2600" dirty="0" smtClean="0">
+                <a:latin typeface="Consolas" charset="0"/>
+                <a:ea typeface="Consolas" charset="0"/>
+                <a:cs typeface="Consolas" charset="0"/>
+              </a:rPr>
+              <a:t>$ man &lt;command&gt;</a:t>
+            </a:r>
+          </a:p>
+          <a:p>
+            <a:pPr marL="0" indent="0">
+              <a:buNone/>
+            </a:pPr>
+            <a:r>
+              <a:rPr lang="en-US" sz="2600" dirty="0" smtClean="0">
+                <a:latin typeface="Consolas" charset="0"/>
+                <a:ea typeface="Consolas" charset="0"/>
+                <a:cs typeface="Consolas" charset="0"/>
+              </a:rPr>
+              <a:t>$ info &lt;command&gt;   </a:t>
+            </a:r>
+            <a:r>
+              <a:rPr lang="en-US" sz="2600" dirty="0" smtClean="0">
+                <a:ea typeface="Consolas" charset="0"/>
+                <a:cs typeface="Consolas" charset="0"/>
+              </a:rPr>
+              <a:t>(a little easier to read)</a:t>
+            </a:r>
+          </a:p>
+          <a:p>
+            <a:pPr marL="0" indent="0">
+              <a:buNone/>
+            </a:pPr>
+            <a:r>
+              <a:rPr lang="en-US" sz="2600" dirty="0" smtClean="0">
+                <a:latin typeface="Consolas" charset="0"/>
+                <a:ea typeface="Consolas" charset="0"/>
+                <a:cs typeface="Consolas" charset="0"/>
+              </a:rPr>
+              <a:t>$ &lt;command&gt; --help</a:t>
+            </a:r>
+          </a:p>
+          <a:p>
+            <a:pPr marL="0" indent="0">
+              <a:buNone/>
+            </a:pPr>
+            <a:endParaRPr lang="en-US" dirty="0"/>
+          </a:p>
+          <a:p>
+            <a:r>
+              <a:rPr lang="en-US" dirty="0" smtClean="0"/>
+              <a:t>Sometimes the best way to get help is just using a web search engine.</a:t>
+            </a:r>
+          </a:p>
+          <a:p>
+            <a:pPr lvl="1"/>
+            <a:endParaRPr lang="en-US" dirty="0"/>
+          </a:p>
+        </p:txBody>
+      </p:sp>
+    </p:spTree>
+    <p:extLst>
+      <p:ext uri="{BB962C8B-B14F-4D97-AF65-F5344CB8AC3E}">
+        <p14:creationId xmlns:p14="http://schemas.microsoft.com/office/powerpoint/2010/main" val="1642818365"/>
+      </p:ext>
+    </p:extLst>
+  </p:cSld>
+  <p:clrMapOvr>
+    <a:masterClrMapping/>
+  </p:clrMapOvr>
+</p:sld>
+</file>
+
+<file path=ppt/slides/slide32.xml><?xml version="1.0" encoding="utf-8"?>
+<p:sld xmlns:a="http://schemas.openxmlformats.org/drawingml/2006/main" xmlns:r="http://schemas.openxmlformats.org/officeDocument/2006/relationships" xmlns:p="http://schemas.openxmlformats.org/presentationml/2006/main">
+  <p:cSld>
+    <p:spTree>
+      <p:nvGrpSpPr>
+        <p:cNvPr id="1" name=""/>
+        <p:cNvGrpSpPr/>
+        <p:nvPr/>
+      </p:nvGrpSpPr>
+      <p:grpSpPr>
+        <a:xfrm>
+          <a:off x="0" y="0"/>
+          <a:ext cx="0" cy="0"/>
+          <a:chOff x="0" y="0"/>
+          <a:chExt cx="0" cy="0"/>
+        </a:xfrm>
+      </p:grpSpPr>
+      <p:sp>
+        <p:nvSpPr>
+          <p:cNvPr id="2" name="Title 1"/>
+          <p:cNvSpPr>
+            <a:spLocks noGrp="1"/>
+          </p:cNvSpPr>
+          <p:nvPr>
+            <p:ph type="title"/>
+          </p:nvPr>
+        </p:nvSpPr>
+        <p:spPr/>
+        <p:txBody>
+          <a:bodyPr/>
+          <a:lstStyle/>
+          <a:p>
+            <a:r>
+              <a:rPr lang="en-US" dirty="0" smtClean="0"/>
+              <a:t>Linux User Accounts</a:t>
+            </a:r>
+            <a:endParaRPr lang="en-US" dirty="0"/>
+          </a:p>
+        </p:txBody>
+      </p:sp>
+      <p:sp>
+        <p:nvSpPr>
+          <p:cNvPr id="3" name="Content Placeholder 2"/>
+          <p:cNvSpPr>
+            <a:spLocks noGrp="1"/>
+          </p:cNvSpPr>
+          <p:nvPr>
+            <p:ph idx="1"/>
+          </p:nvPr>
+        </p:nvSpPr>
+        <p:spPr>
+          <a:xfrm>
+            <a:off x="457200" y="1600200"/>
+            <a:ext cx="8229600" cy="4965700"/>
+          </a:xfrm>
+        </p:spPr>
+        <p:txBody>
+          <a:bodyPr>
+            <a:normAutofit fontScale="85000" lnSpcReduction="20000"/>
+          </a:bodyPr>
+          <a:lstStyle/>
+          <a:p>
+            <a:r>
+              <a:rPr lang="en-US" dirty="0" smtClean="0"/>
+              <a:t>Each user on Linux has a </a:t>
+            </a:r>
+            <a:r>
+              <a:rPr lang="en-US" smtClean="0"/>
+              <a:t>separate account with a password.</a:t>
+            </a:r>
+            <a:endParaRPr lang="en-US" dirty="0" smtClean="0"/>
+          </a:p>
+          <a:p>
+            <a:pPr lvl="1"/>
+            <a:r>
+              <a:rPr lang="en-US" dirty="0" smtClean="0"/>
+              <a:t>We’ll use the ec2-user during this class</a:t>
+            </a:r>
+          </a:p>
+          <a:p>
+            <a:pPr lvl="1"/>
+            <a:endParaRPr lang="en-US" dirty="0" smtClean="0"/>
+          </a:p>
+          <a:p>
+            <a:r>
+              <a:rPr lang="en-US" dirty="0" smtClean="0"/>
+              <a:t>User accounts can be members of user groups.</a:t>
+            </a:r>
+          </a:p>
+          <a:p>
+            <a:endParaRPr lang="en-US" dirty="0" smtClean="0"/>
+          </a:p>
+          <a:p>
+            <a:r>
+              <a:rPr lang="en-US" dirty="0" smtClean="0"/>
+              <a:t>The root account is known as a super-user and is all powerful (like Administrator on Windows).</a:t>
+            </a:r>
+          </a:p>
+          <a:p>
+            <a:endParaRPr lang="en-US" dirty="0" smtClean="0"/>
+          </a:p>
+          <a:p>
+            <a:r>
+              <a:rPr lang="en-US" dirty="0" smtClean="0"/>
+              <a:t>Typically we log into a Linux system and escalate our privileges to become a super-user using the </a:t>
+            </a:r>
+            <a:r>
+              <a:rPr lang="en-US" b="1" dirty="0" err="1" smtClean="0"/>
+              <a:t>sudo</a:t>
+            </a:r>
+            <a:r>
+              <a:rPr lang="en-US" dirty="0" smtClean="0"/>
+              <a:t> command (super-user do).</a:t>
+            </a:r>
+            <a:endParaRPr lang="en-US" dirty="0"/>
+          </a:p>
+        </p:txBody>
+      </p:sp>
+    </p:spTree>
+    <p:extLst>
+      <p:ext uri="{BB962C8B-B14F-4D97-AF65-F5344CB8AC3E}">
+        <p14:creationId xmlns:p14="http://schemas.microsoft.com/office/powerpoint/2010/main" val="1239970841"/>
+      </p:ext>
+    </p:extLst>
+  </p:cSld>
+  <p:clrMapOvr>
+    <a:masterClrMapping/>
+  </p:clrMapOvr>
+</p:sld>
+</file>
+
+<file path=ppt/slides/slide33.xml><?xml version="1.0" encoding="utf-8"?>
+<p:sld xmlns:a="http://schemas.openxmlformats.org/drawingml/2006/main" xmlns:r="http://schemas.openxmlformats.org/officeDocument/2006/relationships" xmlns:p="http://schemas.openxmlformats.org/presentationml/2006/main">
+  <p:cSld>
+    <p:spTree>
+      <p:nvGrpSpPr>
+        <p:cNvPr id="1" name=""/>
+        <p:cNvGrpSpPr/>
+        <p:nvPr/>
+      </p:nvGrpSpPr>
+      <p:grpSpPr>
+        <a:xfrm>
+          <a:off x="0" y="0"/>
+          <a:ext cx="0" cy="0"/>
+          <a:chOff x="0" y="0"/>
+          <a:chExt cx="0" cy="0"/>
+        </a:xfrm>
+      </p:grpSpPr>
+      <p:sp>
+        <p:nvSpPr>
+          <p:cNvPr id="2" name="Title 1"/>
+          <p:cNvSpPr>
+            <a:spLocks noGrp="1"/>
+          </p:cNvSpPr>
+          <p:nvPr>
+            <p:ph type="title"/>
+          </p:nvPr>
+        </p:nvSpPr>
+        <p:spPr/>
+        <p:txBody>
+          <a:bodyPr/>
+          <a:lstStyle/>
+          <a:p>
+            <a:r>
+              <a:rPr lang="en-US" dirty="0" smtClean="0"/>
+              <a:t>Linux User Accounts</a:t>
+            </a:r>
+            <a:endParaRPr lang="en-US" dirty="0"/>
+          </a:p>
+        </p:txBody>
+      </p:sp>
+      <p:sp>
+        <p:nvSpPr>
+          <p:cNvPr id="3" name="Content Placeholder 2"/>
+          <p:cNvSpPr>
+            <a:spLocks noGrp="1"/>
+          </p:cNvSpPr>
+          <p:nvPr>
+            <p:ph idx="1"/>
+          </p:nvPr>
+        </p:nvSpPr>
+        <p:spPr/>
+        <p:txBody>
+          <a:bodyPr>
+            <a:normAutofit fontScale="92500" lnSpcReduction="20000"/>
+          </a:bodyPr>
+          <a:lstStyle/>
+          <a:p>
+            <a:r>
+              <a:rPr lang="en-US" dirty="0" smtClean="0"/>
+              <a:t>Users have a defined home directory, typically something like /home/username</a:t>
+            </a:r>
+          </a:p>
+          <a:p>
+            <a:pPr lvl="1"/>
+            <a:r>
+              <a:rPr lang="en-US" dirty="0" smtClean="0"/>
+              <a:t>The </a:t>
+            </a:r>
+            <a:r>
+              <a:rPr lang="en-US" dirty="0" err="1" smtClean="0"/>
+              <a:t>tilda</a:t>
+            </a:r>
+            <a:r>
+              <a:rPr lang="en-US" dirty="0" smtClean="0"/>
+              <a:t> (~) character is used as an alias for a user’s home directory.</a:t>
+            </a:r>
+          </a:p>
+          <a:p>
+            <a:endParaRPr lang="en-US" dirty="0"/>
+          </a:p>
+          <a:p>
+            <a:r>
+              <a:rPr lang="en-US" dirty="0" smtClean="0"/>
+              <a:t>You can add new users using the </a:t>
+            </a:r>
+            <a:r>
+              <a:rPr lang="en-US" dirty="0" err="1" smtClean="0"/>
+              <a:t>useradd</a:t>
+            </a:r>
+            <a:r>
+              <a:rPr lang="en-US" dirty="0" smtClean="0"/>
+              <a:t> command:</a:t>
+            </a:r>
+          </a:p>
+          <a:p>
+            <a:pPr lvl="1"/>
+            <a:r>
+              <a:rPr lang="en-US" dirty="0" smtClean="0">
+                <a:latin typeface="Consolas" charset="0"/>
+                <a:ea typeface="Consolas" charset="0"/>
+                <a:cs typeface="Consolas" charset="0"/>
+              </a:rPr>
+              <a:t>$ </a:t>
+            </a:r>
+            <a:r>
+              <a:rPr lang="en-US" dirty="0" err="1" smtClean="0">
+                <a:latin typeface="Consolas" charset="0"/>
+                <a:ea typeface="Consolas" charset="0"/>
+                <a:cs typeface="Consolas" charset="0"/>
+              </a:rPr>
+              <a:t>useradd</a:t>
+            </a:r>
+            <a:r>
+              <a:rPr lang="en-US" dirty="0" smtClean="0">
+                <a:latin typeface="Consolas" charset="0"/>
+                <a:ea typeface="Consolas" charset="0"/>
+                <a:cs typeface="Consolas" charset="0"/>
+              </a:rPr>
+              <a:t> </a:t>
+            </a:r>
+            <a:r>
+              <a:rPr lang="en-US" dirty="0" err="1" smtClean="0">
+                <a:latin typeface="Consolas" charset="0"/>
+                <a:ea typeface="Consolas" charset="0"/>
+                <a:cs typeface="Consolas" charset="0"/>
+              </a:rPr>
+              <a:t>steve</a:t>
+            </a:r>
+            <a:endParaRPr lang="en-US" dirty="0" smtClean="0">
+              <a:latin typeface="Consolas" charset="0"/>
+              <a:ea typeface="Consolas" charset="0"/>
+              <a:cs typeface="Consolas" charset="0"/>
+            </a:endParaRPr>
+          </a:p>
+          <a:p>
+            <a:endParaRPr lang="en-US" dirty="0"/>
+          </a:p>
+          <a:p>
+            <a:r>
+              <a:rPr lang="en-US" dirty="0" smtClean="0"/>
+              <a:t>And delete users using the </a:t>
+            </a:r>
+            <a:r>
+              <a:rPr lang="en-US" dirty="0" err="1" smtClean="0"/>
+              <a:t>userdel</a:t>
+            </a:r>
+            <a:r>
+              <a:rPr lang="en-US" dirty="0" smtClean="0"/>
+              <a:t> command:</a:t>
+            </a:r>
+          </a:p>
+          <a:p>
+            <a:pPr lvl="1"/>
+            <a:r>
+              <a:rPr lang="en-US" dirty="0" smtClean="0">
+                <a:latin typeface="Consolas" charset="0"/>
+                <a:ea typeface="Consolas" charset="0"/>
+                <a:cs typeface="Consolas" charset="0"/>
+              </a:rPr>
+              <a:t>$ </a:t>
+            </a:r>
+            <a:r>
+              <a:rPr lang="en-US" dirty="0" err="1" smtClean="0">
+                <a:latin typeface="Consolas" charset="0"/>
+                <a:ea typeface="Consolas" charset="0"/>
+                <a:cs typeface="Consolas" charset="0"/>
+              </a:rPr>
+              <a:t>userdel</a:t>
+            </a:r>
+            <a:r>
+              <a:rPr lang="en-US" dirty="0" smtClean="0">
+                <a:latin typeface="Consolas" charset="0"/>
+                <a:ea typeface="Consolas" charset="0"/>
+                <a:cs typeface="Consolas" charset="0"/>
+              </a:rPr>
+              <a:t> –r </a:t>
+            </a:r>
+            <a:r>
+              <a:rPr lang="en-US" dirty="0" err="1" smtClean="0">
+                <a:latin typeface="Consolas" charset="0"/>
+                <a:ea typeface="Consolas" charset="0"/>
+                <a:cs typeface="Consolas" charset="0"/>
+              </a:rPr>
+              <a:t>michael</a:t>
+            </a:r>
+            <a:endParaRPr lang="en-US" dirty="0">
+              <a:latin typeface="Consolas" charset="0"/>
+              <a:ea typeface="Consolas" charset="0"/>
+              <a:cs typeface="Consolas" charset="0"/>
+            </a:endParaRPr>
+          </a:p>
+        </p:txBody>
+      </p:sp>
+    </p:spTree>
+    <p:extLst>
+      <p:ext uri="{BB962C8B-B14F-4D97-AF65-F5344CB8AC3E}">
+        <p14:creationId xmlns:p14="http://schemas.microsoft.com/office/powerpoint/2010/main" val="581515910"/>
+      </p:ext>
+    </p:extLst>
+  </p:cSld>
+  <p:clrMapOvr>
+    <a:masterClrMapping/>
+  </p:clrMapOvr>
+</p:sld>
+</file>
+
+<file path=ppt/slides/slide34.xml><?xml version="1.0" encoding="utf-8"?>
+<p:sld xmlns:a="http://schemas.openxmlformats.org/drawingml/2006/main" xmlns:r="http://schemas.openxmlformats.org/officeDocument/2006/relationships" xmlns:p="http://schemas.openxmlformats.org/presentationml/2006/main">
+  <p:cSld>
+    <p:spTree>
+      <p:nvGrpSpPr>
+        <p:cNvPr id="1" name=""/>
+        <p:cNvGrpSpPr/>
+        <p:nvPr/>
+      </p:nvGrpSpPr>
+      <p:grpSpPr>
+        <a:xfrm>
+          <a:off x="0" y="0"/>
+          <a:ext cx="0" cy="0"/>
+          <a:chOff x="0" y="0"/>
+          <a:chExt cx="0" cy="0"/>
+        </a:xfrm>
+      </p:grpSpPr>
+      <p:sp>
+        <p:nvSpPr>
+          <p:cNvPr id="2" name="Title 1"/>
+          <p:cNvSpPr>
+            <a:spLocks noGrp="1"/>
+          </p:cNvSpPr>
+          <p:nvPr>
+            <p:ph type="title"/>
+          </p:nvPr>
+        </p:nvSpPr>
+        <p:spPr/>
+        <p:txBody>
+          <a:bodyPr/>
+          <a:lstStyle/>
+          <a:p>
+            <a:r>
+              <a:rPr lang="en-US" dirty="0" smtClean="0"/>
+              <a:t>Linux Directory</a:t>
+            </a:r>
+            <a:endParaRPr lang="en-US" dirty="0"/>
+          </a:p>
+        </p:txBody>
+      </p:sp>
+      <p:sp>
+        <p:nvSpPr>
+          <p:cNvPr id="3" name="Content Placeholder 2"/>
+          <p:cNvSpPr>
+            <a:spLocks noGrp="1"/>
+          </p:cNvSpPr>
+          <p:nvPr>
+            <p:ph idx="1"/>
+          </p:nvPr>
+        </p:nvSpPr>
+        <p:spPr/>
+        <p:txBody>
+          <a:bodyPr>
+            <a:normAutofit fontScale="92500" lnSpcReduction="20000"/>
+          </a:bodyPr>
+          <a:lstStyle/>
+          <a:p>
+            <a:r>
+              <a:rPr lang="en-US" dirty="0" smtClean="0"/>
+              <a:t>Linux file system is partitioned into separate directories, denoted by forward-slash character (/).</a:t>
+            </a:r>
+          </a:p>
+          <a:p>
+            <a:pPr lvl="1"/>
+            <a:r>
+              <a:rPr lang="en-US" dirty="0" smtClean="0"/>
+              <a:t>Tree structure starting with base (/) root directory.</a:t>
+            </a:r>
+          </a:p>
+          <a:p>
+            <a:endParaRPr lang="en-US" dirty="0"/>
+          </a:p>
+          <a:p>
+            <a:r>
+              <a:rPr lang="en-US" dirty="0" smtClean="0"/>
+              <a:t>Current directory is called the Present Working Directory (or current working directory)</a:t>
+            </a:r>
+          </a:p>
+          <a:p>
+            <a:endParaRPr lang="en-US" dirty="0"/>
+          </a:p>
+          <a:p>
+            <a:r>
+              <a:rPr lang="en-US" dirty="0" smtClean="0"/>
+              <a:t>Use the </a:t>
+            </a:r>
+            <a:r>
+              <a:rPr lang="en-US" b="1" dirty="0" err="1" smtClean="0"/>
+              <a:t>pwd</a:t>
+            </a:r>
+            <a:r>
+              <a:rPr lang="en-US" dirty="0" smtClean="0"/>
+              <a:t> command to determine the present working directory.</a:t>
+            </a:r>
+          </a:p>
+        </p:txBody>
+      </p:sp>
+    </p:spTree>
+    <p:extLst>
+      <p:ext uri="{BB962C8B-B14F-4D97-AF65-F5344CB8AC3E}">
+        <p14:creationId xmlns:p14="http://schemas.microsoft.com/office/powerpoint/2010/main" val="1237921015"/>
+      </p:ext>
+    </p:extLst>
+  </p:cSld>
+  <p:clrMapOvr>
+    <a:masterClrMapping/>
+  </p:clrMapOvr>
+</p:sld>
+</file>
+
+<file path=ppt/slides/slide35.xml><?xml version="1.0" encoding="utf-8"?>
+<p:sld xmlns:a="http://schemas.openxmlformats.org/drawingml/2006/main" xmlns:r="http://schemas.openxmlformats.org/officeDocument/2006/relationships" xmlns:p="http://schemas.openxmlformats.org/presentationml/2006/main">
+  <p:cSld>
+    <p:spTree>
+      <p:nvGrpSpPr>
+        <p:cNvPr id="1" name=""/>
+        <p:cNvGrpSpPr/>
+        <p:nvPr/>
+      </p:nvGrpSpPr>
+      <p:grpSpPr>
+        <a:xfrm>
+          <a:off x="0" y="0"/>
+          <a:ext cx="0" cy="0"/>
+          <a:chOff x="0" y="0"/>
+          <a:chExt cx="0" cy="0"/>
+        </a:xfrm>
+      </p:grpSpPr>
+      <p:sp>
+        <p:nvSpPr>
+          <p:cNvPr id="2" name="Title 1"/>
+          <p:cNvSpPr>
+            <a:spLocks noGrp="1"/>
+          </p:cNvSpPr>
+          <p:nvPr>
+            <p:ph type="title"/>
+          </p:nvPr>
+        </p:nvSpPr>
+        <p:spPr/>
+        <p:txBody>
+          <a:bodyPr/>
+          <a:lstStyle/>
+          <a:p>
+            <a:r>
+              <a:rPr lang="en-US" dirty="0" smtClean="0"/>
+              <a:t>Changing Directory</a:t>
+            </a:r>
+            <a:endParaRPr lang="en-US" dirty="0"/>
+          </a:p>
+        </p:txBody>
+      </p:sp>
+      <p:sp>
+        <p:nvSpPr>
+          <p:cNvPr id="3" name="Content Placeholder 2"/>
+          <p:cNvSpPr>
+            <a:spLocks noGrp="1"/>
+          </p:cNvSpPr>
+          <p:nvPr>
+            <p:ph idx="1"/>
+          </p:nvPr>
+        </p:nvSpPr>
+        <p:spPr>
+          <a:xfrm>
+            <a:off x="457200" y="1600200"/>
+            <a:ext cx="8229600" cy="5029200"/>
+          </a:xfrm>
+        </p:spPr>
+        <p:txBody>
+          <a:bodyPr>
+            <a:normAutofit fontScale="85000" lnSpcReduction="20000"/>
+          </a:bodyPr>
+          <a:lstStyle/>
+          <a:p>
+            <a:r>
+              <a:rPr lang="en-US" dirty="0" smtClean="0"/>
+              <a:t>The </a:t>
+            </a:r>
+            <a:r>
+              <a:rPr lang="en-US" b="1" dirty="0" smtClean="0"/>
+              <a:t>cd</a:t>
+            </a:r>
+            <a:r>
+              <a:rPr lang="en-US" dirty="0" smtClean="0"/>
+              <a:t> command is used to change the present working directory to a new one.</a:t>
+            </a:r>
+          </a:p>
+          <a:p>
+            <a:endParaRPr lang="en-US" dirty="0"/>
+          </a:p>
+          <a:p>
+            <a:r>
+              <a:rPr lang="en-US" dirty="0" smtClean="0"/>
+              <a:t>Two options:</a:t>
+            </a:r>
+          </a:p>
+          <a:p>
+            <a:pPr lvl="1"/>
+            <a:r>
+              <a:rPr lang="en-US" dirty="0" smtClean="0"/>
+              <a:t>Specify an absolute path name:</a:t>
+            </a:r>
+          </a:p>
+          <a:p>
+            <a:pPr lvl="2"/>
+            <a:r>
+              <a:rPr lang="en-US" dirty="0" smtClean="0"/>
+              <a:t>$ cd /home/</a:t>
+            </a:r>
+            <a:r>
+              <a:rPr lang="en-US" dirty="0" err="1" smtClean="0"/>
+              <a:t>steve</a:t>
+            </a:r>
+            <a:r>
+              <a:rPr lang="en-US" dirty="0" smtClean="0"/>
+              <a:t>/documents</a:t>
+            </a:r>
+          </a:p>
+          <a:p>
+            <a:pPr lvl="2"/>
+            <a:endParaRPr lang="en-US" dirty="0" smtClean="0"/>
+          </a:p>
+          <a:p>
+            <a:pPr lvl="1"/>
+            <a:r>
+              <a:rPr lang="en-US" dirty="0" smtClean="0"/>
+              <a:t>Specify a relative path name:</a:t>
+            </a:r>
+          </a:p>
+          <a:p>
+            <a:pPr lvl="2"/>
+            <a:r>
+              <a:rPr lang="en-US" dirty="0" smtClean="0"/>
+              <a:t>$ cd documents  </a:t>
+            </a:r>
+          </a:p>
+          <a:p>
+            <a:pPr lvl="3"/>
+            <a:r>
+              <a:rPr lang="en-US" dirty="0" smtClean="0"/>
+              <a:t>change to documents sub-directory located in present directory</a:t>
+            </a:r>
+          </a:p>
+          <a:p>
+            <a:pPr lvl="2"/>
+            <a:r>
+              <a:rPr lang="en-US" dirty="0" smtClean="0"/>
+              <a:t>$ cd ../databases (change to databases</a:t>
+            </a:r>
+          </a:p>
+          <a:p>
+            <a:pPr lvl="3"/>
+            <a:r>
+              <a:rPr lang="en-US" dirty="0" smtClean="0"/>
+              <a:t>change to databases sub-directory located in parent directory</a:t>
+            </a:r>
+          </a:p>
+          <a:p>
+            <a:pPr lvl="2"/>
+            <a:r>
+              <a:rPr lang="en-US" dirty="0" smtClean="0"/>
+              <a:t>$ cd ~</a:t>
+            </a:r>
+          </a:p>
+          <a:p>
+            <a:pPr lvl="3"/>
+            <a:r>
+              <a:rPr lang="en-US" dirty="0" smtClean="0"/>
+              <a:t>change to user’s home directory</a:t>
+            </a:r>
+          </a:p>
+        </p:txBody>
+      </p:sp>
+    </p:spTree>
+    <p:extLst>
+      <p:ext uri="{BB962C8B-B14F-4D97-AF65-F5344CB8AC3E}">
+        <p14:creationId xmlns:p14="http://schemas.microsoft.com/office/powerpoint/2010/main" val="390142381"/>
+      </p:ext>
+    </p:extLst>
+  </p:cSld>
+  <p:clrMapOvr>
+    <a:masterClrMapping/>
+  </p:clrMapOvr>
+</p:sld>
+</file>
+
+<file path=ppt/slides/slide36.xml><?xml version="1.0" encoding="utf-8"?>
+<p:sld xmlns:a="http://schemas.openxmlformats.org/drawingml/2006/main" xmlns:r="http://schemas.openxmlformats.org/officeDocument/2006/relationships" xmlns:p="http://schemas.openxmlformats.org/presentationml/2006/main">
+  <p:cSld>
+    <p:spTree>
+      <p:nvGrpSpPr>
+        <p:cNvPr id="1" name=""/>
+        <p:cNvGrpSpPr/>
+        <p:nvPr/>
+      </p:nvGrpSpPr>
+      <p:grpSpPr>
+        <a:xfrm>
+          <a:off x="0" y="0"/>
+          <a:ext cx="0" cy="0"/>
+          <a:chOff x="0" y="0"/>
+          <a:chExt cx="0" cy="0"/>
+        </a:xfrm>
+      </p:grpSpPr>
+      <p:sp>
+        <p:nvSpPr>
+          <p:cNvPr id="2" name="Title 1"/>
+          <p:cNvSpPr>
+            <a:spLocks noGrp="1"/>
+          </p:cNvSpPr>
+          <p:nvPr>
+            <p:ph type="title"/>
+          </p:nvPr>
+        </p:nvSpPr>
+        <p:spPr/>
+        <p:txBody>
+          <a:bodyPr/>
+          <a:lstStyle/>
+          <a:p>
+            <a:r>
+              <a:rPr lang="en-US" dirty="0" smtClean="0"/>
+              <a:t>Managing Directories</a:t>
+            </a:r>
+            <a:endParaRPr lang="en-US" dirty="0"/>
+          </a:p>
+        </p:txBody>
+      </p:sp>
+      <p:sp>
+        <p:nvSpPr>
+          <p:cNvPr id="3" name="Content Placeholder 2"/>
+          <p:cNvSpPr>
+            <a:spLocks noGrp="1"/>
+          </p:cNvSpPr>
+          <p:nvPr>
+            <p:ph idx="1"/>
+          </p:nvPr>
+        </p:nvSpPr>
+        <p:spPr/>
+        <p:txBody>
+          <a:bodyPr>
+            <a:normAutofit fontScale="85000" lnSpcReduction="20000"/>
+          </a:bodyPr>
+          <a:lstStyle/>
+          <a:p>
+            <a:r>
+              <a:rPr lang="en-US" dirty="0" smtClean="0"/>
+              <a:t>Use the </a:t>
+            </a:r>
+            <a:r>
+              <a:rPr lang="en-US" b="1" dirty="0" err="1" smtClean="0"/>
+              <a:t>mkdir</a:t>
+            </a:r>
+            <a:r>
+              <a:rPr lang="en-US" b="1" dirty="0" smtClean="0"/>
+              <a:t> </a:t>
+            </a:r>
+            <a:r>
+              <a:rPr lang="en-US" dirty="0" smtClean="0"/>
+              <a:t>command to create a new directory.</a:t>
+            </a:r>
+          </a:p>
+          <a:p>
+            <a:pPr lvl="1"/>
+            <a:r>
+              <a:rPr lang="en-US" dirty="0" smtClean="0"/>
+              <a:t>$ </a:t>
+            </a:r>
+            <a:r>
+              <a:rPr lang="en-US" dirty="0" err="1" smtClean="0"/>
+              <a:t>mkdir</a:t>
+            </a:r>
+            <a:r>
+              <a:rPr lang="en-US" dirty="0" smtClean="0"/>
+              <a:t> test</a:t>
+            </a:r>
+          </a:p>
+          <a:p>
+            <a:pPr lvl="2"/>
+            <a:r>
+              <a:rPr lang="en-US" dirty="0" smtClean="0"/>
+              <a:t>Creates a sub-directory called test in the present directory.</a:t>
+            </a:r>
+          </a:p>
+          <a:p>
+            <a:pPr lvl="1"/>
+            <a:r>
+              <a:rPr lang="en-US" dirty="0" smtClean="0"/>
+              <a:t>$ </a:t>
+            </a:r>
+            <a:r>
+              <a:rPr lang="en-US" dirty="0" err="1" smtClean="0"/>
+              <a:t>mkdir</a:t>
+            </a:r>
+            <a:r>
+              <a:rPr lang="en-US" dirty="0" smtClean="0"/>
+              <a:t> /home/</a:t>
+            </a:r>
+            <a:r>
+              <a:rPr lang="en-US" dirty="0" err="1" smtClean="0"/>
+              <a:t>steve</a:t>
+            </a:r>
+            <a:r>
+              <a:rPr lang="en-US" dirty="0" smtClean="0"/>
+              <a:t>/test</a:t>
+            </a:r>
+          </a:p>
+          <a:p>
+            <a:pPr lvl="2"/>
+            <a:r>
+              <a:rPr lang="en-US" dirty="0" smtClean="0"/>
+              <a:t>Creates a sub-directory called test in the /home/</a:t>
+            </a:r>
+            <a:r>
+              <a:rPr lang="en-US" dirty="0" err="1" smtClean="0"/>
+              <a:t>steve</a:t>
+            </a:r>
+            <a:r>
+              <a:rPr lang="en-US" dirty="0" smtClean="0"/>
+              <a:t> directory.</a:t>
+            </a:r>
+          </a:p>
+          <a:p>
+            <a:endParaRPr lang="en-US" dirty="0"/>
+          </a:p>
+          <a:p>
+            <a:r>
+              <a:rPr lang="en-US" dirty="0" smtClean="0"/>
+              <a:t>Use the </a:t>
+            </a:r>
+            <a:r>
+              <a:rPr lang="en-US" dirty="0" err="1" smtClean="0"/>
+              <a:t>rmdir</a:t>
+            </a:r>
+            <a:r>
+              <a:rPr lang="en-US" dirty="0" smtClean="0"/>
+              <a:t> command to remove a directory.</a:t>
+            </a:r>
+          </a:p>
+          <a:p>
+            <a:pPr lvl="1"/>
+            <a:r>
+              <a:rPr lang="en-US" dirty="0" smtClean="0"/>
+              <a:t>$ </a:t>
+            </a:r>
+            <a:r>
+              <a:rPr lang="en-US" dirty="0" err="1" smtClean="0"/>
+              <a:t>rmdir</a:t>
+            </a:r>
+            <a:r>
+              <a:rPr lang="en-US" dirty="0" smtClean="0"/>
+              <a:t> test</a:t>
+            </a:r>
+          </a:p>
+          <a:p>
+            <a:endParaRPr lang="en-US" dirty="0"/>
+          </a:p>
+          <a:p>
+            <a:r>
+              <a:rPr lang="en-US" dirty="0" smtClean="0"/>
+              <a:t>The </a:t>
+            </a:r>
+            <a:r>
+              <a:rPr lang="en-US" dirty="0" err="1" smtClean="0"/>
+              <a:t>rmdir</a:t>
+            </a:r>
+            <a:r>
+              <a:rPr lang="en-US" dirty="0" smtClean="0"/>
+              <a:t> command will fail if the directory isn’t empty. </a:t>
+            </a:r>
+          </a:p>
+          <a:p>
+            <a:pPr lvl="1"/>
+            <a:r>
+              <a:rPr lang="en-US" dirty="0" smtClean="0"/>
+              <a:t>Another option: $ </a:t>
+            </a:r>
+            <a:r>
+              <a:rPr lang="en-US" dirty="0" err="1" smtClean="0"/>
+              <a:t>rm</a:t>
+            </a:r>
+            <a:r>
+              <a:rPr lang="en-US" dirty="0" smtClean="0"/>
+              <a:t> –</a:t>
+            </a:r>
+            <a:r>
+              <a:rPr lang="en-US" dirty="0" err="1" smtClean="0"/>
+              <a:t>fr</a:t>
+            </a:r>
+            <a:r>
+              <a:rPr lang="en-US" dirty="0" smtClean="0"/>
+              <a:t> test    (careful!)</a:t>
+            </a:r>
+            <a:endParaRPr lang="en-US" dirty="0"/>
+          </a:p>
+        </p:txBody>
+      </p:sp>
+    </p:spTree>
+    <p:extLst>
+      <p:ext uri="{BB962C8B-B14F-4D97-AF65-F5344CB8AC3E}">
+        <p14:creationId xmlns:p14="http://schemas.microsoft.com/office/powerpoint/2010/main" val="662116451"/>
+      </p:ext>
+    </p:extLst>
+  </p:cSld>
+  <p:clrMapOvr>
+    <a:masterClrMapping/>
+  </p:clrMapOvr>
+</p:sld>
+</file>
+
+<file path=ppt/slides/slide37.xml><?xml version="1.0" encoding="utf-8"?>
+<p:sld xmlns:a="http://schemas.openxmlformats.org/drawingml/2006/main" xmlns:r="http://schemas.openxmlformats.org/officeDocument/2006/relationships" xmlns:p="http://schemas.openxmlformats.org/presentationml/2006/main">
+  <p:cSld>
+    <p:spTree>
+      <p:nvGrpSpPr>
+        <p:cNvPr id="1" name=""/>
+        <p:cNvGrpSpPr/>
+        <p:nvPr/>
+      </p:nvGrpSpPr>
+      <p:grpSpPr>
+        <a:xfrm>
+          <a:off x="0" y="0"/>
+          <a:ext cx="0" cy="0"/>
+          <a:chOff x="0" y="0"/>
+          <a:chExt cx="0" cy="0"/>
+        </a:xfrm>
+      </p:grpSpPr>
+      <p:sp>
+        <p:nvSpPr>
+          <p:cNvPr id="2" name="Title 1"/>
+          <p:cNvSpPr>
+            <a:spLocks noGrp="1"/>
+          </p:cNvSpPr>
+          <p:nvPr>
+            <p:ph type="title"/>
+          </p:nvPr>
+        </p:nvSpPr>
+        <p:spPr/>
+        <p:txBody>
+          <a:bodyPr/>
+          <a:lstStyle/>
+          <a:p>
+            <a:r>
+              <a:rPr lang="en-US" dirty="0" smtClean="0"/>
+              <a:t>Creating Files</a:t>
+            </a:r>
+            <a:endParaRPr lang="en-US" dirty="0"/>
+          </a:p>
+        </p:txBody>
+      </p:sp>
+      <p:sp>
+        <p:nvSpPr>
+          <p:cNvPr id="3" name="Content Placeholder 2"/>
+          <p:cNvSpPr>
+            <a:spLocks noGrp="1"/>
+          </p:cNvSpPr>
+          <p:nvPr>
+            <p:ph idx="1"/>
+          </p:nvPr>
+        </p:nvSpPr>
+        <p:spPr/>
+        <p:txBody>
+          <a:bodyPr>
+            <a:normAutofit/>
+          </a:bodyPr>
+          <a:lstStyle/>
+          <a:p>
+            <a:r>
+              <a:rPr lang="en-US" dirty="0" smtClean="0"/>
+              <a:t>Easy way to create an empty file is to use the </a:t>
+            </a:r>
+            <a:r>
+              <a:rPr lang="en-US" b="1" dirty="0" smtClean="0"/>
+              <a:t>touch </a:t>
+            </a:r>
+            <a:r>
+              <a:rPr lang="en-US" dirty="0" smtClean="0"/>
+              <a:t>command.</a:t>
+            </a:r>
+          </a:p>
+          <a:p>
+            <a:pPr lvl="1"/>
+            <a:r>
+              <a:rPr lang="en-US" dirty="0" smtClean="0"/>
+              <a:t>$ touch </a:t>
+            </a:r>
+            <a:r>
+              <a:rPr lang="en-US" dirty="0" err="1" smtClean="0"/>
+              <a:t>myfile.txt</a:t>
+            </a:r>
+            <a:endParaRPr lang="en-US" dirty="0" smtClean="0"/>
+          </a:p>
+          <a:p>
+            <a:endParaRPr lang="en-US" dirty="0"/>
+          </a:p>
+          <a:p>
+            <a:r>
+              <a:rPr lang="en-US" dirty="0" smtClean="0"/>
+              <a:t>You can also use one of the basic text editors to create a file.</a:t>
+            </a:r>
+          </a:p>
+          <a:p>
+            <a:pPr lvl="1"/>
+            <a:r>
+              <a:rPr lang="en-US" dirty="0" smtClean="0"/>
+              <a:t>$ </a:t>
+            </a:r>
+            <a:r>
+              <a:rPr lang="en-US" dirty="0" err="1" smtClean="0"/>
+              <a:t>nano</a:t>
+            </a:r>
+            <a:r>
+              <a:rPr lang="en-US" dirty="0" smtClean="0"/>
+              <a:t> </a:t>
+            </a:r>
+            <a:r>
+              <a:rPr lang="en-US" dirty="0" err="1" smtClean="0"/>
+              <a:t>myfile.txt</a:t>
+            </a:r>
+            <a:r>
+              <a:rPr lang="en-US" dirty="0" smtClean="0"/>
+              <a:t>    (recommended for beginners)</a:t>
+            </a:r>
+          </a:p>
+          <a:p>
+            <a:pPr lvl="1"/>
+            <a:r>
+              <a:rPr lang="en-US" dirty="0" smtClean="0"/>
+              <a:t>$ vi </a:t>
+            </a:r>
+            <a:r>
+              <a:rPr lang="en-US" dirty="0" err="1" smtClean="0"/>
+              <a:t>myfile.txt</a:t>
+            </a:r>
+            <a:endParaRPr lang="en-US" dirty="0" smtClean="0"/>
+          </a:p>
+          <a:p>
+            <a:endParaRPr lang="en-US" dirty="0"/>
+          </a:p>
+        </p:txBody>
+      </p:sp>
+    </p:spTree>
+    <p:extLst>
+      <p:ext uri="{BB962C8B-B14F-4D97-AF65-F5344CB8AC3E}">
+        <p14:creationId xmlns:p14="http://schemas.microsoft.com/office/powerpoint/2010/main" val="225573023"/>
+      </p:ext>
+    </p:extLst>
+  </p:cSld>
+  <p:clrMapOvr>
+    <a:masterClrMapping/>
+  </p:clrMapOvr>
+</p:sld>
+</file>
+
+<file path=ppt/slides/slide38.xml><?xml version="1.0" encoding="utf-8"?>
+<p:sld xmlns:a="http://schemas.openxmlformats.org/drawingml/2006/main" xmlns:r="http://schemas.openxmlformats.org/officeDocument/2006/relationships" xmlns:p="http://schemas.openxmlformats.org/presentationml/2006/main">
+  <p:cSld>
+    <p:spTree>
+      <p:nvGrpSpPr>
+        <p:cNvPr id="1" name=""/>
+        <p:cNvGrpSpPr/>
+        <p:nvPr/>
+      </p:nvGrpSpPr>
+      <p:grpSpPr>
+        <a:xfrm>
+          <a:off x="0" y="0"/>
+          <a:ext cx="0" cy="0"/>
+          <a:chOff x="0" y="0"/>
+          <a:chExt cx="0" cy="0"/>
+        </a:xfrm>
+      </p:grpSpPr>
+      <p:sp>
+        <p:nvSpPr>
+          <p:cNvPr id="2" name="Title 1"/>
+          <p:cNvSpPr>
+            <a:spLocks noGrp="1"/>
+          </p:cNvSpPr>
+          <p:nvPr>
+            <p:ph type="title"/>
+          </p:nvPr>
+        </p:nvSpPr>
+        <p:spPr/>
+        <p:txBody>
+          <a:bodyPr/>
+          <a:lstStyle/>
+          <a:p>
+            <a:r>
+              <a:rPr lang="en-US" dirty="0" smtClean="0"/>
+              <a:t>Listing files</a:t>
+            </a:r>
+            <a:endParaRPr lang="en-US" dirty="0"/>
+          </a:p>
+        </p:txBody>
+      </p:sp>
+      <p:sp>
+        <p:nvSpPr>
+          <p:cNvPr id="3" name="Content Placeholder 2"/>
+          <p:cNvSpPr>
+            <a:spLocks noGrp="1"/>
+          </p:cNvSpPr>
+          <p:nvPr>
+            <p:ph idx="1"/>
+          </p:nvPr>
+        </p:nvSpPr>
+        <p:spPr/>
+        <p:txBody>
+          <a:bodyPr>
+            <a:normAutofit fontScale="92500" lnSpcReduction="10000"/>
+          </a:bodyPr>
+          <a:lstStyle/>
+          <a:p>
+            <a:r>
+              <a:rPr lang="en-US" dirty="0" smtClean="0"/>
+              <a:t>The ls command allows you to list the files in a directory.</a:t>
+            </a:r>
+          </a:p>
+          <a:p>
+            <a:pPr lvl="1"/>
+            <a:r>
+              <a:rPr lang="en-US" dirty="0" smtClean="0"/>
+              <a:t>$ ls</a:t>
+            </a:r>
+          </a:p>
+          <a:p>
+            <a:pPr lvl="1"/>
+            <a:r>
+              <a:rPr lang="en-US" dirty="0" smtClean="0"/>
+              <a:t>$ ls /home/</a:t>
+            </a:r>
+            <a:r>
+              <a:rPr lang="en-US" dirty="0" err="1" smtClean="0"/>
+              <a:t>steve</a:t>
+            </a:r>
+            <a:endParaRPr lang="en-US" dirty="0" smtClean="0"/>
+          </a:p>
+          <a:p>
+            <a:pPr lvl="1"/>
+            <a:r>
+              <a:rPr lang="en-US" dirty="0" smtClean="0"/>
+              <a:t>$ ls ~</a:t>
+            </a:r>
+          </a:p>
+          <a:p>
+            <a:endParaRPr lang="en-US" dirty="0"/>
+          </a:p>
+          <a:p>
+            <a:r>
+              <a:rPr lang="en-US" dirty="0" smtClean="0"/>
+              <a:t>Add the –la option to the command to see more file details.</a:t>
+            </a:r>
+          </a:p>
+          <a:p>
+            <a:pPr lvl="1"/>
+            <a:r>
+              <a:rPr lang="en-US" dirty="0" smtClean="0"/>
+              <a:t>$ ls –la</a:t>
+            </a:r>
+          </a:p>
+          <a:p>
+            <a:pPr lvl="1"/>
+            <a:r>
+              <a:rPr lang="en-US" dirty="0" smtClean="0"/>
+              <a:t>$ ls –la /home/</a:t>
+            </a:r>
+            <a:r>
+              <a:rPr lang="en-US" dirty="0" err="1" smtClean="0"/>
+              <a:t>steve</a:t>
+            </a:r>
+            <a:endParaRPr lang="en-US" dirty="0"/>
+          </a:p>
+        </p:txBody>
+      </p:sp>
+    </p:spTree>
+    <p:extLst>
+      <p:ext uri="{BB962C8B-B14F-4D97-AF65-F5344CB8AC3E}">
+        <p14:creationId xmlns:p14="http://schemas.microsoft.com/office/powerpoint/2010/main" val="135082883"/>
+      </p:ext>
+    </p:extLst>
+  </p:cSld>
+  <p:clrMapOvr>
+    <a:masterClrMapping/>
+  </p:clrMapOvr>
+</p:sld>
+</file>
+
+<file path=ppt/slides/slide39.xml><?xml version="1.0" encoding="utf-8"?>
+<p:sld xmlns:a="http://schemas.openxmlformats.org/drawingml/2006/main" xmlns:r="http://schemas.openxmlformats.org/officeDocument/2006/relationships" xmlns:p="http://schemas.openxmlformats.org/presentationml/2006/main">
+  <p:cSld>
+    <p:spTree>
+      <p:nvGrpSpPr>
+        <p:cNvPr id="1" name=""/>
+        <p:cNvGrpSpPr/>
+        <p:nvPr/>
+      </p:nvGrpSpPr>
+      <p:grpSpPr>
+        <a:xfrm>
+          <a:off x="0" y="0"/>
+          <a:ext cx="0" cy="0"/>
+          <a:chOff x="0" y="0"/>
+          <a:chExt cx="0" cy="0"/>
+        </a:xfrm>
+      </p:grpSpPr>
+      <p:sp>
+        <p:nvSpPr>
+          <p:cNvPr id="2" name="Title 1"/>
+          <p:cNvSpPr>
+            <a:spLocks noGrp="1"/>
+          </p:cNvSpPr>
+          <p:nvPr>
+            <p:ph type="title"/>
+          </p:nvPr>
+        </p:nvSpPr>
+        <p:spPr/>
+        <p:txBody>
+          <a:bodyPr/>
+          <a:lstStyle/>
+          <a:p>
+            <a:r>
+              <a:rPr lang="en-US" dirty="0" smtClean="0"/>
+              <a:t>Managing Files</a:t>
+            </a:r>
+            <a:endParaRPr lang="en-US" dirty="0"/>
+          </a:p>
+        </p:txBody>
+      </p:sp>
+      <p:sp>
+        <p:nvSpPr>
+          <p:cNvPr id="3" name="Content Placeholder 2"/>
+          <p:cNvSpPr>
+            <a:spLocks noGrp="1"/>
+          </p:cNvSpPr>
+          <p:nvPr>
+            <p:ph idx="1"/>
+          </p:nvPr>
+        </p:nvSpPr>
+        <p:spPr/>
+        <p:txBody>
+          <a:bodyPr>
+            <a:normAutofit fontScale="92500" lnSpcReduction="10000"/>
+          </a:bodyPr>
+          <a:lstStyle/>
+          <a:p>
+            <a:r>
+              <a:rPr lang="en-US" dirty="0"/>
+              <a:t>Copy the file to another file location using the </a:t>
+            </a:r>
+            <a:r>
+              <a:rPr lang="en-US" b="1" dirty="0"/>
+              <a:t>copy</a:t>
+            </a:r>
+            <a:r>
+              <a:rPr lang="en-US" dirty="0"/>
+              <a:t> command.</a:t>
+            </a:r>
+          </a:p>
+          <a:p>
+            <a:pPr lvl="1"/>
+            <a:r>
+              <a:rPr lang="en-US" dirty="0"/>
+              <a:t>$ copy </a:t>
+            </a:r>
+            <a:r>
+              <a:rPr lang="en-US" dirty="0" err="1"/>
+              <a:t>myfile.txt</a:t>
+            </a:r>
+            <a:r>
+              <a:rPr lang="en-US" dirty="0"/>
+              <a:t> </a:t>
+            </a:r>
+            <a:r>
+              <a:rPr lang="en-US" dirty="0" err="1"/>
+              <a:t>myfile.bak</a:t>
+            </a:r>
+            <a:endParaRPr lang="en-US" dirty="0"/>
+          </a:p>
+          <a:p>
+            <a:endParaRPr lang="en-US" dirty="0"/>
+          </a:p>
+          <a:p>
+            <a:r>
+              <a:rPr lang="en-US" dirty="0"/>
+              <a:t>Move the file (rename) using the </a:t>
+            </a:r>
+            <a:r>
+              <a:rPr lang="en-US" b="1" dirty="0"/>
+              <a:t>mv</a:t>
+            </a:r>
+            <a:r>
+              <a:rPr lang="en-US" dirty="0"/>
+              <a:t> command.</a:t>
+            </a:r>
+          </a:p>
+          <a:p>
+            <a:pPr lvl="1"/>
+            <a:r>
+              <a:rPr lang="en-US" dirty="0"/>
+              <a:t>$ mv </a:t>
+            </a:r>
+            <a:r>
+              <a:rPr lang="en-US" dirty="0" err="1"/>
+              <a:t>myfile.txt</a:t>
+            </a:r>
+            <a:r>
+              <a:rPr lang="en-US" dirty="0"/>
+              <a:t> myfile2.txt</a:t>
+            </a:r>
+          </a:p>
+          <a:p>
+            <a:endParaRPr lang="en-US" dirty="0"/>
+          </a:p>
+          <a:p>
+            <a:r>
+              <a:rPr lang="en-US" dirty="0" smtClean="0"/>
+              <a:t>Delete a file using the </a:t>
+            </a:r>
+            <a:r>
+              <a:rPr lang="en-US" b="1" dirty="0" err="1" smtClean="0"/>
+              <a:t>rm</a:t>
+            </a:r>
+            <a:r>
+              <a:rPr lang="en-US" dirty="0" smtClean="0"/>
+              <a:t> command.</a:t>
+            </a:r>
+          </a:p>
+          <a:p>
+            <a:pPr lvl="1"/>
+            <a:r>
+              <a:rPr lang="en-US" dirty="0" smtClean="0"/>
+              <a:t>$ </a:t>
+            </a:r>
+            <a:r>
+              <a:rPr lang="en-US" dirty="0" err="1" smtClean="0"/>
+              <a:t>rm</a:t>
+            </a:r>
+            <a:r>
+              <a:rPr lang="en-US" dirty="0" smtClean="0"/>
+              <a:t> myfile2.txt</a:t>
+            </a:r>
+            <a:endParaRPr lang="en-US" dirty="0"/>
+          </a:p>
+          <a:p>
+            <a:endParaRPr lang="en-US" dirty="0"/>
+          </a:p>
+        </p:txBody>
+      </p:sp>
+    </p:spTree>
+    <p:extLst>
+      <p:ext uri="{BB962C8B-B14F-4D97-AF65-F5344CB8AC3E}">
+        <p14:creationId xmlns:p14="http://schemas.microsoft.com/office/powerpoint/2010/main" val="718802527"/>
+      </p:ext>
+    </p:extLst>
+  </p:cSld>
+  <p:clrMapOvr>
+    <a:masterClrMapping/>
+  </p:clrMapOvr>
+</p:sld>
+</file>
+
+<file path=ppt/slides/slide4.xml><?xml version="1.0" encoding="utf-8"?>
+<p:sld xmlns:a="http://schemas.openxmlformats.org/drawingml/2006/main" xmlns:r="http://schemas.openxmlformats.org/officeDocument/2006/relationships" xmlns:p="http://schemas.openxmlformats.org/presentationml/2006/main">
+  <p:cSld>
+    <p:spTree>
+      <p:nvGrpSpPr>
+        <p:cNvPr id="1" name=""/>
+        <p:cNvGrpSpPr/>
+        <p:nvPr/>
+      </p:nvGrpSpPr>
+      <p:grpSpPr>
+        <a:xfrm>
+          <a:off x="0" y="0"/>
+          <a:ext cx="0" cy="0"/>
+          <a:chOff x="0" y="0"/>
+          <a:chExt cx="0" cy="0"/>
+        </a:xfrm>
+      </p:grpSpPr>
+      <p:sp>
+        <p:nvSpPr>
+          <p:cNvPr id="2" name="Title 1"/>
+          <p:cNvSpPr>
+            <a:spLocks noGrp="1"/>
+          </p:cNvSpPr>
+          <p:nvPr>
+            <p:ph type="title"/>
+          </p:nvPr>
+        </p:nvSpPr>
+        <p:spPr/>
+        <p:txBody>
+          <a:bodyPr/>
+          <a:lstStyle/>
+          <a:p>
+            <a:r>
+              <a:rPr lang="en-US" dirty="0" smtClean="0"/>
+              <a:t>Automation</a:t>
+            </a:r>
+            <a:endParaRPr lang="en-US" dirty="0"/>
+          </a:p>
+        </p:txBody>
+      </p:sp>
+      <p:sp>
+        <p:nvSpPr>
+          <p:cNvPr id="3" name="Content Placeholder 2"/>
+          <p:cNvSpPr>
+            <a:spLocks noGrp="1"/>
+          </p:cNvSpPr>
+          <p:nvPr>
+            <p:ph idx="1"/>
+          </p:nvPr>
+        </p:nvSpPr>
+        <p:spPr/>
+        <p:txBody>
+          <a:bodyPr>
+            <a:normAutofit fontScale="92500" lnSpcReduction="20000"/>
+          </a:bodyPr>
+          <a:lstStyle/>
+          <a:p>
+            <a:r>
+              <a:rPr lang="en-US" dirty="0" smtClean="0"/>
+              <a:t>Automation approaches:</a:t>
+            </a:r>
+          </a:p>
+          <a:p>
+            <a:pPr lvl="1"/>
+            <a:r>
+              <a:rPr lang="en-US" dirty="0" smtClean="0"/>
+              <a:t>Left-Over Principle: automate everything possible</a:t>
+            </a:r>
+          </a:p>
+          <a:p>
+            <a:pPr lvl="2"/>
+            <a:r>
+              <a:rPr lang="en-US" dirty="0" smtClean="0"/>
+              <a:t>Easy/rare = manual </a:t>
+            </a:r>
+          </a:p>
+          <a:p>
+            <a:pPr lvl="2"/>
+            <a:r>
+              <a:rPr lang="en-US" dirty="0" smtClean="0"/>
+              <a:t>Easy/frequent = automate</a:t>
+            </a:r>
+          </a:p>
+          <a:p>
+            <a:pPr lvl="2"/>
+            <a:r>
+              <a:rPr lang="en-US" dirty="0" smtClean="0"/>
+              <a:t>Difficult/rare = manual (document)</a:t>
+            </a:r>
+          </a:p>
+          <a:p>
+            <a:pPr lvl="2"/>
+            <a:r>
+              <a:rPr lang="en-US" dirty="0" smtClean="0"/>
+              <a:t>Difficult/frequent = automate (but maybe acquire)</a:t>
+            </a:r>
+          </a:p>
+          <a:p>
+            <a:pPr lvl="2"/>
+            <a:endParaRPr lang="en-US" dirty="0" smtClean="0"/>
+          </a:p>
+          <a:p>
+            <a:pPr lvl="1"/>
+            <a:r>
+              <a:rPr lang="en-US" dirty="0" smtClean="0"/>
+              <a:t>Compensatory Principle</a:t>
+            </a:r>
+          </a:p>
+          <a:p>
+            <a:pPr lvl="2"/>
+            <a:r>
+              <a:rPr lang="en-US" dirty="0" smtClean="0"/>
+              <a:t>People aren’t infinitely versatile machines</a:t>
+            </a:r>
+          </a:p>
+          <a:p>
+            <a:pPr lvl="2"/>
+            <a:r>
+              <a:rPr lang="en-US" dirty="0" smtClean="0"/>
+              <a:t>Machines do some things better than people and vice-versa</a:t>
+            </a:r>
+          </a:p>
+          <a:p>
+            <a:pPr lvl="2"/>
+            <a:r>
+              <a:rPr lang="en-US" dirty="0" smtClean="0"/>
+              <a:t>Example: machines better at polling remote hosts every 5 minutes for performance metrics</a:t>
+            </a:r>
+          </a:p>
+          <a:p>
+            <a:pPr lvl="1"/>
+            <a:endParaRPr lang="en-US" dirty="0"/>
+          </a:p>
+        </p:txBody>
+      </p:sp>
+      <p:pic>
+        <p:nvPicPr>
+          <p:cNvPr id="4" name="Picture 3"/>
+          <p:cNvPicPr>
+            <a:picLocks noChangeAspect="1"/>
+          </p:cNvPicPr>
+          <p:nvPr/>
+        </p:nvPicPr>
+        <p:blipFill>
+          <a:blip r:embed="rId2"/>
+          <a:stretch>
+            <a:fillRect/>
+          </a:stretch>
+        </p:blipFill>
+        <p:spPr>
+          <a:xfrm>
+            <a:off x="6518890" y="439195"/>
+            <a:ext cx="1781399" cy="1451801"/>
+          </a:xfrm>
+          <a:prstGeom prst="rect">
+            <a:avLst/>
+          </a:prstGeom>
+        </p:spPr>
+      </p:pic>
+    </p:spTree>
+    <p:extLst>
+      <p:ext uri="{BB962C8B-B14F-4D97-AF65-F5344CB8AC3E}">
+        <p14:creationId xmlns:p14="http://schemas.microsoft.com/office/powerpoint/2010/main" val="2262114456"/>
+      </p:ext>
+    </p:extLst>
+  </p:cSld>
+  <p:clrMapOvr>
+    <a:masterClrMapping/>
+  </p:clrMapOvr>
+</p:sld>
+</file>
+
+<file path=ppt/slides/slide40.xml><?xml version="1.0" encoding="utf-8"?>
+<p:sld xmlns:a="http://schemas.openxmlformats.org/drawingml/2006/main" xmlns:r="http://schemas.openxmlformats.org/officeDocument/2006/relationships" xmlns:p="http://schemas.openxmlformats.org/presentationml/2006/main">
+  <p:cSld>
+    <p:spTree>
+      <p:nvGrpSpPr>
+        <p:cNvPr id="1" name=""/>
+        <p:cNvGrpSpPr/>
+        <p:nvPr/>
+      </p:nvGrpSpPr>
+      <p:grpSpPr>
+        <a:xfrm>
+          <a:off x="0" y="0"/>
+          <a:ext cx="0" cy="0"/>
+          <a:chOff x="0" y="0"/>
+          <a:chExt cx="0" cy="0"/>
+        </a:xfrm>
+      </p:grpSpPr>
+      <p:sp>
+        <p:nvSpPr>
+          <p:cNvPr id="2" name="Title 1"/>
+          <p:cNvSpPr>
+            <a:spLocks noGrp="1"/>
+          </p:cNvSpPr>
+          <p:nvPr>
+            <p:ph type="title"/>
+          </p:nvPr>
+        </p:nvSpPr>
+        <p:spPr/>
+        <p:txBody>
+          <a:bodyPr/>
+          <a:lstStyle/>
+          <a:p>
+            <a:r>
+              <a:rPr lang="en-US" dirty="0" smtClean="0"/>
+              <a:t>File Permissions</a:t>
+            </a:r>
+            <a:endParaRPr lang="en-US" dirty="0"/>
+          </a:p>
+        </p:txBody>
+      </p:sp>
+      <p:sp>
+        <p:nvSpPr>
+          <p:cNvPr id="3" name="Content Placeholder 2"/>
+          <p:cNvSpPr>
+            <a:spLocks noGrp="1"/>
+          </p:cNvSpPr>
+          <p:nvPr>
+            <p:ph idx="1"/>
+          </p:nvPr>
+        </p:nvSpPr>
+        <p:spPr>
+          <a:xfrm>
+            <a:off x="457200" y="1600200"/>
+            <a:ext cx="8229600" cy="5072063"/>
+          </a:xfrm>
+        </p:spPr>
+        <p:txBody>
+          <a:bodyPr>
+            <a:normAutofit fontScale="62500" lnSpcReduction="20000"/>
+          </a:bodyPr>
+          <a:lstStyle/>
+          <a:p>
+            <a:r>
+              <a:rPr lang="en-US" dirty="0" smtClean="0"/>
+              <a:t>Change the owner of a file using the </a:t>
+            </a:r>
+            <a:r>
+              <a:rPr lang="en-US" b="1" dirty="0" err="1" smtClean="0"/>
+              <a:t>chown</a:t>
+            </a:r>
+            <a:r>
+              <a:rPr lang="en-US" dirty="0" smtClean="0"/>
+              <a:t> command.</a:t>
+            </a:r>
+          </a:p>
+          <a:p>
+            <a:pPr lvl="1"/>
+            <a:r>
+              <a:rPr lang="en-US" dirty="0" smtClean="0"/>
+              <a:t>$ </a:t>
+            </a:r>
+            <a:r>
+              <a:rPr lang="en-US" dirty="0" err="1" smtClean="0"/>
+              <a:t>chown</a:t>
+            </a:r>
+            <a:r>
+              <a:rPr lang="en-US" dirty="0" smtClean="0"/>
+              <a:t> </a:t>
+            </a:r>
+            <a:r>
+              <a:rPr lang="en-US" dirty="0" err="1" smtClean="0"/>
+              <a:t>jbaker</a:t>
+            </a:r>
+            <a:r>
+              <a:rPr lang="en-US" dirty="0" smtClean="0"/>
+              <a:t> file1</a:t>
+            </a:r>
+          </a:p>
+          <a:p>
+            <a:endParaRPr lang="en-US" dirty="0"/>
+          </a:p>
+          <a:p>
+            <a:r>
+              <a:rPr lang="en-US" dirty="0" smtClean="0"/>
+              <a:t>Change the group associated with a file using the </a:t>
+            </a:r>
+            <a:r>
+              <a:rPr lang="en-US" b="1" dirty="0" err="1" smtClean="0"/>
+              <a:t>chgrp</a:t>
+            </a:r>
+            <a:r>
+              <a:rPr lang="en-US" dirty="0" smtClean="0"/>
+              <a:t> command.</a:t>
+            </a:r>
+          </a:p>
+          <a:p>
+            <a:pPr lvl="1"/>
+            <a:r>
+              <a:rPr lang="en-US" dirty="0" smtClean="0"/>
+              <a:t>$ </a:t>
+            </a:r>
+            <a:r>
+              <a:rPr lang="en-US" dirty="0" err="1" smtClean="0"/>
+              <a:t>chgrp</a:t>
+            </a:r>
+            <a:r>
+              <a:rPr lang="en-US" dirty="0" smtClean="0"/>
+              <a:t> </a:t>
+            </a:r>
+            <a:r>
+              <a:rPr lang="en-US" dirty="0" err="1" smtClean="0"/>
+              <a:t>webusers</a:t>
+            </a:r>
+            <a:r>
+              <a:rPr lang="en-US" dirty="0" smtClean="0"/>
+              <a:t> file1</a:t>
+            </a:r>
+          </a:p>
+          <a:p>
+            <a:endParaRPr lang="en-US" dirty="0"/>
+          </a:p>
+          <a:p>
+            <a:r>
+              <a:rPr lang="en-US" dirty="0" smtClean="0"/>
+              <a:t>Change the file permissions using the </a:t>
+            </a:r>
+            <a:r>
+              <a:rPr lang="en-US" b="1" dirty="0" err="1" smtClean="0"/>
+              <a:t>chmod</a:t>
+            </a:r>
+            <a:r>
+              <a:rPr lang="en-US" dirty="0" smtClean="0"/>
+              <a:t> command.</a:t>
+            </a:r>
+          </a:p>
+          <a:p>
+            <a:pPr lvl="1"/>
+            <a:r>
+              <a:rPr lang="en-US" dirty="0" smtClean="0"/>
+              <a:t>$ </a:t>
+            </a:r>
+            <a:r>
+              <a:rPr lang="en-US" dirty="0" err="1" smtClean="0"/>
+              <a:t>chmod</a:t>
+            </a:r>
+            <a:r>
+              <a:rPr lang="en-US" dirty="0" smtClean="0"/>
+              <a:t> </a:t>
+            </a:r>
+            <a:r>
+              <a:rPr lang="en-US" dirty="0" err="1" smtClean="0"/>
+              <a:t>a+r</a:t>
+            </a:r>
+            <a:r>
+              <a:rPr lang="en-US" dirty="0" smtClean="0"/>
+              <a:t> file1</a:t>
+            </a:r>
+          </a:p>
+          <a:p>
+            <a:pPr lvl="2"/>
+            <a:r>
+              <a:rPr lang="en-US" dirty="0" smtClean="0"/>
+              <a:t>Set the permissions so that all users can read the file</a:t>
+            </a:r>
+          </a:p>
+          <a:p>
+            <a:pPr lvl="1"/>
+            <a:r>
+              <a:rPr lang="en-US" dirty="0" smtClean="0"/>
+              <a:t>$ </a:t>
+            </a:r>
+            <a:r>
+              <a:rPr lang="en-US" dirty="0" err="1" smtClean="0"/>
+              <a:t>chmod</a:t>
+            </a:r>
+            <a:r>
+              <a:rPr lang="en-US" dirty="0" smtClean="0"/>
+              <a:t> </a:t>
+            </a:r>
+            <a:r>
+              <a:rPr lang="en-US" dirty="0" err="1" smtClean="0"/>
+              <a:t>u+w</a:t>
+            </a:r>
+            <a:r>
+              <a:rPr lang="en-US" dirty="0" smtClean="0"/>
+              <a:t> file1</a:t>
+            </a:r>
+          </a:p>
+          <a:p>
+            <a:pPr lvl="2"/>
+            <a:r>
+              <a:rPr lang="en-US" dirty="0" smtClean="0"/>
+              <a:t>Set the permissions to that the owning user can write to the file</a:t>
+            </a:r>
+          </a:p>
+          <a:p>
+            <a:pPr lvl="2"/>
+            <a:endParaRPr lang="en-US" dirty="0" smtClean="0"/>
+          </a:p>
+          <a:p>
+            <a:r>
+              <a:rPr lang="en-US" dirty="0" smtClean="0"/>
+              <a:t>We can also use a numeric argument (octal) to set the file permissions:</a:t>
+            </a:r>
+          </a:p>
+          <a:p>
+            <a:pPr lvl="1"/>
+            <a:r>
+              <a:rPr lang="en-US" dirty="0" smtClean="0"/>
+              <a:t>$ </a:t>
+            </a:r>
+            <a:r>
+              <a:rPr lang="en-US" dirty="0" err="1" smtClean="0"/>
+              <a:t>chmod</a:t>
+            </a:r>
+            <a:r>
+              <a:rPr lang="en-US" dirty="0" smtClean="0"/>
+              <a:t> 600 file1</a:t>
+            </a:r>
+          </a:p>
+          <a:p>
+            <a:pPr lvl="2"/>
+            <a:r>
+              <a:rPr lang="en-US" dirty="0" smtClean="0"/>
+              <a:t>Set read and write permissions for the file owner</a:t>
+            </a:r>
+          </a:p>
+          <a:p>
+            <a:pPr lvl="1"/>
+            <a:r>
+              <a:rPr lang="en-US" dirty="0" smtClean="0"/>
+              <a:t>$ </a:t>
+            </a:r>
+            <a:r>
+              <a:rPr lang="en-US" dirty="0" err="1" smtClean="0"/>
+              <a:t>chmod</a:t>
+            </a:r>
+            <a:r>
+              <a:rPr lang="en-US" dirty="0" smtClean="0"/>
+              <a:t> 775 file1</a:t>
+            </a:r>
+          </a:p>
+          <a:p>
+            <a:pPr lvl="2"/>
+            <a:r>
+              <a:rPr lang="en-US" dirty="0" smtClean="0"/>
+              <a:t>Give everyone </a:t>
+            </a:r>
+            <a:r>
+              <a:rPr lang="en-US" dirty="0" err="1" smtClean="0"/>
+              <a:t>read+execute</a:t>
+            </a:r>
+            <a:r>
+              <a:rPr lang="en-US" dirty="0" smtClean="0"/>
+              <a:t>, owner and group get all access</a:t>
+            </a:r>
+            <a:endParaRPr lang="en-US" dirty="0"/>
+          </a:p>
+        </p:txBody>
+      </p:sp>
+    </p:spTree>
+    <p:extLst>
+      <p:ext uri="{BB962C8B-B14F-4D97-AF65-F5344CB8AC3E}">
+        <p14:creationId xmlns:p14="http://schemas.microsoft.com/office/powerpoint/2010/main" val="1587914316"/>
+      </p:ext>
+    </p:extLst>
+  </p:cSld>
+  <p:clrMapOvr>
+    <a:masterClrMapping/>
+  </p:clrMapOvr>
+</p:sld>
+</file>
+
+<file path=ppt/slides/slide41.xml><?xml version="1.0" encoding="utf-8"?>
+<p:sld xmlns:a="http://schemas.openxmlformats.org/drawingml/2006/main" xmlns:r="http://schemas.openxmlformats.org/officeDocument/2006/relationships" xmlns:p="http://schemas.openxmlformats.org/presentationml/2006/main">
+  <p:cSld>
+    <p:spTree>
+      <p:nvGrpSpPr>
+        <p:cNvPr id="1" name=""/>
+        <p:cNvGrpSpPr/>
+        <p:nvPr/>
+      </p:nvGrpSpPr>
+      <p:grpSpPr>
+        <a:xfrm>
+          <a:off x="0" y="0"/>
+          <a:ext cx="0" cy="0"/>
+          <a:chOff x="0" y="0"/>
+          <a:chExt cx="0" cy="0"/>
+        </a:xfrm>
+      </p:grpSpPr>
+      <p:sp>
+        <p:nvSpPr>
+          <p:cNvPr id="2" name="Title 1"/>
+          <p:cNvSpPr>
+            <a:spLocks noGrp="1"/>
+          </p:cNvSpPr>
+          <p:nvPr>
+            <p:ph type="title"/>
+          </p:nvPr>
+        </p:nvSpPr>
+        <p:spPr/>
+        <p:txBody>
+          <a:bodyPr/>
+          <a:lstStyle/>
+          <a:p>
+            <a:r>
+              <a:rPr lang="en-US" dirty="0" smtClean="0"/>
+              <a:t>Viewing Files</a:t>
+            </a:r>
+            <a:endParaRPr lang="en-US" dirty="0"/>
+          </a:p>
+        </p:txBody>
+      </p:sp>
+      <p:sp>
+        <p:nvSpPr>
+          <p:cNvPr id="3" name="Content Placeholder 2"/>
+          <p:cNvSpPr>
+            <a:spLocks noGrp="1"/>
+          </p:cNvSpPr>
+          <p:nvPr>
+            <p:ph idx="1"/>
+          </p:nvPr>
+        </p:nvSpPr>
+        <p:spPr/>
+        <p:txBody>
+          <a:bodyPr/>
+          <a:lstStyle/>
+          <a:p>
+            <a:r>
+              <a:rPr lang="en-US" dirty="0" smtClean="0"/>
+              <a:t>Linux provides a couple different tools to view text files.</a:t>
+            </a:r>
+          </a:p>
+          <a:p>
+            <a:pPr lvl="1"/>
+            <a:r>
+              <a:rPr lang="en-US" dirty="0" smtClean="0"/>
+              <a:t>$ cat </a:t>
+            </a:r>
+            <a:r>
+              <a:rPr lang="en-US" dirty="0" err="1" smtClean="0"/>
+              <a:t>myfile.txt</a:t>
+            </a:r>
+            <a:endParaRPr lang="en-US" dirty="0" smtClean="0"/>
+          </a:p>
+          <a:p>
+            <a:pPr lvl="1"/>
+            <a:r>
+              <a:rPr lang="en-US" dirty="0" smtClean="0"/>
+              <a:t>$ less </a:t>
+            </a:r>
+            <a:r>
+              <a:rPr lang="en-US" dirty="0" err="1" smtClean="0"/>
+              <a:t>myfile.txt</a:t>
+            </a:r>
+            <a:r>
+              <a:rPr lang="en-US" dirty="0" smtClean="0"/>
+              <a:t>   (similar to cat but with pagination)</a:t>
+            </a:r>
+          </a:p>
+          <a:p>
+            <a:pPr lvl="1"/>
+            <a:endParaRPr lang="en-US" dirty="0"/>
+          </a:p>
+          <a:p>
+            <a:r>
+              <a:rPr lang="en-US" dirty="0" smtClean="0"/>
+              <a:t>You can always open the file in a text editor.</a:t>
+            </a:r>
+            <a:endParaRPr lang="en-US" dirty="0"/>
+          </a:p>
+        </p:txBody>
+      </p:sp>
+    </p:spTree>
+    <p:extLst>
+      <p:ext uri="{BB962C8B-B14F-4D97-AF65-F5344CB8AC3E}">
+        <p14:creationId xmlns:p14="http://schemas.microsoft.com/office/powerpoint/2010/main" val="1971804389"/>
+      </p:ext>
+    </p:extLst>
+  </p:cSld>
+  <p:clrMapOvr>
+    <a:masterClrMapping/>
+  </p:clrMapOvr>
+</p:sld>
+</file>
+
+<file path=ppt/slides/slide42.xml><?xml version="1.0" encoding="utf-8"?>
+<p:sld xmlns:a="http://schemas.openxmlformats.org/drawingml/2006/main" xmlns:r="http://schemas.openxmlformats.org/officeDocument/2006/relationships" xmlns:p="http://schemas.openxmlformats.org/presentationml/2006/main">
+  <p:cSld>
+    <p:spTree>
+      <p:nvGrpSpPr>
+        <p:cNvPr id="1" name=""/>
+        <p:cNvGrpSpPr/>
+        <p:nvPr/>
+      </p:nvGrpSpPr>
+      <p:grpSpPr>
+        <a:xfrm>
+          <a:off x="0" y="0"/>
+          <a:ext cx="0" cy="0"/>
+          <a:chOff x="0" y="0"/>
+          <a:chExt cx="0" cy="0"/>
+        </a:xfrm>
+      </p:grpSpPr>
+      <p:sp>
+        <p:nvSpPr>
+          <p:cNvPr id="2" name="Title 1"/>
+          <p:cNvSpPr>
+            <a:spLocks noGrp="1"/>
+          </p:cNvSpPr>
+          <p:nvPr>
+            <p:ph type="title"/>
+          </p:nvPr>
+        </p:nvSpPr>
+        <p:spPr/>
+        <p:txBody>
+          <a:bodyPr/>
+          <a:lstStyle/>
+          <a:p>
+            <a:r>
+              <a:rPr lang="en-US" dirty="0" smtClean="0"/>
+              <a:t>File </a:t>
+            </a:r>
+            <a:r>
+              <a:rPr lang="en-US" dirty="0" err="1" smtClean="0"/>
+              <a:t>Globbing</a:t>
+            </a:r>
+            <a:endParaRPr lang="en-US" dirty="0"/>
+          </a:p>
+        </p:txBody>
+      </p:sp>
+      <p:sp>
+        <p:nvSpPr>
+          <p:cNvPr id="3" name="Content Placeholder 2"/>
+          <p:cNvSpPr>
+            <a:spLocks noGrp="1"/>
+          </p:cNvSpPr>
+          <p:nvPr>
+            <p:ph idx="1"/>
+          </p:nvPr>
+        </p:nvSpPr>
+        <p:spPr/>
+        <p:txBody>
+          <a:bodyPr>
+            <a:normAutofit fontScale="92500" lnSpcReduction="20000"/>
+          </a:bodyPr>
+          <a:lstStyle/>
+          <a:p>
+            <a:r>
+              <a:rPr lang="en-US" dirty="0" err="1" smtClean="0"/>
+              <a:t>Globbing</a:t>
+            </a:r>
+            <a:r>
+              <a:rPr lang="en-US" dirty="0" smtClean="0"/>
+              <a:t> is the use of pathname expansion to refer to one or more files.</a:t>
+            </a:r>
+          </a:p>
+          <a:p>
+            <a:endParaRPr lang="en-US" dirty="0" smtClean="0"/>
+          </a:p>
+          <a:p>
+            <a:r>
+              <a:rPr lang="en-US" dirty="0" smtClean="0"/>
+              <a:t>Uses special characters to expand pathname:</a:t>
+            </a:r>
+          </a:p>
+          <a:p>
+            <a:pPr lvl="1"/>
+            <a:r>
+              <a:rPr lang="en-US" dirty="0" smtClean="0"/>
+              <a:t>* matches all characters (wildcard)</a:t>
+            </a:r>
+          </a:p>
+          <a:p>
+            <a:pPr lvl="1"/>
+            <a:r>
+              <a:rPr lang="en-US" dirty="0" smtClean="0"/>
+              <a:t>? matches a single character</a:t>
+            </a:r>
+          </a:p>
+          <a:p>
+            <a:endParaRPr lang="en-US" dirty="0" smtClean="0"/>
+          </a:p>
+          <a:p>
+            <a:pPr lvl="1"/>
+            <a:r>
+              <a:rPr lang="en-US" dirty="0" smtClean="0"/>
+              <a:t>$ ls *.jpg     (list all jpeg files)</a:t>
+            </a:r>
+          </a:p>
+          <a:p>
+            <a:pPr lvl="1"/>
+            <a:r>
+              <a:rPr lang="en-US" dirty="0" smtClean="0"/>
+              <a:t>$ ls ?.jpg	  (list jpeg files with 1 character names)</a:t>
+            </a:r>
+          </a:p>
+          <a:p>
+            <a:pPr lvl="1"/>
+            <a:r>
+              <a:rPr lang="en-US" dirty="0" smtClean="0"/>
+              <a:t>$ </a:t>
+            </a:r>
+            <a:r>
+              <a:rPr lang="en-US" dirty="0" err="1" smtClean="0"/>
+              <a:t>rm</a:t>
+            </a:r>
+            <a:r>
+              <a:rPr lang="en-US" dirty="0" smtClean="0"/>
+              <a:t> [A-Z]*.jpg  (remove jpeg files that start with capital letter)</a:t>
+            </a:r>
+          </a:p>
+          <a:p>
+            <a:pPr lvl="1"/>
+            <a:endParaRPr lang="en-US" dirty="0"/>
+          </a:p>
+        </p:txBody>
+      </p:sp>
+    </p:spTree>
+    <p:extLst>
+      <p:ext uri="{BB962C8B-B14F-4D97-AF65-F5344CB8AC3E}">
+        <p14:creationId xmlns:p14="http://schemas.microsoft.com/office/powerpoint/2010/main" val="390483607"/>
+      </p:ext>
+    </p:extLst>
+  </p:cSld>
+  <p:clrMapOvr>
+    <a:masterClrMapping/>
+  </p:clrMapOvr>
+</p:sld>
+</file>
+
+<file path=ppt/slides/slide43.xml><?xml version="1.0" encoding="utf-8"?>
+<p:sld xmlns:a="http://schemas.openxmlformats.org/drawingml/2006/main" xmlns:r="http://schemas.openxmlformats.org/officeDocument/2006/relationships" xmlns:p="http://schemas.openxmlformats.org/presentationml/2006/main">
+  <p:cSld>
+    <p:spTree>
+      <p:nvGrpSpPr>
+        <p:cNvPr id="1" name=""/>
+        <p:cNvGrpSpPr/>
+        <p:nvPr/>
+      </p:nvGrpSpPr>
+      <p:grpSpPr>
+        <a:xfrm>
+          <a:off x="0" y="0"/>
+          <a:ext cx="0" cy="0"/>
+          <a:chOff x="0" y="0"/>
+          <a:chExt cx="0" cy="0"/>
+        </a:xfrm>
+      </p:grpSpPr>
+      <p:sp>
+        <p:nvSpPr>
+          <p:cNvPr id="2" name="Title 1"/>
+          <p:cNvSpPr>
+            <a:spLocks noGrp="1"/>
+          </p:cNvSpPr>
+          <p:nvPr>
+            <p:ph type="title"/>
+          </p:nvPr>
+        </p:nvSpPr>
+        <p:spPr/>
+        <p:txBody>
+          <a:bodyPr/>
+          <a:lstStyle/>
+          <a:p>
+            <a:r>
+              <a:rPr lang="en-US" dirty="0" smtClean="0"/>
+              <a:t>I/O Redirection</a:t>
+            </a:r>
+            <a:endParaRPr lang="en-US" dirty="0"/>
+          </a:p>
+        </p:txBody>
+      </p:sp>
+      <p:sp>
+        <p:nvSpPr>
+          <p:cNvPr id="3" name="Content Placeholder 2"/>
+          <p:cNvSpPr>
+            <a:spLocks noGrp="1"/>
+          </p:cNvSpPr>
+          <p:nvPr>
+            <p:ph idx="1"/>
+          </p:nvPr>
+        </p:nvSpPr>
+        <p:spPr/>
+        <p:txBody>
+          <a:bodyPr/>
+          <a:lstStyle/>
+          <a:p>
+            <a:r>
+              <a:rPr lang="en-US" dirty="0" smtClean="0"/>
+              <a:t>Linux programs accept input data from a keyboard and output to a terminal by default.</a:t>
+            </a:r>
+          </a:p>
+          <a:p>
+            <a:pPr lvl="1"/>
+            <a:r>
+              <a:rPr lang="en-US" dirty="0" smtClean="0"/>
+              <a:t>Data input path is called </a:t>
+            </a:r>
+            <a:r>
+              <a:rPr lang="en-US" b="1" dirty="0" err="1" smtClean="0"/>
+              <a:t>stdin</a:t>
+            </a:r>
+            <a:r>
+              <a:rPr lang="en-US" dirty="0" smtClean="0"/>
+              <a:t> (standard input).</a:t>
+            </a:r>
+          </a:p>
+          <a:p>
+            <a:pPr lvl="1"/>
+            <a:r>
+              <a:rPr lang="en-US" dirty="0" smtClean="0"/>
+              <a:t>Data output path is called </a:t>
+            </a:r>
+            <a:r>
+              <a:rPr lang="en-US" b="1" dirty="0" err="1" smtClean="0"/>
+              <a:t>stdout</a:t>
+            </a:r>
+            <a:r>
+              <a:rPr lang="en-US" dirty="0" smtClean="0"/>
+              <a:t> (standard output).</a:t>
+            </a:r>
+          </a:p>
+          <a:p>
+            <a:endParaRPr lang="en-US" dirty="0"/>
+          </a:p>
+        </p:txBody>
+      </p:sp>
+      <p:pic>
+        <p:nvPicPr>
+          <p:cNvPr id="4" name="Picture 3"/>
+          <p:cNvPicPr>
+            <a:picLocks noChangeAspect="1"/>
+          </p:cNvPicPr>
+          <p:nvPr/>
+        </p:nvPicPr>
+        <p:blipFill>
+          <a:blip r:embed="rId2"/>
+          <a:stretch>
+            <a:fillRect/>
+          </a:stretch>
+        </p:blipFill>
+        <p:spPr>
+          <a:xfrm>
+            <a:off x="2686049" y="3863181"/>
+            <a:ext cx="4486275" cy="2881095"/>
+          </a:xfrm>
+          <a:prstGeom prst="rect">
+            <a:avLst/>
+          </a:prstGeom>
+        </p:spPr>
+      </p:pic>
+    </p:spTree>
+    <p:extLst>
+      <p:ext uri="{BB962C8B-B14F-4D97-AF65-F5344CB8AC3E}">
+        <p14:creationId xmlns:p14="http://schemas.microsoft.com/office/powerpoint/2010/main" val="1230327232"/>
+      </p:ext>
+    </p:extLst>
+  </p:cSld>
+  <p:clrMapOvr>
+    <a:masterClrMapping/>
+  </p:clrMapOvr>
+</p:sld>
+</file>
+
+<file path=ppt/slides/slide44.xml><?xml version="1.0" encoding="utf-8"?>
+<p:sld xmlns:a="http://schemas.openxmlformats.org/drawingml/2006/main" xmlns:r="http://schemas.openxmlformats.org/officeDocument/2006/relationships" xmlns:p="http://schemas.openxmlformats.org/presentationml/2006/main">
+  <p:cSld>
+    <p:spTree>
+      <p:nvGrpSpPr>
+        <p:cNvPr id="1" name=""/>
+        <p:cNvGrpSpPr/>
+        <p:nvPr/>
+      </p:nvGrpSpPr>
+      <p:grpSpPr>
+        <a:xfrm>
+          <a:off x="0" y="0"/>
+          <a:ext cx="0" cy="0"/>
+          <a:chOff x="0" y="0"/>
+          <a:chExt cx="0" cy="0"/>
+        </a:xfrm>
+      </p:grpSpPr>
+      <p:sp>
+        <p:nvSpPr>
+          <p:cNvPr id="2" name="Title 1"/>
+          <p:cNvSpPr>
+            <a:spLocks noGrp="1"/>
+          </p:cNvSpPr>
+          <p:nvPr>
+            <p:ph type="title"/>
+          </p:nvPr>
+        </p:nvSpPr>
+        <p:spPr/>
+        <p:txBody>
+          <a:bodyPr/>
+          <a:lstStyle/>
+          <a:p>
+            <a:r>
+              <a:rPr lang="en-US" dirty="0" smtClean="0"/>
+              <a:t>I/O Redirection</a:t>
+            </a:r>
+            <a:endParaRPr lang="en-US" dirty="0"/>
+          </a:p>
+        </p:txBody>
+      </p:sp>
+      <p:sp>
+        <p:nvSpPr>
+          <p:cNvPr id="3" name="Content Placeholder 2"/>
+          <p:cNvSpPr>
+            <a:spLocks noGrp="1"/>
+          </p:cNvSpPr>
+          <p:nvPr>
+            <p:ph idx="1"/>
+          </p:nvPr>
+        </p:nvSpPr>
+        <p:spPr>
+          <a:xfrm>
+            <a:off x="457200" y="1600200"/>
+            <a:ext cx="8229600" cy="5000625"/>
+          </a:xfrm>
+        </p:spPr>
+        <p:txBody>
+          <a:bodyPr>
+            <a:normAutofit fontScale="70000" lnSpcReduction="20000"/>
+          </a:bodyPr>
+          <a:lstStyle/>
+          <a:p>
+            <a:r>
+              <a:rPr lang="en-US" dirty="0" smtClean="0"/>
+              <a:t>It’s possible to redirect the I/O pathways of </a:t>
+            </a:r>
+            <a:r>
+              <a:rPr lang="en-US" dirty="0" err="1" smtClean="0"/>
+              <a:t>linux</a:t>
+            </a:r>
+            <a:r>
+              <a:rPr lang="en-US" dirty="0" smtClean="0"/>
+              <a:t> programs.</a:t>
+            </a:r>
+          </a:p>
+          <a:p>
+            <a:endParaRPr lang="en-US" dirty="0"/>
+          </a:p>
+          <a:p>
+            <a:r>
+              <a:rPr lang="en-US" dirty="0" smtClean="0"/>
+              <a:t>Redirect the output of a program using the right angle-bracket character (&gt;).</a:t>
+            </a:r>
+          </a:p>
+          <a:p>
+            <a:pPr lvl="1"/>
+            <a:r>
+              <a:rPr lang="en-US" dirty="0" smtClean="0"/>
+              <a:t>$ ls /home/web &gt; </a:t>
+            </a:r>
+            <a:r>
+              <a:rPr lang="en-US" dirty="0" err="1" smtClean="0"/>
+              <a:t>files.txt</a:t>
+            </a:r>
+            <a:endParaRPr lang="en-US" dirty="0" smtClean="0"/>
+          </a:p>
+          <a:p>
+            <a:pPr lvl="2"/>
+            <a:r>
+              <a:rPr lang="en-US" dirty="0" smtClean="0"/>
+              <a:t>Write the output of the directory listing to the </a:t>
+            </a:r>
+            <a:r>
+              <a:rPr lang="en-US" dirty="0" err="1" smtClean="0"/>
+              <a:t>files.txt</a:t>
+            </a:r>
+            <a:r>
+              <a:rPr lang="en-US" dirty="0" smtClean="0"/>
+              <a:t> file.</a:t>
+            </a:r>
+          </a:p>
+          <a:p>
+            <a:endParaRPr lang="en-US" dirty="0"/>
+          </a:p>
+          <a:p>
+            <a:r>
+              <a:rPr lang="en-US" dirty="0" smtClean="0"/>
+              <a:t>Append data to an existing file rather than overwriting it using two brackets (&gt;&gt;).</a:t>
+            </a:r>
+          </a:p>
+          <a:p>
+            <a:pPr lvl="1"/>
+            <a:r>
+              <a:rPr lang="en-US" dirty="0" smtClean="0"/>
+              <a:t>$ ls /home/web &gt;&gt; </a:t>
+            </a:r>
+            <a:r>
+              <a:rPr lang="en-US" dirty="0" err="1" smtClean="0"/>
+              <a:t>files.txt</a:t>
+            </a:r>
+            <a:endParaRPr lang="en-US" dirty="0" smtClean="0"/>
+          </a:p>
+          <a:p>
+            <a:endParaRPr lang="en-US" dirty="0"/>
+          </a:p>
+          <a:p>
+            <a:r>
+              <a:rPr lang="en-US" dirty="0" smtClean="0"/>
+              <a:t>Redirect the input of a program using the left angle-bracket character (&lt;).</a:t>
+            </a:r>
+          </a:p>
+          <a:p>
+            <a:pPr lvl="1"/>
+            <a:r>
+              <a:rPr lang="en-US" dirty="0" smtClean="0"/>
+              <a:t>$ </a:t>
+            </a:r>
+            <a:r>
+              <a:rPr lang="en-US" dirty="0" err="1" smtClean="0"/>
+              <a:t>wc</a:t>
+            </a:r>
+            <a:r>
+              <a:rPr lang="en-US" dirty="0" smtClean="0"/>
+              <a:t> –l &lt; </a:t>
+            </a:r>
+            <a:r>
+              <a:rPr lang="en-US" dirty="0" err="1" smtClean="0"/>
+              <a:t>file.txt</a:t>
+            </a:r>
+            <a:endParaRPr lang="en-US" dirty="0" smtClean="0"/>
+          </a:p>
+          <a:p>
+            <a:pPr lvl="2"/>
+            <a:r>
+              <a:rPr lang="en-US" dirty="0" smtClean="0"/>
+              <a:t>Input the </a:t>
+            </a:r>
+            <a:r>
+              <a:rPr lang="en-US" dirty="0" err="1" smtClean="0"/>
+              <a:t>file.txt</a:t>
+            </a:r>
+            <a:r>
+              <a:rPr lang="en-US" dirty="0" smtClean="0"/>
+              <a:t> file into the </a:t>
+            </a:r>
+            <a:r>
+              <a:rPr lang="en-US" dirty="0" err="1" smtClean="0"/>
+              <a:t>wordcount</a:t>
+            </a:r>
+            <a:r>
+              <a:rPr lang="en-US" dirty="0" smtClean="0"/>
+              <a:t> program to count the number of lines.</a:t>
+            </a:r>
+            <a:endParaRPr lang="en-US" dirty="0"/>
+          </a:p>
+        </p:txBody>
+      </p:sp>
+    </p:spTree>
+    <p:extLst>
+      <p:ext uri="{BB962C8B-B14F-4D97-AF65-F5344CB8AC3E}">
+        <p14:creationId xmlns:p14="http://schemas.microsoft.com/office/powerpoint/2010/main" val="2051797840"/>
+      </p:ext>
+    </p:extLst>
+  </p:cSld>
+  <p:clrMapOvr>
+    <a:masterClrMapping/>
+  </p:clrMapOvr>
+</p:sld>
+</file>
+
+<file path=ppt/slides/slide45.xml><?xml version="1.0" encoding="utf-8"?>
+<p:sld xmlns:a="http://schemas.openxmlformats.org/drawingml/2006/main" xmlns:r="http://schemas.openxmlformats.org/officeDocument/2006/relationships" xmlns:p="http://schemas.openxmlformats.org/presentationml/2006/main">
+  <p:cSld>
+    <p:spTree>
+      <p:nvGrpSpPr>
+        <p:cNvPr id="1" name=""/>
+        <p:cNvGrpSpPr/>
+        <p:nvPr/>
+      </p:nvGrpSpPr>
+      <p:grpSpPr>
+        <a:xfrm>
+          <a:off x="0" y="0"/>
+          <a:ext cx="0" cy="0"/>
+          <a:chOff x="0" y="0"/>
+          <a:chExt cx="0" cy="0"/>
+        </a:xfrm>
+      </p:grpSpPr>
+      <p:sp>
+        <p:nvSpPr>
+          <p:cNvPr id="2" name="Title 1"/>
+          <p:cNvSpPr>
+            <a:spLocks noGrp="1"/>
+          </p:cNvSpPr>
+          <p:nvPr>
+            <p:ph type="title"/>
+          </p:nvPr>
+        </p:nvSpPr>
+        <p:spPr/>
+        <p:txBody>
+          <a:bodyPr/>
+          <a:lstStyle/>
+          <a:p>
+            <a:r>
+              <a:rPr lang="en-US" dirty="0" smtClean="0"/>
+              <a:t>Command Pipelines</a:t>
+            </a:r>
+            <a:endParaRPr lang="en-US" dirty="0"/>
+          </a:p>
+        </p:txBody>
+      </p:sp>
+      <p:sp>
+        <p:nvSpPr>
+          <p:cNvPr id="3" name="Content Placeholder 2"/>
+          <p:cNvSpPr>
+            <a:spLocks noGrp="1"/>
+          </p:cNvSpPr>
+          <p:nvPr>
+            <p:ph idx="1"/>
+          </p:nvPr>
+        </p:nvSpPr>
+        <p:spPr/>
+        <p:txBody>
+          <a:bodyPr>
+            <a:normAutofit fontScale="92500" lnSpcReduction="10000"/>
+          </a:bodyPr>
+          <a:lstStyle/>
+          <a:p>
+            <a:r>
+              <a:rPr lang="en-US" dirty="0" smtClean="0"/>
+              <a:t>A command pipe allows you to take the </a:t>
+            </a:r>
+            <a:r>
+              <a:rPr lang="en-US" dirty="0" err="1" smtClean="0"/>
+              <a:t>stdout</a:t>
+            </a:r>
+            <a:r>
+              <a:rPr lang="en-US" dirty="0" smtClean="0"/>
+              <a:t> (output) of a command and send it to the </a:t>
+            </a:r>
+            <a:r>
+              <a:rPr lang="en-US" dirty="0" err="1" smtClean="0"/>
+              <a:t>stdin</a:t>
+            </a:r>
+            <a:r>
+              <a:rPr lang="en-US" dirty="0" smtClean="0"/>
+              <a:t> (input) of another command.</a:t>
+            </a:r>
+          </a:p>
+          <a:p>
+            <a:endParaRPr lang="en-US" dirty="0"/>
+          </a:p>
+          <a:p>
+            <a:r>
+              <a:rPr lang="en-US" dirty="0" smtClean="0"/>
+              <a:t>A pipe is denoted using the vertical bar character (|).</a:t>
+            </a:r>
+          </a:p>
+          <a:p>
+            <a:endParaRPr lang="en-US" dirty="0"/>
+          </a:p>
+          <a:p>
+            <a:pPr lvl="1"/>
+            <a:r>
+              <a:rPr lang="en-US" dirty="0" smtClean="0"/>
+              <a:t>$ ls /</a:t>
+            </a:r>
+            <a:r>
+              <a:rPr lang="en-US" dirty="0" err="1" smtClean="0"/>
+              <a:t>var</a:t>
+            </a:r>
+            <a:r>
+              <a:rPr lang="en-US" dirty="0" smtClean="0"/>
+              <a:t>/www/html | less</a:t>
+            </a:r>
+          </a:p>
+          <a:p>
+            <a:pPr lvl="2"/>
+            <a:r>
+              <a:rPr lang="en-US" dirty="0" smtClean="0"/>
+              <a:t>List the files /</a:t>
+            </a:r>
+            <a:r>
+              <a:rPr lang="en-US" dirty="0" err="1" smtClean="0"/>
+              <a:t>var</a:t>
+            </a:r>
+            <a:r>
+              <a:rPr lang="en-US" dirty="0" smtClean="0"/>
+              <a:t>/www/html directory using the less pagination program.</a:t>
+            </a:r>
+          </a:p>
+          <a:p>
+            <a:endParaRPr lang="en-US" dirty="0"/>
+          </a:p>
+          <a:p>
+            <a:endParaRPr lang="en-US" dirty="0" smtClean="0"/>
+          </a:p>
+          <a:p>
+            <a:endParaRPr lang="en-US" dirty="0"/>
+          </a:p>
+        </p:txBody>
+      </p:sp>
+    </p:spTree>
+    <p:extLst>
+      <p:ext uri="{BB962C8B-B14F-4D97-AF65-F5344CB8AC3E}">
+        <p14:creationId xmlns:p14="http://schemas.microsoft.com/office/powerpoint/2010/main" val="1766752424"/>
+      </p:ext>
+    </p:extLst>
+  </p:cSld>
+  <p:clrMapOvr>
+    <a:masterClrMapping/>
+  </p:clrMapOvr>
+</p:sld>
+</file>
+
+<file path=ppt/slides/slide46.xml><?xml version="1.0" encoding="utf-8"?>
+<p:sld xmlns:a="http://schemas.openxmlformats.org/drawingml/2006/main" xmlns:r="http://schemas.openxmlformats.org/officeDocument/2006/relationships" xmlns:p="http://schemas.openxmlformats.org/presentationml/2006/main">
+  <p:cSld>
+    <p:spTree>
+      <p:nvGrpSpPr>
+        <p:cNvPr id="1" name=""/>
+        <p:cNvGrpSpPr/>
+        <p:nvPr/>
+      </p:nvGrpSpPr>
+      <p:grpSpPr>
+        <a:xfrm>
+          <a:off x="0" y="0"/>
+          <a:ext cx="0" cy="0"/>
+          <a:chOff x="0" y="0"/>
+          <a:chExt cx="0" cy="0"/>
+        </a:xfrm>
+      </p:grpSpPr>
+      <p:sp>
+        <p:nvSpPr>
+          <p:cNvPr id="2" name="Title 1"/>
+          <p:cNvSpPr>
+            <a:spLocks noGrp="1"/>
+          </p:cNvSpPr>
+          <p:nvPr>
+            <p:ph type="title"/>
+          </p:nvPr>
+        </p:nvSpPr>
+        <p:spPr/>
+        <p:txBody>
+          <a:bodyPr/>
+          <a:lstStyle/>
+          <a:p>
+            <a:r>
+              <a:rPr lang="en-US" dirty="0" smtClean="0"/>
+              <a:t>File Archiving</a:t>
+            </a:r>
+            <a:endParaRPr lang="en-US" dirty="0"/>
+          </a:p>
+        </p:txBody>
+      </p:sp>
+      <p:sp>
+        <p:nvSpPr>
+          <p:cNvPr id="3" name="Content Placeholder 2"/>
+          <p:cNvSpPr>
+            <a:spLocks noGrp="1"/>
+          </p:cNvSpPr>
+          <p:nvPr>
+            <p:ph idx="1"/>
+          </p:nvPr>
+        </p:nvSpPr>
+        <p:spPr/>
+        <p:txBody>
+          <a:bodyPr>
+            <a:normAutofit fontScale="92500" lnSpcReduction="10000"/>
+          </a:bodyPr>
+          <a:lstStyle/>
+          <a:p>
+            <a:r>
+              <a:rPr lang="en-US" dirty="0" smtClean="0"/>
+              <a:t>Packaging files into a single archive file is a very common task on Linux systems.</a:t>
+            </a:r>
+          </a:p>
+          <a:p>
+            <a:endParaRPr lang="en-US" dirty="0"/>
+          </a:p>
+          <a:p>
+            <a:r>
+              <a:rPr lang="en-US" dirty="0" smtClean="0"/>
+              <a:t>Use the </a:t>
+            </a:r>
+            <a:r>
+              <a:rPr lang="en-US" b="1" dirty="0" smtClean="0"/>
+              <a:t>tar</a:t>
+            </a:r>
+            <a:r>
+              <a:rPr lang="en-US" dirty="0" smtClean="0"/>
+              <a:t> command to create file archives.</a:t>
+            </a:r>
+          </a:p>
+          <a:p>
+            <a:pPr lvl="1"/>
+            <a:r>
+              <a:rPr lang="en-US" dirty="0" smtClean="0"/>
+              <a:t>$ tar –</a:t>
+            </a:r>
+            <a:r>
+              <a:rPr lang="en-US" dirty="0" err="1" smtClean="0"/>
+              <a:t>cvzf</a:t>
+            </a:r>
+            <a:r>
+              <a:rPr lang="en-US" dirty="0" smtClean="0"/>
+              <a:t> </a:t>
+            </a:r>
+            <a:r>
+              <a:rPr lang="en-US" dirty="0" err="1" smtClean="0"/>
+              <a:t>newarchive.tar.gz</a:t>
+            </a:r>
+            <a:r>
+              <a:rPr lang="en-US" dirty="0" smtClean="0"/>
+              <a:t> /</a:t>
+            </a:r>
+            <a:r>
+              <a:rPr lang="en-US" dirty="0" err="1" smtClean="0"/>
+              <a:t>var</a:t>
+            </a:r>
+            <a:r>
+              <a:rPr lang="en-US" dirty="0" smtClean="0"/>
+              <a:t>/www/html</a:t>
+            </a:r>
+          </a:p>
+          <a:p>
+            <a:pPr lvl="2"/>
+            <a:r>
+              <a:rPr lang="en-US" dirty="0" smtClean="0"/>
+              <a:t>Archives and compresses all the files located in /</a:t>
+            </a:r>
+            <a:r>
+              <a:rPr lang="en-US" dirty="0" err="1" smtClean="0"/>
+              <a:t>var</a:t>
+            </a:r>
+            <a:r>
+              <a:rPr lang="en-US" dirty="0" smtClean="0"/>
+              <a:t>/www/html into an archive called </a:t>
+            </a:r>
+            <a:r>
+              <a:rPr lang="en-US" dirty="0" err="1" smtClean="0"/>
+              <a:t>newarchive.tar.gz</a:t>
+            </a:r>
+            <a:endParaRPr lang="en-US" dirty="0" smtClean="0"/>
+          </a:p>
+          <a:p>
+            <a:pPr lvl="2"/>
+            <a:endParaRPr lang="en-US" dirty="0" smtClean="0"/>
+          </a:p>
+          <a:p>
+            <a:pPr lvl="1"/>
+            <a:r>
+              <a:rPr lang="en-US" dirty="0" smtClean="0"/>
+              <a:t>$ tar –</a:t>
+            </a:r>
+            <a:r>
+              <a:rPr lang="en-US" dirty="0" err="1" smtClean="0"/>
+              <a:t>xvzf</a:t>
+            </a:r>
+            <a:r>
+              <a:rPr lang="en-US" dirty="0" smtClean="0"/>
+              <a:t> </a:t>
+            </a:r>
+            <a:r>
+              <a:rPr lang="en-US" dirty="0" err="1" smtClean="0"/>
+              <a:t>newarchive.tar.gz</a:t>
+            </a:r>
+            <a:endParaRPr lang="en-US" dirty="0" smtClean="0"/>
+          </a:p>
+          <a:p>
+            <a:pPr lvl="2"/>
+            <a:r>
+              <a:rPr lang="en-US" dirty="0" smtClean="0"/>
+              <a:t>Unpacks and </a:t>
+            </a:r>
+            <a:r>
+              <a:rPr lang="en-US" dirty="0" err="1" smtClean="0"/>
+              <a:t>uncompresses</a:t>
+            </a:r>
+            <a:r>
+              <a:rPr lang="en-US" dirty="0" smtClean="0"/>
+              <a:t> the </a:t>
+            </a:r>
+            <a:r>
+              <a:rPr lang="en-US" dirty="0" err="1" smtClean="0"/>
+              <a:t>newarchive.tar.gz</a:t>
+            </a:r>
+            <a:r>
+              <a:rPr lang="en-US" dirty="0" smtClean="0"/>
+              <a:t> archive in the current working directory.</a:t>
+            </a:r>
+            <a:endParaRPr lang="en-US" dirty="0"/>
+          </a:p>
+        </p:txBody>
+      </p:sp>
+    </p:spTree>
+    <p:extLst>
+      <p:ext uri="{BB962C8B-B14F-4D97-AF65-F5344CB8AC3E}">
+        <p14:creationId xmlns:p14="http://schemas.microsoft.com/office/powerpoint/2010/main" val="744119250"/>
+      </p:ext>
+    </p:extLst>
+  </p:cSld>
+  <p:clrMapOvr>
+    <a:masterClrMapping/>
+  </p:clrMapOvr>
+</p:sld>
+</file>
+
+<file path=ppt/slides/slide47.xml><?xml version="1.0" encoding="utf-8"?>
+<p:sld xmlns:a="http://schemas.openxmlformats.org/drawingml/2006/main" xmlns:r="http://schemas.openxmlformats.org/officeDocument/2006/relationships" xmlns:p="http://schemas.openxmlformats.org/presentationml/2006/main">
+  <p:cSld>
+    <p:spTree>
+      <p:nvGrpSpPr>
+        <p:cNvPr id="1" name=""/>
+        <p:cNvGrpSpPr/>
+        <p:nvPr/>
+      </p:nvGrpSpPr>
+      <p:grpSpPr>
+        <a:xfrm>
+          <a:off x="0" y="0"/>
+          <a:ext cx="0" cy="0"/>
+          <a:chOff x="0" y="0"/>
+          <a:chExt cx="0" cy="0"/>
+        </a:xfrm>
+      </p:grpSpPr>
+      <p:sp>
+        <p:nvSpPr>
+          <p:cNvPr id="2" name="Title 1"/>
+          <p:cNvSpPr>
+            <a:spLocks noGrp="1"/>
+          </p:cNvSpPr>
+          <p:nvPr>
+            <p:ph type="title"/>
+          </p:nvPr>
+        </p:nvSpPr>
+        <p:spPr/>
+        <p:txBody>
+          <a:bodyPr/>
+          <a:lstStyle/>
+          <a:p>
+            <a:r>
+              <a:rPr lang="en-US" dirty="0" smtClean="0"/>
+              <a:t>Processes</a:t>
+            </a:r>
+            <a:endParaRPr lang="en-US" dirty="0"/>
+          </a:p>
+        </p:txBody>
+      </p:sp>
+      <p:sp>
+        <p:nvSpPr>
+          <p:cNvPr id="3" name="Content Placeholder 2"/>
+          <p:cNvSpPr>
+            <a:spLocks noGrp="1"/>
+          </p:cNvSpPr>
+          <p:nvPr>
+            <p:ph idx="1"/>
+          </p:nvPr>
+        </p:nvSpPr>
+        <p:spPr>
+          <a:xfrm>
+            <a:off x="457200" y="1600201"/>
+            <a:ext cx="8229600" cy="4629150"/>
+          </a:xfrm>
+        </p:spPr>
+        <p:txBody>
+          <a:bodyPr>
+            <a:normAutofit fontScale="70000" lnSpcReduction="20000"/>
+          </a:bodyPr>
+          <a:lstStyle/>
+          <a:p>
+            <a:r>
+              <a:rPr lang="en-US" dirty="0" smtClean="0"/>
+              <a:t>Each program on Linux runs as a processes or set of processes.</a:t>
+            </a:r>
+          </a:p>
+          <a:p>
+            <a:pPr lvl="1"/>
+            <a:r>
+              <a:rPr lang="en-US" dirty="0" smtClean="0"/>
+              <a:t>Some are interactive and terminate quickly after execution.</a:t>
+            </a:r>
+          </a:p>
+          <a:p>
+            <a:pPr lvl="1"/>
+            <a:r>
+              <a:rPr lang="en-US" dirty="0" smtClean="0"/>
+              <a:t>Some are long running and run in the background (called services or daemons).</a:t>
+            </a:r>
+          </a:p>
+          <a:p>
+            <a:endParaRPr lang="en-US" dirty="0"/>
+          </a:p>
+          <a:p>
+            <a:r>
+              <a:rPr lang="en-US" dirty="0" smtClean="0"/>
+              <a:t>View current running processes on the system using the </a:t>
+            </a:r>
+            <a:r>
+              <a:rPr lang="en-US" b="1" dirty="0" err="1" smtClean="0"/>
+              <a:t>ps</a:t>
+            </a:r>
+            <a:r>
+              <a:rPr lang="en-US" dirty="0" smtClean="0"/>
+              <a:t> </a:t>
+            </a:r>
+            <a:r>
+              <a:rPr lang="en-US" dirty="0" err="1" smtClean="0"/>
+              <a:t>comand</a:t>
+            </a:r>
+            <a:r>
+              <a:rPr lang="en-US" dirty="0" smtClean="0"/>
+              <a:t>.</a:t>
+            </a:r>
+          </a:p>
+          <a:p>
+            <a:pPr lvl="1"/>
+            <a:r>
+              <a:rPr lang="en-US" dirty="0" smtClean="0"/>
+              <a:t>$ </a:t>
+            </a:r>
+            <a:r>
+              <a:rPr lang="en-US" dirty="0" err="1" smtClean="0"/>
+              <a:t>ps</a:t>
+            </a:r>
+            <a:r>
+              <a:rPr lang="en-US" dirty="0" smtClean="0"/>
+              <a:t> –ax</a:t>
+            </a:r>
+          </a:p>
+          <a:p>
+            <a:endParaRPr lang="en-US" dirty="0"/>
+          </a:p>
+          <a:p>
+            <a:r>
+              <a:rPr lang="en-US" dirty="0" smtClean="0"/>
+              <a:t>A handy way to look at the current resource utilization on the system is by using the </a:t>
+            </a:r>
+            <a:r>
+              <a:rPr lang="en-US" b="1" dirty="0" smtClean="0"/>
+              <a:t>top</a:t>
+            </a:r>
+            <a:r>
+              <a:rPr lang="en-US" dirty="0" smtClean="0"/>
+              <a:t> command.</a:t>
+            </a:r>
+          </a:p>
+          <a:p>
+            <a:pPr lvl="1"/>
+            <a:r>
+              <a:rPr lang="en-US" dirty="0" smtClean="0"/>
+              <a:t>$ top</a:t>
+            </a:r>
+          </a:p>
+          <a:p>
+            <a:endParaRPr lang="en-US" dirty="0" smtClean="0"/>
+          </a:p>
+          <a:p>
+            <a:r>
+              <a:rPr lang="en-US" dirty="0" smtClean="0"/>
+              <a:t>Forcibly stop a process using the kill command.</a:t>
+            </a:r>
+          </a:p>
+          <a:p>
+            <a:pPr lvl="1"/>
+            <a:r>
+              <a:rPr lang="en-US" dirty="0" smtClean="0"/>
+              <a:t>$ kill &lt;process id&gt;</a:t>
+            </a:r>
+          </a:p>
+          <a:p>
+            <a:endParaRPr lang="en-US" dirty="0"/>
+          </a:p>
+          <a:p>
+            <a:endParaRPr lang="en-US" dirty="0" smtClean="0"/>
+          </a:p>
+          <a:p>
+            <a:endParaRPr lang="en-US" dirty="0"/>
+          </a:p>
+          <a:p>
+            <a:endParaRPr lang="en-US" dirty="0"/>
+          </a:p>
+        </p:txBody>
+      </p:sp>
+    </p:spTree>
+    <p:extLst>
+      <p:ext uri="{BB962C8B-B14F-4D97-AF65-F5344CB8AC3E}">
+        <p14:creationId xmlns:p14="http://schemas.microsoft.com/office/powerpoint/2010/main" val="1165794500"/>
+      </p:ext>
+    </p:extLst>
+  </p:cSld>
+  <p:clrMapOvr>
+    <a:masterClrMapping/>
+  </p:clrMapOvr>
+</p:sld>
+</file>
+
+<file path=ppt/slides/slide48.xml><?xml version="1.0" encoding="utf-8"?>
+<p:sld xmlns:a="http://schemas.openxmlformats.org/drawingml/2006/main" xmlns:r="http://schemas.openxmlformats.org/officeDocument/2006/relationships" xmlns:p="http://schemas.openxmlformats.org/presentationml/2006/main">
+  <p:cSld>
+    <p:spTree>
+      <p:nvGrpSpPr>
+        <p:cNvPr id="1" name=""/>
+        <p:cNvGrpSpPr/>
+        <p:nvPr/>
+      </p:nvGrpSpPr>
+      <p:grpSpPr>
+        <a:xfrm>
+          <a:off x="0" y="0"/>
+          <a:ext cx="0" cy="0"/>
+          <a:chOff x="0" y="0"/>
+          <a:chExt cx="0" cy="0"/>
+        </a:xfrm>
+      </p:grpSpPr>
+      <p:sp>
+        <p:nvSpPr>
+          <p:cNvPr id="2" name="Title 1"/>
+          <p:cNvSpPr>
+            <a:spLocks noGrp="1"/>
+          </p:cNvSpPr>
+          <p:nvPr>
+            <p:ph type="title"/>
+          </p:nvPr>
+        </p:nvSpPr>
+        <p:spPr/>
+        <p:txBody>
+          <a:bodyPr/>
+          <a:lstStyle/>
+          <a:p>
+            <a:r>
+              <a:rPr lang="en-US" dirty="0" smtClean="0"/>
+              <a:t>Services</a:t>
+            </a:r>
+            <a:endParaRPr lang="en-US" dirty="0"/>
+          </a:p>
+        </p:txBody>
+      </p:sp>
+      <p:sp>
+        <p:nvSpPr>
+          <p:cNvPr id="3" name="Content Placeholder 2"/>
+          <p:cNvSpPr>
+            <a:spLocks noGrp="1"/>
+          </p:cNvSpPr>
+          <p:nvPr>
+            <p:ph idx="1"/>
+          </p:nvPr>
+        </p:nvSpPr>
+        <p:spPr/>
+        <p:txBody>
+          <a:bodyPr>
+            <a:normAutofit fontScale="92500" lnSpcReduction="20000"/>
+          </a:bodyPr>
+          <a:lstStyle/>
+          <a:p>
+            <a:r>
+              <a:rPr lang="en-US" dirty="0" smtClean="0"/>
+              <a:t>Linux uses a service management program called </a:t>
+            </a:r>
+            <a:r>
+              <a:rPr lang="en-US" b="1" dirty="0" smtClean="0"/>
+              <a:t>service</a:t>
+            </a:r>
+            <a:r>
+              <a:rPr lang="en-US" dirty="0" smtClean="0"/>
+              <a:t> to manage the state of services.</a:t>
+            </a:r>
+          </a:p>
+          <a:p>
+            <a:pPr lvl="1"/>
+            <a:r>
+              <a:rPr lang="en-US" dirty="0" smtClean="0"/>
+              <a:t>$ </a:t>
+            </a:r>
+            <a:r>
+              <a:rPr lang="en-US" dirty="0" err="1" smtClean="0"/>
+              <a:t>sudo</a:t>
+            </a:r>
+            <a:r>
+              <a:rPr lang="en-US" dirty="0" smtClean="0"/>
+              <a:t> service start </a:t>
+            </a:r>
+            <a:r>
+              <a:rPr lang="en-US" dirty="0" err="1" smtClean="0"/>
+              <a:t>httpd</a:t>
+            </a:r>
+            <a:endParaRPr lang="en-US" dirty="0" smtClean="0"/>
+          </a:p>
+          <a:p>
+            <a:pPr lvl="2"/>
+            <a:r>
+              <a:rPr lang="en-US" dirty="0" smtClean="0"/>
+              <a:t>Starts the Apache webserver on the system.</a:t>
+            </a:r>
+          </a:p>
+          <a:p>
+            <a:pPr lvl="1"/>
+            <a:r>
+              <a:rPr lang="en-US" dirty="0" smtClean="0"/>
+              <a:t>$ </a:t>
+            </a:r>
+            <a:r>
+              <a:rPr lang="en-US" dirty="0" err="1" smtClean="0"/>
+              <a:t>sudo</a:t>
+            </a:r>
+            <a:r>
+              <a:rPr lang="en-US" dirty="0" smtClean="0"/>
+              <a:t> service stop </a:t>
+            </a:r>
+            <a:r>
+              <a:rPr lang="en-US" dirty="0" err="1" smtClean="0"/>
+              <a:t>httpd</a:t>
+            </a:r>
+            <a:endParaRPr lang="en-US" dirty="0" smtClean="0"/>
+          </a:p>
+          <a:p>
+            <a:pPr lvl="2"/>
+            <a:r>
+              <a:rPr lang="en-US" dirty="0" smtClean="0"/>
+              <a:t>Stops the Apache webserver on the system.</a:t>
+            </a:r>
+          </a:p>
+          <a:p>
+            <a:endParaRPr lang="en-US" dirty="0"/>
+          </a:p>
+          <a:p>
+            <a:r>
+              <a:rPr lang="en-US" dirty="0" smtClean="0"/>
+              <a:t>A service can be configured to automatically start when a system starts up using the </a:t>
+            </a:r>
+            <a:r>
+              <a:rPr lang="en-US" b="1" dirty="0" err="1" smtClean="0"/>
+              <a:t>chkconfig</a:t>
+            </a:r>
+            <a:r>
+              <a:rPr lang="en-US" dirty="0" smtClean="0"/>
+              <a:t> command.</a:t>
+            </a:r>
+          </a:p>
+          <a:p>
+            <a:pPr lvl="1"/>
+            <a:r>
+              <a:rPr lang="en-US" dirty="0" smtClean="0"/>
+              <a:t>$ </a:t>
+            </a:r>
+            <a:r>
+              <a:rPr lang="en-US" dirty="0" err="1" smtClean="0"/>
+              <a:t>sudo</a:t>
+            </a:r>
+            <a:r>
+              <a:rPr lang="en-US" dirty="0" smtClean="0"/>
+              <a:t> </a:t>
+            </a:r>
+            <a:r>
+              <a:rPr lang="en-US" dirty="0" err="1" smtClean="0"/>
+              <a:t>chkconfig</a:t>
+            </a:r>
+            <a:r>
+              <a:rPr lang="en-US" dirty="0" smtClean="0"/>
+              <a:t> </a:t>
+            </a:r>
+            <a:r>
+              <a:rPr lang="en-US" dirty="0" err="1" smtClean="0"/>
+              <a:t>httpd</a:t>
+            </a:r>
+            <a:r>
+              <a:rPr lang="en-US" dirty="0" smtClean="0"/>
+              <a:t> on</a:t>
+            </a:r>
+          </a:p>
+          <a:p>
+            <a:endParaRPr lang="en-US" dirty="0"/>
+          </a:p>
+          <a:p>
+            <a:endParaRPr lang="en-US" dirty="0"/>
+          </a:p>
+        </p:txBody>
+      </p:sp>
+    </p:spTree>
+    <p:extLst>
+      <p:ext uri="{BB962C8B-B14F-4D97-AF65-F5344CB8AC3E}">
+        <p14:creationId xmlns:p14="http://schemas.microsoft.com/office/powerpoint/2010/main" val="1243537710"/>
+      </p:ext>
+    </p:extLst>
+  </p:cSld>
+  <p:clrMapOvr>
+    <a:masterClrMapping/>
+  </p:clrMapOvr>
+</p:sld>
+</file>
+
+<file path=ppt/slides/slide49.xml><?xml version="1.0" encoding="utf-8"?>
+<p:sld xmlns:a="http://schemas.openxmlformats.org/drawingml/2006/main" xmlns:r="http://schemas.openxmlformats.org/officeDocument/2006/relationships" xmlns:p="http://schemas.openxmlformats.org/presentationml/2006/main">
+  <p:cSld>
+    <p:spTree>
+      <p:nvGrpSpPr>
+        <p:cNvPr id="1" name=""/>
+        <p:cNvGrpSpPr/>
+        <p:nvPr/>
+      </p:nvGrpSpPr>
+      <p:grpSpPr>
+        <a:xfrm>
+          <a:off x="0" y="0"/>
+          <a:ext cx="0" cy="0"/>
+          <a:chOff x="0" y="0"/>
+          <a:chExt cx="0" cy="0"/>
+        </a:xfrm>
+      </p:grpSpPr>
+      <p:sp>
+        <p:nvSpPr>
+          <p:cNvPr id="2" name="Title 1"/>
+          <p:cNvSpPr>
+            <a:spLocks noGrp="1"/>
+          </p:cNvSpPr>
+          <p:nvPr>
+            <p:ph type="title"/>
+          </p:nvPr>
+        </p:nvSpPr>
+        <p:spPr/>
+        <p:txBody>
+          <a:bodyPr/>
+          <a:lstStyle/>
+          <a:p>
+            <a:r>
+              <a:rPr lang="en-US" dirty="0" smtClean="0"/>
+              <a:t>Package Management</a:t>
+            </a:r>
+            <a:endParaRPr lang="en-US" dirty="0"/>
+          </a:p>
+        </p:txBody>
+      </p:sp>
+      <p:sp>
+        <p:nvSpPr>
+          <p:cNvPr id="3" name="Content Placeholder 2"/>
+          <p:cNvSpPr>
+            <a:spLocks noGrp="1"/>
+          </p:cNvSpPr>
+          <p:nvPr>
+            <p:ph idx="1"/>
+          </p:nvPr>
+        </p:nvSpPr>
+        <p:spPr>
+          <a:xfrm>
+            <a:off x="457200" y="1600200"/>
+            <a:ext cx="8229600" cy="5029200"/>
+          </a:xfrm>
+        </p:spPr>
+        <p:txBody>
+          <a:bodyPr>
+            <a:normAutofit fontScale="70000" lnSpcReduction="20000"/>
+          </a:bodyPr>
+          <a:lstStyle/>
+          <a:p>
+            <a:r>
+              <a:rPr lang="en-US" dirty="0" smtClean="0"/>
+              <a:t>Every Linux system comes with applications pre-installed on the system.</a:t>
+            </a:r>
+          </a:p>
+          <a:p>
+            <a:endParaRPr lang="en-US" dirty="0" smtClean="0"/>
+          </a:p>
+          <a:p>
+            <a:r>
+              <a:rPr lang="en-US" dirty="0"/>
+              <a:t>Trying to figure out how to install and remove applications can be tricky because of dependencies</a:t>
+            </a:r>
+            <a:r>
+              <a:rPr lang="en-US" dirty="0" smtClean="0"/>
+              <a:t>.</a:t>
+            </a:r>
+          </a:p>
+          <a:p>
+            <a:endParaRPr lang="en-US" dirty="0" smtClean="0"/>
+          </a:p>
+          <a:p>
+            <a:r>
+              <a:rPr lang="en-US" dirty="0" smtClean="0"/>
+              <a:t>Applications are typically part of a package, which is tracked by the system.</a:t>
+            </a:r>
+          </a:p>
+          <a:p>
+            <a:endParaRPr lang="en-US" dirty="0" smtClean="0"/>
+          </a:p>
+          <a:p>
+            <a:r>
+              <a:rPr lang="en-US" dirty="0" smtClean="0"/>
+              <a:t>A package management system is used to:</a:t>
+            </a:r>
+          </a:p>
+          <a:p>
+            <a:pPr lvl="1"/>
+            <a:r>
+              <a:rPr lang="en-US" dirty="0" smtClean="0"/>
+              <a:t>Track installed packages</a:t>
+            </a:r>
+          </a:p>
+          <a:p>
+            <a:pPr lvl="1"/>
+            <a:r>
+              <a:rPr lang="en-US" dirty="0" smtClean="0"/>
+              <a:t>Install new packages and dependencies</a:t>
+            </a:r>
+          </a:p>
+          <a:p>
+            <a:pPr lvl="1"/>
+            <a:r>
+              <a:rPr lang="en-US" dirty="0" smtClean="0"/>
+              <a:t>Remove packages</a:t>
+            </a:r>
+          </a:p>
+          <a:p>
+            <a:endParaRPr lang="en-US" dirty="0"/>
+          </a:p>
+          <a:p>
+            <a:r>
+              <a:rPr lang="en-US" dirty="0" smtClean="0"/>
+              <a:t>A couple different package management systems exist and each distribution may use a different one.</a:t>
+            </a:r>
+          </a:p>
+        </p:txBody>
+      </p:sp>
+    </p:spTree>
+    <p:extLst>
+      <p:ext uri="{BB962C8B-B14F-4D97-AF65-F5344CB8AC3E}">
+        <p14:creationId xmlns:p14="http://schemas.microsoft.com/office/powerpoint/2010/main" val="1429403700"/>
+      </p:ext>
+    </p:extLst>
+  </p:cSld>
+  <p:clrMapOvr>
+    <a:masterClrMapping/>
+  </p:clrMapOvr>
+</p:sld>
+</file>
+
+<file path=ppt/slides/slide5.xml><?xml version="1.0" encoding="utf-8"?>
+<p:sld xmlns:a="http://schemas.openxmlformats.org/drawingml/2006/main" xmlns:r="http://schemas.openxmlformats.org/officeDocument/2006/relationships" xmlns:p="http://schemas.openxmlformats.org/presentationml/2006/main">
+  <p:cSld>
+    <p:spTree>
+      <p:nvGrpSpPr>
+        <p:cNvPr id="1" name=""/>
+        <p:cNvGrpSpPr/>
+        <p:nvPr/>
+      </p:nvGrpSpPr>
+      <p:grpSpPr>
+        <a:xfrm>
+          <a:off x="0" y="0"/>
+          <a:ext cx="0" cy="0"/>
+          <a:chOff x="0" y="0"/>
+          <a:chExt cx="0" cy="0"/>
+        </a:xfrm>
+      </p:grpSpPr>
+      <p:sp>
+        <p:nvSpPr>
+          <p:cNvPr id="2" name="Title 1"/>
+          <p:cNvSpPr>
+            <a:spLocks noGrp="1"/>
+          </p:cNvSpPr>
+          <p:nvPr>
+            <p:ph type="title"/>
+          </p:nvPr>
+        </p:nvSpPr>
+        <p:spPr/>
+        <p:txBody>
+          <a:bodyPr/>
+          <a:lstStyle/>
+          <a:p>
+            <a:r>
+              <a:rPr lang="en-US" dirty="0" smtClean="0"/>
+              <a:t>Automation</a:t>
+            </a:r>
+            <a:endParaRPr lang="en-US" dirty="0"/>
+          </a:p>
+        </p:txBody>
+      </p:sp>
+      <p:sp>
+        <p:nvSpPr>
+          <p:cNvPr id="3" name="Content Placeholder 2"/>
+          <p:cNvSpPr>
+            <a:spLocks noGrp="1"/>
+          </p:cNvSpPr>
+          <p:nvPr>
+            <p:ph idx="1"/>
+          </p:nvPr>
+        </p:nvSpPr>
+        <p:spPr>
+          <a:xfrm>
+            <a:off x="457200" y="1600200"/>
+            <a:ext cx="8229600" cy="4884136"/>
+          </a:xfrm>
+        </p:spPr>
+        <p:txBody>
+          <a:bodyPr>
+            <a:normAutofit fontScale="85000" lnSpcReduction="10000"/>
+          </a:bodyPr>
+          <a:lstStyle/>
+          <a:p>
+            <a:r>
+              <a:rPr lang="en-US" dirty="0" smtClean="0"/>
+              <a:t>Automation approaches:</a:t>
+            </a:r>
+          </a:p>
+          <a:p>
+            <a:pPr lvl="1"/>
+            <a:r>
+              <a:rPr lang="en-US" dirty="0" smtClean="0"/>
+              <a:t>Complementarity Principle</a:t>
+            </a:r>
+          </a:p>
+          <a:p>
+            <a:pPr lvl="2"/>
+            <a:r>
+              <a:rPr lang="en-US" dirty="0" smtClean="0"/>
+              <a:t>The more a system is automated, the less people understand how the system works</a:t>
+            </a:r>
+          </a:p>
+          <a:p>
+            <a:pPr lvl="2"/>
+            <a:r>
+              <a:rPr lang="en-US" dirty="0" smtClean="0"/>
+              <a:t>Try to strike a balance between automation and future growth in learning</a:t>
+            </a:r>
+          </a:p>
+          <a:p>
+            <a:pPr lvl="2"/>
+            <a:endParaRPr lang="en-US" dirty="0" smtClean="0"/>
+          </a:p>
+          <a:p>
+            <a:r>
+              <a:rPr lang="en-US" dirty="0" smtClean="0"/>
+              <a:t>Tool building vs. automation</a:t>
+            </a:r>
+          </a:p>
+          <a:p>
+            <a:pPr lvl="1"/>
+            <a:r>
+              <a:rPr lang="en-US" dirty="0" smtClean="0"/>
+              <a:t>Tools improve a manual task so that it can be done better</a:t>
+            </a:r>
+          </a:p>
+          <a:p>
+            <a:pPr lvl="2"/>
+            <a:r>
+              <a:rPr lang="en-US" dirty="0" smtClean="0"/>
+              <a:t>Self-service web interface allowing user to launch a new server</a:t>
+            </a:r>
+          </a:p>
+          <a:p>
+            <a:pPr lvl="1"/>
+            <a:r>
+              <a:rPr lang="en-US" dirty="0" smtClean="0"/>
+              <a:t>Automation eliminates the need to perform a manual task</a:t>
+            </a:r>
+          </a:p>
+          <a:p>
+            <a:pPr lvl="2"/>
+            <a:r>
+              <a:rPr lang="en-US" dirty="0" smtClean="0"/>
+              <a:t>Auto-scaling service that automatically launches a server based on predefined trigger</a:t>
+            </a:r>
+          </a:p>
+        </p:txBody>
+      </p:sp>
+    </p:spTree>
+    <p:extLst>
+      <p:ext uri="{BB962C8B-B14F-4D97-AF65-F5344CB8AC3E}">
+        <p14:creationId xmlns:p14="http://schemas.microsoft.com/office/powerpoint/2010/main" val="3933324911"/>
+      </p:ext>
+    </p:extLst>
+  </p:cSld>
+  <p:clrMapOvr>
+    <a:masterClrMapping/>
+  </p:clrMapOvr>
+</p:sld>
+</file>
+
+<file path=ppt/slides/slide50.xml><?xml version="1.0" encoding="utf-8"?>
+<p:sld xmlns:a="http://schemas.openxmlformats.org/drawingml/2006/main" xmlns:r="http://schemas.openxmlformats.org/officeDocument/2006/relationships" xmlns:p="http://schemas.openxmlformats.org/presentationml/2006/main">
+  <p:cSld>
+    <p:spTree>
+      <p:nvGrpSpPr>
+        <p:cNvPr id="1" name=""/>
+        <p:cNvGrpSpPr/>
+        <p:nvPr/>
+      </p:nvGrpSpPr>
+      <p:grpSpPr>
+        <a:xfrm>
+          <a:off x="0" y="0"/>
+          <a:ext cx="0" cy="0"/>
+          <a:chOff x="0" y="0"/>
+          <a:chExt cx="0" cy="0"/>
+        </a:xfrm>
+      </p:grpSpPr>
+      <p:sp>
+        <p:nvSpPr>
+          <p:cNvPr id="2" name="Title 1"/>
+          <p:cNvSpPr>
+            <a:spLocks noGrp="1"/>
+          </p:cNvSpPr>
+          <p:nvPr>
+            <p:ph type="title"/>
+          </p:nvPr>
+        </p:nvSpPr>
+        <p:spPr/>
+        <p:txBody>
+          <a:bodyPr/>
+          <a:lstStyle/>
+          <a:p>
+            <a:r>
+              <a:rPr lang="en-US" dirty="0" smtClean="0"/>
+              <a:t>Installing Packages</a:t>
+            </a:r>
+            <a:endParaRPr lang="en-US" dirty="0"/>
+          </a:p>
+        </p:txBody>
+      </p:sp>
+      <p:sp>
+        <p:nvSpPr>
+          <p:cNvPr id="3" name="Content Placeholder 2"/>
+          <p:cNvSpPr>
+            <a:spLocks noGrp="1"/>
+          </p:cNvSpPr>
+          <p:nvPr>
+            <p:ph idx="1"/>
+          </p:nvPr>
+        </p:nvSpPr>
+        <p:spPr>
+          <a:xfrm>
+            <a:off x="457200" y="1600200"/>
+            <a:ext cx="8229600" cy="5072063"/>
+          </a:xfrm>
+        </p:spPr>
+        <p:txBody>
+          <a:bodyPr>
+            <a:normAutofit fontScale="77500" lnSpcReduction="20000"/>
+          </a:bodyPr>
+          <a:lstStyle/>
+          <a:p>
+            <a:r>
+              <a:rPr lang="en-US" dirty="0" smtClean="0"/>
+              <a:t>Amazon Linux uses the common </a:t>
+            </a:r>
+            <a:r>
+              <a:rPr lang="en-US" b="1" dirty="0" smtClean="0"/>
+              <a:t>yum</a:t>
+            </a:r>
+            <a:r>
+              <a:rPr lang="en-US" dirty="0" smtClean="0"/>
+              <a:t> packaging system.</a:t>
+            </a:r>
+          </a:p>
+          <a:p>
+            <a:endParaRPr lang="en-US" dirty="0"/>
+          </a:p>
+          <a:p>
+            <a:r>
+              <a:rPr lang="en-US" dirty="0" smtClean="0"/>
+              <a:t>Yum provides an easy way to update the currently installed packages on a system.</a:t>
+            </a:r>
+          </a:p>
+          <a:p>
+            <a:pPr lvl="1"/>
+            <a:r>
+              <a:rPr lang="en-US" dirty="0" smtClean="0"/>
+              <a:t>$ </a:t>
+            </a:r>
+            <a:r>
+              <a:rPr lang="en-US" dirty="0" err="1" smtClean="0"/>
+              <a:t>sudo</a:t>
+            </a:r>
+            <a:r>
+              <a:rPr lang="en-US" dirty="0" smtClean="0"/>
+              <a:t> yum update –y</a:t>
+            </a:r>
+          </a:p>
+          <a:p>
+            <a:pPr lvl="1"/>
+            <a:r>
+              <a:rPr lang="en-US" dirty="0" smtClean="0"/>
+              <a:t>Kind of like running a Windows Update</a:t>
+            </a:r>
+          </a:p>
+          <a:p>
+            <a:endParaRPr lang="en-US" dirty="0"/>
+          </a:p>
+          <a:p>
+            <a:r>
+              <a:rPr lang="en-US" dirty="0" smtClean="0"/>
+              <a:t>Install new applications on the system using the command:</a:t>
+            </a:r>
+          </a:p>
+          <a:p>
+            <a:pPr lvl="1"/>
+            <a:r>
+              <a:rPr lang="en-US" dirty="0" smtClean="0"/>
+              <a:t>$ </a:t>
+            </a:r>
+            <a:r>
+              <a:rPr lang="en-US" dirty="0" err="1" smtClean="0"/>
+              <a:t>sudo</a:t>
+            </a:r>
+            <a:r>
+              <a:rPr lang="en-US" dirty="0" smtClean="0"/>
+              <a:t> yum install </a:t>
+            </a:r>
+            <a:r>
+              <a:rPr lang="en-US" dirty="0" err="1" smtClean="0"/>
+              <a:t>httpd</a:t>
+            </a:r>
+            <a:endParaRPr lang="en-US" dirty="0" smtClean="0"/>
+          </a:p>
+          <a:p>
+            <a:endParaRPr lang="en-US" dirty="0"/>
+          </a:p>
+          <a:p>
+            <a:r>
+              <a:rPr lang="en-US" dirty="0" smtClean="0"/>
+              <a:t>Remove a package using the command:</a:t>
+            </a:r>
+          </a:p>
+          <a:p>
+            <a:pPr lvl="1"/>
+            <a:r>
+              <a:rPr lang="en-US" dirty="0" smtClean="0"/>
+              <a:t>$ </a:t>
+            </a:r>
+            <a:r>
+              <a:rPr lang="en-US" dirty="0" err="1" smtClean="0"/>
+              <a:t>sudo</a:t>
+            </a:r>
+            <a:r>
+              <a:rPr lang="en-US" dirty="0" smtClean="0"/>
+              <a:t> yum remove </a:t>
+            </a:r>
+            <a:r>
+              <a:rPr lang="en-US" dirty="0" err="1" smtClean="0"/>
+              <a:t>httpd</a:t>
+            </a:r>
+            <a:endParaRPr lang="en-US" dirty="0" smtClean="0"/>
+          </a:p>
+          <a:p>
+            <a:endParaRPr lang="en-US" dirty="0"/>
+          </a:p>
+          <a:p>
+            <a:endParaRPr lang="en-US" dirty="0"/>
+          </a:p>
+        </p:txBody>
+      </p:sp>
+    </p:spTree>
+    <p:extLst>
+      <p:ext uri="{BB962C8B-B14F-4D97-AF65-F5344CB8AC3E}">
+        <p14:creationId xmlns:p14="http://schemas.microsoft.com/office/powerpoint/2010/main" val="2013756844"/>
+      </p:ext>
+    </p:extLst>
+  </p:cSld>
+  <p:clrMapOvr>
+    <a:masterClrMapping/>
+  </p:clrMapOvr>
+</p:sld>
+</file>
+
+<file path=ppt/slides/slide51.xml><?xml version="1.0" encoding="utf-8"?>
+<p:sld xmlns:a="http://schemas.openxmlformats.org/drawingml/2006/main" xmlns:r="http://schemas.openxmlformats.org/officeDocument/2006/relationships" xmlns:p="http://schemas.openxmlformats.org/presentationml/2006/main">
+  <p:cSld>
+    <p:spTree>
+      <p:nvGrpSpPr>
+        <p:cNvPr id="1" name=""/>
+        <p:cNvGrpSpPr/>
+        <p:nvPr/>
+      </p:nvGrpSpPr>
+      <p:grpSpPr>
+        <a:xfrm>
+          <a:off x="0" y="0"/>
+          <a:ext cx="0" cy="0"/>
+          <a:chOff x="0" y="0"/>
+          <a:chExt cx="0" cy="0"/>
+        </a:xfrm>
+      </p:grpSpPr>
+      <p:sp>
+        <p:nvSpPr>
+          <p:cNvPr id="2" name="Title 1"/>
+          <p:cNvSpPr>
+            <a:spLocks noGrp="1"/>
+          </p:cNvSpPr>
+          <p:nvPr>
+            <p:ph type="title"/>
+          </p:nvPr>
+        </p:nvSpPr>
+        <p:spPr/>
+        <p:txBody>
+          <a:bodyPr/>
+          <a:lstStyle/>
+          <a:p>
+            <a:r>
+              <a:rPr lang="en-US" dirty="0" smtClean="0"/>
+              <a:t>Shutdown and Restart</a:t>
+            </a:r>
+            <a:endParaRPr lang="en-US" dirty="0"/>
+          </a:p>
+        </p:txBody>
+      </p:sp>
+      <p:sp>
+        <p:nvSpPr>
+          <p:cNvPr id="3" name="Content Placeholder 2"/>
+          <p:cNvSpPr>
+            <a:spLocks noGrp="1"/>
+          </p:cNvSpPr>
+          <p:nvPr>
+            <p:ph idx="1"/>
+          </p:nvPr>
+        </p:nvSpPr>
+        <p:spPr>
+          <a:xfrm>
+            <a:off x="457200" y="1600200"/>
+            <a:ext cx="8229600" cy="4872038"/>
+          </a:xfrm>
+        </p:spPr>
+        <p:txBody>
+          <a:bodyPr>
+            <a:normAutofit fontScale="92500" lnSpcReduction="10000"/>
+          </a:bodyPr>
+          <a:lstStyle/>
+          <a:p>
+            <a:r>
+              <a:rPr lang="en-US" dirty="0" smtClean="0"/>
+              <a:t>The shutdown command is used to shutdown a system (requires super-user privileges).</a:t>
+            </a:r>
+          </a:p>
+          <a:p>
+            <a:pPr lvl="1"/>
+            <a:r>
+              <a:rPr lang="en-US" dirty="0" smtClean="0"/>
+              <a:t>$ </a:t>
+            </a:r>
+            <a:r>
+              <a:rPr lang="en-US" dirty="0" err="1" smtClean="0"/>
+              <a:t>sudo</a:t>
+            </a:r>
+            <a:r>
+              <a:rPr lang="en-US" dirty="0" smtClean="0"/>
+              <a:t> shutdown</a:t>
+            </a:r>
+          </a:p>
+          <a:p>
+            <a:endParaRPr lang="en-US" dirty="0"/>
+          </a:p>
+          <a:p>
+            <a:r>
+              <a:rPr lang="en-US" dirty="0" smtClean="0"/>
+              <a:t>To tell the system to automatically restart after shutting down:</a:t>
+            </a:r>
+          </a:p>
+          <a:p>
+            <a:pPr lvl="1"/>
+            <a:r>
+              <a:rPr lang="en-US" dirty="0" smtClean="0"/>
+              <a:t>$ </a:t>
+            </a:r>
+            <a:r>
+              <a:rPr lang="en-US" dirty="0" err="1" smtClean="0"/>
+              <a:t>sudo</a:t>
+            </a:r>
+            <a:r>
+              <a:rPr lang="en-US" dirty="0" smtClean="0"/>
+              <a:t> shutdown –r now</a:t>
+            </a:r>
+          </a:p>
+          <a:p>
+            <a:pPr lvl="1"/>
+            <a:endParaRPr lang="en-US" dirty="0"/>
+          </a:p>
+          <a:p>
+            <a:r>
+              <a:rPr lang="en-US" dirty="0" smtClean="0"/>
+              <a:t>Note, you can also use AWS tools to start/stop/restart Linux instances.</a:t>
+            </a:r>
+          </a:p>
+        </p:txBody>
+      </p:sp>
+    </p:spTree>
+    <p:extLst>
+      <p:ext uri="{BB962C8B-B14F-4D97-AF65-F5344CB8AC3E}">
+        <p14:creationId xmlns:p14="http://schemas.microsoft.com/office/powerpoint/2010/main" val="144571042"/>
+      </p:ext>
+    </p:extLst>
+  </p:cSld>
+  <p:clrMapOvr>
+    <a:masterClrMapping/>
+  </p:clrMapOvr>
+</p:sld>
+</file>
+
+<file path=ppt/slides/slide52.xml><?xml version="1.0" encoding="utf-8"?>
+<p:sld xmlns:a="http://schemas.openxmlformats.org/drawingml/2006/main" xmlns:r="http://schemas.openxmlformats.org/officeDocument/2006/relationships" xmlns:p="http://schemas.openxmlformats.org/presentationml/2006/main">
+  <p:cSld>
+    <p:spTree>
+      <p:nvGrpSpPr>
+        <p:cNvPr id="1" name=""/>
+        <p:cNvGrpSpPr/>
+        <p:nvPr/>
+      </p:nvGrpSpPr>
+      <p:grpSpPr>
+        <a:xfrm>
+          <a:off x="0" y="0"/>
+          <a:ext cx="0" cy="0"/>
+          <a:chOff x="0" y="0"/>
+          <a:chExt cx="0" cy="0"/>
+        </a:xfrm>
+      </p:grpSpPr>
+      <p:sp>
+        <p:nvSpPr>
+          <p:cNvPr id="2" name="Title 1"/>
+          <p:cNvSpPr>
+            <a:spLocks noGrp="1"/>
+          </p:cNvSpPr>
+          <p:nvPr>
+            <p:ph type="title"/>
+          </p:nvPr>
+        </p:nvSpPr>
+        <p:spPr/>
+        <p:txBody>
+          <a:bodyPr/>
+          <a:lstStyle/>
+          <a:p>
+            <a:r>
               <a:rPr lang="en-US" dirty="0" err="1" smtClean="0"/>
               <a:t>Git</a:t>
             </a:r>
@@ -7079,7 +12328,7 @@
 </p:sld>
 </file>
 
-<file path=ppt/slides/slide26.xml><?xml version="1.0" encoding="utf-8"?>
+<file path=ppt/slides/slide53.xml><?xml version="1.0" encoding="utf-8"?>
 <p:sld xmlns:a="http://schemas.openxmlformats.org/drawingml/2006/main" xmlns:r="http://schemas.openxmlformats.org/officeDocument/2006/relationships" xmlns:p="http://schemas.openxmlformats.org/presentationml/2006/main">
   <p:cSld>
     <p:spTree>
@@ -7178,7 +12427,7 @@
 </p:sld>
 </file>
 
-<file path=ppt/slides/slide27.xml><?xml version="1.0" encoding="utf-8"?>
+<file path=ppt/slides/slide54.xml><?xml version="1.0" encoding="utf-8"?>
 <p:sld xmlns:a="http://schemas.openxmlformats.org/drawingml/2006/main" xmlns:r="http://schemas.openxmlformats.org/officeDocument/2006/relationships" xmlns:p="http://schemas.openxmlformats.org/presentationml/2006/main">
   <p:cSld>
     <p:spTree>
@@ -7328,476 +12577,6 @@
     <p:extLst>
       <p:ext uri="{BB962C8B-B14F-4D97-AF65-F5344CB8AC3E}">
         <p14:creationId xmlns:p14="http://schemas.microsoft.com/office/powerpoint/2010/main" val="1032613"/>
-      </p:ext>
-    </p:extLst>
-  </p:cSld>
-  <p:clrMapOvr>
-    <a:masterClrMapping/>
-  </p:clrMapOvr>
-</p:sld>
-</file>
-
-<file path=ppt/slides/slide3.xml><?xml version="1.0" encoding="utf-8"?>
-<p:sld xmlns:a="http://schemas.openxmlformats.org/drawingml/2006/main" xmlns:r="http://schemas.openxmlformats.org/officeDocument/2006/relationships" xmlns:p="http://schemas.openxmlformats.org/presentationml/2006/main">
-  <p:cSld>
-    <p:spTree>
-      <p:nvGrpSpPr>
-        <p:cNvPr id="1" name=""/>
-        <p:cNvGrpSpPr/>
-        <p:nvPr/>
-      </p:nvGrpSpPr>
-      <p:grpSpPr>
-        <a:xfrm>
-          <a:off x="0" y="0"/>
-          <a:ext cx="0" cy="0"/>
-          <a:chOff x="0" y="0"/>
-          <a:chExt cx="0" cy="0"/>
-        </a:xfrm>
-      </p:grpSpPr>
-      <p:sp>
-        <p:nvSpPr>
-          <p:cNvPr id="2" name="Title 1"/>
-          <p:cNvSpPr>
-            <a:spLocks noGrp="1"/>
-          </p:cNvSpPr>
-          <p:nvPr>
-            <p:ph type="title"/>
-          </p:nvPr>
-        </p:nvSpPr>
-        <p:spPr/>
-        <p:txBody>
-          <a:bodyPr/>
-          <a:lstStyle/>
-          <a:p>
-            <a:r>
-              <a:rPr lang="en-US" dirty="0" smtClean="0"/>
-              <a:t>Automation</a:t>
-            </a:r>
-            <a:endParaRPr lang="en-US" dirty="0"/>
-          </a:p>
-        </p:txBody>
-      </p:sp>
-      <p:sp>
-        <p:nvSpPr>
-          <p:cNvPr id="3" name="Content Placeholder 2"/>
-          <p:cNvSpPr>
-            <a:spLocks noGrp="1"/>
-          </p:cNvSpPr>
-          <p:nvPr>
-            <p:ph idx="1"/>
-          </p:nvPr>
-        </p:nvSpPr>
-        <p:spPr>
-          <a:xfrm>
-            <a:off x="457200" y="1600200"/>
-            <a:ext cx="6617048" cy="4525963"/>
-          </a:xfrm>
-        </p:spPr>
-        <p:txBody>
-          <a:bodyPr>
-            <a:normAutofit lnSpcReduction="10000"/>
-          </a:bodyPr>
-          <a:lstStyle/>
-          <a:p>
-            <a:r>
-              <a:rPr lang="en-US" dirty="0" smtClean="0"/>
-              <a:t>CSA Chapter 12: Automation</a:t>
-            </a:r>
-          </a:p>
-          <a:p>
-            <a:pPr lvl="1"/>
-            <a:r>
-              <a:rPr lang="en-US" dirty="0" smtClean="0"/>
-              <a:t>Automation is a critical component of </a:t>
-            </a:r>
-            <a:r>
-              <a:rPr lang="en-US" dirty="0" err="1" smtClean="0"/>
-              <a:t>DevOps</a:t>
-            </a:r>
-            <a:r>
-              <a:rPr lang="en-US" dirty="0" smtClean="0"/>
-              <a:t> and modern IT practices</a:t>
-            </a:r>
-          </a:p>
-          <a:p>
-            <a:pPr lvl="1"/>
-            <a:endParaRPr lang="en-US" dirty="0" smtClean="0"/>
-          </a:p>
-          <a:p>
-            <a:pPr lvl="1"/>
-            <a:r>
-              <a:rPr lang="en-US" dirty="0" smtClean="0"/>
-              <a:t>Example: Software build pipeline</a:t>
-            </a:r>
-          </a:p>
-          <a:p>
-            <a:pPr lvl="2"/>
-            <a:r>
-              <a:rPr lang="en-US" dirty="0" smtClean="0"/>
-              <a:t>Changes are made to files in version control system</a:t>
-            </a:r>
-          </a:p>
-          <a:p>
-            <a:pPr lvl="2"/>
-            <a:r>
-              <a:rPr lang="en-US" dirty="0" smtClean="0"/>
-              <a:t>New files picked up by software delivery platform and tested</a:t>
-            </a:r>
-          </a:p>
-          <a:p>
-            <a:pPr lvl="2"/>
-            <a:r>
-              <a:rPr lang="en-US" dirty="0" smtClean="0"/>
-              <a:t>New files deployed to production systems</a:t>
-            </a:r>
-          </a:p>
-          <a:p>
-            <a:pPr lvl="1"/>
-            <a:endParaRPr lang="en-US" dirty="0"/>
-          </a:p>
-        </p:txBody>
-      </p:sp>
-      <p:pic>
-        <p:nvPicPr>
-          <p:cNvPr id="4" name="Picture 3"/>
-          <p:cNvPicPr>
-            <a:picLocks noChangeAspect="1"/>
-          </p:cNvPicPr>
-          <p:nvPr/>
-        </p:nvPicPr>
-        <p:blipFill>
-          <a:blip r:embed="rId2"/>
-          <a:stretch>
-            <a:fillRect/>
-          </a:stretch>
-        </p:blipFill>
-        <p:spPr>
-          <a:xfrm>
-            <a:off x="6824988" y="274637"/>
-            <a:ext cx="2172126" cy="2844857"/>
-          </a:xfrm>
-          <a:prstGeom prst="rect">
-            <a:avLst/>
-          </a:prstGeom>
-        </p:spPr>
-      </p:pic>
-    </p:spTree>
-    <p:extLst>
-      <p:ext uri="{BB962C8B-B14F-4D97-AF65-F5344CB8AC3E}">
-        <p14:creationId xmlns:p14="http://schemas.microsoft.com/office/powerpoint/2010/main" val="1820236484"/>
-      </p:ext>
-    </p:extLst>
-  </p:cSld>
-  <p:clrMapOvr>
-    <a:masterClrMapping/>
-  </p:clrMapOvr>
-</p:sld>
-</file>
-
-<file path=ppt/slides/slide4.xml><?xml version="1.0" encoding="utf-8"?>
-<p:sld xmlns:a="http://schemas.openxmlformats.org/drawingml/2006/main" xmlns:r="http://schemas.openxmlformats.org/officeDocument/2006/relationships" xmlns:p="http://schemas.openxmlformats.org/presentationml/2006/main">
-  <p:cSld>
-    <p:spTree>
-      <p:nvGrpSpPr>
-        <p:cNvPr id="1" name=""/>
-        <p:cNvGrpSpPr/>
-        <p:nvPr/>
-      </p:nvGrpSpPr>
-      <p:grpSpPr>
-        <a:xfrm>
-          <a:off x="0" y="0"/>
-          <a:ext cx="0" cy="0"/>
-          <a:chOff x="0" y="0"/>
-          <a:chExt cx="0" cy="0"/>
-        </a:xfrm>
-      </p:grpSpPr>
-      <p:sp>
-        <p:nvSpPr>
-          <p:cNvPr id="2" name="Title 1"/>
-          <p:cNvSpPr>
-            <a:spLocks noGrp="1"/>
-          </p:cNvSpPr>
-          <p:nvPr>
-            <p:ph type="title"/>
-          </p:nvPr>
-        </p:nvSpPr>
-        <p:spPr/>
-        <p:txBody>
-          <a:bodyPr/>
-          <a:lstStyle/>
-          <a:p>
-            <a:r>
-              <a:rPr lang="en-US" dirty="0" smtClean="0"/>
-              <a:t>Automation</a:t>
-            </a:r>
-            <a:endParaRPr lang="en-US" dirty="0"/>
-          </a:p>
-        </p:txBody>
-      </p:sp>
-      <p:sp>
-        <p:nvSpPr>
-          <p:cNvPr id="3" name="Content Placeholder 2"/>
-          <p:cNvSpPr>
-            <a:spLocks noGrp="1"/>
-          </p:cNvSpPr>
-          <p:nvPr>
-            <p:ph idx="1"/>
-          </p:nvPr>
-        </p:nvSpPr>
-        <p:spPr/>
-        <p:txBody>
-          <a:bodyPr>
-            <a:normAutofit fontScale="92500" lnSpcReduction="20000"/>
-          </a:bodyPr>
-          <a:lstStyle/>
-          <a:p>
-            <a:r>
-              <a:rPr lang="en-US" dirty="0" smtClean="0"/>
-              <a:t>Automation approaches:</a:t>
-            </a:r>
-          </a:p>
-          <a:p>
-            <a:pPr lvl="1"/>
-            <a:r>
-              <a:rPr lang="en-US" dirty="0" smtClean="0"/>
-              <a:t>Left-Over Principle: automate everything possible</a:t>
-            </a:r>
-          </a:p>
-          <a:p>
-            <a:pPr lvl="2"/>
-            <a:r>
-              <a:rPr lang="en-US" dirty="0" smtClean="0"/>
-              <a:t>Easy/rare = manual </a:t>
-            </a:r>
-          </a:p>
-          <a:p>
-            <a:pPr lvl="2"/>
-            <a:r>
-              <a:rPr lang="en-US" dirty="0" smtClean="0"/>
-              <a:t>Easy/frequent = automate</a:t>
-            </a:r>
-          </a:p>
-          <a:p>
-            <a:pPr lvl="2"/>
-            <a:r>
-              <a:rPr lang="en-US" dirty="0" smtClean="0"/>
-              <a:t>Difficult/rare = manual (document)</a:t>
-            </a:r>
-          </a:p>
-          <a:p>
-            <a:pPr lvl="2"/>
-            <a:r>
-              <a:rPr lang="en-US" dirty="0" smtClean="0"/>
-              <a:t>Difficult/frequent = automate (but maybe acquire)</a:t>
-            </a:r>
-          </a:p>
-          <a:p>
-            <a:pPr lvl="2"/>
-            <a:endParaRPr lang="en-US" dirty="0" smtClean="0"/>
-          </a:p>
-          <a:p>
-            <a:pPr lvl="1"/>
-            <a:r>
-              <a:rPr lang="en-US" dirty="0" smtClean="0"/>
-              <a:t>Compensatory Principle</a:t>
-            </a:r>
-          </a:p>
-          <a:p>
-            <a:pPr lvl="2"/>
-            <a:r>
-              <a:rPr lang="en-US" dirty="0" smtClean="0"/>
-              <a:t>People aren’t infinitely versatile machines</a:t>
-            </a:r>
-          </a:p>
-          <a:p>
-            <a:pPr lvl="2"/>
-            <a:r>
-              <a:rPr lang="en-US" dirty="0" smtClean="0"/>
-              <a:t>Machines do some things better than people and vice-versa</a:t>
-            </a:r>
-          </a:p>
-          <a:p>
-            <a:pPr lvl="2"/>
-            <a:r>
-              <a:rPr lang="en-US" dirty="0" smtClean="0"/>
-              <a:t>Example: machines better at polling remote hosts every 5 minutes for performance metrics</a:t>
-            </a:r>
-          </a:p>
-          <a:p>
-            <a:pPr lvl="1"/>
-            <a:endParaRPr lang="en-US" dirty="0"/>
-          </a:p>
-        </p:txBody>
-      </p:sp>
-      <p:pic>
-        <p:nvPicPr>
-          <p:cNvPr id="4" name="Picture 3"/>
-          <p:cNvPicPr>
-            <a:picLocks noChangeAspect="1"/>
-          </p:cNvPicPr>
-          <p:nvPr/>
-        </p:nvPicPr>
-        <p:blipFill>
-          <a:blip r:embed="rId2"/>
-          <a:stretch>
-            <a:fillRect/>
-          </a:stretch>
-        </p:blipFill>
-        <p:spPr>
-          <a:xfrm>
-            <a:off x="6518890" y="439195"/>
-            <a:ext cx="1781399" cy="1451801"/>
-          </a:xfrm>
-          <a:prstGeom prst="rect">
-            <a:avLst/>
-          </a:prstGeom>
-        </p:spPr>
-      </p:pic>
-    </p:spTree>
-    <p:extLst>
-      <p:ext uri="{BB962C8B-B14F-4D97-AF65-F5344CB8AC3E}">
-        <p14:creationId xmlns:p14="http://schemas.microsoft.com/office/powerpoint/2010/main" val="2262114456"/>
-      </p:ext>
-    </p:extLst>
-  </p:cSld>
-  <p:clrMapOvr>
-    <a:masterClrMapping/>
-  </p:clrMapOvr>
-</p:sld>
-</file>
-
-<file path=ppt/slides/slide5.xml><?xml version="1.0" encoding="utf-8"?>
-<p:sld xmlns:a="http://schemas.openxmlformats.org/drawingml/2006/main" xmlns:r="http://schemas.openxmlformats.org/officeDocument/2006/relationships" xmlns:p="http://schemas.openxmlformats.org/presentationml/2006/main">
-  <p:cSld>
-    <p:spTree>
-      <p:nvGrpSpPr>
-        <p:cNvPr id="1" name=""/>
-        <p:cNvGrpSpPr/>
-        <p:nvPr/>
-      </p:nvGrpSpPr>
-      <p:grpSpPr>
-        <a:xfrm>
-          <a:off x="0" y="0"/>
-          <a:ext cx="0" cy="0"/>
-          <a:chOff x="0" y="0"/>
-          <a:chExt cx="0" cy="0"/>
-        </a:xfrm>
-      </p:grpSpPr>
-      <p:sp>
-        <p:nvSpPr>
-          <p:cNvPr id="2" name="Title 1"/>
-          <p:cNvSpPr>
-            <a:spLocks noGrp="1"/>
-          </p:cNvSpPr>
-          <p:nvPr>
-            <p:ph type="title"/>
-          </p:nvPr>
-        </p:nvSpPr>
-        <p:spPr/>
-        <p:txBody>
-          <a:bodyPr/>
-          <a:lstStyle/>
-          <a:p>
-            <a:r>
-              <a:rPr lang="en-US" dirty="0" smtClean="0"/>
-              <a:t>Automation</a:t>
-            </a:r>
-            <a:endParaRPr lang="en-US" dirty="0"/>
-          </a:p>
-        </p:txBody>
-      </p:sp>
-      <p:sp>
-        <p:nvSpPr>
-          <p:cNvPr id="3" name="Content Placeholder 2"/>
-          <p:cNvSpPr>
-            <a:spLocks noGrp="1"/>
-          </p:cNvSpPr>
-          <p:nvPr>
-            <p:ph idx="1"/>
-          </p:nvPr>
-        </p:nvSpPr>
-        <p:spPr>
-          <a:xfrm>
-            <a:off x="457200" y="1600200"/>
-            <a:ext cx="8229600" cy="4884136"/>
-          </a:xfrm>
-        </p:spPr>
-        <p:txBody>
-          <a:bodyPr>
-            <a:normAutofit fontScale="85000" lnSpcReduction="10000"/>
-          </a:bodyPr>
-          <a:lstStyle/>
-          <a:p>
-            <a:r>
-              <a:rPr lang="en-US" dirty="0" smtClean="0"/>
-              <a:t>Automation approaches:</a:t>
-            </a:r>
-          </a:p>
-          <a:p>
-            <a:pPr lvl="1"/>
-            <a:r>
-              <a:rPr lang="en-US" dirty="0" smtClean="0"/>
-              <a:t>Complementarity Principle</a:t>
-            </a:r>
-          </a:p>
-          <a:p>
-            <a:pPr lvl="2"/>
-            <a:r>
-              <a:rPr lang="en-US" dirty="0" smtClean="0"/>
-              <a:t>The more a system is automated, the less people understand how the system works</a:t>
-            </a:r>
-          </a:p>
-          <a:p>
-            <a:pPr lvl="2"/>
-            <a:r>
-              <a:rPr lang="en-US" dirty="0" smtClean="0"/>
-              <a:t>Try to strike a balance between automation and future growth in learning</a:t>
-            </a:r>
-          </a:p>
-          <a:p>
-            <a:pPr lvl="2"/>
-            <a:endParaRPr lang="en-US" dirty="0" smtClean="0"/>
-          </a:p>
-          <a:p>
-            <a:r>
-              <a:rPr lang="en-US" dirty="0" smtClean="0"/>
-              <a:t>Tool building vs. automation</a:t>
-            </a:r>
-          </a:p>
-          <a:p>
-            <a:pPr lvl="1"/>
-            <a:r>
-              <a:rPr lang="en-US" dirty="0" smtClean="0"/>
-              <a:t>Tools improve a manual task so that it can be done better</a:t>
-            </a:r>
-          </a:p>
-          <a:p>
-            <a:pPr lvl="2"/>
-            <a:r>
-              <a:rPr lang="en-US" dirty="0" smtClean="0"/>
-              <a:t>Self-service web interface allowing user to launch a new server</a:t>
-            </a:r>
-          </a:p>
-          <a:p>
-            <a:pPr lvl="1"/>
-            <a:r>
-              <a:rPr lang="en-US" dirty="0" smtClean="0"/>
-              <a:t>Automation eliminates the need to perform a manual task</a:t>
-            </a:r>
-          </a:p>
-          <a:p>
-            <a:pPr lvl="2"/>
-            <a:r>
-              <a:rPr lang="en-US" dirty="0" smtClean="0"/>
-              <a:t>Auto-scaling service that automatically launches a server based on predefined trigger</a:t>
-            </a:r>
-          </a:p>
-        </p:txBody>
-      </p:sp>
-    </p:spTree>
-    <p:extLst>
-      <p:ext uri="{BB962C8B-B14F-4D97-AF65-F5344CB8AC3E}">
-        <p14:creationId xmlns:p14="http://schemas.microsoft.com/office/powerpoint/2010/main" val="3933324911"/>
       </p:ext>
     </p:extLst>
   </p:cSld>
@@ -8161,36 +12940,79 @@
             <p:ph idx="1"/>
           </p:nvPr>
         </p:nvSpPr>
-        <p:spPr/>
-        <p:txBody>
-          <a:bodyPr/>
-          <a:lstStyle/>
-          <a:p>
-            <a:r>
-              <a:rPr lang="en-US" dirty="0" smtClean="0"/>
-              <a:t>Shell scripts are traditionally the most common tool used for infrastructure automation.</a:t>
-            </a:r>
-          </a:p>
-          <a:p>
-            <a:pPr lvl="1"/>
-            <a:r>
-              <a:rPr lang="en-US" dirty="0" smtClean="0"/>
-              <a:t>Simple and quick to create</a:t>
-            </a:r>
-          </a:p>
-          <a:p>
-            <a:pPr lvl="1"/>
-            <a:r>
-              <a:rPr lang="en-US" dirty="0" smtClean="0"/>
-              <a:t>Interpreted and executed by systems immediately</a:t>
-            </a:r>
-          </a:p>
-          <a:p>
-            <a:pPr lvl="1"/>
-            <a:r>
-              <a:rPr lang="en-US" dirty="0" smtClean="0"/>
-              <a:t>Batch of commands grouped together in a file and executed from top to bottom</a:t>
-            </a:r>
+        <p:spPr>
+          <a:xfrm>
+            <a:off x="457200" y="1600200"/>
+            <a:ext cx="8229600" cy="4673600"/>
+          </a:xfrm>
+        </p:spPr>
+        <p:txBody>
+          <a:bodyPr>
+            <a:normAutofit fontScale="92500" lnSpcReduction="20000"/>
+          </a:bodyPr>
+          <a:lstStyle/>
+          <a:p>
+            <a:r>
+              <a:rPr lang="en-US" dirty="0" smtClean="0"/>
+              <a:t>Shell scripts are traditionally </a:t>
+            </a:r>
+            <a:r>
+              <a:rPr lang="en-US" dirty="0" smtClean="0"/>
+              <a:t>a </a:t>
+            </a:r>
+            <a:r>
+              <a:rPr lang="en-US" dirty="0" smtClean="0"/>
+              <a:t>common </a:t>
+            </a:r>
+            <a:r>
+              <a:rPr lang="en-US" dirty="0" smtClean="0"/>
+              <a:t>tool used for infrastructure automation.</a:t>
+            </a:r>
+          </a:p>
+          <a:p>
+            <a:pPr lvl="1"/>
+            <a:r>
+              <a:rPr lang="en-US" dirty="0" smtClean="0"/>
+              <a:t>Simple and quick to </a:t>
+            </a:r>
+            <a:r>
+              <a:rPr lang="en-US" dirty="0" smtClean="0"/>
+              <a:t>create</a:t>
+            </a:r>
+          </a:p>
+          <a:p>
+            <a:pPr lvl="1"/>
+            <a:endParaRPr lang="en-US" dirty="0" smtClean="0"/>
+          </a:p>
+          <a:p>
+            <a:pPr lvl="1"/>
+            <a:r>
+              <a:rPr lang="en-US" dirty="0" smtClean="0"/>
+              <a:t>Interpreted and executed by systems </a:t>
+            </a:r>
+            <a:r>
+              <a:rPr lang="en-US" dirty="0" smtClean="0"/>
+              <a:t>immediately</a:t>
+            </a:r>
+          </a:p>
+          <a:p>
+            <a:pPr lvl="1"/>
+            <a:endParaRPr lang="en-US" dirty="0" smtClean="0"/>
+          </a:p>
+          <a:p>
+            <a:pPr lvl="1"/>
+            <a:r>
+              <a:rPr lang="en-US" dirty="0" smtClean="0"/>
+              <a:t>Batch of commands grouped together in a file and executed from top to </a:t>
+            </a:r>
+            <a:r>
+              <a:rPr lang="en-US" dirty="0" smtClean="0"/>
+              <a:t>bottom</a:t>
+            </a:r>
+          </a:p>
+          <a:p>
+            <a:pPr lvl="1"/>
+            <a:endParaRPr lang="en-US" dirty="0" smtClean="0"/>
           </a:p>
           <a:p>
             <a:pPr lvl="1"/>

--- a/lectures/infrastructure-week-2.pptx
+++ b/lectures/infrastructure-week-2.pptx
@@ -8,9 +8,9 @@
     <p:sldId id="257" r:id="rId2"/>
     <p:sldId id="258" r:id="rId3"/>
     <p:sldId id="260" r:id="rId4"/>
-    <p:sldId id="261" r:id="rId5"/>
-    <p:sldId id="262" r:id="rId6"/>
-    <p:sldId id="263" r:id="rId7"/>
+    <p:sldId id="263" r:id="rId5"/>
+    <p:sldId id="261" r:id="rId6"/>
+    <p:sldId id="262" r:id="rId7"/>
     <p:sldId id="264" r:id="rId8"/>
     <p:sldId id="274" r:id="rId9"/>
     <p:sldId id="275" r:id="rId10"/>
@@ -357,7 +357,7 @@
           <a:p>
             <a:fld id="{5B60E164-4364-3441-BA83-2CF3942ACF8D}" type="datetimeFigureOut">
               <a:rPr lang="en-US" smtClean="0"/>
-              <a:t>9/18/16</a:t>
+              <a:t>9/19/16</a:t>
             </a:fld>
             <a:endParaRPr lang="en-US"/>
           </a:p>
@@ -527,7 +527,7 @@
           <a:p>
             <a:fld id="{5B60E164-4364-3441-BA83-2CF3942ACF8D}" type="datetimeFigureOut">
               <a:rPr lang="en-US" smtClean="0"/>
-              <a:t>9/18/16</a:t>
+              <a:t>9/19/16</a:t>
             </a:fld>
             <a:endParaRPr lang="en-US"/>
           </a:p>
@@ -707,7 +707,7 @@
           <a:p>
             <a:fld id="{5B60E164-4364-3441-BA83-2CF3942ACF8D}" type="datetimeFigureOut">
               <a:rPr lang="en-US" smtClean="0"/>
-              <a:t>9/18/16</a:t>
+              <a:t>9/19/16</a:t>
             </a:fld>
             <a:endParaRPr lang="en-US"/>
           </a:p>
@@ -877,7 +877,7 @@
           <a:p>
             <a:fld id="{5B60E164-4364-3441-BA83-2CF3942ACF8D}" type="datetimeFigureOut">
               <a:rPr lang="en-US" smtClean="0"/>
-              <a:t>9/18/16</a:t>
+              <a:t>9/19/16</a:t>
             </a:fld>
             <a:endParaRPr lang="en-US"/>
           </a:p>
@@ -1123,7 +1123,7 @@
           <a:p>
             <a:fld id="{5B60E164-4364-3441-BA83-2CF3942ACF8D}" type="datetimeFigureOut">
               <a:rPr lang="en-US" smtClean="0"/>
-              <a:t>9/18/16</a:t>
+              <a:t>9/19/16</a:t>
             </a:fld>
             <a:endParaRPr lang="en-US"/>
           </a:p>
@@ -1411,7 +1411,7 @@
           <a:p>
             <a:fld id="{5B60E164-4364-3441-BA83-2CF3942ACF8D}" type="datetimeFigureOut">
               <a:rPr lang="en-US" smtClean="0"/>
-              <a:t>9/18/16</a:t>
+              <a:t>9/19/16</a:t>
             </a:fld>
             <a:endParaRPr lang="en-US"/>
           </a:p>
@@ -1833,7 +1833,7 @@
           <a:p>
             <a:fld id="{5B60E164-4364-3441-BA83-2CF3942ACF8D}" type="datetimeFigureOut">
               <a:rPr lang="en-US" smtClean="0"/>
-              <a:t>9/18/16</a:t>
+              <a:t>9/19/16</a:t>
             </a:fld>
             <a:endParaRPr lang="en-US"/>
           </a:p>
@@ -1951,7 +1951,7 @@
           <a:p>
             <a:fld id="{5B60E164-4364-3441-BA83-2CF3942ACF8D}" type="datetimeFigureOut">
               <a:rPr lang="en-US" smtClean="0"/>
-              <a:t>9/18/16</a:t>
+              <a:t>9/19/16</a:t>
             </a:fld>
             <a:endParaRPr lang="en-US"/>
           </a:p>
@@ -2046,7 +2046,7 @@
           <a:p>
             <a:fld id="{5B60E164-4364-3441-BA83-2CF3942ACF8D}" type="datetimeFigureOut">
               <a:rPr lang="en-US" smtClean="0"/>
-              <a:t>9/18/16</a:t>
+              <a:t>9/19/16</a:t>
             </a:fld>
             <a:endParaRPr lang="en-US"/>
           </a:p>
@@ -2323,7 +2323,7 @@
           <a:p>
             <a:fld id="{5B60E164-4364-3441-BA83-2CF3942ACF8D}" type="datetimeFigureOut">
               <a:rPr lang="en-US" smtClean="0"/>
-              <a:t>9/18/16</a:t>
+              <a:t>9/19/16</a:t>
             </a:fld>
             <a:endParaRPr lang="en-US"/>
           </a:p>
@@ -2576,7 +2576,7 @@
           <a:p>
             <a:fld id="{5B60E164-4364-3441-BA83-2CF3942ACF8D}" type="datetimeFigureOut">
               <a:rPr lang="en-US" smtClean="0"/>
-              <a:t>9/18/16</a:t>
+              <a:t>9/19/16</a:t>
             </a:fld>
             <a:endParaRPr lang="en-US"/>
           </a:p>
@@ -2789,7 +2789,7 @@
           <a:p>
             <a:fld id="{5B60E164-4364-3441-BA83-2CF3942ACF8D}" type="datetimeFigureOut">
               <a:rPr lang="en-US" smtClean="0"/>
-              <a:t>9/18/16</a:t>
+              <a:t>9/19/16</a:t>
             </a:fld>
             <a:endParaRPr lang="en-US"/>
           </a:p>
@@ -3312,6 +3312,13 @@
   <p:clrMapOvr>
     <a:masterClrMapping/>
   </p:clrMapOvr>
+  <p:timing>
+    <p:tnLst>
+      <p:par>
+        <p:cTn id="1" dur="indefinite" restart="never" nodeType="tmRoot"/>
+      </p:par>
+    </p:tnLst>
+  </p:timing>
 </p:sld>
 </file>
 
@@ -3536,6 +3543,13 @@
   <p:clrMapOvr>
     <a:masterClrMapping/>
   </p:clrMapOvr>
+  <p:timing>
+    <p:tnLst>
+      <p:par>
+        <p:cTn id="1" dur="indefinite" restart="never" nodeType="tmRoot"/>
+      </p:par>
+    </p:tnLst>
+  </p:timing>
 </p:sld>
 </file>
 
@@ -3740,6 +3754,13 @@
   <p:clrMapOvr>
     <a:masterClrMapping/>
   </p:clrMapOvr>
+  <p:timing>
+    <p:tnLst>
+      <p:par>
+        <p:cTn id="1" dur="indefinite" restart="never" nodeType="tmRoot"/>
+      </p:par>
+    </p:tnLst>
+  </p:timing>
 </p:sld>
 </file>
 
@@ -3971,6 +3992,13 @@
   <p:clrMapOvr>
     <a:masterClrMapping/>
   </p:clrMapOvr>
+  <p:timing>
+    <p:tnLst>
+      <p:par>
+        <p:cTn id="1" dur="indefinite" restart="never" nodeType="tmRoot"/>
+      </p:par>
+    </p:tnLst>
+  </p:timing>
 </p:sld>
 </file>
 
@@ -4158,6 +4186,13 @@
   <p:clrMapOvr>
     <a:masterClrMapping/>
   </p:clrMapOvr>
+  <p:timing>
+    <p:tnLst>
+      <p:par>
+        <p:cTn id="1" dur="indefinite" restart="never" nodeType="tmRoot"/>
+      </p:par>
+    </p:tnLst>
+  </p:timing>
 </p:sld>
 </file>
 
@@ -4605,6 +4640,13 @@
   <p:clrMapOvr>
     <a:masterClrMapping/>
   </p:clrMapOvr>
+  <p:timing>
+    <p:tnLst>
+      <p:par>
+        <p:cTn id="1" dur="indefinite" restart="never" nodeType="tmRoot"/>
+      </p:par>
+    </p:tnLst>
+  </p:timing>
 </p:sld>
 </file>
 
@@ -4898,6 +4940,13 @@
   <p:clrMapOvr>
     <a:masterClrMapping/>
   </p:clrMapOvr>
+  <p:timing>
+    <p:tnLst>
+      <p:par>
+        <p:cTn id="1" dur="indefinite" restart="never" nodeType="tmRoot"/>
+      </p:par>
+    </p:tnLst>
+  </p:timing>
 </p:sld>
 </file>
 
@@ -5275,6 +5324,13 @@
   <p:clrMapOvr>
     <a:masterClrMapping/>
   </p:clrMapOvr>
+  <p:timing>
+    <p:tnLst>
+      <p:par>
+        <p:cTn id="1" dur="indefinite" restart="never" nodeType="tmRoot"/>
+      </p:par>
+    </p:tnLst>
+  </p:timing>
 </p:sld>
 </file>
 
@@ -5528,6 +5584,13 @@
   <p:clrMapOvr>
     <a:masterClrMapping/>
   </p:clrMapOvr>
+  <p:timing>
+    <p:tnLst>
+      <p:par>
+        <p:cTn id="1" dur="indefinite" restart="never" nodeType="tmRoot"/>
+      </p:par>
+    </p:tnLst>
+  </p:timing>
 </p:sld>
 </file>
 
@@ -5865,6 +5928,13 @@
   <p:clrMapOvr>
     <a:masterClrMapping/>
   </p:clrMapOvr>
+  <p:timing>
+    <p:tnLst>
+      <p:par>
+        <p:cTn id="1" dur="indefinite" restart="never" nodeType="tmRoot"/>
+      </p:par>
+    </p:tnLst>
+  </p:timing>
 </p:sld>
 </file>
 
@@ -6018,7 +6088,39 @@
                 <a:ea typeface="Consolas" charset="0"/>
                 <a:cs typeface="Consolas" charset="0"/>
               </a:rPr>
-              <a:t>cho $(var1-$var2}		# output is 1</a:t>
+              <a:t>cho </a:t>
+            </a:r>
+            <a:r>
+              <a:rPr lang="en-US" smtClean="0">
+                <a:latin typeface="Consolas" charset="0"/>
+                <a:ea typeface="Consolas" charset="0"/>
+                <a:cs typeface="Consolas" charset="0"/>
+              </a:rPr>
+              <a:t>${var2-</a:t>
+            </a:r>
+            <a:r>
+              <a:rPr lang="en-US" smtClean="0">
+                <a:latin typeface="Consolas" charset="0"/>
+                <a:ea typeface="Consolas" charset="0"/>
+                <a:cs typeface="Consolas" charset="0"/>
+              </a:rPr>
+              <a:t>$</a:t>
+            </a:r>
+            <a:r>
+              <a:rPr lang="en-US" smtClean="0">
+                <a:latin typeface="Consolas" charset="0"/>
+                <a:ea typeface="Consolas" charset="0"/>
+                <a:cs typeface="Consolas" charset="0"/>
+              </a:rPr>
+              <a:t>var1}</a:t>
+            </a:r>
+            <a:r>
+              <a:rPr lang="en-US" dirty="0" smtClean="0">
+                <a:latin typeface="Consolas" charset="0"/>
+                <a:ea typeface="Consolas" charset="0"/>
+                <a:cs typeface="Consolas" charset="0"/>
+              </a:rPr>
+              <a:t>		# output is 1</a:t>
             </a:r>
           </a:p>
           <a:p>
@@ -6087,6 +6189,13 @@
   <p:clrMapOvr>
     <a:masterClrMapping/>
   </p:clrMapOvr>
+  <p:timing>
+    <p:tnLst>
+      <p:par>
+        <p:cTn id="1" dur="indefinite" restart="never" nodeType="tmRoot"/>
+      </p:par>
+    </p:tnLst>
+  </p:timing>
 </p:sld>
 </file>
 
@@ -6208,6 +6317,13 @@
   <p:clrMapOvr>
     <a:masterClrMapping/>
   </p:clrMapOvr>
+  <p:timing>
+    <p:tnLst>
+      <p:par>
+        <p:cTn id="1" dur="indefinite" restart="never" nodeType="tmRoot"/>
+      </p:par>
+    </p:tnLst>
+  </p:timing>
 </p:sld>
 </file>
 
@@ -6364,6 +6480,13 @@
   <p:clrMapOvr>
     <a:masterClrMapping/>
   </p:clrMapOvr>
+  <p:timing>
+    <p:tnLst>
+      <p:par>
+        <p:cTn id="1" dur="indefinite" restart="never" nodeType="tmRoot"/>
+      </p:par>
+    </p:tnLst>
+  </p:timing>
 </p:sld>
 </file>
 
@@ -6530,6 +6653,13 @@
   <p:clrMapOvr>
     <a:masterClrMapping/>
   </p:clrMapOvr>
+  <p:timing>
+    <p:tnLst>
+      <p:par>
+        <p:cTn id="1" dur="indefinite" restart="never" nodeType="tmRoot"/>
+      </p:par>
+    </p:tnLst>
+  </p:timing>
 </p:sld>
 </file>
 
@@ -6726,11 +6856,7 @@
             <a:pPr lvl="1"/>
             <a:r>
               <a:rPr lang="en-US" dirty="0" smtClean="0"/>
-              <a:t>Rolling release maintained in an AWS </a:t>
-            </a:r>
-            <a:r>
-              <a:rPr lang="en-US" dirty="0" smtClean="0"/>
-              <a:t>AMI</a:t>
+              <a:t>Rolling release maintained in an AWS AMI</a:t>
             </a:r>
           </a:p>
           <a:p>
@@ -6741,11 +6867,7 @@
             <a:pPr lvl="1"/>
             <a:r>
               <a:rPr lang="en-US" dirty="0" smtClean="0"/>
-              <a:t>Designed for the AWS </a:t>
-            </a:r>
-            <a:r>
-              <a:rPr lang="en-US" dirty="0" smtClean="0"/>
-              <a:t>ecosystem</a:t>
+              <a:t>Designed for the AWS ecosystem</a:t>
             </a:r>
           </a:p>
           <a:p>
@@ -6756,11 +6878,7 @@
             <a:pPr lvl="1"/>
             <a:r>
               <a:rPr lang="en-US" dirty="0" smtClean="0"/>
-              <a:t>Based on Red Hat Enterprise Linux/ </a:t>
-            </a:r>
-            <a:r>
-              <a:rPr lang="en-US" dirty="0" smtClean="0"/>
-              <a:t>CentOS</a:t>
+              <a:t>Based on Red Hat Enterprise Linux/ CentOS</a:t>
             </a:r>
           </a:p>
           <a:p>
@@ -6865,11 +6983,7 @@
           <a:p>
             <a:r>
               <a:rPr lang="en-US" dirty="0" smtClean="0"/>
-              <a:t>Linux </a:t>
-            </a:r>
-            <a:r>
-              <a:rPr lang="en-US" dirty="0" smtClean="0"/>
-              <a:t>Hands-on</a:t>
+              <a:t>Linux Hands-on</a:t>
             </a:r>
             <a:endParaRPr lang="en-US" dirty="0"/>
           </a:p>
@@ -6901,11 +7015,7 @@
             <a:pPr lvl="1"/>
             <a:r>
               <a:rPr lang="en-US" dirty="0" smtClean="0"/>
-              <a:t>Amazon Linux EC2 micro instance running in a public </a:t>
-            </a:r>
-            <a:r>
-              <a:rPr lang="en-US" dirty="0" smtClean="0"/>
-              <a:t>subnet</a:t>
+              <a:t>Amazon Linux EC2 micro instance running in a public subnet</a:t>
             </a:r>
           </a:p>
           <a:p>
@@ -6916,11 +7026,7 @@
             <a:pPr lvl="1"/>
             <a:r>
               <a:rPr lang="en-US" dirty="0" smtClean="0"/>
-              <a:t>Public/Private access keys for the </a:t>
-            </a:r>
-            <a:r>
-              <a:rPr lang="en-US" dirty="0" smtClean="0"/>
-              <a:t>instance</a:t>
+              <a:t>Public/Private access keys for the instance</a:t>
             </a:r>
           </a:p>
           <a:p>
@@ -8174,6 +8280,13 @@
   <p:clrMapOvr>
     <a:masterClrMapping/>
   </p:clrMapOvr>
+  <p:timing>
+    <p:tnLst>
+      <p:par>
+        <p:cTn id="1" dur="indefinite" restart="never" nodeType="tmRoot"/>
+      </p:par>
+    </p:tnLst>
+  </p:timing>
 </p:sld>
 </file>
 
@@ -9831,7 +9944,7 @@
           <a:p>
             <a:r>
               <a:rPr lang="en-US" dirty="0" smtClean="0"/>
-              <a:t>Automation</a:t>
+              <a:t>Automation goals</a:t>
             </a:r>
             <a:endParaRPr lang="en-US" dirty="0"/>
           </a:p>
@@ -9854,81 +9967,82 @@
           </a:bodyPr>
           <a:lstStyle/>
           <a:p>
-            <a:r>
-              <a:rPr lang="en-US" dirty="0" smtClean="0"/>
-              <a:t>Automation approaches:</a:t>
-            </a:r>
-          </a:p>
-          <a:p>
-            <a:pPr lvl="1"/>
-            <a:r>
-              <a:rPr lang="en-US" dirty="0" smtClean="0"/>
-              <a:t>Left-Over Principle: automate everything possible</a:t>
-            </a:r>
-          </a:p>
-          <a:p>
-            <a:pPr lvl="2"/>
-            <a:r>
-              <a:rPr lang="en-US" dirty="0" smtClean="0"/>
-              <a:t>Easy/rare = manual </a:t>
-            </a:r>
-          </a:p>
-          <a:p>
-            <a:pPr lvl="2"/>
-            <a:r>
-              <a:rPr lang="en-US" dirty="0" smtClean="0"/>
-              <a:t>Easy/frequent = automate</a:t>
-            </a:r>
-          </a:p>
-          <a:p>
-            <a:pPr lvl="2"/>
-            <a:r>
-              <a:rPr lang="en-US" dirty="0" smtClean="0"/>
-              <a:t>Difficult/rare = manual (document)</a:t>
-            </a:r>
-          </a:p>
-          <a:p>
-            <a:pPr lvl="2"/>
-            <a:r>
-              <a:rPr lang="en-US" dirty="0" smtClean="0"/>
-              <a:t>Difficult/frequent = automate (but maybe acquire)</a:t>
-            </a:r>
-          </a:p>
-          <a:p>
-            <a:pPr lvl="2"/>
+            <a:pPr lvl="1"/>
+            <a:r>
+              <a:rPr lang="en-US" b="1" dirty="0" smtClean="0"/>
+              <a:t>Help scaling</a:t>
+            </a:r>
+            <a:r>
+              <a:rPr lang="en-US" dirty="0" smtClean="0"/>
+              <a:t>: one person performs the work of many</a:t>
+            </a:r>
+          </a:p>
+          <a:p>
+            <a:pPr lvl="1"/>
             <a:endParaRPr lang="en-US" dirty="0" smtClean="0"/>
           </a:p>
           <a:p>
             <a:pPr lvl="1"/>
             <a:r>
-              <a:rPr lang="en-US" dirty="0" smtClean="0"/>
-              <a:t>Compensatory Principle</a:t>
-            </a:r>
-          </a:p>
-          <a:p>
-            <a:pPr lvl="2"/>
-            <a:r>
-              <a:rPr lang="en-US" dirty="0" smtClean="0"/>
-              <a:t>People aren’t infinitely versatile machines</a:t>
-            </a:r>
-          </a:p>
-          <a:p>
-            <a:pPr lvl="2"/>
-            <a:r>
-              <a:rPr lang="en-US" dirty="0" smtClean="0"/>
-              <a:t>Machines do some things better than people and vice-versa</a:t>
-            </a:r>
-          </a:p>
-          <a:p>
-            <a:pPr lvl="2"/>
-            <a:r>
-              <a:rPr lang="en-US" dirty="0" smtClean="0"/>
-              <a:t>Example: machines better at polling remote hosts every 5 minutes for performance metrics</a:t>
-            </a:r>
-          </a:p>
-          <a:p>
-            <a:pPr lvl="1"/>
-            <a:endParaRPr lang="en-US" dirty="0"/>
+              <a:rPr lang="en-US" b="1" dirty="0" smtClean="0"/>
+              <a:t>Improve accuracy/ repeatability</a:t>
+            </a:r>
+            <a:r>
+              <a:rPr lang="en-US" dirty="0" smtClean="0"/>
+              <a:t>: perform task same way every time</a:t>
+            </a:r>
+          </a:p>
+          <a:p>
+            <a:pPr lvl="1"/>
+            <a:endParaRPr lang="en-US" dirty="0" smtClean="0"/>
+          </a:p>
+          <a:p>
+            <a:pPr lvl="1"/>
+            <a:r>
+              <a:rPr lang="en-US" b="1" dirty="0" smtClean="0"/>
+              <a:t>Save time</a:t>
+            </a:r>
+            <a:r>
+              <a:rPr lang="en-US" dirty="0" smtClean="0"/>
+              <a:t>: perform task faster than human</a:t>
+            </a:r>
+          </a:p>
+          <a:p>
+            <a:pPr lvl="1"/>
+            <a:endParaRPr lang="en-US" dirty="0" smtClean="0"/>
+          </a:p>
+          <a:p>
+            <a:pPr lvl="1"/>
+            <a:r>
+              <a:rPr lang="en-US" b="1" dirty="0" smtClean="0"/>
+              <a:t>Make processes safer</a:t>
+            </a:r>
+            <a:r>
+              <a:rPr lang="en-US" dirty="0" smtClean="0"/>
+              <a:t>: eliminate mistakes</a:t>
+            </a:r>
+          </a:p>
+          <a:p>
+            <a:pPr lvl="1"/>
+            <a:endParaRPr lang="en-US" dirty="0" smtClean="0"/>
+          </a:p>
+          <a:p>
+            <a:pPr lvl="1"/>
+            <a:r>
+              <a:rPr lang="en-US" b="1" dirty="0" smtClean="0"/>
+              <a:t>Empower users</a:t>
+            </a:r>
+            <a:r>
+              <a:rPr lang="en-US" dirty="0" smtClean="0"/>
+              <a:t>: let’s less experienced people perform complex tasks</a:t>
+            </a:r>
+          </a:p>
+          <a:p>
+            <a:endParaRPr lang="en-US" dirty="0" smtClean="0"/>
+          </a:p>
+          <a:p>
+            <a:pPr lvl="1"/>
+            <a:endParaRPr lang="en-US" dirty="0" smtClean="0"/>
           </a:p>
         </p:txBody>
       </p:sp>
@@ -9948,8 +10062,8 @@
         </p:blipFill>
         <p:spPr>
           <a:xfrm>
-            <a:off x="6518890" y="439195"/>
-            <a:ext cx="1781399" cy="1451801"/>
+            <a:off x="6963468" y="274638"/>
+            <a:ext cx="1883853" cy="1883853"/>
           </a:xfrm>
           <a:prstGeom prst="rect">
             <a:avLst/>
@@ -9959,13 +10073,20 @@
     </p:spTree>
     <p:extLst>
       <p:ext uri="{BB962C8B-B14F-4D97-AF65-F5344CB8AC3E}">
-        <p14:creationId xmlns:p14="http://schemas.microsoft.com/office/powerpoint/2010/main" val="2262114456"/>
+        <p14:creationId xmlns:p14="http://schemas.microsoft.com/office/powerpoint/2010/main" val="3301385349"/>
       </p:ext>
     </p:extLst>
   </p:cSld>
   <p:clrMapOvr>
     <a:masterClrMapping/>
   </p:clrMapOvr>
+  <p:timing>
+    <p:tnLst>
+      <p:par>
+        <p:cTn id="1" dur="indefinite" restart="never" nodeType="tmRoot"/>
+      </p:par>
+    </p:tnLst>
+  </p:timing>
 </p:sld>
 </file>
 
@@ -11762,94 +11883,132 @@
             <p:ph idx="1"/>
           </p:nvPr>
         </p:nvSpPr>
+        <p:spPr/>
+        <p:txBody>
+          <a:bodyPr>
+            <a:normAutofit fontScale="92500" lnSpcReduction="20000"/>
+          </a:bodyPr>
+          <a:lstStyle/>
+          <a:p>
+            <a:r>
+              <a:rPr lang="en-US" dirty="0" smtClean="0"/>
+              <a:t>Automation approaches:</a:t>
+            </a:r>
+          </a:p>
+          <a:p>
+            <a:pPr lvl="1"/>
+            <a:r>
+              <a:rPr lang="en-US" dirty="0" smtClean="0"/>
+              <a:t>Left-Over Principle: automate everything possible</a:t>
+            </a:r>
+          </a:p>
+          <a:p>
+            <a:pPr lvl="2"/>
+            <a:r>
+              <a:rPr lang="en-US" dirty="0" smtClean="0"/>
+              <a:t>Easy/rare = manual </a:t>
+            </a:r>
+          </a:p>
+          <a:p>
+            <a:pPr lvl="2"/>
+            <a:r>
+              <a:rPr lang="en-US" dirty="0" smtClean="0"/>
+              <a:t>Easy/frequent = automate</a:t>
+            </a:r>
+          </a:p>
+          <a:p>
+            <a:pPr lvl="2"/>
+            <a:r>
+              <a:rPr lang="en-US" dirty="0" smtClean="0"/>
+              <a:t>Difficult/rare = manual (document)</a:t>
+            </a:r>
+          </a:p>
+          <a:p>
+            <a:pPr lvl="2"/>
+            <a:r>
+              <a:rPr lang="en-US" dirty="0" smtClean="0"/>
+              <a:t>Difficult/frequent = automate (but maybe acquire)</a:t>
+            </a:r>
+          </a:p>
+          <a:p>
+            <a:pPr lvl="2"/>
+            <a:endParaRPr lang="en-US" dirty="0" smtClean="0"/>
+          </a:p>
+          <a:p>
+            <a:pPr lvl="1"/>
+            <a:r>
+              <a:rPr lang="en-US" dirty="0" smtClean="0"/>
+              <a:t>Compensatory Principle</a:t>
+            </a:r>
+          </a:p>
+          <a:p>
+            <a:pPr lvl="2"/>
+            <a:r>
+              <a:rPr lang="en-US" dirty="0" smtClean="0"/>
+              <a:t>People aren’t infinitely versatile machines</a:t>
+            </a:r>
+          </a:p>
+          <a:p>
+            <a:pPr lvl="2"/>
+            <a:r>
+              <a:rPr lang="en-US" dirty="0" smtClean="0"/>
+              <a:t>Machines do some things better than people and vice-versa</a:t>
+            </a:r>
+          </a:p>
+          <a:p>
+            <a:pPr lvl="2"/>
+            <a:r>
+              <a:rPr lang="en-US" dirty="0" smtClean="0"/>
+              <a:t>Example: machines better at polling remote hosts every 5 minutes for performance metrics</a:t>
+            </a:r>
+          </a:p>
+          <a:p>
+            <a:pPr lvl="1"/>
+            <a:endParaRPr lang="en-US" dirty="0"/>
+          </a:p>
+        </p:txBody>
+      </p:sp>
+      <p:pic>
+        <p:nvPicPr>
+          <p:cNvPr id="4" name="Picture 3"/>
+          <p:cNvPicPr>
+            <a:picLocks noChangeAspect="1"/>
+          </p:cNvPicPr>
+          <p:nvPr/>
+        </p:nvPicPr>
+        <p:blipFill>
+          <a:blip r:embed="rId2"/>
+          <a:stretch>
+            <a:fillRect/>
+          </a:stretch>
+        </p:blipFill>
         <p:spPr>
           <a:xfrm>
-            <a:off x="457200" y="1600200"/>
-            <a:ext cx="8229600" cy="4884136"/>
+            <a:off x="6518890" y="439195"/>
+            <a:ext cx="1781399" cy="1451801"/>
           </a:xfrm>
+          <a:prstGeom prst="rect">
+            <a:avLst/>
+          </a:prstGeom>
         </p:spPr>
-        <p:txBody>
-          <a:bodyPr>
-            <a:normAutofit fontScale="85000" lnSpcReduction="10000"/>
-          </a:bodyPr>
-          <a:lstStyle/>
-          <a:p>
-            <a:r>
-              <a:rPr lang="en-US" dirty="0" smtClean="0"/>
-              <a:t>Automation approaches:</a:t>
-            </a:r>
-          </a:p>
-          <a:p>
-            <a:pPr lvl="1"/>
-            <a:r>
-              <a:rPr lang="en-US" dirty="0" smtClean="0"/>
-              <a:t>Complementarity Principle</a:t>
-            </a:r>
-          </a:p>
-          <a:p>
-            <a:pPr lvl="2"/>
-            <a:r>
-              <a:rPr lang="en-US" dirty="0" smtClean="0"/>
-              <a:t>The more a system is automated, the less people understand how the system works</a:t>
-            </a:r>
-          </a:p>
-          <a:p>
-            <a:pPr lvl="2"/>
-            <a:r>
-              <a:rPr lang="en-US" dirty="0" smtClean="0"/>
-              <a:t>Try to strike a balance between automation and future growth in learning</a:t>
-            </a:r>
-          </a:p>
-          <a:p>
-            <a:pPr lvl="2"/>
-            <a:endParaRPr lang="en-US" dirty="0" smtClean="0"/>
-          </a:p>
-          <a:p>
-            <a:r>
-              <a:rPr lang="en-US" dirty="0" smtClean="0"/>
-              <a:t>Tool building vs. automation</a:t>
-            </a:r>
-          </a:p>
-          <a:p>
-            <a:pPr lvl="1"/>
-            <a:r>
-              <a:rPr lang="en-US" dirty="0" smtClean="0"/>
-              <a:t>Tools improve a manual task so that it can be done better</a:t>
-            </a:r>
-          </a:p>
-          <a:p>
-            <a:pPr lvl="2"/>
-            <a:r>
-              <a:rPr lang="en-US" dirty="0" smtClean="0"/>
-              <a:t>Self-service web interface allowing user to launch a new server</a:t>
-            </a:r>
-          </a:p>
-          <a:p>
-            <a:pPr lvl="1"/>
-            <a:r>
-              <a:rPr lang="en-US" dirty="0" smtClean="0"/>
-              <a:t>Automation eliminates the need to perform a manual task</a:t>
-            </a:r>
-          </a:p>
-          <a:p>
-            <a:pPr lvl="2"/>
-            <a:r>
-              <a:rPr lang="en-US" dirty="0" smtClean="0"/>
-              <a:t>Auto-scaling service that automatically launches a server based on predefined trigger</a:t>
-            </a:r>
-          </a:p>
-        </p:txBody>
-      </p:sp>
+      </p:pic>
     </p:spTree>
     <p:extLst>
       <p:ext uri="{BB962C8B-B14F-4D97-AF65-F5344CB8AC3E}">
-        <p14:creationId xmlns:p14="http://schemas.microsoft.com/office/powerpoint/2010/main" val="3933324911"/>
+        <p14:creationId xmlns:p14="http://schemas.microsoft.com/office/powerpoint/2010/main" val="2262114456"/>
       </p:ext>
     </p:extLst>
   </p:cSld>
   <p:clrMapOvr>
     <a:masterClrMapping/>
   </p:clrMapOvr>
+  <p:timing>
+    <p:tnLst>
+      <p:par>
+        <p:cTn id="1" dur="indefinite" restart="never" nodeType="tmRoot"/>
+      </p:par>
+    </p:tnLst>
+  </p:timing>
 </p:sld>
 </file>
 
@@ -12620,7 +12779,7 @@
           <a:p>
             <a:r>
               <a:rPr lang="en-US" dirty="0" smtClean="0"/>
-              <a:t>Automation goals</a:t>
+              <a:t>Automation</a:t>
             </a:r>
             <a:endParaRPr lang="en-US" dirty="0"/>
           </a:p>
@@ -12636,126 +12795,101 @@
             <p:ph idx="1"/>
           </p:nvPr>
         </p:nvSpPr>
-        <p:spPr/>
-        <p:txBody>
-          <a:bodyPr>
-            <a:normAutofit fontScale="92500" lnSpcReduction="20000"/>
-          </a:bodyPr>
-          <a:lstStyle/>
-          <a:p>
-            <a:pPr lvl="1"/>
-            <a:r>
-              <a:rPr lang="en-US" b="1" dirty="0" smtClean="0"/>
-              <a:t>Help scaling</a:t>
-            </a:r>
-            <a:r>
-              <a:rPr lang="en-US" dirty="0" smtClean="0"/>
-              <a:t>: one person performs the work of many</a:t>
-            </a:r>
-          </a:p>
-          <a:p>
-            <a:pPr lvl="1"/>
-            <a:endParaRPr lang="en-US" dirty="0" smtClean="0"/>
-          </a:p>
-          <a:p>
-            <a:pPr lvl="1"/>
-            <a:r>
-              <a:rPr lang="en-US" b="1" dirty="0" smtClean="0"/>
-              <a:t>Improve accuracy/ repeatability</a:t>
-            </a:r>
-            <a:r>
-              <a:rPr lang="en-US" dirty="0" smtClean="0"/>
-              <a:t>: perform task same way every time</a:t>
-            </a:r>
-          </a:p>
-          <a:p>
-            <a:pPr lvl="1"/>
-            <a:endParaRPr lang="en-US" dirty="0" smtClean="0"/>
-          </a:p>
-          <a:p>
-            <a:pPr lvl="1"/>
-            <a:r>
-              <a:rPr lang="en-US" b="1" dirty="0" smtClean="0"/>
-              <a:t>Save time</a:t>
-            </a:r>
-            <a:r>
-              <a:rPr lang="en-US" dirty="0" smtClean="0"/>
-              <a:t>: perform task faster than human</a:t>
-            </a:r>
-          </a:p>
-          <a:p>
-            <a:pPr lvl="1"/>
-            <a:endParaRPr lang="en-US" dirty="0" smtClean="0"/>
-          </a:p>
-          <a:p>
-            <a:pPr lvl="1"/>
-            <a:r>
-              <a:rPr lang="en-US" b="1" dirty="0" smtClean="0"/>
-              <a:t>Make processes safer</a:t>
-            </a:r>
-            <a:r>
-              <a:rPr lang="en-US" dirty="0" smtClean="0"/>
-              <a:t>: eliminate mistakes</a:t>
-            </a:r>
-          </a:p>
-          <a:p>
-            <a:pPr lvl="1"/>
-            <a:endParaRPr lang="en-US" dirty="0" smtClean="0"/>
-          </a:p>
-          <a:p>
-            <a:pPr lvl="1"/>
-            <a:r>
-              <a:rPr lang="en-US" b="1" dirty="0" smtClean="0"/>
-              <a:t>Empower users</a:t>
-            </a:r>
-            <a:r>
-              <a:rPr lang="en-US" dirty="0" smtClean="0"/>
-              <a:t>: let’s less experienced people perform complex tasks</a:t>
-            </a:r>
-          </a:p>
-          <a:p>
-            <a:endParaRPr lang="en-US" dirty="0" smtClean="0"/>
-          </a:p>
-          <a:p>
-            <a:pPr lvl="1"/>
-            <a:endParaRPr lang="en-US" dirty="0" smtClean="0"/>
-          </a:p>
-        </p:txBody>
-      </p:sp>
-      <p:pic>
-        <p:nvPicPr>
-          <p:cNvPr id="4" name="Picture 3"/>
-          <p:cNvPicPr>
-            <a:picLocks noChangeAspect="1"/>
-          </p:cNvPicPr>
-          <p:nvPr/>
-        </p:nvPicPr>
-        <p:blipFill>
-          <a:blip r:embed="rId2"/>
-          <a:stretch>
-            <a:fillRect/>
-          </a:stretch>
-        </p:blipFill>
         <p:spPr>
           <a:xfrm>
-            <a:off x="6963468" y="274638"/>
-            <a:ext cx="1883853" cy="1883853"/>
+            <a:off x="457200" y="1600200"/>
+            <a:ext cx="8229600" cy="4884136"/>
           </a:xfrm>
-          <a:prstGeom prst="rect">
-            <a:avLst/>
-          </a:prstGeom>
         </p:spPr>
-      </p:pic>
+        <p:txBody>
+          <a:bodyPr>
+            <a:normAutofit fontScale="85000" lnSpcReduction="10000"/>
+          </a:bodyPr>
+          <a:lstStyle/>
+          <a:p>
+            <a:r>
+              <a:rPr lang="en-US" dirty="0" smtClean="0"/>
+              <a:t>Automation approaches:</a:t>
+            </a:r>
+          </a:p>
+          <a:p>
+            <a:pPr lvl="1"/>
+            <a:r>
+              <a:rPr lang="en-US" dirty="0" smtClean="0"/>
+              <a:t>Complementarity Principle</a:t>
+            </a:r>
+          </a:p>
+          <a:p>
+            <a:pPr lvl="2"/>
+            <a:r>
+              <a:rPr lang="en-US" dirty="0" smtClean="0"/>
+              <a:t>The more a system is automated, the less people understand how the system works</a:t>
+            </a:r>
+          </a:p>
+          <a:p>
+            <a:pPr lvl="2"/>
+            <a:r>
+              <a:rPr lang="en-US" dirty="0" smtClean="0"/>
+              <a:t>Try to strike a balance between automation and future growth in learning</a:t>
+            </a:r>
+          </a:p>
+          <a:p>
+            <a:pPr lvl="2"/>
+            <a:endParaRPr lang="en-US" dirty="0" smtClean="0"/>
+          </a:p>
+          <a:p>
+            <a:r>
+              <a:rPr lang="en-US" dirty="0" smtClean="0"/>
+              <a:t>Tool building vs. automation</a:t>
+            </a:r>
+          </a:p>
+          <a:p>
+            <a:pPr lvl="1"/>
+            <a:r>
+              <a:rPr lang="en-US" dirty="0" smtClean="0"/>
+              <a:t>Tools improve a manual task so that it can be done better</a:t>
+            </a:r>
+          </a:p>
+          <a:p>
+            <a:pPr lvl="2"/>
+            <a:r>
+              <a:rPr lang="en-US" dirty="0" smtClean="0"/>
+              <a:t>Self-service web interface allowing user to launch a new server</a:t>
+            </a:r>
+          </a:p>
+          <a:p>
+            <a:pPr lvl="1"/>
+            <a:r>
+              <a:rPr lang="en-US" dirty="0" smtClean="0"/>
+              <a:t>Automation eliminates the need to perform a manual task</a:t>
+            </a:r>
+          </a:p>
+          <a:p>
+            <a:pPr lvl="2"/>
+            <a:r>
+              <a:rPr lang="en-US" dirty="0" smtClean="0"/>
+              <a:t>Auto-scaling service that automatically launches a server based on predefined trigger</a:t>
+            </a:r>
+          </a:p>
+        </p:txBody>
+      </p:sp>
     </p:spTree>
     <p:extLst>
       <p:ext uri="{BB962C8B-B14F-4D97-AF65-F5344CB8AC3E}">
-        <p14:creationId xmlns:p14="http://schemas.microsoft.com/office/powerpoint/2010/main" val="3301385349"/>
+        <p14:creationId xmlns:p14="http://schemas.microsoft.com/office/powerpoint/2010/main" val="3933324911"/>
       </p:ext>
     </p:extLst>
   </p:cSld>
   <p:clrMapOvr>
     <a:masterClrMapping/>
   </p:clrMapOvr>
+  <p:timing>
+    <p:tnLst>
+      <p:par>
+        <p:cTn id="1" dur="indefinite" restart="never" nodeType="tmRoot"/>
+      </p:par>
+    </p:tnLst>
+  </p:timing>
 </p:sld>
 </file>
 
@@ -12887,6 +13021,13 @@
   <p:clrMapOvr>
     <a:masterClrMapping/>
   </p:clrMapOvr>
+  <p:timing>
+    <p:tnLst>
+      <p:par>
+        <p:cTn id="1" dur="indefinite" restart="never" nodeType="tmRoot"/>
+      </p:par>
+    </p:tnLst>
+  </p:timing>
 </p:sld>
 </file>
 
@@ -12954,30 +13095,14 @@
           <a:p>
             <a:r>
               <a:rPr lang="en-US" dirty="0" smtClean="0"/>
-              <a:t>Shell scripts are traditionally </a:t>
-            </a:r>
-            <a:r>
-              <a:rPr lang="en-US" dirty="0" smtClean="0"/>
-              <a:t>a </a:t>
-            </a:r>
-            <a:r>
-              <a:rPr lang="en-US" dirty="0" smtClean="0"/>
-              <a:t>common </a:t>
-            </a:r>
-            <a:r>
-              <a:rPr lang="en-US" dirty="0" smtClean="0"/>
-              <a:t>tool used for infrastructure automation.</a:t>
-            </a:r>
-          </a:p>
-          <a:p>
-            <a:pPr lvl="1"/>
-            <a:r>
-              <a:rPr lang="en-US" dirty="0" smtClean="0"/>
-              <a:t>Simple and quick to </a:t>
-            </a:r>
-            <a:r>
-              <a:rPr lang="en-US" dirty="0" smtClean="0"/>
-              <a:t>create</a:t>
+              <a:t>Shell scripts are traditionally a common tool used for infrastructure automation.</a:t>
+            </a:r>
+          </a:p>
+          <a:p>
+            <a:pPr lvl="1"/>
+            <a:r>
+              <a:rPr lang="en-US" dirty="0" smtClean="0"/>
+              <a:t>Simple and quick to create</a:t>
             </a:r>
           </a:p>
           <a:p>
@@ -12988,11 +13113,7 @@
             <a:pPr lvl="1"/>
             <a:r>
               <a:rPr lang="en-US" dirty="0" smtClean="0"/>
-              <a:t>Interpreted and executed by systems </a:t>
-            </a:r>
-            <a:r>
-              <a:rPr lang="en-US" dirty="0" smtClean="0"/>
-              <a:t>immediately</a:t>
+              <a:t>Interpreted and executed by systems immediately</a:t>
             </a:r>
           </a:p>
           <a:p>
@@ -13003,11 +13124,7 @@
             <a:pPr lvl="1"/>
             <a:r>
               <a:rPr lang="en-US" dirty="0" smtClean="0"/>
-              <a:t>Batch of commands grouped together in a file and executed from top to </a:t>
-            </a:r>
-            <a:r>
-              <a:rPr lang="en-US" dirty="0" smtClean="0"/>
-              <a:t>bottom</a:t>
+              <a:t>Batch of commands grouped together in a file and executed from top to bottom</a:t>
             </a:r>
           </a:p>
           <a:p>
@@ -13041,6 +13158,13 @@
   <p:clrMapOvr>
     <a:masterClrMapping/>
   </p:clrMapOvr>
+  <p:timing>
+    <p:tnLst>
+      <p:par>
+        <p:cTn id="1" dur="indefinite" restart="never" nodeType="tmRoot"/>
+      </p:par>
+    </p:tnLst>
+  </p:timing>
 </p:sld>
 </file>
 
@@ -13162,6 +13286,13 @@
   <p:clrMapOvr>
     <a:masterClrMapping/>
   </p:clrMapOvr>
+  <p:timing>
+    <p:tnLst>
+      <p:par>
+        <p:cTn id="1" dur="indefinite" restart="never" nodeType="tmRoot"/>
+      </p:par>
+    </p:tnLst>
+  </p:timing>
 </p:sld>
 </file>
 
